--- a/syllabus/17-POO-design-pattern/17_syllabus.pptx
+++ b/syllabus/17-POO-design-pattern/17_syllabus.pptx
@@ -450,7 +450,7 @@
       </p15:notesGuideLst>
     </p:ext>
     <p:ext uri="http://customooxmlschemas.google.com/">
-      <go:slidesCustomData xmlns="" xmlns:mc="http://schemas.openxmlformats.org/markup-compatibility/2006" xmlns:mv="urn:schemas-microsoft-com:mac:vml" xmlns:c="http://schemas.openxmlformats.org/drawingml/2006/chart" xmlns:dgm="http://schemas.openxmlformats.org/drawingml/2006/diagram" xmlns:o="urn:schemas-microsoft-com:office:office" xmlns:v="urn:schemas-microsoft-com:vml" xmlns:pvml="urn:schemas-microsoft-com:office:powerpoint" xmlns:com="http://schemas.openxmlformats.org/drawingml/2006/compatibility" xmlns:p14="http://schemas.microsoft.com/office/powerpoint/2010/main" xmlns:p15="http://schemas.microsoft.com/office/powerpoint/2012/main" xmlns:ahyp="http://schemas.microsoft.com/office/drawing/2018/hyperlinkcolor" xmlns:go="http://customooxmlschemas.google.com/" r:id="rId82" roundtripDataSignature="AMtx7mjSZQRmqTMWKYRBXmlYNJjeBKn4Mw=="/>
+      <go:slidesCustomData xmlns:go="http://customooxmlschemas.google.com/" xmlns:ahyp="http://schemas.microsoft.com/office/drawing/2018/hyperlinkcolor" xmlns:p15="http://schemas.microsoft.com/office/powerpoint/2012/main" xmlns:p14="http://schemas.microsoft.com/office/powerpoint/2010/main" xmlns:com="http://schemas.openxmlformats.org/drawingml/2006/compatibility" xmlns:pvml="urn:schemas-microsoft-com:office:powerpoint" xmlns:v="urn:schemas-microsoft-com:vml" xmlns:o="urn:schemas-microsoft-com:office:office" xmlns:dgm="http://schemas.openxmlformats.org/drawingml/2006/diagram" xmlns:c="http://schemas.openxmlformats.org/drawingml/2006/chart" xmlns:mv="urn:schemas-microsoft-com:mac:vml" xmlns:mc="http://schemas.openxmlformats.org/markup-compatibility/2006" xmlns="" r:id="rId82" roundtripDataSignature="AMtx7mjSZQRmqTMWKYRBXmlYNJjeBKn4Mw=="/>
     </p:ext>
   </p:extLst>
 </p:presentation>
@@ -3090,7 +3090,7 @@
         <p14:reveal/>
       </p:transition>
     </mc:Choice>
-    <mc:Fallback xmlns="" xmlns:mv="urn:schemas-microsoft-com:mac:vml" xmlns:c="http://schemas.openxmlformats.org/drawingml/2006/chart" xmlns:dgm="http://schemas.openxmlformats.org/drawingml/2006/diagram" xmlns:o="urn:schemas-microsoft-com:office:office" xmlns:v="urn:schemas-microsoft-com:vml" xmlns:pvml="urn:schemas-microsoft-com:office:powerpoint" xmlns:com="http://schemas.openxmlformats.org/drawingml/2006/compatibility" xmlns:p15="http://schemas.microsoft.com/office/powerpoint/2012/main" xmlns:ahyp="http://schemas.microsoft.com/office/drawing/2018/hyperlinkcolor">
+    <mc:Fallback xmlns:ahyp="http://schemas.microsoft.com/office/drawing/2018/hyperlinkcolor" xmlns:p15="http://schemas.microsoft.com/office/powerpoint/2012/main" xmlns:com="http://schemas.openxmlformats.org/drawingml/2006/compatibility" xmlns:pvml="urn:schemas-microsoft-com:office:powerpoint" xmlns:v="urn:schemas-microsoft-com:vml" xmlns:o="urn:schemas-microsoft-com:office:office" xmlns:dgm="http://schemas.openxmlformats.org/drawingml/2006/diagram" xmlns:c="http://schemas.openxmlformats.org/drawingml/2006/chart" xmlns:mv="urn:schemas-microsoft-com:mac:vml" xmlns="">
       <p:transition spd="med">
         <p:fade/>
       </p:transition>
@@ -3404,7 +3404,7 @@
         <p14:reveal/>
       </p:transition>
     </mc:Choice>
-    <mc:Fallback xmlns="" xmlns:mv="urn:schemas-microsoft-com:mac:vml" xmlns:c="http://schemas.openxmlformats.org/drawingml/2006/chart" xmlns:dgm="http://schemas.openxmlformats.org/drawingml/2006/diagram" xmlns:o="urn:schemas-microsoft-com:office:office" xmlns:v="urn:schemas-microsoft-com:vml" xmlns:pvml="urn:schemas-microsoft-com:office:powerpoint" xmlns:com="http://schemas.openxmlformats.org/drawingml/2006/compatibility" xmlns:p15="http://schemas.microsoft.com/office/powerpoint/2012/main" xmlns:ahyp="http://schemas.microsoft.com/office/drawing/2018/hyperlinkcolor">
+    <mc:Fallback xmlns:ahyp="http://schemas.microsoft.com/office/drawing/2018/hyperlinkcolor" xmlns:p15="http://schemas.microsoft.com/office/powerpoint/2012/main" xmlns:com="http://schemas.openxmlformats.org/drawingml/2006/compatibility" xmlns:pvml="urn:schemas-microsoft-com:office:powerpoint" xmlns:v="urn:schemas-microsoft-com:vml" xmlns:o="urn:schemas-microsoft-com:office:office" xmlns:dgm="http://schemas.openxmlformats.org/drawingml/2006/diagram" xmlns:c="http://schemas.openxmlformats.org/drawingml/2006/chart" xmlns:mv="urn:schemas-microsoft-com:mac:vml" xmlns="">
       <p:transition spd="med">
         <p:fade/>
       </p:transition>
@@ -3812,7 +3812,7 @@
         <p14:reveal/>
       </p:transition>
     </mc:Choice>
-    <mc:Fallback xmlns="" xmlns:mv="urn:schemas-microsoft-com:mac:vml" xmlns:c="http://schemas.openxmlformats.org/drawingml/2006/chart" xmlns:dgm="http://schemas.openxmlformats.org/drawingml/2006/diagram" xmlns:o="urn:schemas-microsoft-com:office:office" xmlns:v="urn:schemas-microsoft-com:vml" xmlns:pvml="urn:schemas-microsoft-com:office:powerpoint" xmlns:com="http://schemas.openxmlformats.org/drawingml/2006/compatibility" xmlns:p15="http://schemas.microsoft.com/office/powerpoint/2012/main" xmlns:ahyp="http://schemas.microsoft.com/office/drawing/2018/hyperlinkcolor">
+    <mc:Fallback xmlns:ahyp="http://schemas.microsoft.com/office/drawing/2018/hyperlinkcolor" xmlns:p15="http://schemas.microsoft.com/office/powerpoint/2012/main" xmlns:com="http://schemas.openxmlformats.org/drawingml/2006/compatibility" xmlns:pvml="urn:schemas-microsoft-com:office:powerpoint" xmlns:v="urn:schemas-microsoft-com:vml" xmlns:o="urn:schemas-microsoft-com:office:office" xmlns:dgm="http://schemas.openxmlformats.org/drawingml/2006/diagram" xmlns:c="http://schemas.openxmlformats.org/drawingml/2006/chart" xmlns:mv="urn:schemas-microsoft-com:mac:vml" xmlns="">
       <p:transition spd="med">
         <p:fade/>
       </p:transition>
@@ -4174,7 +4174,7 @@
         <p14:reveal/>
       </p:transition>
     </mc:Choice>
-    <mc:Fallback xmlns="" xmlns:mv="urn:schemas-microsoft-com:mac:vml" xmlns:c="http://schemas.openxmlformats.org/drawingml/2006/chart" xmlns:dgm="http://schemas.openxmlformats.org/drawingml/2006/diagram" xmlns:o="urn:schemas-microsoft-com:office:office" xmlns:v="urn:schemas-microsoft-com:vml" xmlns:pvml="urn:schemas-microsoft-com:office:powerpoint" xmlns:com="http://schemas.openxmlformats.org/drawingml/2006/compatibility" xmlns:p15="http://schemas.microsoft.com/office/powerpoint/2012/main" xmlns:ahyp="http://schemas.microsoft.com/office/drawing/2018/hyperlinkcolor">
+    <mc:Fallback xmlns:ahyp="http://schemas.microsoft.com/office/drawing/2018/hyperlinkcolor" xmlns:p15="http://schemas.microsoft.com/office/powerpoint/2012/main" xmlns:com="http://schemas.openxmlformats.org/drawingml/2006/compatibility" xmlns:pvml="urn:schemas-microsoft-com:office:powerpoint" xmlns:v="urn:schemas-microsoft-com:vml" xmlns:o="urn:schemas-microsoft-com:office:office" xmlns:dgm="http://schemas.openxmlformats.org/drawingml/2006/diagram" xmlns:c="http://schemas.openxmlformats.org/drawingml/2006/chart" xmlns:mv="urn:schemas-microsoft-com:mac:vml" xmlns="">
       <p:transition spd="med">
         <p:fade/>
       </p:transition>
@@ -4737,7 +4737,7 @@
         <p14:reveal/>
       </p:transition>
     </mc:Choice>
-    <mc:Fallback xmlns="" xmlns:mv="urn:schemas-microsoft-com:mac:vml" xmlns:c="http://schemas.openxmlformats.org/drawingml/2006/chart" xmlns:dgm="http://schemas.openxmlformats.org/drawingml/2006/diagram" xmlns:o="urn:schemas-microsoft-com:office:office" xmlns:v="urn:schemas-microsoft-com:vml" xmlns:pvml="urn:schemas-microsoft-com:office:powerpoint" xmlns:com="http://schemas.openxmlformats.org/drawingml/2006/compatibility" xmlns:p15="http://schemas.microsoft.com/office/powerpoint/2012/main" xmlns:ahyp="http://schemas.microsoft.com/office/drawing/2018/hyperlinkcolor">
+    <mc:Fallback xmlns:ahyp="http://schemas.microsoft.com/office/drawing/2018/hyperlinkcolor" xmlns:p15="http://schemas.microsoft.com/office/powerpoint/2012/main" xmlns:com="http://schemas.openxmlformats.org/drawingml/2006/compatibility" xmlns:pvml="urn:schemas-microsoft-com:office:powerpoint" xmlns:v="urn:schemas-microsoft-com:vml" xmlns:o="urn:schemas-microsoft-com:office:office" xmlns:dgm="http://schemas.openxmlformats.org/drawingml/2006/diagram" xmlns:c="http://schemas.openxmlformats.org/drawingml/2006/chart" xmlns:mv="urn:schemas-microsoft-com:mac:vml" xmlns="">
       <p:transition spd="med">
         <p:fade/>
       </p:transition>
@@ -5333,7 +5333,7 @@
         <p14:reveal/>
       </p:transition>
     </mc:Choice>
-    <mc:Fallback xmlns="" xmlns:mv="urn:schemas-microsoft-com:mac:vml" xmlns:c="http://schemas.openxmlformats.org/drawingml/2006/chart" xmlns:dgm="http://schemas.openxmlformats.org/drawingml/2006/diagram" xmlns:o="urn:schemas-microsoft-com:office:office" xmlns:v="urn:schemas-microsoft-com:vml" xmlns:pvml="urn:schemas-microsoft-com:office:powerpoint" xmlns:com="http://schemas.openxmlformats.org/drawingml/2006/compatibility" xmlns:p15="http://schemas.microsoft.com/office/powerpoint/2012/main" xmlns:ahyp="http://schemas.microsoft.com/office/drawing/2018/hyperlinkcolor">
+    <mc:Fallback xmlns:ahyp="http://schemas.microsoft.com/office/drawing/2018/hyperlinkcolor" xmlns:p15="http://schemas.microsoft.com/office/powerpoint/2012/main" xmlns:com="http://schemas.openxmlformats.org/drawingml/2006/compatibility" xmlns:pvml="urn:schemas-microsoft-com:office:powerpoint" xmlns:v="urn:schemas-microsoft-com:vml" xmlns:o="urn:schemas-microsoft-com:office:office" xmlns:dgm="http://schemas.openxmlformats.org/drawingml/2006/diagram" xmlns:c="http://schemas.openxmlformats.org/drawingml/2006/chart" xmlns:mv="urn:schemas-microsoft-com:mac:vml" xmlns="">
       <p:transition spd="med">
         <p:fade/>
       </p:transition>
@@ -5513,7 +5513,7 @@
         <p14:reveal/>
       </p:transition>
     </mc:Choice>
-    <mc:Fallback xmlns="" xmlns:mv="urn:schemas-microsoft-com:mac:vml" xmlns:c="http://schemas.openxmlformats.org/drawingml/2006/chart" xmlns:dgm="http://schemas.openxmlformats.org/drawingml/2006/diagram" xmlns:o="urn:schemas-microsoft-com:office:office" xmlns:v="urn:schemas-microsoft-com:vml" xmlns:pvml="urn:schemas-microsoft-com:office:powerpoint" xmlns:com="http://schemas.openxmlformats.org/drawingml/2006/compatibility" xmlns:p15="http://schemas.microsoft.com/office/powerpoint/2012/main" xmlns:ahyp="http://schemas.microsoft.com/office/drawing/2018/hyperlinkcolor">
+    <mc:Fallback xmlns:ahyp="http://schemas.microsoft.com/office/drawing/2018/hyperlinkcolor" xmlns:p15="http://schemas.microsoft.com/office/powerpoint/2012/main" xmlns:com="http://schemas.openxmlformats.org/drawingml/2006/compatibility" xmlns:pvml="urn:schemas-microsoft-com:office:powerpoint" xmlns:v="urn:schemas-microsoft-com:vml" xmlns:o="urn:schemas-microsoft-com:office:office" xmlns:dgm="http://schemas.openxmlformats.org/drawingml/2006/diagram" xmlns:c="http://schemas.openxmlformats.org/drawingml/2006/chart" xmlns:mv="urn:schemas-microsoft-com:mac:vml" xmlns="">
       <p:transition spd="med">
         <p:fade/>
       </p:transition>
@@ -5951,7 +5951,7 @@
         <p14:reveal/>
       </p:transition>
     </mc:Choice>
-    <mc:Fallback xmlns="" xmlns:mv="urn:schemas-microsoft-com:mac:vml" xmlns:c="http://schemas.openxmlformats.org/drawingml/2006/chart" xmlns:dgm="http://schemas.openxmlformats.org/drawingml/2006/diagram" xmlns:o="urn:schemas-microsoft-com:office:office" xmlns:v="urn:schemas-microsoft-com:vml" xmlns:pvml="urn:schemas-microsoft-com:office:powerpoint" xmlns:com="http://schemas.openxmlformats.org/drawingml/2006/compatibility" xmlns:p15="http://schemas.microsoft.com/office/powerpoint/2012/main" xmlns:ahyp="http://schemas.microsoft.com/office/drawing/2018/hyperlinkcolor">
+    <mc:Fallback xmlns:ahyp="http://schemas.microsoft.com/office/drawing/2018/hyperlinkcolor" xmlns:p15="http://schemas.microsoft.com/office/powerpoint/2012/main" xmlns:com="http://schemas.openxmlformats.org/drawingml/2006/compatibility" xmlns:pvml="urn:schemas-microsoft-com:office:powerpoint" xmlns:v="urn:schemas-microsoft-com:vml" xmlns:o="urn:schemas-microsoft-com:office:office" xmlns:dgm="http://schemas.openxmlformats.org/drawingml/2006/diagram" xmlns:c="http://schemas.openxmlformats.org/drawingml/2006/chart" xmlns:mv="urn:schemas-microsoft-com:mac:vml" xmlns="">
       <p:transition spd="med">
         <p:fade/>
       </p:transition>
@@ -6368,7 +6368,7 @@
         <p14:reveal/>
       </p:transition>
     </mc:Choice>
-    <mc:Fallback xmlns="" xmlns:mv="urn:schemas-microsoft-com:mac:vml" xmlns:c="http://schemas.openxmlformats.org/drawingml/2006/chart" xmlns:dgm="http://schemas.openxmlformats.org/drawingml/2006/diagram" xmlns:o="urn:schemas-microsoft-com:office:office" xmlns:v="urn:schemas-microsoft-com:vml" xmlns:pvml="urn:schemas-microsoft-com:office:powerpoint" xmlns:com="http://schemas.openxmlformats.org/drawingml/2006/compatibility" xmlns:p15="http://schemas.microsoft.com/office/powerpoint/2012/main" xmlns:ahyp="http://schemas.microsoft.com/office/drawing/2018/hyperlinkcolor">
+    <mc:Fallback xmlns:ahyp="http://schemas.microsoft.com/office/drawing/2018/hyperlinkcolor" xmlns:p15="http://schemas.microsoft.com/office/powerpoint/2012/main" xmlns:com="http://schemas.openxmlformats.org/drawingml/2006/compatibility" xmlns:pvml="urn:schemas-microsoft-com:office:powerpoint" xmlns:v="urn:schemas-microsoft-com:vml" xmlns:o="urn:schemas-microsoft-com:office:office" xmlns:dgm="http://schemas.openxmlformats.org/drawingml/2006/diagram" xmlns:c="http://schemas.openxmlformats.org/drawingml/2006/chart" xmlns:mv="urn:schemas-microsoft-com:mac:vml" xmlns="">
       <p:transition spd="med">
         <p:fade/>
       </p:transition>
@@ -7258,7 +7258,7 @@
         <p14:reveal/>
       </p:transition>
     </mc:Choice>
-    <mc:Fallback xmlns="" xmlns:mv="urn:schemas-microsoft-com:mac:vml" xmlns:c="http://schemas.openxmlformats.org/drawingml/2006/chart" xmlns:dgm="http://schemas.openxmlformats.org/drawingml/2006/diagram" xmlns:o="urn:schemas-microsoft-com:office:office" xmlns:v="urn:schemas-microsoft-com:vml" xmlns:pvml="urn:schemas-microsoft-com:office:powerpoint" xmlns:com="http://schemas.openxmlformats.org/drawingml/2006/compatibility" xmlns:p15="http://schemas.microsoft.com/office/powerpoint/2012/main" xmlns:ahyp="http://schemas.microsoft.com/office/drawing/2018/hyperlinkcolor">
+    <mc:Fallback xmlns:ahyp="http://schemas.microsoft.com/office/drawing/2018/hyperlinkcolor" xmlns:p15="http://schemas.microsoft.com/office/powerpoint/2012/main" xmlns:com="http://schemas.openxmlformats.org/drawingml/2006/compatibility" xmlns:pvml="urn:schemas-microsoft-com:office:powerpoint" xmlns:v="urn:schemas-microsoft-com:vml" xmlns:o="urn:schemas-microsoft-com:office:office" xmlns:dgm="http://schemas.openxmlformats.org/drawingml/2006/diagram" xmlns:c="http://schemas.openxmlformats.org/drawingml/2006/chart" xmlns:mv="urn:schemas-microsoft-com:mac:vml" xmlns="">
       <p:transition spd="med">
         <p:fade/>
       </p:transition>
@@ -7458,7 +7458,7 @@
         <p14:reveal/>
       </p:transition>
     </mc:Choice>
-    <mc:Fallback xmlns="" xmlns:mv="urn:schemas-microsoft-com:mac:vml" xmlns:c="http://schemas.openxmlformats.org/drawingml/2006/chart" xmlns:dgm="http://schemas.openxmlformats.org/drawingml/2006/diagram" xmlns:o="urn:schemas-microsoft-com:office:office" xmlns:v="urn:schemas-microsoft-com:vml" xmlns:pvml="urn:schemas-microsoft-com:office:powerpoint" xmlns:com="http://schemas.openxmlformats.org/drawingml/2006/compatibility" xmlns:p15="http://schemas.microsoft.com/office/powerpoint/2012/main" xmlns:ahyp="http://schemas.microsoft.com/office/drawing/2018/hyperlinkcolor">
+    <mc:Fallback xmlns:ahyp="http://schemas.microsoft.com/office/drawing/2018/hyperlinkcolor" xmlns:p15="http://schemas.microsoft.com/office/powerpoint/2012/main" xmlns:com="http://schemas.openxmlformats.org/drawingml/2006/compatibility" xmlns:pvml="urn:schemas-microsoft-com:office:powerpoint" xmlns:v="urn:schemas-microsoft-com:vml" xmlns:o="urn:schemas-microsoft-com:office:office" xmlns:dgm="http://schemas.openxmlformats.org/drawingml/2006/diagram" xmlns:c="http://schemas.openxmlformats.org/drawingml/2006/chart" xmlns:mv="urn:schemas-microsoft-com:mac:vml" xmlns="">
       <p:transition spd="med">
         <p:fade/>
       </p:transition>
@@ -7878,7 +7878,7 @@
         <p14:reveal/>
       </p:transition>
     </mc:Choice>
-    <mc:Fallback xmlns="" xmlns:mv="urn:schemas-microsoft-com:mac:vml" xmlns:c="http://schemas.openxmlformats.org/drawingml/2006/chart" xmlns:dgm="http://schemas.openxmlformats.org/drawingml/2006/diagram" xmlns:o="urn:schemas-microsoft-com:office:office" xmlns:v="urn:schemas-microsoft-com:vml" xmlns:pvml="urn:schemas-microsoft-com:office:powerpoint" xmlns:com="http://schemas.openxmlformats.org/drawingml/2006/compatibility" xmlns:p15="http://schemas.microsoft.com/office/powerpoint/2012/main" xmlns:ahyp="http://schemas.microsoft.com/office/drawing/2018/hyperlinkcolor">
+    <mc:Fallback xmlns:ahyp="http://schemas.microsoft.com/office/drawing/2018/hyperlinkcolor" xmlns:p15="http://schemas.microsoft.com/office/powerpoint/2012/main" xmlns:com="http://schemas.openxmlformats.org/drawingml/2006/compatibility" xmlns:pvml="urn:schemas-microsoft-com:office:powerpoint" xmlns:v="urn:schemas-microsoft-com:vml" xmlns:o="urn:schemas-microsoft-com:office:office" xmlns:dgm="http://schemas.openxmlformats.org/drawingml/2006/diagram" xmlns:c="http://schemas.openxmlformats.org/drawingml/2006/chart" xmlns:mv="urn:schemas-microsoft-com:mac:vml" xmlns="">
       <p:transition spd="med">
         <p:fade/>
       </p:transition>
@@ -9384,7 +9384,7 @@
         <p14:reveal/>
       </p:transition>
     </mc:Choice>
-    <mc:Fallback xmlns="" xmlns:mv="urn:schemas-microsoft-com:mac:vml" xmlns:c="http://schemas.openxmlformats.org/drawingml/2006/chart" xmlns:dgm="http://schemas.openxmlformats.org/drawingml/2006/diagram" xmlns:o="urn:schemas-microsoft-com:office:office" xmlns:v="urn:schemas-microsoft-com:vml" xmlns:pvml="urn:schemas-microsoft-com:office:powerpoint" xmlns:com="http://schemas.openxmlformats.org/drawingml/2006/compatibility" xmlns:p15="http://schemas.microsoft.com/office/powerpoint/2012/main" xmlns:ahyp="http://schemas.microsoft.com/office/drawing/2018/hyperlinkcolor">
+    <mc:Fallback xmlns:ahyp="http://schemas.microsoft.com/office/drawing/2018/hyperlinkcolor" xmlns:p15="http://schemas.microsoft.com/office/powerpoint/2012/main" xmlns:com="http://schemas.openxmlformats.org/drawingml/2006/compatibility" xmlns:pvml="urn:schemas-microsoft-com:office:powerpoint" xmlns:v="urn:schemas-microsoft-com:vml" xmlns:o="urn:schemas-microsoft-com:office:office" xmlns:dgm="http://schemas.openxmlformats.org/drawingml/2006/diagram" xmlns:c="http://schemas.openxmlformats.org/drawingml/2006/chart" xmlns:mv="urn:schemas-microsoft-com:mac:vml" xmlns="">
       <p:transition spd="med">
         <p:fade/>
       </p:transition>
@@ -9507,7 +9507,7 @@
         <p14:reveal/>
       </p:transition>
     </mc:Choice>
-    <mc:Fallback xmlns="" xmlns:mv="urn:schemas-microsoft-com:mac:vml" xmlns:c="http://schemas.openxmlformats.org/drawingml/2006/chart" xmlns:dgm="http://schemas.openxmlformats.org/drawingml/2006/diagram" xmlns:o="urn:schemas-microsoft-com:office:office" xmlns:v="urn:schemas-microsoft-com:vml" xmlns:pvml="urn:schemas-microsoft-com:office:powerpoint" xmlns:com="http://schemas.openxmlformats.org/drawingml/2006/compatibility" xmlns:p15="http://schemas.microsoft.com/office/powerpoint/2012/main" xmlns:ahyp="http://schemas.microsoft.com/office/drawing/2018/hyperlinkcolor">
+    <mc:Fallback xmlns:ahyp="http://schemas.microsoft.com/office/drawing/2018/hyperlinkcolor" xmlns:p15="http://schemas.microsoft.com/office/powerpoint/2012/main" xmlns:com="http://schemas.openxmlformats.org/drawingml/2006/compatibility" xmlns:pvml="urn:schemas-microsoft-com:office:powerpoint" xmlns:v="urn:schemas-microsoft-com:vml" xmlns:o="urn:schemas-microsoft-com:office:office" xmlns:dgm="http://schemas.openxmlformats.org/drawingml/2006/diagram" xmlns:c="http://schemas.openxmlformats.org/drawingml/2006/chart" xmlns:mv="urn:schemas-microsoft-com:mac:vml" xmlns="">
       <p:transition spd="med">
         <p:fade/>
       </p:transition>
@@ -10167,7 +10167,7 @@
         <p14:reveal/>
       </p:transition>
     </mc:Choice>
-    <mc:Fallback xmlns="" xmlns:mv="urn:schemas-microsoft-com:mac:vml" xmlns:c="http://schemas.openxmlformats.org/drawingml/2006/chart" xmlns:dgm="http://schemas.openxmlformats.org/drawingml/2006/diagram" xmlns:o="urn:schemas-microsoft-com:office:office" xmlns:v="urn:schemas-microsoft-com:vml" xmlns:pvml="urn:schemas-microsoft-com:office:powerpoint" xmlns:com="http://schemas.openxmlformats.org/drawingml/2006/compatibility" xmlns:p15="http://schemas.microsoft.com/office/powerpoint/2012/main" xmlns:ahyp="http://schemas.microsoft.com/office/drawing/2018/hyperlinkcolor">
+    <mc:Fallback xmlns:ahyp="http://schemas.microsoft.com/office/drawing/2018/hyperlinkcolor" xmlns:p15="http://schemas.microsoft.com/office/powerpoint/2012/main" xmlns:com="http://schemas.openxmlformats.org/drawingml/2006/compatibility" xmlns:pvml="urn:schemas-microsoft-com:office:powerpoint" xmlns:v="urn:schemas-microsoft-com:vml" xmlns:o="urn:schemas-microsoft-com:office:office" xmlns:dgm="http://schemas.openxmlformats.org/drawingml/2006/diagram" xmlns:c="http://schemas.openxmlformats.org/drawingml/2006/chart" xmlns:mv="urn:schemas-microsoft-com:mac:vml" xmlns="">
       <p:transition spd="med">
         <p:fade/>
       </p:transition>
@@ -10537,7 +10537,7 @@
         <p14:reveal/>
       </p:transition>
     </mc:Choice>
-    <mc:Fallback xmlns="" xmlns:mv="urn:schemas-microsoft-com:mac:vml" xmlns:c="http://schemas.openxmlformats.org/drawingml/2006/chart" xmlns:dgm="http://schemas.openxmlformats.org/drawingml/2006/diagram" xmlns:o="urn:schemas-microsoft-com:office:office" xmlns:v="urn:schemas-microsoft-com:vml" xmlns:pvml="urn:schemas-microsoft-com:office:powerpoint" xmlns:com="http://schemas.openxmlformats.org/drawingml/2006/compatibility" xmlns:p15="http://schemas.microsoft.com/office/powerpoint/2012/main" xmlns:ahyp="http://schemas.microsoft.com/office/drawing/2018/hyperlinkcolor">
+    <mc:Fallback xmlns:ahyp="http://schemas.microsoft.com/office/drawing/2018/hyperlinkcolor" xmlns:p15="http://schemas.microsoft.com/office/powerpoint/2012/main" xmlns:com="http://schemas.openxmlformats.org/drawingml/2006/compatibility" xmlns:pvml="urn:schemas-microsoft-com:office:powerpoint" xmlns:v="urn:schemas-microsoft-com:vml" xmlns:o="urn:schemas-microsoft-com:office:office" xmlns:dgm="http://schemas.openxmlformats.org/drawingml/2006/diagram" xmlns:c="http://schemas.openxmlformats.org/drawingml/2006/chart" xmlns:mv="urn:schemas-microsoft-com:mac:vml" xmlns="">
       <p:transition spd="med">
         <p:fade/>
       </p:transition>
@@ -11350,7 +11350,7 @@
         <p14:reveal/>
       </p:transition>
     </mc:Choice>
-    <mc:Fallback xmlns="" xmlns:mv="urn:schemas-microsoft-com:mac:vml" xmlns:c="http://schemas.openxmlformats.org/drawingml/2006/chart" xmlns:dgm="http://schemas.openxmlformats.org/drawingml/2006/diagram" xmlns:o="urn:schemas-microsoft-com:office:office" xmlns:v="urn:schemas-microsoft-com:vml" xmlns:pvml="urn:schemas-microsoft-com:office:powerpoint" xmlns:com="http://schemas.openxmlformats.org/drawingml/2006/compatibility" xmlns:p15="http://schemas.microsoft.com/office/powerpoint/2012/main" xmlns:ahyp="http://schemas.microsoft.com/office/drawing/2018/hyperlinkcolor">
+    <mc:Fallback xmlns:ahyp="http://schemas.microsoft.com/office/drawing/2018/hyperlinkcolor" xmlns:p15="http://schemas.microsoft.com/office/powerpoint/2012/main" xmlns:com="http://schemas.openxmlformats.org/drawingml/2006/compatibility" xmlns:pvml="urn:schemas-microsoft-com:office:powerpoint" xmlns:v="urn:schemas-microsoft-com:vml" xmlns:o="urn:schemas-microsoft-com:office:office" xmlns:dgm="http://schemas.openxmlformats.org/drawingml/2006/diagram" xmlns:c="http://schemas.openxmlformats.org/drawingml/2006/chart" xmlns:mv="urn:schemas-microsoft-com:mac:vml" xmlns="">
       <p:transition spd="med">
         <p:fade/>
       </p:transition>
@@ -11920,7 +11920,7 @@
         <p14:reveal/>
       </p:transition>
     </mc:Choice>
-    <mc:Fallback xmlns="" xmlns:mv="urn:schemas-microsoft-com:mac:vml" xmlns:c="http://schemas.openxmlformats.org/drawingml/2006/chart" xmlns:dgm="http://schemas.openxmlformats.org/drawingml/2006/diagram" xmlns:o="urn:schemas-microsoft-com:office:office" xmlns:v="urn:schemas-microsoft-com:vml" xmlns:pvml="urn:schemas-microsoft-com:office:powerpoint" xmlns:com="http://schemas.openxmlformats.org/drawingml/2006/compatibility" xmlns:p15="http://schemas.microsoft.com/office/powerpoint/2012/main" xmlns:ahyp="http://schemas.microsoft.com/office/drawing/2018/hyperlinkcolor">
+    <mc:Fallback xmlns:ahyp="http://schemas.microsoft.com/office/drawing/2018/hyperlinkcolor" xmlns:p15="http://schemas.microsoft.com/office/powerpoint/2012/main" xmlns:com="http://schemas.openxmlformats.org/drawingml/2006/compatibility" xmlns:pvml="urn:schemas-microsoft-com:office:powerpoint" xmlns:v="urn:schemas-microsoft-com:vml" xmlns:o="urn:schemas-microsoft-com:office:office" xmlns:dgm="http://schemas.openxmlformats.org/drawingml/2006/diagram" xmlns:c="http://schemas.openxmlformats.org/drawingml/2006/chart" xmlns:mv="urn:schemas-microsoft-com:mac:vml" xmlns="">
       <p:transition spd="med">
         <p:fade/>
       </p:transition>
@@ -12672,7 +12672,7 @@
         <p14:reveal/>
       </p:transition>
     </mc:Choice>
-    <mc:Fallback xmlns="" xmlns:mv="urn:schemas-microsoft-com:mac:vml" xmlns:c="http://schemas.openxmlformats.org/drawingml/2006/chart" xmlns:dgm="http://schemas.openxmlformats.org/drawingml/2006/diagram" xmlns:o="urn:schemas-microsoft-com:office:office" xmlns:v="urn:schemas-microsoft-com:vml" xmlns:pvml="urn:schemas-microsoft-com:office:powerpoint" xmlns:com="http://schemas.openxmlformats.org/drawingml/2006/compatibility" xmlns:p15="http://schemas.microsoft.com/office/powerpoint/2012/main" xmlns:ahyp="http://schemas.microsoft.com/office/drawing/2018/hyperlinkcolor">
+    <mc:Fallback xmlns:ahyp="http://schemas.microsoft.com/office/drawing/2018/hyperlinkcolor" xmlns:p15="http://schemas.microsoft.com/office/powerpoint/2012/main" xmlns:com="http://schemas.openxmlformats.org/drawingml/2006/compatibility" xmlns:pvml="urn:schemas-microsoft-com:office:powerpoint" xmlns:v="urn:schemas-microsoft-com:vml" xmlns:o="urn:schemas-microsoft-com:office:office" xmlns:dgm="http://schemas.openxmlformats.org/drawingml/2006/diagram" xmlns:c="http://schemas.openxmlformats.org/drawingml/2006/chart" xmlns:mv="urn:schemas-microsoft-com:mac:vml" xmlns="">
       <p:transition spd="med">
         <p:fade/>
       </p:transition>
@@ -13058,7 +13058,7 @@
         <p14:reveal/>
       </p:transition>
     </mc:Choice>
-    <mc:Fallback xmlns="" xmlns:mv="urn:schemas-microsoft-com:mac:vml" xmlns:c="http://schemas.openxmlformats.org/drawingml/2006/chart" xmlns:dgm="http://schemas.openxmlformats.org/drawingml/2006/diagram" xmlns:o="urn:schemas-microsoft-com:office:office" xmlns:v="urn:schemas-microsoft-com:vml" xmlns:pvml="urn:schemas-microsoft-com:office:powerpoint" xmlns:com="http://schemas.openxmlformats.org/drawingml/2006/compatibility" xmlns:p15="http://schemas.microsoft.com/office/powerpoint/2012/main" xmlns:ahyp="http://schemas.microsoft.com/office/drawing/2018/hyperlinkcolor">
+    <mc:Fallback xmlns:ahyp="http://schemas.microsoft.com/office/drawing/2018/hyperlinkcolor" xmlns:p15="http://schemas.microsoft.com/office/powerpoint/2012/main" xmlns:com="http://schemas.openxmlformats.org/drawingml/2006/compatibility" xmlns:pvml="urn:schemas-microsoft-com:office:powerpoint" xmlns:v="urn:schemas-microsoft-com:vml" xmlns:o="urn:schemas-microsoft-com:office:office" xmlns:dgm="http://schemas.openxmlformats.org/drawingml/2006/diagram" xmlns:c="http://schemas.openxmlformats.org/drawingml/2006/chart" xmlns:mv="urn:schemas-microsoft-com:mac:vml" xmlns="">
       <p:transition spd="med">
         <p:fade/>
       </p:transition>
@@ -13374,7 +13374,7 @@
         <p14:reveal/>
       </p:transition>
     </mc:Choice>
-    <mc:Fallback xmlns="" xmlns:mv="urn:schemas-microsoft-com:mac:vml" xmlns:c="http://schemas.openxmlformats.org/drawingml/2006/chart" xmlns:dgm="http://schemas.openxmlformats.org/drawingml/2006/diagram" xmlns:o="urn:schemas-microsoft-com:office:office" xmlns:v="urn:schemas-microsoft-com:vml" xmlns:pvml="urn:schemas-microsoft-com:office:powerpoint" xmlns:com="http://schemas.openxmlformats.org/drawingml/2006/compatibility" xmlns:p15="http://schemas.microsoft.com/office/powerpoint/2012/main" xmlns:ahyp="http://schemas.microsoft.com/office/drawing/2018/hyperlinkcolor">
+    <mc:Fallback xmlns:ahyp="http://schemas.microsoft.com/office/drawing/2018/hyperlinkcolor" xmlns:p15="http://schemas.microsoft.com/office/powerpoint/2012/main" xmlns:com="http://schemas.openxmlformats.org/drawingml/2006/compatibility" xmlns:pvml="urn:schemas-microsoft-com:office:powerpoint" xmlns:v="urn:schemas-microsoft-com:vml" xmlns:o="urn:schemas-microsoft-com:office:office" xmlns:dgm="http://schemas.openxmlformats.org/drawingml/2006/diagram" xmlns:c="http://schemas.openxmlformats.org/drawingml/2006/chart" xmlns:mv="urn:schemas-microsoft-com:mac:vml" xmlns="">
       <p:transition spd="med">
         <p:fade/>
       </p:transition>
@@ -13569,7 +13569,7 @@
         <p14:reveal/>
       </p:transition>
     </mc:Choice>
-    <mc:Fallback xmlns="" xmlns:mv="urn:schemas-microsoft-com:mac:vml" xmlns:c="http://schemas.openxmlformats.org/drawingml/2006/chart" xmlns:dgm="http://schemas.openxmlformats.org/drawingml/2006/diagram" xmlns:o="urn:schemas-microsoft-com:office:office" xmlns:v="urn:schemas-microsoft-com:vml" xmlns:pvml="urn:schemas-microsoft-com:office:powerpoint" xmlns:com="http://schemas.openxmlformats.org/drawingml/2006/compatibility" xmlns:p15="http://schemas.microsoft.com/office/powerpoint/2012/main" xmlns:ahyp="http://schemas.microsoft.com/office/drawing/2018/hyperlinkcolor">
+    <mc:Fallback xmlns:ahyp="http://schemas.microsoft.com/office/drawing/2018/hyperlinkcolor" xmlns:p15="http://schemas.microsoft.com/office/powerpoint/2012/main" xmlns:com="http://schemas.openxmlformats.org/drawingml/2006/compatibility" xmlns:pvml="urn:schemas-microsoft-com:office:powerpoint" xmlns:v="urn:schemas-microsoft-com:vml" xmlns:o="urn:schemas-microsoft-com:office:office" xmlns:dgm="http://schemas.openxmlformats.org/drawingml/2006/diagram" xmlns:c="http://schemas.openxmlformats.org/drawingml/2006/chart" xmlns:mv="urn:schemas-microsoft-com:mac:vml" xmlns="">
       <p:transition spd="med">
         <p:fade/>
       </p:transition>
@@ -14003,7 +14003,7 @@
         <p14:reveal/>
       </p:transition>
     </mc:Choice>
-    <mc:Fallback xmlns="" xmlns:mv="urn:schemas-microsoft-com:mac:vml" xmlns:c="http://schemas.openxmlformats.org/drawingml/2006/chart" xmlns:dgm="http://schemas.openxmlformats.org/drawingml/2006/diagram" xmlns:o="urn:schemas-microsoft-com:office:office" xmlns:v="urn:schemas-microsoft-com:vml" xmlns:pvml="urn:schemas-microsoft-com:office:powerpoint" xmlns:com="http://schemas.openxmlformats.org/drawingml/2006/compatibility" xmlns:p15="http://schemas.microsoft.com/office/powerpoint/2012/main" xmlns:ahyp="http://schemas.microsoft.com/office/drawing/2018/hyperlinkcolor">
+    <mc:Fallback xmlns:ahyp="http://schemas.microsoft.com/office/drawing/2018/hyperlinkcolor" xmlns:p15="http://schemas.microsoft.com/office/powerpoint/2012/main" xmlns:com="http://schemas.openxmlformats.org/drawingml/2006/compatibility" xmlns:pvml="urn:schemas-microsoft-com:office:powerpoint" xmlns:v="urn:schemas-microsoft-com:vml" xmlns:o="urn:schemas-microsoft-com:office:office" xmlns:dgm="http://schemas.openxmlformats.org/drawingml/2006/diagram" xmlns:c="http://schemas.openxmlformats.org/drawingml/2006/chart" xmlns:mv="urn:schemas-microsoft-com:mac:vml" xmlns="">
       <p:transition spd="med">
         <p:fade/>
       </p:transition>
@@ -14803,7 +14803,7 @@
         <p14:reveal/>
       </p:transition>
     </mc:Choice>
-    <mc:Fallback xmlns="" xmlns:mv="urn:schemas-microsoft-com:mac:vml" xmlns:c="http://schemas.openxmlformats.org/drawingml/2006/chart" xmlns:dgm="http://schemas.openxmlformats.org/drawingml/2006/diagram" xmlns:o="urn:schemas-microsoft-com:office:office" xmlns:v="urn:schemas-microsoft-com:vml" xmlns:pvml="urn:schemas-microsoft-com:office:powerpoint" xmlns:com="http://schemas.openxmlformats.org/drawingml/2006/compatibility" xmlns:p15="http://schemas.microsoft.com/office/powerpoint/2012/main" xmlns:ahyp="http://schemas.microsoft.com/office/drawing/2018/hyperlinkcolor">
+    <mc:Fallback xmlns:ahyp="http://schemas.microsoft.com/office/drawing/2018/hyperlinkcolor" xmlns:p15="http://schemas.microsoft.com/office/powerpoint/2012/main" xmlns:com="http://schemas.openxmlformats.org/drawingml/2006/compatibility" xmlns:pvml="urn:schemas-microsoft-com:office:powerpoint" xmlns:v="urn:schemas-microsoft-com:vml" xmlns:o="urn:schemas-microsoft-com:office:office" xmlns:dgm="http://schemas.openxmlformats.org/drawingml/2006/diagram" xmlns:c="http://schemas.openxmlformats.org/drawingml/2006/chart" xmlns:mv="urn:schemas-microsoft-com:mac:vml" xmlns="">
       <p:transition spd="med">
         <p:fade/>
       </p:transition>
@@ -14992,7 +14992,7 @@
         <p14:reveal/>
       </p:transition>
     </mc:Choice>
-    <mc:Fallback xmlns="" xmlns:mv="urn:schemas-microsoft-com:mac:vml" xmlns:c="http://schemas.openxmlformats.org/drawingml/2006/chart" xmlns:dgm="http://schemas.openxmlformats.org/drawingml/2006/diagram" xmlns:o="urn:schemas-microsoft-com:office:office" xmlns:v="urn:schemas-microsoft-com:vml" xmlns:pvml="urn:schemas-microsoft-com:office:powerpoint" xmlns:com="http://schemas.openxmlformats.org/drawingml/2006/compatibility" xmlns:p15="http://schemas.microsoft.com/office/powerpoint/2012/main" xmlns:ahyp="http://schemas.microsoft.com/office/drawing/2018/hyperlinkcolor">
+    <mc:Fallback xmlns:ahyp="http://schemas.microsoft.com/office/drawing/2018/hyperlinkcolor" xmlns:p15="http://schemas.microsoft.com/office/powerpoint/2012/main" xmlns:com="http://schemas.openxmlformats.org/drawingml/2006/compatibility" xmlns:pvml="urn:schemas-microsoft-com:office:powerpoint" xmlns:v="urn:schemas-microsoft-com:vml" xmlns:o="urn:schemas-microsoft-com:office:office" xmlns:dgm="http://schemas.openxmlformats.org/drawingml/2006/diagram" xmlns:c="http://schemas.openxmlformats.org/drawingml/2006/chart" xmlns:mv="urn:schemas-microsoft-com:mac:vml" xmlns="">
       <p:transition spd="med">
         <p:fade/>
       </p:transition>
@@ -15151,7 +15151,7 @@
         <p14:reveal/>
       </p:transition>
     </mc:Choice>
-    <mc:Fallback xmlns="" xmlns:mv="urn:schemas-microsoft-com:mac:vml" xmlns:c="http://schemas.openxmlformats.org/drawingml/2006/chart" xmlns:dgm="http://schemas.openxmlformats.org/drawingml/2006/diagram" xmlns:o="urn:schemas-microsoft-com:office:office" xmlns:v="urn:schemas-microsoft-com:vml" xmlns:pvml="urn:schemas-microsoft-com:office:powerpoint" xmlns:com="http://schemas.openxmlformats.org/drawingml/2006/compatibility" xmlns:p15="http://schemas.microsoft.com/office/powerpoint/2012/main" xmlns:ahyp="http://schemas.microsoft.com/office/drawing/2018/hyperlinkcolor">
+    <mc:Fallback xmlns:ahyp="http://schemas.microsoft.com/office/drawing/2018/hyperlinkcolor" xmlns:p15="http://schemas.microsoft.com/office/powerpoint/2012/main" xmlns:com="http://schemas.openxmlformats.org/drawingml/2006/compatibility" xmlns:pvml="urn:schemas-microsoft-com:office:powerpoint" xmlns:v="urn:schemas-microsoft-com:vml" xmlns:o="urn:schemas-microsoft-com:office:office" xmlns:dgm="http://schemas.openxmlformats.org/drawingml/2006/diagram" xmlns:c="http://schemas.openxmlformats.org/drawingml/2006/chart" xmlns:mv="urn:schemas-microsoft-com:mac:vml" xmlns="">
       <p:transition spd="med">
         <p:fade/>
       </p:transition>
@@ -16598,7 +16598,7 @@
         <p14:reveal/>
       </p:transition>
     </mc:Choice>
-    <mc:Fallback xmlns="" xmlns:mv="urn:schemas-microsoft-com:mac:vml" xmlns:c="http://schemas.openxmlformats.org/drawingml/2006/chart" xmlns:dgm="http://schemas.openxmlformats.org/drawingml/2006/diagram" xmlns:o="urn:schemas-microsoft-com:office:office" xmlns:v="urn:schemas-microsoft-com:vml" xmlns:pvml="urn:schemas-microsoft-com:office:powerpoint" xmlns:com="http://schemas.openxmlformats.org/drawingml/2006/compatibility" xmlns:p15="http://schemas.microsoft.com/office/powerpoint/2012/main" xmlns:ahyp="http://schemas.microsoft.com/office/drawing/2018/hyperlinkcolor">
+    <mc:Fallback xmlns:ahyp="http://schemas.microsoft.com/office/drawing/2018/hyperlinkcolor" xmlns:p15="http://schemas.microsoft.com/office/powerpoint/2012/main" xmlns:com="http://schemas.openxmlformats.org/drawingml/2006/compatibility" xmlns:pvml="urn:schemas-microsoft-com:office:powerpoint" xmlns:v="urn:schemas-microsoft-com:vml" xmlns:o="urn:schemas-microsoft-com:office:office" xmlns:dgm="http://schemas.openxmlformats.org/drawingml/2006/diagram" xmlns:c="http://schemas.openxmlformats.org/drawingml/2006/chart" xmlns:mv="urn:schemas-microsoft-com:mac:vml" xmlns="">
       <p:transition spd="med">
         <p:fade/>
       </p:transition>
@@ -16755,7 +16755,7 @@
         <p14:reveal/>
       </p:transition>
     </mc:Choice>
-    <mc:Fallback xmlns="" xmlns:mv="urn:schemas-microsoft-com:mac:vml" xmlns:c="http://schemas.openxmlformats.org/drawingml/2006/chart" xmlns:dgm="http://schemas.openxmlformats.org/drawingml/2006/diagram" xmlns:o="urn:schemas-microsoft-com:office:office" xmlns:v="urn:schemas-microsoft-com:vml" xmlns:pvml="urn:schemas-microsoft-com:office:powerpoint" xmlns:com="http://schemas.openxmlformats.org/drawingml/2006/compatibility" xmlns:p15="http://schemas.microsoft.com/office/powerpoint/2012/main" xmlns:ahyp="http://schemas.microsoft.com/office/drawing/2018/hyperlinkcolor">
+    <mc:Fallback xmlns:ahyp="http://schemas.microsoft.com/office/drawing/2018/hyperlinkcolor" xmlns:p15="http://schemas.microsoft.com/office/powerpoint/2012/main" xmlns:com="http://schemas.openxmlformats.org/drawingml/2006/compatibility" xmlns:pvml="urn:schemas-microsoft-com:office:powerpoint" xmlns:v="urn:schemas-microsoft-com:vml" xmlns:o="urn:schemas-microsoft-com:office:office" xmlns:dgm="http://schemas.openxmlformats.org/drawingml/2006/diagram" xmlns:c="http://schemas.openxmlformats.org/drawingml/2006/chart" xmlns:mv="urn:schemas-microsoft-com:mac:vml" xmlns="">
       <p:transition spd="med">
         <p:fade/>
       </p:transition>
@@ -17138,7 +17138,7 @@
         <p14:reveal/>
       </p:transition>
     </mc:Choice>
-    <mc:Fallback xmlns="" xmlns:mv="urn:schemas-microsoft-com:mac:vml" xmlns:c="http://schemas.openxmlformats.org/drawingml/2006/chart" xmlns:dgm="http://schemas.openxmlformats.org/drawingml/2006/diagram" xmlns:o="urn:schemas-microsoft-com:office:office" xmlns:v="urn:schemas-microsoft-com:vml" xmlns:pvml="urn:schemas-microsoft-com:office:powerpoint" xmlns:com="http://schemas.openxmlformats.org/drawingml/2006/compatibility" xmlns:p15="http://schemas.microsoft.com/office/powerpoint/2012/main" xmlns:ahyp="http://schemas.microsoft.com/office/drawing/2018/hyperlinkcolor">
+    <mc:Fallback xmlns:ahyp="http://schemas.microsoft.com/office/drawing/2018/hyperlinkcolor" xmlns:p15="http://schemas.microsoft.com/office/powerpoint/2012/main" xmlns:com="http://schemas.openxmlformats.org/drawingml/2006/compatibility" xmlns:pvml="urn:schemas-microsoft-com:office:powerpoint" xmlns:v="urn:schemas-microsoft-com:vml" xmlns:o="urn:schemas-microsoft-com:office:office" xmlns:dgm="http://schemas.openxmlformats.org/drawingml/2006/diagram" xmlns:c="http://schemas.openxmlformats.org/drawingml/2006/chart" xmlns:mv="urn:schemas-microsoft-com:mac:vml" xmlns="">
       <p:transition spd="med">
         <p:fade/>
       </p:transition>
@@ -17210,7 +17210,7 @@
         <p14:reveal/>
       </p:transition>
     </mc:Choice>
-    <mc:Fallback xmlns="" xmlns:mv="urn:schemas-microsoft-com:mac:vml" xmlns:c="http://schemas.openxmlformats.org/drawingml/2006/chart" xmlns:dgm="http://schemas.openxmlformats.org/drawingml/2006/diagram" xmlns:o="urn:schemas-microsoft-com:office:office" xmlns:v="urn:schemas-microsoft-com:vml" xmlns:pvml="urn:schemas-microsoft-com:office:powerpoint" xmlns:com="http://schemas.openxmlformats.org/drawingml/2006/compatibility" xmlns:p15="http://schemas.microsoft.com/office/powerpoint/2012/main" xmlns:ahyp="http://schemas.microsoft.com/office/drawing/2018/hyperlinkcolor">
+    <mc:Fallback xmlns:ahyp="http://schemas.microsoft.com/office/drawing/2018/hyperlinkcolor" xmlns:p15="http://schemas.microsoft.com/office/powerpoint/2012/main" xmlns:com="http://schemas.openxmlformats.org/drawingml/2006/compatibility" xmlns:pvml="urn:schemas-microsoft-com:office:powerpoint" xmlns:v="urn:schemas-microsoft-com:vml" xmlns:o="urn:schemas-microsoft-com:office:office" xmlns:dgm="http://schemas.openxmlformats.org/drawingml/2006/diagram" xmlns:c="http://schemas.openxmlformats.org/drawingml/2006/chart" xmlns:mv="urn:schemas-microsoft-com:mac:vml" xmlns="">
       <p:transition spd="med">
         <p:fade/>
       </p:transition>
@@ -17804,7 +17804,7 @@
         <p14:reveal/>
       </p:transition>
     </mc:Choice>
-    <mc:Fallback xmlns="" xmlns:mv="urn:schemas-microsoft-com:mac:vml" xmlns:c="http://schemas.openxmlformats.org/drawingml/2006/chart" xmlns:dgm="http://schemas.openxmlformats.org/drawingml/2006/diagram" xmlns:o="urn:schemas-microsoft-com:office:office" xmlns:v="urn:schemas-microsoft-com:vml" xmlns:pvml="urn:schemas-microsoft-com:office:powerpoint" xmlns:com="http://schemas.openxmlformats.org/drawingml/2006/compatibility" xmlns:p15="http://schemas.microsoft.com/office/powerpoint/2012/main" xmlns:ahyp="http://schemas.microsoft.com/office/drawing/2018/hyperlinkcolor">
+    <mc:Fallback xmlns:ahyp="http://schemas.microsoft.com/office/drawing/2018/hyperlinkcolor" xmlns:p15="http://schemas.microsoft.com/office/powerpoint/2012/main" xmlns:com="http://schemas.openxmlformats.org/drawingml/2006/compatibility" xmlns:pvml="urn:schemas-microsoft-com:office:powerpoint" xmlns:v="urn:schemas-microsoft-com:vml" xmlns:o="urn:schemas-microsoft-com:office:office" xmlns:dgm="http://schemas.openxmlformats.org/drawingml/2006/diagram" xmlns:c="http://schemas.openxmlformats.org/drawingml/2006/chart" xmlns:mv="urn:schemas-microsoft-com:mac:vml" xmlns="">
       <p:transition spd="med">
         <p:fade/>
       </p:transition>
@@ -18477,7 +18477,7 @@
         <p14:reveal/>
       </p:transition>
     </mc:Choice>
-    <mc:Fallback xmlns="" xmlns:mv="urn:schemas-microsoft-com:mac:vml" xmlns:c="http://schemas.openxmlformats.org/drawingml/2006/chart" xmlns:dgm="http://schemas.openxmlformats.org/drawingml/2006/diagram" xmlns:o="urn:schemas-microsoft-com:office:office" xmlns:v="urn:schemas-microsoft-com:vml" xmlns:pvml="urn:schemas-microsoft-com:office:powerpoint" xmlns:com="http://schemas.openxmlformats.org/drawingml/2006/compatibility" xmlns:p15="http://schemas.microsoft.com/office/powerpoint/2012/main" xmlns:ahyp="http://schemas.microsoft.com/office/drawing/2018/hyperlinkcolor">
+    <mc:Fallback xmlns:ahyp="http://schemas.microsoft.com/office/drawing/2018/hyperlinkcolor" xmlns:p15="http://schemas.microsoft.com/office/powerpoint/2012/main" xmlns:com="http://schemas.openxmlformats.org/drawingml/2006/compatibility" xmlns:pvml="urn:schemas-microsoft-com:office:powerpoint" xmlns:v="urn:schemas-microsoft-com:vml" xmlns:o="urn:schemas-microsoft-com:office:office" xmlns:dgm="http://schemas.openxmlformats.org/drawingml/2006/diagram" xmlns:c="http://schemas.openxmlformats.org/drawingml/2006/chart" xmlns:mv="urn:schemas-microsoft-com:mac:vml" xmlns="">
       <p:transition spd="med">
         <p:fade/>
       </p:transition>
@@ -20127,7 +20127,7 @@
         <p14:reveal/>
       </p:transition>
     </mc:Choice>
-    <mc:Fallback xmlns="" xmlns:mv="urn:schemas-microsoft-com:mac:vml" xmlns:c="http://schemas.openxmlformats.org/drawingml/2006/chart" xmlns:dgm="http://schemas.openxmlformats.org/drawingml/2006/diagram" xmlns:o="urn:schemas-microsoft-com:office:office" xmlns:v="urn:schemas-microsoft-com:vml" xmlns:pvml="urn:schemas-microsoft-com:office:powerpoint" xmlns:com="http://schemas.openxmlformats.org/drawingml/2006/compatibility" xmlns:p15="http://schemas.microsoft.com/office/powerpoint/2012/main" xmlns:ahyp="http://schemas.microsoft.com/office/drawing/2018/hyperlinkcolor">
+    <mc:Fallback xmlns:ahyp="http://schemas.microsoft.com/office/drawing/2018/hyperlinkcolor" xmlns:p15="http://schemas.microsoft.com/office/powerpoint/2012/main" xmlns:com="http://schemas.openxmlformats.org/drawingml/2006/compatibility" xmlns:pvml="urn:schemas-microsoft-com:office:powerpoint" xmlns:v="urn:schemas-microsoft-com:vml" xmlns:o="urn:schemas-microsoft-com:office:office" xmlns:dgm="http://schemas.openxmlformats.org/drawingml/2006/diagram" xmlns:c="http://schemas.openxmlformats.org/drawingml/2006/chart" xmlns:mv="urn:schemas-microsoft-com:mac:vml" xmlns="">
       <p:transition spd="med">
         <p:fade/>
       </p:transition>
@@ -23505,7 +23505,7 @@
         <p14:reveal/>
       </p:transition>
     </mc:Choice>
-    <mc:Fallback xmlns="" xmlns:mv="urn:schemas-microsoft-com:mac:vml" xmlns:c="http://schemas.openxmlformats.org/drawingml/2006/chart" xmlns:dgm="http://schemas.openxmlformats.org/drawingml/2006/diagram" xmlns:o="urn:schemas-microsoft-com:office:office" xmlns:v="urn:schemas-microsoft-com:vml" xmlns:pvml="urn:schemas-microsoft-com:office:powerpoint" xmlns:com="http://schemas.openxmlformats.org/drawingml/2006/compatibility" xmlns:p15="http://schemas.microsoft.com/office/powerpoint/2012/main" xmlns:ahyp="http://schemas.microsoft.com/office/drawing/2018/hyperlinkcolor">
+    <mc:Fallback xmlns:ahyp="http://schemas.microsoft.com/office/drawing/2018/hyperlinkcolor" xmlns:p15="http://schemas.microsoft.com/office/powerpoint/2012/main" xmlns:com="http://schemas.openxmlformats.org/drawingml/2006/compatibility" xmlns:pvml="urn:schemas-microsoft-com:office:powerpoint" xmlns:v="urn:schemas-microsoft-com:vml" xmlns:o="urn:schemas-microsoft-com:office:office" xmlns:dgm="http://schemas.openxmlformats.org/drawingml/2006/diagram" xmlns:c="http://schemas.openxmlformats.org/drawingml/2006/chart" xmlns:mv="urn:schemas-microsoft-com:mac:vml" xmlns="">
       <p:transition spd="med">
         <p:fade/>
       </p:transition>
@@ -24885,7 +24885,7 @@
         <p14:reveal/>
       </p:transition>
     </mc:Choice>
-    <mc:Fallback xmlns="" xmlns:mv="urn:schemas-microsoft-com:mac:vml" xmlns:c="http://schemas.openxmlformats.org/drawingml/2006/chart" xmlns:dgm="http://schemas.openxmlformats.org/drawingml/2006/diagram" xmlns:o="urn:schemas-microsoft-com:office:office" xmlns:v="urn:schemas-microsoft-com:vml" xmlns:pvml="urn:schemas-microsoft-com:office:powerpoint" xmlns:com="http://schemas.openxmlformats.org/drawingml/2006/compatibility" xmlns:p15="http://schemas.microsoft.com/office/powerpoint/2012/main" xmlns:ahyp="http://schemas.microsoft.com/office/drawing/2018/hyperlinkcolor">
+    <mc:Fallback xmlns:ahyp="http://schemas.microsoft.com/office/drawing/2018/hyperlinkcolor" xmlns:p15="http://schemas.microsoft.com/office/powerpoint/2012/main" xmlns:com="http://schemas.openxmlformats.org/drawingml/2006/compatibility" xmlns:pvml="urn:schemas-microsoft-com:office:powerpoint" xmlns:v="urn:schemas-microsoft-com:vml" xmlns:o="urn:schemas-microsoft-com:office:office" xmlns:dgm="http://schemas.openxmlformats.org/drawingml/2006/diagram" xmlns:c="http://schemas.openxmlformats.org/drawingml/2006/chart" xmlns:mv="urn:schemas-microsoft-com:mac:vml" xmlns="">
       <p:transition spd="med">
         <p:fade/>
       </p:transition>
@@ -25264,13 +25264,13 @@
   <p:clrMapOvr>
     <a:masterClrMapping/>
   </p:clrMapOvr>
-  <mc:AlternateContent xmlns:mc="http://schemas.openxmlformats.org/markup-compatibility/2006">
-    <mc:Choice xmlns:p14="http://schemas.microsoft.com/office/powerpoint/2010/main" Requires="p14">
+  <mc:AlternateContent xmlns:mc="http://schemas.openxmlformats.org/markup-compatibility/2006" xmlns:p14="http://schemas.microsoft.com/office/powerpoint/2010/main">
+    <mc:Choice Requires="p14">
       <p:transition spd="slow">
         <p14:reveal/>
       </p:transition>
     </mc:Choice>
-    <mc:Fallback>
+    <mc:Fallback xmlns="">
       <p:transition spd="slow">
         <p:fade/>
       </p:transition>
@@ -26230,7 +26230,7 @@
             </a:r>
             <a:r>
               <a:rPr lang="fr-BE" sz="2800"/>
-              <a:t>afin que, malgré qu'il y ait deux objets (?), le dictionnaire soit unique.</a:t>
+              <a:t>afin que le dictionnaire soit unique.</a:t>
             </a:r>
           </a:p>
           <a:p>
@@ -26292,6 +26292,19 @@
               </a:rPr>
               <a:t>append( key, value )</a:t>
             </a:r>
+          </a:p>
+          <a:p>
+            <a:pPr marL="482600" lvl="1" indent="0">
+              <a:buNone/>
+            </a:pPr>
+            <a:br>
+              <a:rPr lang="fr-BE" sz="2400" b="1">
+                <a:solidFill>
+                  <a:srgbClr val="A87236"/>
+                </a:solidFill>
+                <a:latin typeface="Courier New" panose="02070309020205020404" pitchFamily="49" charset="0"/>
+              </a:rPr>
+            </a:br>
             <a:endParaRPr lang="fr-BE" sz="2800" b="1">
               <a:solidFill>
                 <a:srgbClr val="A87236"/>
@@ -26692,7 +26705,7 @@
         </p:spPr>
         <p:txBody>
           <a:bodyPr numCol="1" spcCol="360000">
-            <a:normAutofit fontScale="85000" lnSpcReduction="20000"/>
+            <a:normAutofit fontScale="92500" lnSpcReduction="20000"/>
           </a:bodyPr>
           <a:lstStyle/>
           <a:p>
@@ -26791,7 +26804,25 @@
                 </a:solidFill>
                 <a:latin typeface="Courier New" panose="02070309020205020404" pitchFamily="49" charset="0"/>
               </a:rPr>
-              <a:t>    if Storage.__instance is None:</a:t>
+              <a:t>    if </a:t>
+            </a:r>
+            <a:r>
+              <a:rPr lang="en-US" sz="2800" b="1">
+                <a:solidFill>
+                  <a:schemeClr val="accent5"/>
+                </a:solidFill>
+                <a:latin typeface="Courier New" panose="02070309020205020404" pitchFamily="49" charset="0"/>
+              </a:rPr>
+              <a:t>Storage</a:t>
+            </a:r>
+            <a:r>
+              <a:rPr lang="en-US" sz="2800" b="1">
+                <a:solidFill>
+                  <a:schemeClr val="accent2"/>
+                </a:solidFill>
+                <a:latin typeface="Courier New" panose="02070309020205020404" pitchFamily="49" charset="0"/>
+              </a:rPr>
+              <a:t>.__instance is None:</a:t>
             </a:r>
           </a:p>
           <a:p>
@@ -26828,11 +26859,20 @@
             <a:r>
               <a:rPr lang="en-US" sz="2800" b="1">
                 <a:solidFill>
+                  <a:schemeClr val="accent5"/>
+                </a:solidFill>
+                <a:latin typeface="Courier New" panose="02070309020205020404" pitchFamily="49" charset="0"/>
+              </a:rPr>
+              <a:t>Storage</a:t>
+            </a:r>
+            <a:r>
+              <a:rPr lang="en-US" sz="2800" b="1">
+                <a:solidFill>
                   <a:schemeClr val="accent2"/>
                 </a:solidFill>
                 <a:latin typeface="Courier New" panose="02070309020205020404" pitchFamily="49" charset="0"/>
               </a:rPr>
-              <a:t>Storage.__instance = </a:t>
+              <a:t>.__instance = </a:t>
             </a:r>
             <a:r>
               <a:rPr lang="en-US" sz="2800" b="1">
@@ -26871,7 +26911,25 @@
                 </a:solidFill>
                 <a:latin typeface="Courier New" panose="02070309020205020404" pitchFamily="49" charset="0"/>
               </a:rPr>
-              <a:t>    return Storage.__instance </a:t>
+              <a:t>    return </a:t>
+            </a:r>
+            <a:r>
+              <a:rPr lang="en-US" sz="2800" b="1">
+                <a:solidFill>
+                  <a:schemeClr val="accent5"/>
+                </a:solidFill>
+                <a:latin typeface="Courier New" panose="02070309020205020404" pitchFamily="49" charset="0"/>
+              </a:rPr>
+              <a:t>Storage</a:t>
+            </a:r>
+            <a:r>
+              <a:rPr lang="en-US" sz="2800" b="1">
+                <a:solidFill>
+                  <a:schemeClr val="accent2"/>
+                </a:solidFill>
+                <a:latin typeface="Courier New" panose="02070309020205020404" pitchFamily="49" charset="0"/>
+              </a:rPr>
+              <a:t>.__instance </a:t>
             </a:r>
           </a:p>
           <a:p>
@@ -26896,25 +26954,16 @@
                 </a:solidFill>
                 <a:latin typeface="Courier New" panose="02070309020205020404" pitchFamily="49" charset="0"/>
               </a:rPr>
-              <a:t>  def </a:t>
-            </a:r>
-            <a:r>
-              <a:rPr lang="en-US" sz="2800" b="1">
-                <a:solidFill>
-                  <a:schemeClr val="accent5"/>
-                </a:solidFill>
-                <a:latin typeface="Courier New" panose="02070309020205020404" pitchFamily="49" charset="0"/>
-              </a:rPr>
-              <a:t>__init__</a:t>
-            </a:r>
-            <a:r>
-              <a:rPr lang="en-US" sz="2800" b="1">
+              <a:t>  def __init__(</a:t>
+            </a:r>
+            <a:r>
+              <a:rPr lang="en-US" sz="2800" b="1" dirty="0">
                 <a:solidFill>
                   <a:srgbClr val="A87236"/>
                 </a:solidFill>
                 <a:latin typeface="Courier New" panose="02070309020205020404" pitchFamily="49" charset="0"/>
               </a:rPr>
-              <a:t>(self):</a:t>
+              <a:t>self):</a:t>
             </a:r>
           </a:p>
           <a:p>
@@ -26930,7 +26979,18 @@
                 </a:solidFill>
                 <a:latin typeface="Courier New" panose="02070309020205020404" pitchFamily="49" charset="0"/>
               </a:rPr>
-              <a:t>    # If instance already exists, then exception</a:t>
+              <a:t>    </a:t>
+            </a:r>
+            <a:r>
+              <a:rPr lang="en-US" sz="2800" b="1" dirty="0">
+                <a:solidFill>
+                  <a:schemeClr val="bg1">
+                    <a:lumMod val="50000"/>
+                  </a:schemeClr>
+                </a:solidFill>
+                <a:latin typeface="Courier New" panose="02070309020205020404" pitchFamily="49" charset="0"/>
+              </a:rPr>
+              <a:t># If instance already exists, then exception</a:t>
             </a:r>
           </a:p>
           <a:p>
@@ -26944,7 +27004,34 @@
                 </a:solidFill>
                 <a:latin typeface="Courier New" panose="02070309020205020404" pitchFamily="49" charset="0"/>
               </a:rPr>
-              <a:t>    if Storage.__instance is not None:</a:t>
+              <a:t>    if self.__instance</a:t>
+            </a:r>
+            <a:r>
+              <a:rPr lang="en-US" sz="2800" b="1" dirty="0">
+                <a:solidFill>
+                  <a:schemeClr val="accent2"/>
+                </a:solidFill>
+                <a:latin typeface="Courier New" panose="02070309020205020404" pitchFamily="49" charset="0"/>
+              </a:rPr>
+              <a:t> </a:t>
+            </a:r>
+            <a:r>
+              <a:rPr lang="en-US" sz="2800" b="1">
+                <a:solidFill>
+                  <a:schemeClr val="accent2"/>
+                </a:solidFill>
+                <a:latin typeface="Courier New" panose="02070309020205020404" pitchFamily="49" charset="0"/>
+              </a:rPr>
+              <a:t>is </a:t>
+            </a:r>
+            <a:r>
+              <a:rPr lang="en-US" sz="2800" b="1" dirty="0">
+                <a:solidFill>
+                  <a:schemeClr val="accent2"/>
+                </a:solidFill>
+                <a:latin typeface="Courier New" panose="02070309020205020404" pitchFamily="49" charset="0"/>
+              </a:rPr>
+              <a:t>not None:</a:t>
             </a:r>
           </a:p>
           <a:p>
@@ -26952,7 +27039,7 @@
               <a:buNone/>
             </a:pPr>
             <a:r>
-              <a:rPr lang="en-US" sz="2800" b="1">
+              <a:rPr lang="en-US" sz="2800" b="1" dirty="0">
                 <a:solidFill>
                   <a:schemeClr val="accent2"/>
                 </a:solidFill>
@@ -26965,42 +27052,12 @@
             <a:pPr marL="82800" indent="0">
               <a:buNone/>
             </a:pPr>
-            <a:endParaRPr lang="en-US" sz="2800" b="1">
+            <a:endParaRPr lang="en-US" sz="2800" b="1" dirty="0">
               <a:solidFill>
                 <a:srgbClr val="A87236"/>
               </a:solidFill>
               <a:latin typeface="Courier New" panose="02070309020205020404" pitchFamily="49" charset="0"/>
             </a:endParaRPr>
-          </a:p>
-          <a:p>
-            <a:pPr marL="82800" indent="0">
-              <a:buNone/>
-            </a:pPr>
-            <a:r>
-              <a:rPr lang="en-US" sz="2800" b="1">
-                <a:solidFill>
-                  <a:schemeClr val="bg1">
-                    <a:lumMod val="50000"/>
-                  </a:schemeClr>
-                </a:solidFill>
-                <a:latin typeface="Courier New" panose="02070309020205020404" pitchFamily="49" charset="0"/>
-              </a:rPr>
-              <a:t>    # Sequel of the constructor</a:t>
-            </a:r>
-          </a:p>
-          <a:p>
-            <a:pPr marL="82800" indent="0">
-              <a:buNone/>
-            </a:pPr>
-            <a:r>
-              <a:rPr lang="en-US" sz="2800" b="1">
-                <a:solidFill>
-                  <a:srgbClr val="A87236"/>
-                </a:solidFill>
-                <a:latin typeface="Courier New" panose="02070309020205020404" pitchFamily="49" charset="0"/>
-              </a:rPr>
-              <a:t>    ... ...</a:t>
-            </a:r>
           </a:p>
         </p:txBody>
       </p:sp>
@@ -27098,7 +27155,7 @@
         </p:spPr>
         <p:txBody>
           <a:bodyPr numCol="1" spcCol="360000">
-            <a:normAutofit fontScale="85000" lnSpcReduction="20000"/>
+            <a:normAutofit fontScale="92500" lnSpcReduction="20000"/>
           </a:bodyPr>
           <a:lstStyle/>
           <a:p>
@@ -27197,7 +27254,25 @@
                 </a:solidFill>
                 <a:latin typeface="Courier New" panose="02070309020205020404" pitchFamily="49" charset="0"/>
               </a:rPr>
-              <a:t>    if cls.__instance is None:</a:t>
+              <a:t>    if </a:t>
+            </a:r>
+            <a:r>
+              <a:rPr lang="en-US" sz="2800" b="1">
+                <a:solidFill>
+                  <a:schemeClr val="accent5"/>
+                </a:solidFill>
+                <a:latin typeface="Courier New" panose="02070309020205020404" pitchFamily="49" charset="0"/>
+              </a:rPr>
+              <a:t>cls</a:t>
+            </a:r>
+            <a:r>
+              <a:rPr lang="en-US" sz="2800" b="1">
+                <a:solidFill>
+                  <a:schemeClr val="accent2"/>
+                </a:solidFill>
+                <a:latin typeface="Courier New" panose="02070309020205020404" pitchFamily="49" charset="0"/>
+              </a:rPr>
+              <a:t>.__instance is None:</a:t>
             </a:r>
           </a:p>
           <a:p>
@@ -27234,11 +27309,20 @@
             <a:r>
               <a:rPr lang="en-US" sz="2800" b="1">
                 <a:solidFill>
+                  <a:schemeClr val="accent5"/>
+                </a:solidFill>
+                <a:latin typeface="Courier New" panose="02070309020205020404" pitchFamily="49" charset="0"/>
+              </a:rPr>
+              <a:t>cls</a:t>
+            </a:r>
+            <a:r>
+              <a:rPr lang="en-US" sz="2800" b="1">
+                <a:solidFill>
                   <a:schemeClr val="accent2"/>
                 </a:solidFill>
                 <a:latin typeface="Courier New" panose="02070309020205020404" pitchFamily="49" charset="0"/>
               </a:rPr>
-              <a:t>cls.__instance = </a:t>
+              <a:t>.__instance = </a:t>
             </a:r>
             <a:r>
               <a:rPr lang="en-US" sz="2800" b="1">
@@ -27277,7 +27361,25 @@
                 </a:solidFill>
                 <a:latin typeface="Courier New" panose="02070309020205020404" pitchFamily="49" charset="0"/>
               </a:rPr>
-              <a:t>    return cls.__instance </a:t>
+              <a:t>    return </a:t>
+            </a:r>
+            <a:r>
+              <a:rPr lang="en-US" sz="2800" b="1">
+                <a:solidFill>
+                  <a:schemeClr val="accent5"/>
+                </a:solidFill>
+                <a:latin typeface="Courier New" panose="02070309020205020404" pitchFamily="49" charset="0"/>
+              </a:rPr>
+              <a:t>cls</a:t>
+            </a:r>
+            <a:r>
+              <a:rPr lang="en-US" sz="2800" b="1">
+                <a:solidFill>
+                  <a:schemeClr val="accent2"/>
+                </a:solidFill>
+                <a:latin typeface="Courier New" panose="02070309020205020404" pitchFamily="49" charset="0"/>
+              </a:rPr>
+              <a:t>.__instance </a:t>
             </a:r>
           </a:p>
           <a:p>
@@ -27302,25 +27404,7 @@
                 </a:solidFill>
                 <a:latin typeface="Courier New" panose="02070309020205020404" pitchFamily="49" charset="0"/>
               </a:rPr>
-              <a:t>  def </a:t>
-            </a:r>
-            <a:r>
-              <a:rPr lang="en-US" sz="2800" b="1">
-                <a:solidFill>
-                  <a:schemeClr val="accent5"/>
-                </a:solidFill>
-                <a:latin typeface="Courier New" panose="02070309020205020404" pitchFamily="49" charset="0"/>
-              </a:rPr>
-              <a:t>__init__</a:t>
-            </a:r>
-            <a:r>
-              <a:rPr lang="en-US" sz="2800" b="1">
-                <a:solidFill>
-                  <a:srgbClr val="A87236"/>
-                </a:solidFill>
-                <a:latin typeface="Courier New" panose="02070309020205020404" pitchFamily="49" charset="0"/>
-              </a:rPr>
-              <a:t>(self):</a:t>
+              <a:t>  def __init__(self):</a:t>
             </a:r>
           </a:p>
           <a:p>
@@ -27336,43 +27420,10 @@
                 </a:solidFill>
                 <a:latin typeface="Courier New" panose="02070309020205020404" pitchFamily="49" charset="0"/>
               </a:rPr>
-              <a:t>    # If instance already exists, then exception</a:t>
-            </a:r>
-          </a:p>
-          <a:p>
-            <a:pPr marL="82800" indent="0">
-              <a:buNone/>
-            </a:pPr>
-            <a:r>
-              <a:rPr lang="en-US" sz="2800" b="1">
-                <a:solidFill>
-                  <a:schemeClr val="accent2"/>
-                </a:solidFill>
-                <a:latin typeface="Courier New" panose="02070309020205020404" pitchFamily="49" charset="0"/>
-              </a:rPr>
-              <a:t>    if cls.__instance is not None:</a:t>
-            </a:r>
-          </a:p>
-          <a:p>
-            <a:pPr marL="82800" indent="0">
-              <a:buNone/>
-            </a:pPr>
-            <a:r>
-              <a:rPr lang="en-US" sz="2800" b="1">
-                <a:solidFill>
-                  <a:schemeClr val="accent2"/>
-                </a:solidFill>
-                <a:latin typeface="Courier New" panose="02070309020205020404" pitchFamily="49" charset="0"/>
-              </a:rPr>
-              <a:t>      raise Exception("This class is a singleton!")</a:t>
-            </a:r>
-          </a:p>
-          <a:p>
-            <a:pPr marL="82800" indent="0">
-              <a:buNone/>
-            </a:pPr>
-            <a:r>
-              <a:rPr lang="en-US" sz="2800" b="1">
+              <a:t>    </a:t>
+            </a:r>
+            <a:r>
+              <a:rPr lang="en-US" sz="2800" b="1" dirty="0">
                 <a:solidFill>
                   <a:schemeClr val="bg1">
                     <a:lumMod val="50000"/>
@@ -27380,7 +27431,7 @@
                 </a:solidFill>
                 <a:latin typeface="Courier New" panose="02070309020205020404" pitchFamily="49" charset="0"/>
               </a:rPr>
-              <a:t>    # Sequel of the constructor</a:t>
+              <a:t># If instance already exists, then exception</a:t>
             </a:r>
           </a:p>
           <a:p>
@@ -27390,11 +27441,52 @@
             <a:r>
               <a:rPr lang="en-US" sz="2800" b="1">
                 <a:solidFill>
-                  <a:srgbClr val="A87236"/>
-                </a:solidFill>
-                <a:latin typeface="Courier New" panose="02070309020205020404" pitchFamily="49" charset="0"/>
-              </a:rPr>
-              <a:t>    ... ...</a:t>
+                  <a:schemeClr val="accent2"/>
+                </a:solidFill>
+                <a:latin typeface="Courier New" panose="02070309020205020404" pitchFamily="49" charset="0"/>
+              </a:rPr>
+              <a:t>    if self.__instance</a:t>
+            </a:r>
+            <a:r>
+              <a:rPr lang="en-US" sz="2800" b="1" dirty="0">
+                <a:solidFill>
+                  <a:schemeClr val="accent2"/>
+                </a:solidFill>
+                <a:latin typeface="Courier New" panose="02070309020205020404" pitchFamily="49" charset="0"/>
+              </a:rPr>
+              <a:t> </a:t>
+            </a:r>
+            <a:r>
+              <a:rPr lang="en-US" sz="2800" b="1">
+                <a:solidFill>
+                  <a:schemeClr val="accent2"/>
+                </a:solidFill>
+                <a:latin typeface="Courier New" panose="02070309020205020404" pitchFamily="49" charset="0"/>
+              </a:rPr>
+              <a:t>is </a:t>
+            </a:r>
+            <a:r>
+              <a:rPr lang="en-US" sz="2800" b="1" dirty="0">
+                <a:solidFill>
+                  <a:schemeClr val="accent2"/>
+                </a:solidFill>
+                <a:latin typeface="Courier New" panose="02070309020205020404" pitchFamily="49" charset="0"/>
+              </a:rPr>
+              <a:t>not None:</a:t>
+            </a:r>
+          </a:p>
+          <a:p>
+            <a:pPr marL="82800" indent="0">
+              <a:buNone/>
+            </a:pPr>
+            <a:r>
+              <a:rPr lang="en-US" sz="2800" b="1" dirty="0">
+                <a:solidFill>
+                  <a:schemeClr val="accent2"/>
+                </a:solidFill>
+                <a:latin typeface="Courier New" panose="02070309020205020404" pitchFamily="49" charset="0"/>
+              </a:rPr>
+              <a:t>      raise Exception("This class is a singleton!")</a:t>
             </a:r>
           </a:p>
         </p:txBody>
@@ -27769,7 +27861,7 @@
         <p14:reveal/>
       </p:transition>
     </mc:Choice>
-    <mc:Fallback xmlns="" xmlns:mv="urn:schemas-microsoft-com:mac:vml" xmlns:c="http://schemas.openxmlformats.org/drawingml/2006/chart" xmlns:dgm="http://schemas.openxmlformats.org/drawingml/2006/diagram" xmlns:o="urn:schemas-microsoft-com:office:office" xmlns:v="urn:schemas-microsoft-com:vml" xmlns:pvml="urn:schemas-microsoft-com:office:powerpoint" xmlns:com="http://schemas.openxmlformats.org/drawingml/2006/compatibility" xmlns:p15="http://schemas.microsoft.com/office/powerpoint/2012/main" xmlns:ahyp="http://schemas.microsoft.com/office/drawing/2018/hyperlinkcolor">
+    <mc:Fallback xmlns:ahyp="http://schemas.microsoft.com/office/drawing/2018/hyperlinkcolor" xmlns:p15="http://schemas.microsoft.com/office/powerpoint/2012/main" xmlns:com="http://schemas.openxmlformats.org/drawingml/2006/compatibility" xmlns:pvml="urn:schemas-microsoft-com:office:powerpoint" xmlns:v="urn:schemas-microsoft-com:vml" xmlns:o="urn:schemas-microsoft-com:office:office" xmlns:dgm="http://schemas.openxmlformats.org/drawingml/2006/diagram" xmlns:c="http://schemas.openxmlformats.org/drawingml/2006/chart" xmlns:mv="urn:schemas-microsoft-com:mac:vml" xmlns="">
       <p:transition spd="med">
         <p:fade/>
       </p:transition>
@@ -28600,7 +28692,7 @@
         <p14:reveal/>
       </p:transition>
     </mc:Choice>
-    <mc:Fallback xmlns="" xmlns:mv="urn:schemas-microsoft-com:mac:vml" xmlns:c="http://schemas.openxmlformats.org/drawingml/2006/chart" xmlns:dgm="http://schemas.openxmlformats.org/drawingml/2006/diagram" xmlns:o="urn:schemas-microsoft-com:office:office" xmlns:v="urn:schemas-microsoft-com:vml" xmlns:pvml="urn:schemas-microsoft-com:office:powerpoint" xmlns:com="http://schemas.openxmlformats.org/drawingml/2006/compatibility" xmlns:p15="http://schemas.microsoft.com/office/powerpoint/2012/main" xmlns:ahyp="http://schemas.microsoft.com/office/drawing/2018/hyperlinkcolor">
+    <mc:Fallback xmlns:ahyp="http://schemas.microsoft.com/office/drawing/2018/hyperlinkcolor" xmlns:p15="http://schemas.microsoft.com/office/powerpoint/2012/main" xmlns:com="http://schemas.openxmlformats.org/drawingml/2006/compatibility" xmlns:pvml="urn:schemas-microsoft-com:office:powerpoint" xmlns:v="urn:schemas-microsoft-com:vml" xmlns:o="urn:schemas-microsoft-com:office:office" xmlns:dgm="http://schemas.openxmlformats.org/drawingml/2006/diagram" xmlns:c="http://schemas.openxmlformats.org/drawingml/2006/chart" xmlns:mv="urn:schemas-microsoft-com:mac:vml" xmlns="">
       <p:transition spd="med">
         <p:fade/>
       </p:transition>
@@ -28745,7 +28837,7 @@
         <p14:reveal/>
       </p:transition>
     </mc:Choice>
-    <mc:Fallback xmlns="" xmlns:mv="urn:schemas-microsoft-com:mac:vml" xmlns:c="http://schemas.openxmlformats.org/drawingml/2006/chart" xmlns:dgm="http://schemas.openxmlformats.org/drawingml/2006/diagram" xmlns:o="urn:schemas-microsoft-com:office:office" xmlns:v="urn:schemas-microsoft-com:vml" xmlns:pvml="urn:schemas-microsoft-com:office:powerpoint" xmlns:com="http://schemas.openxmlformats.org/drawingml/2006/compatibility" xmlns:p15="http://schemas.microsoft.com/office/powerpoint/2012/main" xmlns:ahyp="http://schemas.microsoft.com/office/drawing/2018/hyperlinkcolor">
+    <mc:Fallback xmlns:ahyp="http://schemas.microsoft.com/office/drawing/2018/hyperlinkcolor" xmlns:p15="http://schemas.microsoft.com/office/powerpoint/2012/main" xmlns:com="http://schemas.openxmlformats.org/drawingml/2006/compatibility" xmlns:pvml="urn:schemas-microsoft-com:office:powerpoint" xmlns:v="urn:schemas-microsoft-com:vml" xmlns:o="urn:schemas-microsoft-com:office:office" xmlns:dgm="http://schemas.openxmlformats.org/drawingml/2006/diagram" xmlns:c="http://schemas.openxmlformats.org/drawingml/2006/chart" xmlns:mv="urn:schemas-microsoft-com:mac:vml" xmlns="">
       <p:transition spd="med">
         <p:fade/>
       </p:transition>
@@ -29090,7 +29182,7 @@
         <p14:reveal/>
       </p:transition>
     </mc:Choice>
-    <mc:Fallback xmlns="" xmlns:mv="urn:schemas-microsoft-com:mac:vml" xmlns:c="http://schemas.openxmlformats.org/drawingml/2006/chart" xmlns:dgm="http://schemas.openxmlformats.org/drawingml/2006/diagram" xmlns:o="urn:schemas-microsoft-com:office:office" xmlns:v="urn:schemas-microsoft-com:vml" xmlns:pvml="urn:schemas-microsoft-com:office:powerpoint" xmlns:com="http://schemas.openxmlformats.org/drawingml/2006/compatibility" xmlns:p15="http://schemas.microsoft.com/office/powerpoint/2012/main" xmlns:ahyp="http://schemas.microsoft.com/office/drawing/2018/hyperlinkcolor">
+    <mc:Fallback xmlns:ahyp="http://schemas.microsoft.com/office/drawing/2018/hyperlinkcolor" xmlns:p15="http://schemas.microsoft.com/office/powerpoint/2012/main" xmlns:com="http://schemas.openxmlformats.org/drawingml/2006/compatibility" xmlns:pvml="urn:schemas-microsoft-com:office:powerpoint" xmlns:v="urn:schemas-microsoft-com:vml" xmlns:o="urn:schemas-microsoft-com:office:office" xmlns:dgm="http://schemas.openxmlformats.org/drawingml/2006/diagram" xmlns:c="http://schemas.openxmlformats.org/drawingml/2006/chart" xmlns:mv="urn:schemas-microsoft-com:mac:vml" xmlns="">
       <p:transition spd="med">
         <p:fade/>
       </p:transition>
@@ -29171,7 +29263,7 @@
         <p14:reveal/>
       </p:transition>
     </mc:Choice>
-    <mc:Fallback xmlns="" xmlns:mv="urn:schemas-microsoft-com:mac:vml" xmlns:c="http://schemas.openxmlformats.org/drawingml/2006/chart" xmlns:dgm="http://schemas.openxmlformats.org/drawingml/2006/diagram" xmlns:o="urn:schemas-microsoft-com:office:office" xmlns:v="urn:schemas-microsoft-com:vml" xmlns:pvml="urn:schemas-microsoft-com:office:powerpoint" xmlns:com="http://schemas.openxmlformats.org/drawingml/2006/compatibility" xmlns:p15="http://schemas.microsoft.com/office/powerpoint/2012/main" xmlns:ahyp="http://schemas.microsoft.com/office/drawing/2018/hyperlinkcolor">
+    <mc:Fallback xmlns:ahyp="http://schemas.microsoft.com/office/drawing/2018/hyperlinkcolor" xmlns:p15="http://schemas.microsoft.com/office/powerpoint/2012/main" xmlns:com="http://schemas.openxmlformats.org/drawingml/2006/compatibility" xmlns:pvml="urn:schemas-microsoft-com:office:powerpoint" xmlns:v="urn:schemas-microsoft-com:vml" xmlns:o="urn:schemas-microsoft-com:office:office" xmlns:dgm="http://schemas.openxmlformats.org/drawingml/2006/diagram" xmlns:c="http://schemas.openxmlformats.org/drawingml/2006/chart" xmlns:mv="urn:schemas-microsoft-com:mac:vml" xmlns="">
       <p:transition spd="med">
         <p:fade/>
       </p:transition>

--- a/syllabus/17-POO-design-pattern/17_syllabus.pptx
+++ b/syllabus/17-POO-design-pattern/17_syllabus.pptx
@@ -450,7 +450,7 @@
       </p15:notesGuideLst>
     </p:ext>
     <p:ext uri="http://customooxmlschemas.google.com/">
-      <go:slidesCustomData xmlns:go="http://customooxmlschemas.google.com/" xmlns:ahyp="http://schemas.microsoft.com/office/drawing/2018/hyperlinkcolor" xmlns:p15="http://schemas.microsoft.com/office/powerpoint/2012/main" xmlns:p14="http://schemas.microsoft.com/office/powerpoint/2010/main" xmlns:com="http://schemas.openxmlformats.org/drawingml/2006/compatibility" xmlns:pvml="urn:schemas-microsoft-com:office:powerpoint" xmlns:v="urn:schemas-microsoft-com:vml" xmlns:o="urn:schemas-microsoft-com:office:office" xmlns:dgm="http://schemas.openxmlformats.org/drawingml/2006/diagram" xmlns:c="http://schemas.openxmlformats.org/drawingml/2006/chart" xmlns:mv="urn:schemas-microsoft-com:mac:vml" xmlns:mc="http://schemas.openxmlformats.org/markup-compatibility/2006" xmlns="" r:id="rId82" roundtripDataSignature="AMtx7mjSZQRmqTMWKYRBXmlYNJjeBKn4Mw=="/>
+      <go:slidesCustomData xmlns="" xmlns:mc="http://schemas.openxmlformats.org/markup-compatibility/2006" xmlns:mv="urn:schemas-microsoft-com:mac:vml" xmlns:c="http://schemas.openxmlformats.org/drawingml/2006/chart" xmlns:dgm="http://schemas.openxmlformats.org/drawingml/2006/diagram" xmlns:o="urn:schemas-microsoft-com:office:office" xmlns:v="urn:schemas-microsoft-com:vml" xmlns:pvml="urn:schemas-microsoft-com:office:powerpoint" xmlns:com="http://schemas.openxmlformats.org/drawingml/2006/compatibility" xmlns:p14="http://schemas.microsoft.com/office/powerpoint/2010/main" xmlns:p15="http://schemas.microsoft.com/office/powerpoint/2012/main" xmlns:ahyp="http://schemas.microsoft.com/office/drawing/2018/hyperlinkcolor" xmlns:go="http://customooxmlschemas.google.com/" r:id="rId82" roundtripDataSignature="AMtx7mjSZQRmqTMWKYRBXmlYNJjeBKn4Mw=="/>
     </p:ext>
   </p:extLst>
 </p:presentation>
@@ -3090,7 +3090,7 @@
         <p14:reveal/>
       </p:transition>
     </mc:Choice>
-    <mc:Fallback xmlns:ahyp="http://schemas.microsoft.com/office/drawing/2018/hyperlinkcolor" xmlns:p15="http://schemas.microsoft.com/office/powerpoint/2012/main" xmlns:com="http://schemas.openxmlformats.org/drawingml/2006/compatibility" xmlns:pvml="urn:schemas-microsoft-com:office:powerpoint" xmlns:v="urn:schemas-microsoft-com:vml" xmlns:o="urn:schemas-microsoft-com:office:office" xmlns:dgm="http://schemas.openxmlformats.org/drawingml/2006/diagram" xmlns:c="http://schemas.openxmlformats.org/drawingml/2006/chart" xmlns:mv="urn:schemas-microsoft-com:mac:vml" xmlns="">
+    <mc:Fallback xmlns="" xmlns:mv="urn:schemas-microsoft-com:mac:vml" xmlns:c="http://schemas.openxmlformats.org/drawingml/2006/chart" xmlns:dgm="http://schemas.openxmlformats.org/drawingml/2006/diagram" xmlns:o="urn:schemas-microsoft-com:office:office" xmlns:v="urn:schemas-microsoft-com:vml" xmlns:pvml="urn:schemas-microsoft-com:office:powerpoint" xmlns:com="http://schemas.openxmlformats.org/drawingml/2006/compatibility" xmlns:p15="http://schemas.microsoft.com/office/powerpoint/2012/main" xmlns:ahyp="http://schemas.microsoft.com/office/drawing/2018/hyperlinkcolor">
       <p:transition spd="med">
         <p:fade/>
       </p:transition>
@@ -3404,7 +3404,7 @@
         <p14:reveal/>
       </p:transition>
     </mc:Choice>
-    <mc:Fallback xmlns:ahyp="http://schemas.microsoft.com/office/drawing/2018/hyperlinkcolor" xmlns:p15="http://schemas.microsoft.com/office/powerpoint/2012/main" xmlns:com="http://schemas.openxmlformats.org/drawingml/2006/compatibility" xmlns:pvml="urn:schemas-microsoft-com:office:powerpoint" xmlns:v="urn:schemas-microsoft-com:vml" xmlns:o="urn:schemas-microsoft-com:office:office" xmlns:dgm="http://schemas.openxmlformats.org/drawingml/2006/diagram" xmlns:c="http://schemas.openxmlformats.org/drawingml/2006/chart" xmlns:mv="urn:schemas-microsoft-com:mac:vml" xmlns="">
+    <mc:Fallback xmlns="" xmlns:mv="urn:schemas-microsoft-com:mac:vml" xmlns:c="http://schemas.openxmlformats.org/drawingml/2006/chart" xmlns:dgm="http://schemas.openxmlformats.org/drawingml/2006/diagram" xmlns:o="urn:schemas-microsoft-com:office:office" xmlns:v="urn:schemas-microsoft-com:vml" xmlns:pvml="urn:schemas-microsoft-com:office:powerpoint" xmlns:com="http://schemas.openxmlformats.org/drawingml/2006/compatibility" xmlns:p15="http://schemas.microsoft.com/office/powerpoint/2012/main" xmlns:ahyp="http://schemas.microsoft.com/office/drawing/2018/hyperlinkcolor">
       <p:transition spd="med">
         <p:fade/>
       </p:transition>
@@ -3812,7 +3812,7 @@
         <p14:reveal/>
       </p:transition>
     </mc:Choice>
-    <mc:Fallback xmlns:ahyp="http://schemas.microsoft.com/office/drawing/2018/hyperlinkcolor" xmlns:p15="http://schemas.microsoft.com/office/powerpoint/2012/main" xmlns:com="http://schemas.openxmlformats.org/drawingml/2006/compatibility" xmlns:pvml="urn:schemas-microsoft-com:office:powerpoint" xmlns:v="urn:schemas-microsoft-com:vml" xmlns:o="urn:schemas-microsoft-com:office:office" xmlns:dgm="http://schemas.openxmlformats.org/drawingml/2006/diagram" xmlns:c="http://schemas.openxmlformats.org/drawingml/2006/chart" xmlns:mv="urn:schemas-microsoft-com:mac:vml" xmlns="">
+    <mc:Fallback xmlns="" xmlns:mv="urn:schemas-microsoft-com:mac:vml" xmlns:c="http://schemas.openxmlformats.org/drawingml/2006/chart" xmlns:dgm="http://schemas.openxmlformats.org/drawingml/2006/diagram" xmlns:o="urn:schemas-microsoft-com:office:office" xmlns:v="urn:schemas-microsoft-com:vml" xmlns:pvml="urn:schemas-microsoft-com:office:powerpoint" xmlns:com="http://schemas.openxmlformats.org/drawingml/2006/compatibility" xmlns:p15="http://schemas.microsoft.com/office/powerpoint/2012/main" xmlns:ahyp="http://schemas.microsoft.com/office/drawing/2018/hyperlinkcolor">
       <p:transition spd="med">
         <p:fade/>
       </p:transition>
@@ -4174,7 +4174,7 @@
         <p14:reveal/>
       </p:transition>
     </mc:Choice>
-    <mc:Fallback xmlns:ahyp="http://schemas.microsoft.com/office/drawing/2018/hyperlinkcolor" xmlns:p15="http://schemas.microsoft.com/office/powerpoint/2012/main" xmlns:com="http://schemas.openxmlformats.org/drawingml/2006/compatibility" xmlns:pvml="urn:schemas-microsoft-com:office:powerpoint" xmlns:v="urn:schemas-microsoft-com:vml" xmlns:o="urn:schemas-microsoft-com:office:office" xmlns:dgm="http://schemas.openxmlformats.org/drawingml/2006/diagram" xmlns:c="http://schemas.openxmlformats.org/drawingml/2006/chart" xmlns:mv="urn:schemas-microsoft-com:mac:vml" xmlns="">
+    <mc:Fallback xmlns="" xmlns:mv="urn:schemas-microsoft-com:mac:vml" xmlns:c="http://schemas.openxmlformats.org/drawingml/2006/chart" xmlns:dgm="http://schemas.openxmlformats.org/drawingml/2006/diagram" xmlns:o="urn:schemas-microsoft-com:office:office" xmlns:v="urn:schemas-microsoft-com:vml" xmlns:pvml="urn:schemas-microsoft-com:office:powerpoint" xmlns:com="http://schemas.openxmlformats.org/drawingml/2006/compatibility" xmlns:p15="http://schemas.microsoft.com/office/powerpoint/2012/main" xmlns:ahyp="http://schemas.microsoft.com/office/drawing/2018/hyperlinkcolor">
       <p:transition spd="med">
         <p:fade/>
       </p:transition>
@@ -4737,7 +4737,7 @@
         <p14:reveal/>
       </p:transition>
     </mc:Choice>
-    <mc:Fallback xmlns:ahyp="http://schemas.microsoft.com/office/drawing/2018/hyperlinkcolor" xmlns:p15="http://schemas.microsoft.com/office/powerpoint/2012/main" xmlns:com="http://schemas.openxmlformats.org/drawingml/2006/compatibility" xmlns:pvml="urn:schemas-microsoft-com:office:powerpoint" xmlns:v="urn:schemas-microsoft-com:vml" xmlns:o="urn:schemas-microsoft-com:office:office" xmlns:dgm="http://schemas.openxmlformats.org/drawingml/2006/diagram" xmlns:c="http://schemas.openxmlformats.org/drawingml/2006/chart" xmlns:mv="urn:schemas-microsoft-com:mac:vml" xmlns="">
+    <mc:Fallback xmlns="" xmlns:mv="urn:schemas-microsoft-com:mac:vml" xmlns:c="http://schemas.openxmlformats.org/drawingml/2006/chart" xmlns:dgm="http://schemas.openxmlformats.org/drawingml/2006/diagram" xmlns:o="urn:schemas-microsoft-com:office:office" xmlns:v="urn:schemas-microsoft-com:vml" xmlns:pvml="urn:schemas-microsoft-com:office:powerpoint" xmlns:com="http://schemas.openxmlformats.org/drawingml/2006/compatibility" xmlns:p15="http://schemas.microsoft.com/office/powerpoint/2012/main" xmlns:ahyp="http://schemas.microsoft.com/office/drawing/2018/hyperlinkcolor">
       <p:transition spd="med">
         <p:fade/>
       </p:transition>
@@ -5333,7 +5333,7 @@
         <p14:reveal/>
       </p:transition>
     </mc:Choice>
-    <mc:Fallback xmlns:ahyp="http://schemas.microsoft.com/office/drawing/2018/hyperlinkcolor" xmlns:p15="http://schemas.microsoft.com/office/powerpoint/2012/main" xmlns:com="http://schemas.openxmlformats.org/drawingml/2006/compatibility" xmlns:pvml="urn:schemas-microsoft-com:office:powerpoint" xmlns:v="urn:schemas-microsoft-com:vml" xmlns:o="urn:schemas-microsoft-com:office:office" xmlns:dgm="http://schemas.openxmlformats.org/drawingml/2006/diagram" xmlns:c="http://schemas.openxmlformats.org/drawingml/2006/chart" xmlns:mv="urn:schemas-microsoft-com:mac:vml" xmlns="">
+    <mc:Fallback xmlns="" xmlns:mv="urn:schemas-microsoft-com:mac:vml" xmlns:c="http://schemas.openxmlformats.org/drawingml/2006/chart" xmlns:dgm="http://schemas.openxmlformats.org/drawingml/2006/diagram" xmlns:o="urn:schemas-microsoft-com:office:office" xmlns:v="urn:schemas-microsoft-com:vml" xmlns:pvml="urn:schemas-microsoft-com:office:powerpoint" xmlns:com="http://schemas.openxmlformats.org/drawingml/2006/compatibility" xmlns:p15="http://schemas.microsoft.com/office/powerpoint/2012/main" xmlns:ahyp="http://schemas.microsoft.com/office/drawing/2018/hyperlinkcolor">
       <p:transition spd="med">
         <p:fade/>
       </p:transition>
@@ -5513,7 +5513,7 @@
         <p14:reveal/>
       </p:transition>
     </mc:Choice>
-    <mc:Fallback xmlns:ahyp="http://schemas.microsoft.com/office/drawing/2018/hyperlinkcolor" xmlns:p15="http://schemas.microsoft.com/office/powerpoint/2012/main" xmlns:com="http://schemas.openxmlformats.org/drawingml/2006/compatibility" xmlns:pvml="urn:schemas-microsoft-com:office:powerpoint" xmlns:v="urn:schemas-microsoft-com:vml" xmlns:o="urn:schemas-microsoft-com:office:office" xmlns:dgm="http://schemas.openxmlformats.org/drawingml/2006/diagram" xmlns:c="http://schemas.openxmlformats.org/drawingml/2006/chart" xmlns:mv="urn:schemas-microsoft-com:mac:vml" xmlns="">
+    <mc:Fallback xmlns="" xmlns:mv="urn:schemas-microsoft-com:mac:vml" xmlns:c="http://schemas.openxmlformats.org/drawingml/2006/chart" xmlns:dgm="http://schemas.openxmlformats.org/drawingml/2006/diagram" xmlns:o="urn:schemas-microsoft-com:office:office" xmlns:v="urn:schemas-microsoft-com:vml" xmlns:pvml="urn:schemas-microsoft-com:office:powerpoint" xmlns:com="http://schemas.openxmlformats.org/drawingml/2006/compatibility" xmlns:p15="http://schemas.microsoft.com/office/powerpoint/2012/main" xmlns:ahyp="http://schemas.microsoft.com/office/drawing/2018/hyperlinkcolor">
       <p:transition spd="med">
         <p:fade/>
       </p:transition>
@@ -5951,7 +5951,7 @@
         <p14:reveal/>
       </p:transition>
     </mc:Choice>
-    <mc:Fallback xmlns:ahyp="http://schemas.microsoft.com/office/drawing/2018/hyperlinkcolor" xmlns:p15="http://schemas.microsoft.com/office/powerpoint/2012/main" xmlns:com="http://schemas.openxmlformats.org/drawingml/2006/compatibility" xmlns:pvml="urn:schemas-microsoft-com:office:powerpoint" xmlns:v="urn:schemas-microsoft-com:vml" xmlns:o="urn:schemas-microsoft-com:office:office" xmlns:dgm="http://schemas.openxmlformats.org/drawingml/2006/diagram" xmlns:c="http://schemas.openxmlformats.org/drawingml/2006/chart" xmlns:mv="urn:schemas-microsoft-com:mac:vml" xmlns="">
+    <mc:Fallback xmlns="" xmlns:mv="urn:schemas-microsoft-com:mac:vml" xmlns:c="http://schemas.openxmlformats.org/drawingml/2006/chart" xmlns:dgm="http://schemas.openxmlformats.org/drawingml/2006/diagram" xmlns:o="urn:schemas-microsoft-com:office:office" xmlns:v="urn:schemas-microsoft-com:vml" xmlns:pvml="urn:schemas-microsoft-com:office:powerpoint" xmlns:com="http://schemas.openxmlformats.org/drawingml/2006/compatibility" xmlns:p15="http://schemas.microsoft.com/office/powerpoint/2012/main" xmlns:ahyp="http://schemas.microsoft.com/office/drawing/2018/hyperlinkcolor">
       <p:transition spd="med">
         <p:fade/>
       </p:transition>
@@ -6368,7 +6368,7 @@
         <p14:reveal/>
       </p:transition>
     </mc:Choice>
-    <mc:Fallback xmlns:ahyp="http://schemas.microsoft.com/office/drawing/2018/hyperlinkcolor" xmlns:p15="http://schemas.microsoft.com/office/powerpoint/2012/main" xmlns:com="http://schemas.openxmlformats.org/drawingml/2006/compatibility" xmlns:pvml="urn:schemas-microsoft-com:office:powerpoint" xmlns:v="urn:schemas-microsoft-com:vml" xmlns:o="urn:schemas-microsoft-com:office:office" xmlns:dgm="http://schemas.openxmlformats.org/drawingml/2006/diagram" xmlns:c="http://schemas.openxmlformats.org/drawingml/2006/chart" xmlns:mv="urn:schemas-microsoft-com:mac:vml" xmlns="">
+    <mc:Fallback xmlns="" xmlns:mv="urn:schemas-microsoft-com:mac:vml" xmlns:c="http://schemas.openxmlformats.org/drawingml/2006/chart" xmlns:dgm="http://schemas.openxmlformats.org/drawingml/2006/diagram" xmlns:o="urn:schemas-microsoft-com:office:office" xmlns:v="urn:schemas-microsoft-com:vml" xmlns:pvml="urn:schemas-microsoft-com:office:powerpoint" xmlns:com="http://schemas.openxmlformats.org/drawingml/2006/compatibility" xmlns:p15="http://schemas.microsoft.com/office/powerpoint/2012/main" xmlns:ahyp="http://schemas.microsoft.com/office/drawing/2018/hyperlinkcolor">
       <p:transition spd="med">
         <p:fade/>
       </p:transition>
@@ -7258,7 +7258,7 @@
         <p14:reveal/>
       </p:transition>
     </mc:Choice>
-    <mc:Fallback xmlns:ahyp="http://schemas.microsoft.com/office/drawing/2018/hyperlinkcolor" xmlns:p15="http://schemas.microsoft.com/office/powerpoint/2012/main" xmlns:com="http://schemas.openxmlformats.org/drawingml/2006/compatibility" xmlns:pvml="urn:schemas-microsoft-com:office:powerpoint" xmlns:v="urn:schemas-microsoft-com:vml" xmlns:o="urn:schemas-microsoft-com:office:office" xmlns:dgm="http://schemas.openxmlformats.org/drawingml/2006/diagram" xmlns:c="http://schemas.openxmlformats.org/drawingml/2006/chart" xmlns:mv="urn:schemas-microsoft-com:mac:vml" xmlns="">
+    <mc:Fallback xmlns="" xmlns:mv="urn:schemas-microsoft-com:mac:vml" xmlns:c="http://schemas.openxmlformats.org/drawingml/2006/chart" xmlns:dgm="http://schemas.openxmlformats.org/drawingml/2006/diagram" xmlns:o="urn:schemas-microsoft-com:office:office" xmlns:v="urn:schemas-microsoft-com:vml" xmlns:pvml="urn:schemas-microsoft-com:office:powerpoint" xmlns:com="http://schemas.openxmlformats.org/drawingml/2006/compatibility" xmlns:p15="http://schemas.microsoft.com/office/powerpoint/2012/main" xmlns:ahyp="http://schemas.microsoft.com/office/drawing/2018/hyperlinkcolor">
       <p:transition spd="med">
         <p:fade/>
       </p:transition>
@@ -7458,7 +7458,7 @@
         <p14:reveal/>
       </p:transition>
     </mc:Choice>
-    <mc:Fallback xmlns:ahyp="http://schemas.microsoft.com/office/drawing/2018/hyperlinkcolor" xmlns:p15="http://schemas.microsoft.com/office/powerpoint/2012/main" xmlns:com="http://schemas.openxmlformats.org/drawingml/2006/compatibility" xmlns:pvml="urn:schemas-microsoft-com:office:powerpoint" xmlns:v="urn:schemas-microsoft-com:vml" xmlns:o="urn:schemas-microsoft-com:office:office" xmlns:dgm="http://schemas.openxmlformats.org/drawingml/2006/diagram" xmlns:c="http://schemas.openxmlformats.org/drawingml/2006/chart" xmlns:mv="urn:schemas-microsoft-com:mac:vml" xmlns="">
+    <mc:Fallback xmlns="" xmlns:mv="urn:schemas-microsoft-com:mac:vml" xmlns:c="http://schemas.openxmlformats.org/drawingml/2006/chart" xmlns:dgm="http://schemas.openxmlformats.org/drawingml/2006/diagram" xmlns:o="urn:schemas-microsoft-com:office:office" xmlns:v="urn:schemas-microsoft-com:vml" xmlns:pvml="urn:schemas-microsoft-com:office:powerpoint" xmlns:com="http://schemas.openxmlformats.org/drawingml/2006/compatibility" xmlns:p15="http://schemas.microsoft.com/office/powerpoint/2012/main" xmlns:ahyp="http://schemas.microsoft.com/office/drawing/2018/hyperlinkcolor">
       <p:transition spd="med">
         <p:fade/>
       </p:transition>
@@ -7878,7 +7878,7 @@
         <p14:reveal/>
       </p:transition>
     </mc:Choice>
-    <mc:Fallback xmlns:ahyp="http://schemas.microsoft.com/office/drawing/2018/hyperlinkcolor" xmlns:p15="http://schemas.microsoft.com/office/powerpoint/2012/main" xmlns:com="http://schemas.openxmlformats.org/drawingml/2006/compatibility" xmlns:pvml="urn:schemas-microsoft-com:office:powerpoint" xmlns:v="urn:schemas-microsoft-com:vml" xmlns:o="urn:schemas-microsoft-com:office:office" xmlns:dgm="http://schemas.openxmlformats.org/drawingml/2006/diagram" xmlns:c="http://schemas.openxmlformats.org/drawingml/2006/chart" xmlns:mv="urn:schemas-microsoft-com:mac:vml" xmlns="">
+    <mc:Fallback xmlns="" xmlns:mv="urn:schemas-microsoft-com:mac:vml" xmlns:c="http://schemas.openxmlformats.org/drawingml/2006/chart" xmlns:dgm="http://schemas.openxmlformats.org/drawingml/2006/diagram" xmlns:o="urn:schemas-microsoft-com:office:office" xmlns:v="urn:schemas-microsoft-com:vml" xmlns:pvml="urn:schemas-microsoft-com:office:powerpoint" xmlns:com="http://schemas.openxmlformats.org/drawingml/2006/compatibility" xmlns:p15="http://schemas.microsoft.com/office/powerpoint/2012/main" xmlns:ahyp="http://schemas.microsoft.com/office/drawing/2018/hyperlinkcolor">
       <p:transition spd="med">
         <p:fade/>
       </p:transition>
@@ -9384,7 +9384,7 @@
         <p14:reveal/>
       </p:transition>
     </mc:Choice>
-    <mc:Fallback xmlns:ahyp="http://schemas.microsoft.com/office/drawing/2018/hyperlinkcolor" xmlns:p15="http://schemas.microsoft.com/office/powerpoint/2012/main" xmlns:com="http://schemas.openxmlformats.org/drawingml/2006/compatibility" xmlns:pvml="urn:schemas-microsoft-com:office:powerpoint" xmlns:v="urn:schemas-microsoft-com:vml" xmlns:o="urn:schemas-microsoft-com:office:office" xmlns:dgm="http://schemas.openxmlformats.org/drawingml/2006/diagram" xmlns:c="http://schemas.openxmlformats.org/drawingml/2006/chart" xmlns:mv="urn:schemas-microsoft-com:mac:vml" xmlns="">
+    <mc:Fallback xmlns="" xmlns:mv="urn:schemas-microsoft-com:mac:vml" xmlns:c="http://schemas.openxmlformats.org/drawingml/2006/chart" xmlns:dgm="http://schemas.openxmlformats.org/drawingml/2006/diagram" xmlns:o="urn:schemas-microsoft-com:office:office" xmlns:v="urn:schemas-microsoft-com:vml" xmlns:pvml="urn:schemas-microsoft-com:office:powerpoint" xmlns:com="http://schemas.openxmlformats.org/drawingml/2006/compatibility" xmlns:p15="http://schemas.microsoft.com/office/powerpoint/2012/main" xmlns:ahyp="http://schemas.microsoft.com/office/drawing/2018/hyperlinkcolor">
       <p:transition spd="med">
         <p:fade/>
       </p:transition>
@@ -9507,7 +9507,7 @@
         <p14:reveal/>
       </p:transition>
     </mc:Choice>
-    <mc:Fallback xmlns:ahyp="http://schemas.microsoft.com/office/drawing/2018/hyperlinkcolor" xmlns:p15="http://schemas.microsoft.com/office/powerpoint/2012/main" xmlns:com="http://schemas.openxmlformats.org/drawingml/2006/compatibility" xmlns:pvml="urn:schemas-microsoft-com:office:powerpoint" xmlns:v="urn:schemas-microsoft-com:vml" xmlns:o="urn:schemas-microsoft-com:office:office" xmlns:dgm="http://schemas.openxmlformats.org/drawingml/2006/diagram" xmlns:c="http://schemas.openxmlformats.org/drawingml/2006/chart" xmlns:mv="urn:schemas-microsoft-com:mac:vml" xmlns="">
+    <mc:Fallback xmlns="" xmlns:mv="urn:schemas-microsoft-com:mac:vml" xmlns:c="http://schemas.openxmlformats.org/drawingml/2006/chart" xmlns:dgm="http://schemas.openxmlformats.org/drawingml/2006/diagram" xmlns:o="urn:schemas-microsoft-com:office:office" xmlns:v="urn:schemas-microsoft-com:vml" xmlns:pvml="urn:schemas-microsoft-com:office:powerpoint" xmlns:com="http://schemas.openxmlformats.org/drawingml/2006/compatibility" xmlns:p15="http://schemas.microsoft.com/office/powerpoint/2012/main" xmlns:ahyp="http://schemas.microsoft.com/office/drawing/2018/hyperlinkcolor">
       <p:transition spd="med">
         <p:fade/>
       </p:transition>
@@ -10167,7 +10167,7 @@
         <p14:reveal/>
       </p:transition>
     </mc:Choice>
-    <mc:Fallback xmlns:ahyp="http://schemas.microsoft.com/office/drawing/2018/hyperlinkcolor" xmlns:p15="http://schemas.microsoft.com/office/powerpoint/2012/main" xmlns:com="http://schemas.openxmlformats.org/drawingml/2006/compatibility" xmlns:pvml="urn:schemas-microsoft-com:office:powerpoint" xmlns:v="urn:schemas-microsoft-com:vml" xmlns:o="urn:schemas-microsoft-com:office:office" xmlns:dgm="http://schemas.openxmlformats.org/drawingml/2006/diagram" xmlns:c="http://schemas.openxmlformats.org/drawingml/2006/chart" xmlns:mv="urn:schemas-microsoft-com:mac:vml" xmlns="">
+    <mc:Fallback xmlns="" xmlns:mv="urn:schemas-microsoft-com:mac:vml" xmlns:c="http://schemas.openxmlformats.org/drawingml/2006/chart" xmlns:dgm="http://schemas.openxmlformats.org/drawingml/2006/diagram" xmlns:o="urn:schemas-microsoft-com:office:office" xmlns:v="urn:schemas-microsoft-com:vml" xmlns:pvml="urn:schemas-microsoft-com:office:powerpoint" xmlns:com="http://schemas.openxmlformats.org/drawingml/2006/compatibility" xmlns:p15="http://schemas.microsoft.com/office/powerpoint/2012/main" xmlns:ahyp="http://schemas.microsoft.com/office/drawing/2018/hyperlinkcolor">
       <p:transition spd="med">
         <p:fade/>
       </p:transition>
@@ -10537,7 +10537,7 @@
         <p14:reveal/>
       </p:transition>
     </mc:Choice>
-    <mc:Fallback xmlns:ahyp="http://schemas.microsoft.com/office/drawing/2018/hyperlinkcolor" xmlns:p15="http://schemas.microsoft.com/office/powerpoint/2012/main" xmlns:com="http://schemas.openxmlformats.org/drawingml/2006/compatibility" xmlns:pvml="urn:schemas-microsoft-com:office:powerpoint" xmlns:v="urn:schemas-microsoft-com:vml" xmlns:o="urn:schemas-microsoft-com:office:office" xmlns:dgm="http://schemas.openxmlformats.org/drawingml/2006/diagram" xmlns:c="http://schemas.openxmlformats.org/drawingml/2006/chart" xmlns:mv="urn:schemas-microsoft-com:mac:vml" xmlns="">
+    <mc:Fallback xmlns="" xmlns:mv="urn:schemas-microsoft-com:mac:vml" xmlns:c="http://schemas.openxmlformats.org/drawingml/2006/chart" xmlns:dgm="http://schemas.openxmlformats.org/drawingml/2006/diagram" xmlns:o="urn:schemas-microsoft-com:office:office" xmlns:v="urn:schemas-microsoft-com:vml" xmlns:pvml="urn:schemas-microsoft-com:office:powerpoint" xmlns:com="http://schemas.openxmlformats.org/drawingml/2006/compatibility" xmlns:p15="http://schemas.microsoft.com/office/powerpoint/2012/main" xmlns:ahyp="http://schemas.microsoft.com/office/drawing/2018/hyperlinkcolor">
       <p:transition spd="med">
         <p:fade/>
       </p:transition>
@@ -11350,7 +11350,7 @@
         <p14:reveal/>
       </p:transition>
     </mc:Choice>
-    <mc:Fallback xmlns:ahyp="http://schemas.microsoft.com/office/drawing/2018/hyperlinkcolor" xmlns:p15="http://schemas.microsoft.com/office/powerpoint/2012/main" xmlns:com="http://schemas.openxmlformats.org/drawingml/2006/compatibility" xmlns:pvml="urn:schemas-microsoft-com:office:powerpoint" xmlns:v="urn:schemas-microsoft-com:vml" xmlns:o="urn:schemas-microsoft-com:office:office" xmlns:dgm="http://schemas.openxmlformats.org/drawingml/2006/diagram" xmlns:c="http://schemas.openxmlformats.org/drawingml/2006/chart" xmlns:mv="urn:schemas-microsoft-com:mac:vml" xmlns="">
+    <mc:Fallback xmlns="" xmlns:mv="urn:schemas-microsoft-com:mac:vml" xmlns:c="http://schemas.openxmlformats.org/drawingml/2006/chart" xmlns:dgm="http://schemas.openxmlformats.org/drawingml/2006/diagram" xmlns:o="urn:schemas-microsoft-com:office:office" xmlns:v="urn:schemas-microsoft-com:vml" xmlns:pvml="urn:schemas-microsoft-com:office:powerpoint" xmlns:com="http://schemas.openxmlformats.org/drawingml/2006/compatibility" xmlns:p15="http://schemas.microsoft.com/office/powerpoint/2012/main" xmlns:ahyp="http://schemas.microsoft.com/office/drawing/2018/hyperlinkcolor">
       <p:transition spd="med">
         <p:fade/>
       </p:transition>
@@ -11920,7 +11920,7 @@
         <p14:reveal/>
       </p:transition>
     </mc:Choice>
-    <mc:Fallback xmlns:ahyp="http://schemas.microsoft.com/office/drawing/2018/hyperlinkcolor" xmlns:p15="http://schemas.microsoft.com/office/powerpoint/2012/main" xmlns:com="http://schemas.openxmlformats.org/drawingml/2006/compatibility" xmlns:pvml="urn:schemas-microsoft-com:office:powerpoint" xmlns:v="urn:schemas-microsoft-com:vml" xmlns:o="urn:schemas-microsoft-com:office:office" xmlns:dgm="http://schemas.openxmlformats.org/drawingml/2006/diagram" xmlns:c="http://schemas.openxmlformats.org/drawingml/2006/chart" xmlns:mv="urn:schemas-microsoft-com:mac:vml" xmlns="">
+    <mc:Fallback xmlns="" xmlns:mv="urn:schemas-microsoft-com:mac:vml" xmlns:c="http://schemas.openxmlformats.org/drawingml/2006/chart" xmlns:dgm="http://schemas.openxmlformats.org/drawingml/2006/diagram" xmlns:o="urn:schemas-microsoft-com:office:office" xmlns:v="urn:schemas-microsoft-com:vml" xmlns:pvml="urn:schemas-microsoft-com:office:powerpoint" xmlns:com="http://schemas.openxmlformats.org/drawingml/2006/compatibility" xmlns:p15="http://schemas.microsoft.com/office/powerpoint/2012/main" xmlns:ahyp="http://schemas.microsoft.com/office/drawing/2018/hyperlinkcolor">
       <p:transition spd="med">
         <p:fade/>
       </p:transition>
@@ -12672,7 +12672,7 @@
         <p14:reveal/>
       </p:transition>
     </mc:Choice>
-    <mc:Fallback xmlns:ahyp="http://schemas.microsoft.com/office/drawing/2018/hyperlinkcolor" xmlns:p15="http://schemas.microsoft.com/office/powerpoint/2012/main" xmlns:com="http://schemas.openxmlformats.org/drawingml/2006/compatibility" xmlns:pvml="urn:schemas-microsoft-com:office:powerpoint" xmlns:v="urn:schemas-microsoft-com:vml" xmlns:o="urn:schemas-microsoft-com:office:office" xmlns:dgm="http://schemas.openxmlformats.org/drawingml/2006/diagram" xmlns:c="http://schemas.openxmlformats.org/drawingml/2006/chart" xmlns:mv="urn:schemas-microsoft-com:mac:vml" xmlns="">
+    <mc:Fallback xmlns="" xmlns:mv="urn:schemas-microsoft-com:mac:vml" xmlns:c="http://schemas.openxmlformats.org/drawingml/2006/chart" xmlns:dgm="http://schemas.openxmlformats.org/drawingml/2006/diagram" xmlns:o="urn:schemas-microsoft-com:office:office" xmlns:v="urn:schemas-microsoft-com:vml" xmlns:pvml="urn:schemas-microsoft-com:office:powerpoint" xmlns:com="http://schemas.openxmlformats.org/drawingml/2006/compatibility" xmlns:p15="http://schemas.microsoft.com/office/powerpoint/2012/main" xmlns:ahyp="http://schemas.microsoft.com/office/drawing/2018/hyperlinkcolor">
       <p:transition spd="med">
         <p:fade/>
       </p:transition>
@@ -13058,7 +13058,7 @@
         <p14:reveal/>
       </p:transition>
     </mc:Choice>
-    <mc:Fallback xmlns:ahyp="http://schemas.microsoft.com/office/drawing/2018/hyperlinkcolor" xmlns:p15="http://schemas.microsoft.com/office/powerpoint/2012/main" xmlns:com="http://schemas.openxmlformats.org/drawingml/2006/compatibility" xmlns:pvml="urn:schemas-microsoft-com:office:powerpoint" xmlns:v="urn:schemas-microsoft-com:vml" xmlns:o="urn:schemas-microsoft-com:office:office" xmlns:dgm="http://schemas.openxmlformats.org/drawingml/2006/diagram" xmlns:c="http://schemas.openxmlformats.org/drawingml/2006/chart" xmlns:mv="urn:schemas-microsoft-com:mac:vml" xmlns="">
+    <mc:Fallback xmlns="" xmlns:mv="urn:schemas-microsoft-com:mac:vml" xmlns:c="http://schemas.openxmlformats.org/drawingml/2006/chart" xmlns:dgm="http://schemas.openxmlformats.org/drawingml/2006/diagram" xmlns:o="urn:schemas-microsoft-com:office:office" xmlns:v="urn:schemas-microsoft-com:vml" xmlns:pvml="urn:schemas-microsoft-com:office:powerpoint" xmlns:com="http://schemas.openxmlformats.org/drawingml/2006/compatibility" xmlns:p15="http://schemas.microsoft.com/office/powerpoint/2012/main" xmlns:ahyp="http://schemas.microsoft.com/office/drawing/2018/hyperlinkcolor">
       <p:transition spd="med">
         <p:fade/>
       </p:transition>
@@ -13374,7 +13374,7 @@
         <p14:reveal/>
       </p:transition>
     </mc:Choice>
-    <mc:Fallback xmlns:ahyp="http://schemas.microsoft.com/office/drawing/2018/hyperlinkcolor" xmlns:p15="http://schemas.microsoft.com/office/powerpoint/2012/main" xmlns:com="http://schemas.openxmlformats.org/drawingml/2006/compatibility" xmlns:pvml="urn:schemas-microsoft-com:office:powerpoint" xmlns:v="urn:schemas-microsoft-com:vml" xmlns:o="urn:schemas-microsoft-com:office:office" xmlns:dgm="http://schemas.openxmlformats.org/drawingml/2006/diagram" xmlns:c="http://schemas.openxmlformats.org/drawingml/2006/chart" xmlns:mv="urn:schemas-microsoft-com:mac:vml" xmlns="">
+    <mc:Fallback xmlns="" xmlns:mv="urn:schemas-microsoft-com:mac:vml" xmlns:c="http://schemas.openxmlformats.org/drawingml/2006/chart" xmlns:dgm="http://schemas.openxmlformats.org/drawingml/2006/diagram" xmlns:o="urn:schemas-microsoft-com:office:office" xmlns:v="urn:schemas-microsoft-com:vml" xmlns:pvml="urn:schemas-microsoft-com:office:powerpoint" xmlns:com="http://schemas.openxmlformats.org/drawingml/2006/compatibility" xmlns:p15="http://schemas.microsoft.com/office/powerpoint/2012/main" xmlns:ahyp="http://schemas.microsoft.com/office/drawing/2018/hyperlinkcolor">
       <p:transition spd="med">
         <p:fade/>
       </p:transition>
@@ -13569,7 +13569,7 @@
         <p14:reveal/>
       </p:transition>
     </mc:Choice>
-    <mc:Fallback xmlns:ahyp="http://schemas.microsoft.com/office/drawing/2018/hyperlinkcolor" xmlns:p15="http://schemas.microsoft.com/office/powerpoint/2012/main" xmlns:com="http://schemas.openxmlformats.org/drawingml/2006/compatibility" xmlns:pvml="urn:schemas-microsoft-com:office:powerpoint" xmlns:v="urn:schemas-microsoft-com:vml" xmlns:o="urn:schemas-microsoft-com:office:office" xmlns:dgm="http://schemas.openxmlformats.org/drawingml/2006/diagram" xmlns:c="http://schemas.openxmlformats.org/drawingml/2006/chart" xmlns:mv="urn:schemas-microsoft-com:mac:vml" xmlns="">
+    <mc:Fallback xmlns="" xmlns:mv="urn:schemas-microsoft-com:mac:vml" xmlns:c="http://schemas.openxmlformats.org/drawingml/2006/chart" xmlns:dgm="http://schemas.openxmlformats.org/drawingml/2006/diagram" xmlns:o="urn:schemas-microsoft-com:office:office" xmlns:v="urn:schemas-microsoft-com:vml" xmlns:pvml="urn:schemas-microsoft-com:office:powerpoint" xmlns:com="http://schemas.openxmlformats.org/drawingml/2006/compatibility" xmlns:p15="http://schemas.microsoft.com/office/powerpoint/2012/main" xmlns:ahyp="http://schemas.microsoft.com/office/drawing/2018/hyperlinkcolor">
       <p:transition spd="med">
         <p:fade/>
       </p:transition>
@@ -14003,7 +14003,7 @@
         <p14:reveal/>
       </p:transition>
     </mc:Choice>
-    <mc:Fallback xmlns:ahyp="http://schemas.microsoft.com/office/drawing/2018/hyperlinkcolor" xmlns:p15="http://schemas.microsoft.com/office/powerpoint/2012/main" xmlns:com="http://schemas.openxmlformats.org/drawingml/2006/compatibility" xmlns:pvml="urn:schemas-microsoft-com:office:powerpoint" xmlns:v="urn:schemas-microsoft-com:vml" xmlns:o="urn:schemas-microsoft-com:office:office" xmlns:dgm="http://schemas.openxmlformats.org/drawingml/2006/diagram" xmlns:c="http://schemas.openxmlformats.org/drawingml/2006/chart" xmlns:mv="urn:schemas-microsoft-com:mac:vml" xmlns="">
+    <mc:Fallback xmlns="" xmlns:mv="urn:schemas-microsoft-com:mac:vml" xmlns:c="http://schemas.openxmlformats.org/drawingml/2006/chart" xmlns:dgm="http://schemas.openxmlformats.org/drawingml/2006/diagram" xmlns:o="urn:schemas-microsoft-com:office:office" xmlns:v="urn:schemas-microsoft-com:vml" xmlns:pvml="urn:schemas-microsoft-com:office:powerpoint" xmlns:com="http://schemas.openxmlformats.org/drawingml/2006/compatibility" xmlns:p15="http://schemas.microsoft.com/office/powerpoint/2012/main" xmlns:ahyp="http://schemas.microsoft.com/office/drawing/2018/hyperlinkcolor">
       <p:transition spd="med">
         <p:fade/>
       </p:transition>
@@ -14803,7 +14803,7 @@
         <p14:reveal/>
       </p:transition>
     </mc:Choice>
-    <mc:Fallback xmlns:ahyp="http://schemas.microsoft.com/office/drawing/2018/hyperlinkcolor" xmlns:p15="http://schemas.microsoft.com/office/powerpoint/2012/main" xmlns:com="http://schemas.openxmlformats.org/drawingml/2006/compatibility" xmlns:pvml="urn:schemas-microsoft-com:office:powerpoint" xmlns:v="urn:schemas-microsoft-com:vml" xmlns:o="urn:schemas-microsoft-com:office:office" xmlns:dgm="http://schemas.openxmlformats.org/drawingml/2006/diagram" xmlns:c="http://schemas.openxmlformats.org/drawingml/2006/chart" xmlns:mv="urn:schemas-microsoft-com:mac:vml" xmlns="">
+    <mc:Fallback xmlns="" xmlns:mv="urn:schemas-microsoft-com:mac:vml" xmlns:c="http://schemas.openxmlformats.org/drawingml/2006/chart" xmlns:dgm="http://schemas.openxmlformats.org/drawingml/2006/diagram" xmlns:o="urn:schemas-microsoft-com:office:office" xmlns:v="urn:schemas-microsoft-com:vml" xmlns:pvml="urn:schemas-microsoft-com:office:powerpoint" xmlns:com="http://schemas.openxmlformats.org/drawingml/2006/compatibility" xmlns:p15="http://schemas.microsoft.com/office/powerpoint/2012/main" xmlns:ahyp="http://schemas.microsoft.com/office/drawing/2018/hyperlinkcolor">
       <p:transition spd="med">
         <p:fade/>
       </p:transition>
@@ -14992,7 +14992,7 @@
         <p14:reveal/>
       </p:transition>
     </mc:Choice>
-    <mc:Fallback xmlns:ahyp="http://schemas.microsoft.com/office/drawing/2018/hyperlinkcolor" xmlns:p15="http://schemas.microsoft.com/office/powerpoint/2012/main" xmlns:com="http://schemas.openxmlformats.org/drawingml/2006/compatibility" xmlns:pvml="urn:schemas-microsoft-com:office:powerpoint" xmlns:v="urn:schemas-microsoft-com:vml" xmlns:o="urn:schemas-microsoft-com:office:office" xmlns:dgm="http://schemas.openxmlformats.org/drawingml/2006/diagram" xmlns:c="http://schemas.openxmlformats.org/drawingml/2006/chart" xmlns:mv="urn:schemas-microsoft-com:mac:vml" xmlns="">
+    <mc:Fallback xmlns="" xmlns:mv="urn:schemas-microsoft-com:mac:vml" xmlns:c="http://schemas.openxmlformats.org/drawingml/2006/chart" xmlns:dgm="http://schemas.openxmlformats.org/drawingml/2006/diagram" xmlns:o="urn:schemas-microsoft-com:office:office" xmlns:v="urn:schemas-microsoft-com:vml" xmlns:pvml="urn:schemas-microsoft-com:office:powerpoint" xmlns:com="http://schemas.openxmlformats.org/drawingml/2006/compatibility" xmlns:p15="http://schemas.microsoft.com/office/powerpoint/2012/main" xmlns:ahyp="http://schemas.microsoft.com/office/drawing/2018/hyperlinkcolor">
       <p:transition spd="med">
         <p:fade/>
       </p:transition>
@@ -15151,7 +15151,7 @@
         <p14:reveal/>
       </p:transition>
     </mc:Choice>
-    <mc:Fallback xmlns:ahyp="http://schemas.microsoft.com/office/drawing/2018/hyperlinkcolor" xmlns:p15="http://schemas.microsoft.com/office/powerpoint/2012/main" xmlns:com="http://schemas.openxmlformats.org/drawingml/2006/compatibility" xmlns:pvml="urn:schemas-microsoft-com:office:powerpoint" xmlns:v="urn:schemas-microsoft-com:vml" xmlns:o="urn:schemas-microsoft-com:office:office" xmlns:dgm="http://schemas.openxmlformats.org/drawingml/2006/diagram" xmlns:c="http://schemas.openxmlformats.org/drawingml/2006/chart" xmlns:mv="urn:schemas-microsoft-com:mac:vml" xmlns="">
+    <mc:Fallback xmlns="" xmlns:mv="urn:schemas-microsoft-com:mac:vml" xmlns:c="http://schemas.openxmlformats.org/drawingml/2006/chart" xmlns:dgm="http://schemas.openxmlformats.org/drawingml/2006/diagram" xmlns:o="urn:schemas-microsoft-com:office:office" xmlns:v="urn:schemas-microsoft-com:vml" xmlns:pvml="urn:schemas-microsoft-com:office:powerpoint" xmlns:com="http://schemas.openxmlformats.org/drawingml/2006/compatibility" xmlns:p15="http://schemas.microsoft.com/office/powerpoint/2012/main" xmlns:ahyp="http://schemas.microsoft.com/office/drawing/2018/hyperlinkcolor">
       <p:transition spd="med">
         <p:fade/>
       </p:transition>
@@ -16598,7 +16598,7 @@
         <p14:reveal/>
       </p:transition>
     </mc:Choice>
-    <mc:Fallback xmlns:ahyp="http://schemas.microsoft.com/office/drawing/2018/hyperlinkcolor" xmlns:p15="http://schemas.microsoft.com/office/powerpoint/2012/main" xmlns:com="http://schemas.openxmlformats.org/drawingml/2006/compatibility" xmlns:pvml="urn:schemas-microsoft-com:office:powerpoint" xmlns:v="urn:schemas-microsoft-com:vml" xmlns:o="urn:schemas-microsoft-com:office:office" xmlns:dgm="http://schemas.openxmlformats.org/drawingml/2006/diagram" xmlns:c="http://schemas.openxmlformats.org/drawingml/2006/chart" xmlns:mv="urn:schemas-microsoft-com:mac:vml" xmlns="">
+    <mc:Fallback xmlns="" xmlns:mv="urn:schemas-microsoft-com:mac:vml" xmlns:c="http://schemas.openxmlformats.org/drawingml/2006/chart" xmlns:dgm="http://schemas.openxmlformats.org/drawingml/2006/diagram" xmlns:o="urn:schemas-microsoft-com:office:office" xmlns:v="urn:schemas-microsoft-com:vml" xmlns:pvml="urn:schemas-microsoft-com:office:powerpoint" xmlns:com="http://schemas.openxmlformats.org/drawingml/2006/compatibility" xmlns:p15="http://schemas.microsoft.com/office/powerpoint/2012/main" xmlns:ahyp="http://schemas.microsoft.com/office/drawing/2018/hyperlinkcolor">
       <p:transition spd="med">
         <p:fade/>
       </p:transition>
@@ -16755,7 +16755,7 @@
         <p14:reveal/>
       </p:transition>
     </mc:Choice>
-    <mc:Fallback xmlns:ahyp="http://schemas.microsoft.com/office/drawing/2018/hyperlinkcolor" xmlns:p15="http://schemas.microsoft.com/office/powerpoint/2012/main" xmlns:com="http://schemas.openxmlformats.org/drawingml/2006/compatibility" xmlns:pvml="urn:schemas-microsoft-com:office:powerpoint" xmlns:v="urn:schemas-microsoft-com:vml" xmlns:o="urn:schemas-microsoft-com:office:office" xmlns:dgm="http://schemas.openxmlformats.org/drawingml/2006/diagram" xmlns:c="http://schemas.openxmlformats.org/drawingml/2006/chart" xmlns:mv="urn:schemas-microsoft-com:mac:vml" xmlns="">
+    <mc:Fallback xmlns="" xmlns:mv="urn:schemas-microsoft-com:mac:vml" xmlns:c="http://schemas.openxmlformats.org/drawingml/2006/chart" xmlns:dgm="http://schemas.openxmlformats.org/drawingml/2006/diagram" xmlns:o="urn:schemas-microsoft-com:office:office" xmlns:v="urn:schemas-microsoft-com:vml" xmlns:pvml="urn:schemas-microsoft-com:office:powerpoint" xmlns:com="http://schemas.openxmlformats.org/drawingml/2006/compatibility" xmlns:p15="http://schemas.microsoft.com/office/powerpoint/2012/main" xmlns:ahyp="http://schemas.microsoft.com/office/drawing/2018/hyperlinkcolor">
       <p:transition spd="med">
         <p:fade/>
       </p:transition>
@@ -17138,7 +17138,7 @@
         <p14:reveal/>
       </p:transition>
     </mc:Choice>
-    <mc:Fallback xmlns:ahyp="http://schemas.microsoft.com/office/drawing/2018/hyperlinkcolor" xmlns:p15="http://schemas.microsoft.com/office/powerpoint/2012/main" xmlns:com="http://schemas.openxmlformats.org/drawingml/2006/compatibility" xmlns:pvml="urn:schemas-microsoft-com:office:powerpoint" xmlns:v="urn:schemas-microsoft-com:vml" xmlns:o="urn:schemas-microsoft-com:office:office" xmlns:dgm="http://schemas.openxmlformats.org/drawingml/2006/diagram" xmlns:c="http://schemas.openxmlformats.org/drawingml/2006/chart" xmlns:mv="urn:schemas-microsoft-com:mac:vml" xmlns="">
+    <mc:Fallback xmlns="" xmlns:mv="urn:schemas-microsoft-com:mac:vml" xmlns:c="http://schemas.openxmlformats.org/drawingml/2006/chart" xmlns:dgm="http://schemas.openxmlformats.org/drawingml/2006/diagram" xmlns:o="urn:schemas-microsoft-com:office:office" xmlns:v="urn:schemas-microsoft-com:vml" xmlns:pvml="urn:schemas-microsoft-com:office:powerpoint" xmlns:com="http://schemas.openxmlformats.org/drawingml/2006/compatibility" xmlns:p15="http://schemas.microsoft.com/office/powerpoint/2012/main" xmlns:ahyp="http://schemas.microsoft.com/office/drawing/2018/hyperlinkcolor">
       <p:transition spd="med">
         <p:fade/>
       </p:transition>
@@ -17210,7 +17210,7 @@
         <p14:reveal/>
       </p:transition>
     </mc:Choice>
-    <mc:Fallback xmlns:ahyp="http://schemas.microsoft.com/office/drawing/2018/hyperlinkcolor" xmlns:p15="http://schemas.microsoft.com/office/powerpoint/2012/main" xmlns:com="http://schemas.openxmlformats.org/drawingml/2006/compatibility" xmlns:pvml="urn:schemas-microsoft-com:office:powerpoint" xmlns:v="urn:schemas-microsoft-com:vml" xmlns:o="urn:schemas-microsoft-com:office:office" xmlns:dgm="http://schemas.openxmlformats.org/drawingml/2006/diagram" xmlns:c="http://schemas.openxmlformats.org/drawingml/2006/chart" xmlns:mv="urn:schemas-microsoft-com:mac:vml" xmlns="">
+    <mc:Fallback xmlns="" xmlns:mv="urn:schemas-microsoft-com:mac:vml" xmlns:c="http://schemas.openxmlformats.org/drawingml/2006/chart" xmlns:dgm="http://schemas.openxmlformats.org/drawingml/2006/diagram" xmlns:o="urn:schemas-microsoft-com:office:office" xmlns:v="urn:schemas-microsoft-com:vml" xmlns:pvml="urn:schemas-microsoft-com:office:powerpoint" xmlns:com="http://schemas.openxmlformats.org/drawingml/2006/compatibility" xmlns:p15="http://schemas.microsoft.com/office/powerpoint/2012/main" xmlns:ahyp="http://schemas.microsoft.com/office/drawing/2018/hyperlinkcolor">
       <p:transition spd="med">
         <p:fade/>
       </p:transition>
@@ -17804,7 +17804,7 @@
         <p14:reveal/>
       </p:transition>
     </mc:Choice>
-    <mc:Fallback xmlns:ahyp="http://schemas.microsoft.com/office/drawing/2018/hyperlinkcolor" xmlns:p15="http://schemas.microsoft.com/office/powerpoint/2012/main" xmlns:com="http://schemas.openxmlformats.org/drawingml/2006/compatibility" xmlns:pvml="urn:schemas-microsoft-com:office:powerpoint" xmlns:v="urn:schemas-microsoft-com:vml" xmlns:o="urn:schemas-microsoft-com:office:office" xmlns:dgm="http://schemas.openxmlformats.org/drawingml/2006/diagram" xmlns:c="http://schemas.openxmlformats.org/drawingml/2006/chart" xmlns:mv="urn:schemas-microsoft-com:mac:vml" xmlns="">
+    <mc:Fallback xmlns="" xmlns:mv="urn:schemas-microsoft-com:mac:vml" xmlns:c="http://schemas.openxmlformats.org/drawingml/2006/chart" xmlns:dgm="http://schemas.openxmlformats.org/drawingml/2006/diagram" xmlns:o="urn:schemas-microsoft-com:office:office" xmlns:v="urn:schemas-microsoft-com:vml" xmlns:pvml="urn:schemas-microsoft-com:office:powerpoint" xmlns:com="http://schemas.openxmlformats.org/drawingml/2006/compatibility" xmlns:p15="http://schemas.microsoft.com/office/powerpoint/2012/main" xmlns:ahyp="http://schemas.microsoft.com/office/drawing/2018/hyperlinkcolor">
       <p:transition spd="med">
         <p:fade/>
       </p:transition>
@@ -18477,7 +18477,7 @@
         <p14:reveal/>
       </p:transition>
     </mc:Choice>
-    <mc:Fallback xmlns:ahyp="http://schemas.microsoft.com/office/drawing/2018/hyperlinkcolor" xmlns:p15="http://schemas.microsoft.com/office/powerpoint/2012/main" xmlns:com="http://schemas.openxmlformats.org/drawingml/2006/compatibility" xmlns:pvml="urn:schemas-microsoft-com:office:powerpoint" xmlns:v="urn:schemas-microsoft-com:vml" xmlns:o="urn:schemas-microsoft-com:office:office" xmlns:dgm="http://schemas.openxmlformats.org/drawingml/2006/diagram" xmlns:c="http://schemas.openxmlformats.org/drawingml/2006/chart" xmlns:mv="urn:schemas-microsoft-com:mac:vml" xmlns="">
+    <mc:Fallback xmlns="" xmlns:mv="urn:schemas-microsoft-com:mac:vml" xmlns:c="http://schemas.openxmlformats.org/drawingml/2006/chart" xmlns:dgm="http://schemas.openxmlformats.org/drawingml/2006/diagram" xmlns:o="urn:schemas-microsoft-com:office:office" xmlns:v="urn:schemas-microsoft-com:vml" xmlns:pvml="urn:schemas-microsoft-com:office:powerpoint" xmlns:com="http://schemas.openxmlformats.org/drawingml/2006/compatibility" xmlns:p15="http://schemas.microsoft.com/office/powerpoint/2012/main" xmlns:ahyp="http://schemas.microsoft.com/office/drawing/2018/hyperlinkcolor">
       <p:transition spd="med">
         <p:fade/>
       </p:transition>
@@ -20127,7 +20127,7 @@
         <p14:reveal/>
       </p:transition>
     </mc:Choice>
-    <mc:Fallback xmlns:ahyp="http://schemas.microsoft.com/office/drawing/2018/hyperlinkcolor" xmlns:p15="http://schemas.microsoft.com/office/powerpoint/2012/main" xmlns:com="http://schemas.openxmlformats.org/drawingml/2006/compatibility" xmlns:pvml="urn:schemas-microsoft-com:office:powerpoint" xmlns:v="urn:schemas-microsoft-com:vml" xmlns:o="urn:schemas-microsoft-com:office:office" xmlns:dgm="http://schemas.openxmlformats.org/drawingml/2006/diagram" xmlns:c="http://schemas.openxmlformats.org/drawingml/2006/chart" xmlns:mv="urn:schemas-microsoft-com:mac:vml" xmlns="">
+    <mc:Fallback xmlns="" xmlns:mv="urn:schemas-microsoft-com:mac:vml" xmlns:c="http://schemas.openxmlformats.org/drawingml/2006/chart" xmlns:dgm="http://schemas.openxmlformats.org/drawingml/2006/diagram" xmlns:o="urn:schemas-microsoft-com:office:office" xmlns:v="urn:schemas-microsoft-com:vml" xmlns:pvml="urn:schemas-microsoft-com:office:powerpoint" xmlns:com="http://schemas.openxmlformats.org/drawingml/2006/compatibility" xmlns:p15="http://schemas.microsoft.com/office/powerpoint/2012/main" xmlns:ahyp="http://schemas.microsoft.com/office/drawing/2018/hyperlinkcolor">
       <p:transition spd="med">
         <p:fade/>
       </p:transition>
@@ -23505,7 +23505,7 @@
         <p14:reveal/>
       </p:transition>
     </mc:Choice>
-    <mc:Fallback xmlns:ahyp="http://schemas.microsoft.com/office/drawing/2018/hyperlinkcolor" xmlns:p15="http://schemas.microsoft.com/office/powerpoint/2012/main" xmlns:com="http://schemas.openxmlformats.org/drawingml/2006/compatibility" xmlns:pvml="urn:schemas-microsoft-com:office:powerpoint" xmlns:v="urn:schemas-microsoft-com:vml" xmlns:o="urn:schemas-microsoft-com:office:office" xmlns:dgm="http://schemas.openxmlformats.org/drawingml/2006/diagram" xmlns:c="http://schemas.openxmlformats.org/drawingml/2006/chart" xmlns:mv="urn:schemas-microsoft-com:mac:vml" xmlns="">
+    <mc:Fallback xmlns="" xmlns:mv="urn:schemas-microsoft-com:mac:vml" xmlns:c="http://schemas.openxmlformats.org/drawingml/2006/chart" xmlns:dgm="http://schemas.openxmlformats.org/drawingml/2006/diagram" xmlns:o="urn:schemas-microsoft-com:office:office" xmlns:v="urn:schemas-microsoft-com:vml" xmlns:pvml="urn:schemas-microsoft-com:office:powerpoint" xmlns:com="http://schemas.openxmlformats.org/drawingml/2006/compatibility" xmlns:p15="http://schemas.microsoft.com/office/powerpoint/2012/main" xmlns:ahyp="http://schemas.microsoft.com/office/drawing/2018/hyperlinkcolor">
       <p:transition spd="med">
         <p:fade/>
       </p:transition>
@@ -24885,7 +24885,7 @@
         <p14:reveal/>
       </p:transition>
     </mc:Choice>
-    <mc:Fallback xmlns:ahyp="http://schemas.microsoft.com/office/drawing/2018/hyperlinkcolor" xmlns:p15="http://schemas.microsoft.com/office/powerpoint/2012/main" xmlns:com="http://schemas.openxmlformats.org/drawingml/2006/compatibility" xmlns:pvml="urn:schemas-microsoft-com:office:powerpoint" xmlns:v="urn:schemas-microsoft-com:vml" xmlns:o="urn:schemas-microsoft-com:office:office" xmlns:dgm="http://schemas.openxmlformats.org/drawingml/2006/diagram" xmlns:c="http://schemas.openxmlformats.org/drawingml/2006/chart" xmlns:mv="urn:schemas-microsoft-com:mac:vml" xmlns="">
+    <mc:Fallback xmlns="" xmlns:mv="urn:schemas-microsoft-com:mac:vml" xmlns:c="http://schemas.openxmlformats.org/drawingml/2006/chart" xmlns:dgm="http://schemas.openxmlformats.org/drawingml/2006/diagram" xmlns:o="urn:schemas-microsoft-com:office:office" xmlns:v="urn:schemas-microsoft-com:vml" xmlns:pvml="urn:schemas-microsoft-com:office:powerpoint" xmlns:com="http://schemas.openxmlformats.org/drawingml/2006/compatibility" xmlns:p15="http://schemas.microsoft.com/office/powerpoint/2012/main" xmlns:ahyp="http://schemas.microsoft.com/office/drawing/2018/hyperlinkcolor">
       <p:transition spd="med">
         <p:fade/>
       </p:transition>
@@ -27861,7 +27861,7 @@
         <p14:reveal/>
       </p:transition>
     </mc:Choice>
-    <mc:Fallback xmlns:ahyp="http://schemas.microsoft.com/office/drawing/2018/hyperlinkcolor" xmlns:p15="http://schemas.microsoft.com/office/powerpoint/2012/main" xmlns:com="http://schemas.openxmlformats.org/drawingml/2006/compatibility" xmlns:pvml="urn:schemas-microsoft-com:office:powerpoint" xmlns:v="urn:schemas-microsoft-com:vml" xmlns:o="urn:schemas-microsoft-com:office:office" xmlns:dgm="http://schemas.openxmlformats.org/drawingml/2006/diagram" xmlns:c="http://schemas.openxmlformats.org/drawingml/2006/chart" xmlns:mv="urn:schemas-microsoft-com:mac:vml" xmlns="">
+    <mc:Fallback xmlns="" xmlns:mv="urn:schemas-microsoft-com:mac:vml" xmlns:c="http://schemas.openxmlformats.org/drawingml/2006/chart" xmlns:dgm="http://schemas.openxmlformats.org/drawingml/2006/diagram" xmlns:o="urn:schemas-microsoft-com:office:office" xmlns:v="urn:schemas-microsoft-com:vml" xmlns:pvml="urn:schemas-microsoft-com:office:powerpoint" xmlns:com="http://schemas.openxmlformats.org/drawingml/2006/compatibility" xmlns:p15="http://schemas.microsoft.com/office/powerpoint/2012/main" xmlns:ahyp="http://schemas.microsoft.com/office/drawing/2018/hyperlinkcolor">
       <p:transition spd="med">
         <p:fade/>
       </p:transition>
@@ -28550,7 +28550,7 @@
           <a:p>
             <a:r>
               <a:rPr lang="fr-BE"/>
-              <a:t>Partez de l'exo 13-03-24</a:t>
+              <a:t>Partez de l'exo 13-53-24</a:t>
             </a:r>
           </a:p>
           <a:p>
@@ -28692,7 +28692,7 @@
         <p14:reveal/>
       </p:transition>
     </mc:Choice>
-    <mc:Fallback xmlns:ahyp="http://schemas.microsoft.com/office/drawing/2018/hyperlinkcolor" xmlns:p15="http://schemas.microsoft.com/office/powerpoint/2012/main" xmlns:com="http://schemas.openxmlformats.org/drawingml/2006/compatibility" xmlns:pvml="urn:schemas-microsoft-com:office:powerpoint" xmlns:v="urn:schemas-microsoft-com:vml" xmlns:o="urn:schemas-microsoft-com:office:office" xmlns:dgm="http://schemas.openxmlformats.org/drawingml/2006/diagram" xmlns:c="http://schemas.openxmlformats.org/drawingml/2006/chart" xmlns:mv="urn:schemas-microsoft-com:mac:vml" xmlns="">
+    <mc:Fallback xmlns="" xmlns:mv="urn:schemas-microsoft-com:mac:vml" xmlns:c="http://schemas.openxmlformats.org/drawingml/2006/chart" xmlns:dgm="http://schemas.openxmlformats.org/drawingml/2006/diagram" xmlns:o="urn:schemas-microsoft-com:office:office" xmlns:v="urn:schemas-microsoft-com:vml" xmlns:pvml="urn:schemas-microsoft-com:office:powerpoint" xmlns:com="http://schemas.openxmlformats.org/drawingml/2006/compatibility" xmlns:p15="http://schemas.microsoft.com/office/powerpoint/2012/main" xmlns:ahyp="http://schemas.microsoft.com/office/drawing/2018/hyperlinkcolor">
       <p:transition spd="med">
         <p:fade/>
       </p:transition>
@@ -28837,7 +28837,7 @@
         <p14:reveal/>
       </p:transition>
     </mc:Choice>
-    <mc:Fallback xmlns:ahyp="http://schemas.microsoft.com/office/drawing/2018/hyperlinkcolor" xmlns:p15="http://schemas.microsoft.com/office/powerpoint/2012/main" xmlns:com="http://schemas.openxmlformats.org/drawingml/2006/compatibility" xmlns:pvml="urn:schemas-microsoft-com:office:powerpoint" xmlns:v="urn:schemas-microsoft-com:vml" xmlns:o="urn:schemas-microsoft-com:office:office" xmlns:dgm="http://schemas.openxmlformats.org/drawingml/2006/diagram" xmlns:c="http://schemas.openxmlformats.org/drawingml/2006/chart" xmlns:mv="urn:schemas-microsoft-com:mac:vml" xmlns="">
+    <mc:Fallback xmlns="" xmlns:mv="urn:schemas-microsoft-com:mac:vml" xmlns:c="http://schemas.openxmlformats.org/drawingml/2006/chart" xmlns:dgm="http://schemas.openxmlformats.org/drawingml/2006/diagram" xmlns:o="urn:schemas-microsoft-com:office:office" xmlns:v="urn:schemas-microsoft-com:vml" xmlns:pvml="urn:schemas-microsoft-com:office:powerpoint" xmlns:com="http://schemas.openxmlformats.org/drawingml/2006/compatibility" xmlns:p15="http://schemas.microsoft.com/office/powerpoint/2012/main" xmlns:ahyp="http://schemas.microsoft.com/office/drawing/2018/hyperlinkcolor">
       <p:transition spd="med">
         <p:fade/>
       </p:transition>
@@ -29182,7 +29182,7 @@
         <p14:reveal/>
       </p:transition>
     </mc:Choice>
-    <mc:Fallback xmlns:ahyp="http://schemas.microsoft.com/office/drawing/2018/hyperlinkcolor" xmlns:p15="http://schemas.microsoft.com/office/powerpoint/2012/main" xmlns:com="http://schemas.openxmlformats.org/drawingml/2006/compatibility" xmlns:pvml="urn:schemas-microsoft-com:office:powerpoint" xmlns:v="urn:schemas-microsoft-com:vml" xmlns:o="urn:schemas-microsoft-com:office:office" xmlns:dgm="http://schemas.openxmlformats.org/drawingml/2006/diagram" xmlns:c="http://schemas.openxmlformats.org/drawingml/2006/chart" xmlns:mv="urn:schemas-microsoft-com:mac:vml" xmlns="">
+    <mc:Fallback xmlns="" xmlns:mv="urn:schemas-microsoft-com:mac:vml" xmlns:c="http://schemas.openxmlformats.org/drawingml/2006/chart" xmlns:dgm="http://schemas.openxmlformats.org/drawingml/2006/diagram" xmlns:o="urn:schemas-microsoft-com:office:office" xmlns:v="urn:schemas-microsoft-com:vml" xmlns:pvml="urn:schemas-microsoft-com:office:powerpoint" xmlns:com="http://schemas.openxmlformats.org/drawingml/2006/compatibility" xmlns:p15="http://schemas.microsoft.com/office/powerpoint/2012/main" xmlns:ahyp="http://schemas.microsoft.com/office/drawing/2018/hyperlinkcolor">
       <p:transition spd="med">
         <p:fade/>
       </p:transition>
@@ -29263,7 +29263,7 @@
         <p14:reveal/>
       </p:transition>
     </mc:Choice>
-    <mc:Fallback xmlns:ahyp="http://schemas.microsoft.com/office/drawing/2018/hyperlinkcolor" xmlns:p15="http://schemas.microsoft.com/office/powerpoint/2012/main" xmlns:com="http://schemas.openxmlformats.org/drawingml/2006/compatibility" xmlns:pvml="urn:schemas-microsoft-com:office:powerpoint" xmlns:v="urn:schemas-microsoft-com:vml" xmlns:o="urn:schemas-microsoft-com:office:office" xmlns:dgm="http://schemas.openxmlformats.org/drawingml/2006/diagram" xmlns:c="http://schemas.openxmlformats.org/drawingml/2006/chart" xmlns:mv="urn:schemas-microsoft-com:mac:vml" xmlns="">
+    <mc:Fallback xmlns="" xmlns:mv="urn:schemas-microsoft-com:mac:vml" xmlns:c="http://schemas.openxmlformats.org/drawingml/2006/chart" xmlns:dgm="http://schemas.openxmlformats.org/drawingml/2006/diagram" xmlns:o="urn:schemas-microsoft-com:office:office" xmlns:v="urn:schemas-microsoft-com:vml" xmlns:pvml="urn:schemas-microsoft-com:office:powerpoint" xmlns:com="http://schemas.openxmlformats.org/drawingml/2006/compatibility" xmlns:p15="http://schemas.microsoft.com/office/powerpoint/2012/main" xmlns:ahyp="http://schemas.microsoft.com/office/drawing/2018/hyperlinkcolor">
       <p:transition spd="med">
         <p:fade/>
       </p:transition>

--- a/syllabus/17-POO-design-pattern/17_syllabus.pptx
+++ b/syllabus/17-POO-design-pattern/17_syllabus.pptx
@@ -2,7 +2,7 @@
 <file path=ppt/presentation.xml><?xml version="1.0" encoding="utf-8"?>
 <p:presentation xmlns:a="http://schemas.openxmlformats.org/drawingml/2006/main" xmlns:r="http://schemas.openxmlformats.org/officeDocument/2006/relationships" xmlns:p="http://schemas.openxmlformats.org/presentationml/2006/main" showSpecialPlsOnTitleSld="0" strictFirstAndLastChars="0" embedTrueTypeFonts="1" saveSubsetFonts="1" autoCompressPictures="0">
   <p:sldMasterIdLst>
-    <p:sldMasterId id="2147483648" r:id="rId1"/>
+    <p:sldMasterId id="2147483683" r:id="rId1"/>
   </p:sldMasterIdLst>
   <p:notesMasterIdLst>
     <p:notesMasterId r:id="rId70"/>
@@ -96,231 +96,97 @@
     </p:embeddedFont>
   </p:embeddedFontLst>
   <p:defaultTextStyle>
-    <a:defPPr marR="0" lvl="0" algn="l" rtl="0">
-      <a:lnSpc>
-        <a:spcPct val="100000"/>
-      </a:lnSpc>
-      <a:spcBef>
-        <a:spcPts val="0"/>
-      </a:spcBef>
-      <a:spcAft>
-        <a:spcPts val="0"/>
-      </a:spcAft>
+    <a:defPPr>
+      <a:defRPr lang="fr-FR"/>
     </a:defPPr>
-    <a:lvl1pPr marR="0" lvl="0" algn="l" rtl="0">
-      <a:lnSpc>
-        <a:spcPct val="100000"/>
-      </a:lnSpc>
-      <a:spcBef>
-        <a:spcPts val="0"/>
-      </a:spcBef>
-      <a:spcAft>
-        <a:spcPts val="0"/>
-      </a:spcAft>
-      <a:buClr>
-        <a:srgbClr val="000000"/>
-      </a:buClr>
-      <a:buFont typeface="Arial"/>
-      <a:defRPr sz="1400" b="0" i="0" u="none" strike="noStrike" cap="none">
+    <a:lvl1pPr marL="0" algn="l" defTabSz="1219170" rtl="0" eaLnBrk="1" latinLnBrk="0" hangingPunct="1">
+      <a:defRPr sz="2400" kern="1200">
         <a:solidFill>
-          <a:srgbClr val="000000"/>
+          <a:schemeClr val="tx1"/>
         </a:solidFill>
-        <a:latin typeface="Arial"/>
-        <a:ea typeface="Arial"/>
-        <a:cs typeface="Arial"/>
-        <a:sym typeface="Arial"/>
+        <a:latin typeface="+mn-lt"/>
+        <a:ea typeface="+mn-ea"/>
+        <a:cs typeface="+mn-cs"/>
       </a:defRPr>
     </a:lvl1pPr>
-    <a:lvl2pPr marR="0" lvl="1" algn="l" rtl="0">
-      <a:lnSpc>
-        <a:spcPct val="100000"/>
-      </a:lnSpc>
-      <a:spcBef>
-        <a:spcPts val="0"/>
-      </a:spcBef>
-      <a:spcAft>
-        <a:spcPts val="0"/>
-      </a:spcAft>
-      <a:buClr>
-        <a:srgbClr val="000000"/>
-      </a:buClr>
-      <a:buFont typeface="Arial"/>
-      <a:defRPr sz="1400" b="0" i="0" u="none" strike="noStrike" cap="none">
+    <a:lvl2pPr marL="609585" algn="l" defTabSz="1219170" rtl="0" eaLnBrk="1" latinLnBrk="0" hangingPunct="1">
+      <a:defRPr sz="2400" kern="1200">
         <a:solidFill>
-          <a:srgbClr val="000000"/>
+          <a:schemeClr val="tx1"/>
         </a:solidFill>
-        <a:latin typeface="Arial"/>
-        <a:ea typeface="Arial"/>
-        <a:cs typeface="Arial"/>
-        <a:sym typeface="Arial"/>
+        <a:latin typeface="+mn-lt"/>
+        <a:ea typeface="+mn-ea"/>
+        <a:cs typeface="+mn-cs"/>
       </a:defRPr>
     </a:lvl2pPr>
-    <a:lvl3pPr marR="0" lvl="2" algn="l" rtl="0">
-      <a:lnSpc>
-        <a:spcPct val="100000"/>
-      </a:lnSpc>
-      <a:spcBef>
-        <a:spcPts val="0"/>
-      </a:spcBef>
-      <a:spcAft>
-        <a:spcPts val="0"/>
-      </a:spcAft>
-      <a:buClr>
-        <a:srgbClr val="000000"/>
-      </a:buClr>
-      <a:buFont typeface="Arial"/>
-      <a:defRPr sz="1400" b="0" i="0" u="none" strike="noStrike" cap="none">
+    <a:lvl3pPr marL="1219170" algn="l" defTabSz="1219170" rtl="0" eaLnBrk="1" latinLnBrk="0" hangingPunct="1">
+      <a:defRPr sz="2400" kern="1200">
         <a:solidFill>
-          <a:srgbClr val="000000"/>
+          <a:schemeClr val="tx1"/>
         </a:solidFill>
-        <a:latin typeface="Arial"/>
-        <a:ea typeface="Arial"/>
-        <a:cs typeface="Arial"/>
-        <a:sym typeface="Arial"/>
+        <a:latin typeface="+mn-lt"/>
+        <a:ea typeface="+mn-ea"/>
+        <a:cs typeface="+mn-cs"/>
       </a:defRPr>
     </a:lvl3pPr>
-    <a:lvl4pPr marR="0" lvl="3" algn="l" rtl="0">
-      <a:lnSpc>
-        <a:spcPct val="100000"/>
-      </a:lnSpc>
-      <a:spcBef>
-        <a:spcPts val="0"/>
-      </a:spcBef>
-      <a:spcAft>
-        <a:spcPts val="0"/>
-      </a:spcAft>
-      <a:buClr>
-        <a:srgbClr val="000000"/>
-      </a:buClr>
-      <a:buFont typeface="Arial"/>
-      <a:defRPr sz="1400" b="0" i="0" u="none" strike="noStrike" cap="none">
+    <a:lvl4pPr marL="1828754" algn="l" defTabSz="1219170" rtl="0" eaLnBrk="1" latinLnBrk="0" hangingPunct="1">
+      <a:defRPr sz="2400" kern="1200">
         <a:solidFill>
-          <a:srgbClr val="000000"/>
+          <a:schemeClr val="tx1"/>
         </a:solidFill>
-        <a:latin typeface="Arial"/>
-        <a:ea typeface="Arial"/>
-        <a:cs typeface="Arial"/>
-        <a:sym typeface="Arial"/>
+        <a:latin typeface="+mn-lt"/>
+        <a:ea typeface="+mn-ea"/>
+        <a:cs typeface="+mn-cs"/>
       </a:defRPr>
     </a:lvl4pPr>
-    <a:lvl5pPr marR="0" lvl="4" algn="l" rtl="0">
-      <a:lnSpc>
-        <a:spcPct val="100000"/>
-      </a:lnSpc>
-      <a:spcBef>
-        <a:spcPts val="0"/>
-      </a:spcBef>
-      <a:spcAft>
-        <a:spcPts val="0"/>
-      </a:spcAft>
-      <a:buClr>
-        <a:srgbClr val="000000"/>
-      </a:buClr>
-      <a:buFont typeface="Arial"/>
-      <a:defRPr sz="1400" b="0" i="0" u="none" strike="noStrike" cap="none">
+    <a:lvl5pPr marL="2438339" algn="l" defTabSz="1219170" rtl="0" eaLnBrk="1" latinLnBrk="0" hangingPunct="1">
+      <a:defRPr sz="2400" kern="1200">
         <a:solidFill>
-          <a:srgbClr val="000000"/>
+          <a:schemeClr val="tx1"/>
         </a:solidFill>
-        <a:latin typeface="Arial"/>
-        <a:ea typeface="Arial"/>
-        <a:cs typeface="Arial"/>
-        <a:sym typeface="Arial"/>
+        <a:latin typeface="+mn-lt"/>
+        <a:ea typeface="+mn-ea"/>
+        <a:cs typeface="+mn-cs"/>
       </a:defRPr>
     </a:lvl5pPr>
-    <a:lvl6pPr marR="0" lvl="5" algn="l" rtl="0">
-      <a:lnSpc>
-        <a:spcPct val="100000"/>
-      </a:lnSpc>
-      <a:spcBef>
-        <a:spcPts val="0"/>
-      </a:spcBef>
-      <a:spcAft>
-        <a:spcPts val="0"/>
-      </a:spcAft>
-      <a:buClr>
-        <a:srgbClr val="000000"/>
-      </a:buClr>
-      <a:buFont typeface="Arial"/>
-      <a:defRPr sz="1400" b="0" i="0" u="none" strike="noStrike" cap="none">
+    <a:lvl6pPr marL="3047924" algn="l" defTabSz="1219170" rtl="0" eaLnBrk="1" latinLnBrk="0" hangingPunct="1">
+      <a:defRPr sz="2400" kern="1200">
         <a:solidFill>
-          <a:srgbClr val="000000"/>
+          <a:schemeClr val="tx1"/>
         </a:solidFill>
-        <a:latin typeface="Arial"/>
-        <a:ea typeface="Arial"/>
-        <a:cs typeface="Arial"/>
-        <a:sym typeface="Arial"/>
+        <a:latin typeface="+mn-lt"/>
+        <a:ea typeface="+mn-ea"/>
+        <a:cs typeface="+mn-cs"/>
       </a:defRPr>
     </a:lvl6pPr>
-    <a:lvl7pPr marR="0" lvl="6" algn="l" rtl="0">
-      <a:lnSpc>
-        <a:spcPct val="100000"/>
-      </a:lnSpc>
-      <a:spcBef>
-        <a:spcPts val="0"/>
-      </a:spcBef>
-      <a:spcAft>
-        <a:spcPts val="0"/>
-      </a:spcAft>
-      <a:buClr>
-        <a:srgbClr val="000000"/>
-      </a:buClr>
-      <a:buFont typeface="Arial"/>
-      <a:defRPr sz="1400" b="0" i="0" u="none" strike="noStrike" cap="none">
+    <a:lvl7pPr marL="3657509" algn="l" defTabSz="1219170" rtl="0" eaLnBrk="1" latinLnBrk="0" hangingPunct="1">
+      <a:defRPr sz="2400" kern="1200">
         <a:solidFill>
-          <a:srgbClr val="000000"/>
+          <a:schemeClr val="tx1"/>
         </a:solidFill>
-        <a:latin typeface="Arial"/>
-        <a:ea typeface="Arial"/>
-        <a:cs typeface="Arial"/>
-        <a:sym typeface="Arial"/>
+        <a:latin typeface="+mn-lt"/>
+        <a:ea typeface="+mn-ea"/>
+        <a:cs typeface="+mn-cs"/>
       </a:defRPr>
     </a:lvl7pPr>
-    <a:lvl8pPr marR="0" lvl="7" algn="l" rtl="0">
-      <a:lnSpc>
-        <a:spcPct val="100000"/>
-      </a:lnSpc>
-      <a:spcBef>
-        <a:spcPts val="0"/>
-      </a:spcBef>
-      <a:spcAft>
-        <a:spcPts val="0"/>
-      </a:spcAft>
-      <a:buClr>
-        <a:srgbClr val="000000"/>
-      </a:buClr>
-      <a:buFont typeface="Arial"/>
-      <a:defRPr sz="1400" b="0" i="0" u="none" strike="noStrike" cap="none">
+    <a:lvl8pPr marL="4267093" algn="l" defTabSz="1219170" rtl="0" eaLnBrk="1" latinLnBrk="0" hangingPunct="1">
+      <a:defRPr sz="2400" kern="1200">
         <a:solidFill>
-          <a:srgbClr val="000000"/>
+          <a:schemeClr val="tx1"/>
         </a:solidFill>
-        <a:latin typeface="Arial"/>
-        <a:ea typeface="Arial"/>
-        <a:cs typeface="Arial"/>
-        <a:sym typeface="Arial"/>
+        <a:latin typeface="+mn-lt"/>
+        <a:ea typeface="+mn-ea"/>
+        <a:cs typeface="+mn-cs"/>
       </a:defRPr>
     </a:lvl8pPr>
-    <a:lvl9pPr marR="0" lvl="8" algn="l" rtl="0">
-      <a:lnSpc>
-        <a:spcPct val="100000"/>
-      </a:lnSpc>
-      <a:spcBef>
-        <a:spcPts val="0"/>
-      </a:spcBef>
-      <a:spcAft>
-        <a:spcPts val="0"/>
-      </a:spcAft>
-      <a:buClr>
-        <a:srgbClr val="000000"/>
-      </a:buClr>
-      <a:buFont typeface="Arial"/>
-      <a:defRPr sz="1400" b="0" i="0" u="none" strike="noStrike" cap="none">
+    <a:lvl9pPr marL="4876678" algn="l" defTabSz="1219170" rtl="0" eaLnBrk="1" latinLnBrk="0" hangingPunct="1">
+      <a:defRPr sz="2400" kern="1200">
         <a:solidFill>
-          <a:srgbClr val="000000"/>
+          <a:schemeClr val="tx1"/>
         </a:solidFill>
-        <a:latin typeface="Arial"/>
-        <a:ea typeface="Arial"/>
-        <a:cs typeface="Arial"/>
-        <a:sym typeface="Arial"/>
+        <a:latin typeface="+mn-lt"/>
+        <a:ea typeface="+mn-ea"/>
+        <a:cs typeface="+mn-cs"/>
       </a:defRPr>
     </a:lvl9pPr>
   </p:defaultTextStyle>
@@ -450,7 +316,7 @@
       </p15:notesGuideLst>
     </p:ext>
     <p:ext uri="http://customooxmlschemas.google.com/">
-      <go:slidesCustomData xmlns="" xmlns:mc="http://schemas.openxmlformats.org/markup-compatibility/2006" xmlns:mv="urn:schemas-microsoft-com:mac:vml" xmlns:c="http://schemas.openxmlformats.org/drawingml/2006/chart" xmlns:dgm="http://schemas.openxmlformats.org/drawingml/2006/diagram" xmlns:o="urn:schemas-microsoft-com:office:office" xmlns:v="urn:schemas-microsoft-com:vml" xmlns:pvml="urn:schemas-microsoft-com:office:powerpoint" xmlns:com="http://schemas.openxmlformats.org/drawingml/2006/compatibility" xmlns:p14="http://schemas.microsoft.com/office/powerpoint/2010/main" xmlns:p15="http://schemas.microsoft.com/office/powerpoint/2012/main" xmlns:ahyp="http://schemas.microsoft.com/office/drawing/2018/hyperlinkcolor" xmlns:go="http://customooxmlschemas.google.com/" r:id="rId82" roundtripDataSignature="AMtx7mjSZQRmqTMWKYRBXmlYNJjeBKn4Mw=="/>
+      <go:slidesCustomData xmlns:go="http://customooxmlschemas.google.com/" xmlns:ahyp="http://schemas.microsoft.com/office/drawing/2018/hyperlinkcolor" xmlns:p15="http://schemas.microsoft.com/office/powerpoint/2012/main" xmlns:p14="http://schemas.microsoft.com/office/powerpoint/2010/main" xmlns:com="http://schemas.openxmlformats.org/drawingml/2006/compatibility" xmlns:pvml="urn:schemas-microsoft-com:office:powerpoint" xmlns:v="urn:schemas-microsoft-com:vml" xmlns:o="urn:schemas-microsoft-com:office:office" xmlns:dgm="http://schemas.openxmlformats.org/drawingml/2006/diagram" xmlns:c="http://schemas.openxmlformats.org/drawingml/2006/chart" xmlns:mv="urn:schemas-microsoft-com:mac:vml" xmlns:mc="http://schemas.openxmlformats.org/markup-compatibility/2006" xmlns="" r:id="rId82" roundtripDataSignature="AMtx7mjSZQRmqTMWKYRBXmlYNJjeBKn4Mw=="/>
     </p:ext>
   </p:extLst>
 </p:presentation>
@@ -2720,11 +2586,11 @@
 </file>
 
 <file path=ppt/slideLayouts/slideLayout1.xml><?xml version="1.0" encoding="utf-8"?>
-<p:sldLayout xmlns:a="http://schemas.openxmlformats.org/drawingml/2006/main" xmlns:r="http://schemas.openxmlformats.org/officeDocument/2006/relationships" xmlns:p="http://schemas.openxmlformats.org/presentationml/2006/main" matchingName="Title Slide" type="title">
-  <p:cSld name="TITLE">
+<p:sldLayout xmlns:a="http://schemas.openxmlformats.org/drawingml/2006/main" xmlns:r="http://schemas.openxmlformats.org/officeDocument/2006/relationships" xmlns:p="http://schemas.openxmlformats.org/presentationml/2006/main" type="title" preserve="1">
+  <p:cSld name="Diapositive de titre">
     <p:spTree>
       <p:nvGrpSpPr>
-        <p:cNvPr id="1" name="Shape 13"/>
+        <p:cNvPr id="1" name=""/>
         <p:cNvGrpSpPr/>
         <p:nvPr/>
       </p:nvGrpSpPr>
@@ -2738,8 +2604,8 @@
       </p:grpSpPr>
       <p:sp>
         <p:nvSpPr>
-          <p:cNvPr id="14" name="Google Shape;14;p51"/>
-          <p:cNvSpPr txBox="1">
+          <p:cNvPr id="2" name="Title 1"/>
+          <p:cNvSpPr>
             <a:spLocks noGrp="1"/>
           </p:cNvSpPr>
           <p:nvPr>
@@ -2751,143 +2617,39 @@
             <a:off x="1524000" y="1122363"/>
             <a:ext cx="9144000" cy="2387600"/>
           </a:xfrm>
-          <a:prstGeom prst="rect">
-            <a:avLst/>
-          </a:prstGeom>
-          <a:noFill/>
-          <a:ln>
-            <a:noFill/>
-          </a:ln>
+          <a:solidFill>
+            <a:schemeClr val="accent3">
+              <a:lumMod val="40000"/>
+              <a:lumOff val="60000"/>
+            </a:schemeClr>
+          </a:solidFill>
         </p:spPr>
         <p:txBody>
-          <a:bodyPr spcFirstLastPara="1" wrap="square" lIns="91425" tIns="45700" rIns="91425" bIns="45700" anchor="b" anchorCtr="0">
+          <a:bodyPr anchor="b">
             <a:normAutofit/>
           </a:bodyPr>
           <a:lstStyle>
-            <a:lvl1pPr lvl="0" algn="ctr">
-              <a:lnSpc>
-                <a:spcPct val="90000"/>
-              </a:lnSpc>
-              <a:spcBef>
-                <a:spcPts val="0"/>
-              </a:spcBef>
-              <a:spcAft>
-                <a:spcPts val="0"/>
-              </a:spcAft>
-              <a:buClr>
-                <a:schemeClr val="accent2"/>
-              </a:buClr>
-              <a:buSzPts val="4400"/>
-              <a:buFont typeface="Garamond"/>
-              <a:buNone/>
-              <a:defRPr sz="4400">
+            <a:lvl1pPr algn="ctr">
+              <a:defRPr lang="fr-BE">
                 <a:solidFill>
                   <a:schemeClr val="accent2"/>
                 </a:solidFill>
               </a:defRPr>
             </a:lvl1pPr>
-            <a:lvl2pPr lvl="1" algn="l">
-              <a:spcBef>
-                <a:spcPts val="0"/>
-              </a:spcBef>
-              <a:spcAft>
-                <a:spcPts val="0"/>
-              </a:spcAft>
-              <a:buSzPts val="1400"/>
-              <a:buNone/>
-              <a:defRPr/>
-            </a:lvl2pPr>
-            <a:lvl3pPr lvl="2" algn="l">
-              <a:spcBef>
-                <a:spcPts val="0"/>
-              </a:spcBef>
-              <a:spcAft>
-                <a:spcPts val="0"/>
-              </a:spcAft>
-              <a:buSzPts val="1400"/>
-              <a:buNone/>
-              <a:defRPr/>
-            </a:lvl3pPr>
-            <a:lvl4pPr lvl="3" algn="l">
-              <a:spcBef>
-                <a:spcPts val="0"/>
-              </a:spcBef>
-              <a:spcAft>
-                <a:spcPts val="0"/>
-              </a:spcAft>
-              <a:buSzPts val="1400"/>
-              <a:buNone/>
-              <a:defRPr/>
-            </a:lvl4pPr>
-            <a:lvl5pPr lvl="4" algn="l">
-              <a:spcBef>
-                <a:spcPts val="0"/>
-              </a:spcBef>
-              <a:spcAft>
-                <a:spcPts val="0"/>
-              </a:spcAft>
-              <a:buSzPts val="1400"/>
-              <a:buNone/>
-              <a:defRPr/>
-            </a:lvl5pPr>
-            <a:lvl6pPr lvl="5" algn="l">
-              <a:spcBef>
-                <a:spcPts val="0"/>
-              </a:spcBef>
-              <a:spcAft>
-                <a:spcPts val="0"/>
-              </a:spcAft>
-              <a:buSzPts val="1400"/>
-              <a:buNone/>
-              <a:defRPr/>
-            </a:lvl6pPr>
-            <a:lvl7pPr lvl="6" algn="l">
-              <a:spcBef>
-                <a:spcPts val="0"/>
-              </a:spcBef>
-              <a:spcAft>
-                <a:spcPts val="0"/>
-              </a:spcAft>
-              <a:buSzPts val="1400"/>
-              <a:buNone/>
-              <a:defRPr/>
-            </a:lvl7pPr>
-            <a:lvl8pPr lvl="7" algn="l">
-              <a:spcBef>
-                <a:spcPts val="0"/>
-              </a:spcBef>
-              <a:spcAft>
-                <a:spcPts val="0"/>
-              </a:spcAft>
-              <a:buSzPts val="1400"/>
-              <a:buNone/>
-              <a:defRPr/>
-            </a:lvl8pPr>
-            <a:lvl9pPr lvl="8" algn="l">
-              <a:spcBef>
-                <a:spcPts val="0"/>
-              </a:spcBef>
-              <a:spcAft>
-                <a:spcPts val="0"/>
-              </a:spcAft>
-              <a:buSzPts val="1400"/>
-              <a:buNone/>
-              <a:defRPr/>
-            </a:lvl9pPr>
           </a:lstStyle>
           <a:p>
             <a:r>
               <a:rPr lang="fr-FR"/>
               <a:t>Modifiez le style du titre</a:t>
             </a:r>
-            <a:endParaRPr/>
+            <a:endParaRPr lang="fr-BE"/>
           </a:p>
         </p:txBody>
       </p:sp>
       <p:sp>
         <p:nvSpPr>
-          <p:cNvPr id="15" name="Google Shape;15;p51"/>
-          <p:cNvSpPr txBox="1">
+          <p:cNvPr id="3" name="Subtitle 2"/>
+          <p:cNvSpPr>
             <a:spLocks noGrp="1"/>
           </p:cNvSpPr>
           <p:nvPr>
@@ -2899,173 +2661,47 @@
             <a:off x="1524000" y="3602037"/>
             <a:ext cx="9144000" cy="1655763"/>
           </a:xfrm>
-          <a:prstGeom prst="rect">
-            <a:avLst/>
-          </a:prstGeom>
-          <a:noFill/>
-          <a:ln>
-            <a:noFill/>
-          </a:ln>
         </p:spPr>
         <p:txBody>
-          <a:bodyPr spcFirstLastPara="1" wrap="square" lIns="91425" tIns="45700" rIns="91425" bIns="45700" anchor="t" anchorCtr="0">
-            <a:normAutofit/>
-          </a:bodyPr>
+          <a:bodyPr/>
           <a:lstStyle>
-            <a:lvl1pPr lvl="0" algn="l">
-              <a:lnSpc>
-                <a:spcPct val="90000"/>
-              </a:lnSpc>
-              <a:spcBef>
-                <a:spcPts val="1000"/>
-              </a:spcBef>
-              <a:spcAft>
-                <a:spcPts val="0"/>
-              </a:spcAft>
-              <a:buClr>
-                <a:schemeClr val="dk2"/>
-              </a:buClr>
-              <a:buSzPts val="2400"/>
+            <a:lvl1pPr marL="0" indent="0" algn="l">
               <a:buNone/>
               <a:defRPr sz="2400">
                 <a:solidFill>
-                  <a:schemeClr val="dk2"/>
+                  <a:schemeClr val="tx2"/>
                 </a:solidFill>
               </a:defRPr>
             </a:lvl1pPr>
-            <a:lvl2pPr lvl="1" algn="ctr">
-              <a:lnSpc>
-                <a:spcPct val="90000"/>
-              </a:lnSpc>
-              <a:spcBef>
-                <a:spcPts val="500"/>
-              </a:spcBef>
-              <a:spcAft>
-                <a:spcPts val="0"/>
-              </a:spcAft>
-              <a:buClr>
-                <a:schemeClr val="dk1"/>
-              </a:buClr>
-              <a:buSzPts val="2000"/>
+            <a:lvl2pPr marL="457189" indent="0" algn="ctr">
               <a:buNone/>
               <a:defRPr sz="2000"/>
             </a:lvl2pPr>
-            <a:lvl3pPr lvl="2" algn="ctr">
-              <a:lnSpc>
-                <a:spcPct val="90000"/>
-              </a:lnSpc>
-              <a:spcBef>
-                <a:spcPts val="500"/>
-              </a:spcBef>
-              <a:spcAft>
-                <a:spcPts val="0"/>
-              </a:spcAft>
-              <a:buClr>
-                <a:schemeClr val="dk1"/>
-              </a:buClr>
-              <a:buSzPts val="1800"/>
+            <a:lvl3pPr marL="914377" indent="0" algn="ctr">
               <a:buNone/>
               <a:defRPr sz="1800"/>
             </a:lvl3pPr>
-            <a:lvl4pPr lvl="3" algn="ctr">
-              <a:lnSpc>
-                <a:spcPct val="90000"/>
-              </a:lnSpc>
-              <a:spcBef>
-                <a:spcPts val="500"/>
-              </a:spcBef>
-              <a:spcAft>
-                <a:spcPts val="0"/>
-              </a:spcAft>
-              <a:buClr>
-                <a:schemeClr val="dk1"/>
-              </a:buClr>
-              <a:buSzPts val="1600"/>
+            <a:lvl4pPr marL="1371566" indent="0" algn="ctr">
               <a:buNone/>
               <a:defRPr sz="1600"/>
             </a:lvl4pPr>
-            <a:lvl5pPr lvl="4" algn="ctr">
-              <a:lnSpc>
-                <a:spcPct val="90000"/>
-              </a:lnSpc>
-              <a:spcBef>
-                <a:spcPts val="500"/>
-              </a:spcBef>
-              <a:spcAft>
-                <a:spcPts val="0"/>
-              </a:spcAft>
-              <a:buClr>
-                <a:schemeClr val="dk1"/>
-              </a:buClr>
-              <a:buSzPts val="1600"/>
+            <a:lvl5pPr marL="1828754" indent="0" algn="ctr">
               <a:buNone/>
               <a:defRPr sz="1600"/>
             </a:lvl5pPr>
-            <a:lvl6pPr lvl="5" algn="ctr">
-              <a:lnSpc>
-                <a:spcPct val="90000"/>
-              </a:lnSpc>
-              <a:spcBef>
-                <a:spcPts val="500"/>
-              </a:spcBef>
-              <a:spcAft>
-                <a:spcPts val="0"/>
-              </a:spcAft>
-              <a:buClr>
-                <a:schemeClr val="dk1"/>
-              </a:buClr>
-              <a:buSzPts val="1600"/>
+            <a:lvl6pPr marL="2285943" indent="0" algn="ctr">
               <a:buNone/>
               <a:defRPr sz="1600"/>
             </a:lvl6pPr>
-            <a:lvl7pPr lvl="6" algn="ctr">
-              <a:lnSpc>
-                <a:spcPct val="90000"/>
-              </a:lnSpc>
-              <a:spcBef>
-                <a:spcPts val="500"/>
-              </a:spcBef>
-              <a:spcAft>
-                <a:spcPts val="0"/>
-              </a:spcAft>
-              <a:buClr>
-                <a:schemeClr val="dk1"/>
-              </a:buClr>
-              <a:buSzPts val="1600"/>
+            <a:lvl7pPr marL="2743131" indent="0" algn="ctr">
               <a:buNone/>
               <a:defRPr sz="1600"/>
             </a:lvl7pPr>
-            <a:lvl8pPr lvl="7" algn="ctr">
-              <a:lnSpc>
-                <a:spcPct val="90000"/>
-              </a:lnSpc>
-              <a:spcBef>
-                <a:spcPts val="500"/>
-              </a:spcBef>
-              <a:spcAft>
-                <a:spcPts val="0"/>
-              </a:spcAft>
-              <a:buClr>
-                <a:schemeClr val="dk1"/>
-              </a:buClr>
-              <a:buSzPts val="1600"/>
+            <a:lvl8pPr marL="3200320" indent="0" algn="ctr">
               <a:buNone/>
               <a:defRPr sz="1600"/>
             </a:lvl8pPr>
-            <a:lvl9pPr lvl="8" algn="ctr">
-              <a:lnSpc>
-                <a:spcPct val="90000"/>
-              </a:lnSpc>
-              <a:spcBef>
-                <a:spcPts val="500"/>
-              </a:spcBef>
-              <a:spcAft>
-                <a:spcPts val="0"/>
-              </a:spcAft>
-              <a:buClr>
-                <a:schemeClr val="dk1"/>
-              </a:buClr>
-              <a:buSzPts val="1600"/>
+            <a:lvl9pPr marL="3657509" indent="0" algn="ctr">
               <a:buNone/>
               <a:defRPr sz="1600"/>
             </a:lvl9pPr>
@@ -3075,11 +2711,99 @@
               <a:rPr lang="fr-FR"/>
               <a:t>Modifiez le style des sous-titres du masque</a:t>
             </a:r>
-            <a:endParaRPr/>
+            <a:endParaRPr lang="fr-BE"/>
+          </a:p>
+        </p:txBody>
+      </p:sp>
+      <p:sp>
+        <p:nvSpPr>
+          <p:cNvPr id="4" name="Espace réservé de la date 3">
+            <a:extLst>
+              <a:ext uri="{FF2B5EF4-FFF2-40B4-BE49-F238E27FC236}">
+                <a16:creationId xmlns:a16="http://schemas.microsoft.com/office/drawing/2014/main" id="{7F8EFA58-10A1-BAA7-B65E-A754A43B7544}"/>
+              </a:ext>
+            </a:extLst>
+          </p:cNvPr>
+          <p:cNvSpPr>
+            <a:spLocks noGrp="1"/>
+          </p:cNvSpPr>
+          <p:nvPr>
+            <p:ph type="dt" sz="half" idx="10"/>
+          </p:nvPr>
+        </p:nvSpPr>
+        <p:spPr/>
+        <p:txBody>
+          <a:bodyPr/>
+          <a:lstStyle/>
+          <a:p>
+            <a:fld id="{F3953782-D06E-4853-BE3C-64C197273937}" type="datetimeFigureOut">
+              <a:rPr lang="fr-BE" smtClean="0"/>
+              <a:t>14-01-25</a:t>
+            </a:fld>
+            <a:endParaRPr lang="fr-BE"/>
+          </a:p>
+        </p:txBody>
+      </p:sp>
+      <p:sp>
+        <p:nvSpPr>
+          <p:cNvPr id="5" name="Espace réservé du pied de page 4">
+            <a:extLst>
+              <a:ext uri="{FF2B5EF4-FFF2-40B4-BE49-F238E27FC236}">
+                <a16:creationId xmlns:a16="http://schemas.microsoft.com/office/drawing/2014/main" id="{314B8606-B65F-6EB2-899E-91B5C83E7578}"/>
+              </a:ext>
+            </a:extLst>
+          </p:cNvPr>
+          <p:cNvSpPr>
+            <a:spLocks noGrp="1"/>
+          </p:cNvSpPr>
+          <p:nvPr>
+            <p:ph type="ftr" sz="quarter" idx="11"/>
+          </p:nvPr>
+        </p:nvSpPr>
+        <p:spPr/>
+        <p:txBody>
+          <a:bodyPr/>
+          <a:lstStyle/>
+          <a:p>
+            <a:endParaRPr lang="fr-BE"/>
+          </a:p>
+        </p:txBody>
+      </p:sp>
+      <p:sp>
+        <p:nvSpPr>
+          <p:cNvPr id="6" name="Espace réservé du numéro de diapositive 5">
+            <a:extLst>
+              <a:ext uri="{FF2B5EF4-FFF2-40B4-BE49-F238E27FC236}">
+                <a16:creationId xmlns:a16="http://schemas.microsoft.com/office/drawing/2014/main" id="{CB2FA919-3ED3-80D3-E61B-53F97BE66BE0}"/>
+              </a:ext>
+            </a:extLst>
+          </p:cNvPr>
+          <p:cNvSpPr>
+            <a:spLocks noGrp="1"/>
+          </p:cNvSpPr>
+          <p:nvPr>
+            <p:ph type="sldNum" sz="quarter" idx="12"/>
+          </p:nvPr>
+        </p:nvSpPr>
+        <p:spPr/>
+        <p:txBody>
+          <a:bodyPr/>
+          <a:lstStyle/>
+          <a:p>
+            <a:fld id="{02C092ED-0E97-497E-99D9-BB9DD7276F53}" type="slidenum">
+              <a:rPr lang="fr-BE" smtClean="0"/>
+              <a:t>‹N°›</a:t>
+            </a:fld>
+            <a:endParaRPr lang="fr-BE"/>
           </a:p>
         </p:txBody>
       </p:sp>
     </p:spTree>
+    <p:extLst>
+      <p:ext uri="{BB962C8B-B14F-4D97-AF65-F5344CB8AC3E}">
+        <p14:creationId xmlns:p14="http://schemas.microsoft.com/office/powerpoint/2010/main" val="2685553754"/>
+      </p:ext>
+    </p:extLst>
   </p:cSld>
   <p:clrMapOvr>
     <a:masterClrMapping/>
@@ -3090,332 +2814,19 @@
         <p14:reveal/>
       </p:transition>
     </mc:Choice>
-    <mc:Fallback xmlns="" xmlns:mv="urn:schemas-microsoft-com:mac:vml" xmlns:c="http://schemas.openxmlformats.org/drawingml/2006/chart" xmlns:dgm="http://schemas.openxmlformats.org/drawingml/2006/diagram" xmlns:o="urn:schemas-microsoft-com:office:office" xmlns:v="urn:schemas-microsoft-com:vml" xmlns:pvml="urn:schemas-microsoft-com:office:powerpoint" xmlns:com="http://schemas.openxmlformats.org/drawingml/2006/compatibility" xmlns:p15="http://schemas.microsoft.com/office/powerpoint/2012/main" xmlns:ahyp="http://schemas.microsoft.com/office/drawing/2018/hyperlinkcolor">
-      <p:transition spd="med">
+    <mc:Fallback xmlns="">
+      <p:transition spd="slow">
         <p:fade/>
       </p:transition>
     </mc:Fallback>
   </mc:AlternateContent>
+  <p:hf hdr="0" ftr="0" dt="0"/>
 </p:sldLayout>
 </file>
 
-<file path=ppt/slideLayouts/slideLayout2.xml><?xml version="1.0" encoding="utf-8"?>
-<p:sldLayout xmlns:a="http://schemas.openxmlformats.org/drawingml/2006/main" xmlns:r="http://schemas.openxmlformats.org/officeDocument/2006/relationships" xmlns:p="http://schemas.openxmlformats.org/presentationml/2006/main" matchingName="Title and Content" type="obj">
-  <p:cSld name="OBJECT">
-    <p:spTree>
-      <p:nvGrpSpPr>
-        <p:cNvPr id="1" name="Shape 16"/>
-        <p:cNvGrpSpPr/>
-        <p:nvPr/>
-      </p:nvGrpSpPr>
-      <p:grpSpPr>
-        <a:xfrm>
-          <a:off x="0" y="0"/>
-          <a:ext cx="0" cy="0"/>
-          <a:chOff x="0" y="0"/>
-          <a:chExt cx="0" cy="0"/>
-        </a:xfrm>
-      </p:grpSpPr>
-      <p:sp>
-        <p:nvSpPr>
-          <p:cNvPr id="17" name="Google Shape;17;p52"/>
-          <p:cNvSpPr txBox="1">
-            <a:spLocks noGrp="1"/>
-          </p:cNvSpPr>
-          <p:nvPr>
-            <p:ph type="title"/>
-          </p:nvPr>
-        </p:nvSpPr>
-        <p:spPr>
-          <a:xfrm>
-            <a:off x="838200" y="365125"/>
-            <a:ext cx="10515600" cy="1325563"/>
-          </a:xfrm>
-          <a:prstGeom prst="rect">
-            <a:avLst/>
-          </a:prstGeom>
-          <a:noFill/>
-          <a:ln>
-            <a:noFill/>
-          </a:ln>
-        </p:spPr>
-        <p:txBody>
-          <a:bodyPr spcFirstLastPara="1" wrap="square" lIns="91425" tIns="45700" rIns="91425" bIns="45700" anchor="ctr" anchorCtr="0">
-            <a:normAutofit/>
-          </a:bodyPr>
-          <a:lstStyle>
-            <a:lvl1pPr lvl="0" algn="l">
-              <a:lnSpc>
-                <a:spcPct val="90000"/>
-              </a:lnSpc>
-              <a:spcBef>
-                <a:spcPts val="0"/>
-              </a:spcBef>
-              <a:spcAft>
-                <a:spcPts val="0"/>
-              </a:spcAft>
-              <a:buClr>
-                <a:schemeClr val="accent5"/>
-              </a:buClr>
-              <a:buSzPts val="1800"/>
-              <a:buNone/>
-              <a:defRPr/>
-            </a:lvl1pPr>
-            <a:lvl2pPr lvl="1" algn="l">
-              <a:spcBef>
-                <a:spcPts val="0"/>
-              </a:spcBef>
-              <a:spcAft>
-                <a:spcPts val="0"/>
-              </a:spcAft>
-              <a:buSzPts val="1400"/>
-              <a:buNone/>
-              <a:defRPr/>
-            </a:lvl2pPr>
-            <a:lvl3pPr lvl="2" algn="l">
-              <a:spcBef>
-                <a:spcPts val="0"/>
-              </a:spcBef>
-              <a:spcAft>
-                <a:spcPts val="0"/>
-              </a:spcAft>
-              <a:buSzPts val="1400"/>
-              <a:buNone/>
-              <a:defRPr/>
-            </a:lvl3pPr>
-            <a:lvl4pPr lvl="3" algn="l">
-              <a:spcBef>
-                <a:spcPts val="0"/>
-              </a:spcBef>
-              <a:spcAft>
-                <a:spcPts val="0"/>
-              </a:spcAft>
-              <a:buSzPts val="1400"/>
-              <a:buNone/>
-              <a:defRPr/>
-            </a:lvl4pPr>
-            <a:lvl5pPr lvl="4" algn="l">
-              <a:spcBef>
-                <a:spcPts val="0"/>
-              </a:spcBef>
-              <a:spcAft>
-                <a:spcPts val="0"/>
-              </a:spcAft>
-              <a:buSzPts val="1400"/>
-              <a:buNone/>
-              <a:defRPr/>
-            </a:lvl5pPr>
-            <a:lvl6pPr lvl="5" algn="l">
-              <a:spcBef>
-                <a:spcPts val="0"/>
-              </a:spcBef>
-              <a:spcAft>
-                <a:spcPts val="0"/>
-              </a:spcAft>
-              <a:buSzPts val="1400"/>
-              <a:buNone/>
-              <a:defRPr/>
-            </a:lvl6pPr>
-            <a:lvl7pPr lvl="6" algn="l">
-              <a:spcBef>
-                <a:spcPts val="0"/>
-              </a:spcBef>
-              <a:spcAft>
-                <a:spcPts val="0"/>
-              </a:spcAft>
-              <a:buSzPts val="1400"/>
-              <a:buNone/>
-              <a:defRPr/>
-            </a:lvl7pPr>
-            <a:lvl8pPr lvl="7" algn="l">
-              <a:spcBef>
-                <a:spcPts val="0"/>
-              </a:spcBef>
-              <a:spcAft>
-                <a:spcPts val="0"/>
-              </a:spcAft>
-              <a:buSzPts val="1400"/>
-              <a:buNone/>
-              <a:defRPr/>
-            </a:lvl8pPr>
-            <a:lvl9pPr lvl="8" algn="l">
-              <a:spcBef>
-                <a:spcPts val="0"/>
-              </a:spcBef>
-              <a:spcAft>
-                <a:spcPts val="0"/>
-              </a:spcAft>
-              <a:buSzPts val="1400"/>
-              <a:buNone/>
-              <a:defRPr/>
-            </a:lvl9pPr>
-          </a:lstStyle>
-          <a:p>
-            <a:r>
-              <a:rPr lang="fr-FR"/>
-              <a:t>Modifiez le style du titre</a:t>
-            </a:r>
-            <a:endParaRPr/>
-          </a:p>
-        </p:txBody>
-      </p:sp>
-      <p:sp>
-        <p:nvSpPr>
-          <p:cNvPr id="18" name="Google Shape;18;p52"/>
-          <p:cNvSpPr txBox="1">
-            <a:spLocks noGrp="1"/>
-          </p:cNvSpPr>
-          <p:nvPr>
-            <p:ph type="body" idx="1" hasCustomPrompt="1"/>
-          </p:nvPr>
-        </p:nvSpPr>
-        <p:spPr>
-          <a:xfrm>
-            <a:off x="838200" y="1825625"/>
-            <a:ext cx="10515600" cy="4351339"/>
-          </a:xfrm>
-          <a:prstGeom prst="rect">
-            <a:avLst/>
-          </a:prstGeom>
-          <a:noFill/>
-          <a:ln>
-            <a:noFill/>
-          </a:ln>
-        </p:spPr>
-        <p:txBody>
-          <a:bodyPr spcFirstLastPara="1" wrap="square" lIns="91425" tIns="45700" rIns="91425" bIns="45700" anchor="t" anchorCtr="0">
-            <a:normAutofit/>
-          </a:bodyPr>
-          <a:lstStyle>
-            <a:lvl1pPr marL="540000" indent="-540000">
-              <a:buClr>
-                <a:schemeClr val="tx1">
-                  <a:lumMod val="50000"/>
-                  <a:lumOff val="50000"/>
-                </a:schemeClr>
-              </a:buClr>
-              <a:buSzPct val="80000"/>
-              <a:buFont typeface="Wingdings" panose="05000000000000000000" pitchFamily="2" charset="2"/>
-              <a:buChar char="§"/>
-              <a:defRPr lang="fr-BE" smtClean="0"/>
-            </a:lvl1pPr>
-            <a:lvl2pPr marL="939800" indent="-457200">
-              <a:buClr>
-                <a:schemeClr val="tx1">
-                  <a:lumMod val="50000"/>
-                  <a:lumOff val="50000"/>
-                </a:schemeClr>
-              </a:buClr>
-              <a:buSzPct val="80000"/>
-              <a:buFont typeface="Wingdings" panose="05000000000000000000" pitchFamily="2" charset="2"/>
-              <a:buChar char="§"/>
-              <a:defRPr/>
-            </a:lvl2pPr>
-            <a:lvl3pPr marL="1422400" indent="-457200">
-              <a:buClr>
-                <a:schemeClr val="tx1">
-                  <a:lumMod val="50000"/>
-                  <a:lumOff val="50000"/>
-                </a:schemeClr>
-              </a:buClr>
-              <a:buSzPct val="80000"/>
-              <a:buFont typeface="Wingdings" panose="05000000000000000000" pitchFamily="2" charset="2"/>
-              <a:buChar char="§"/>
-              <a:defRPr/>
-            </a:lvl3pPr>
-            <a:lvl4pPr marL="1790700" indent="-342900">
-              <a:buClr>
-                <a:schemeClr val="tx1">
-                  <a:lumMod val="50000"/>
-                  <a:lumOff val="50000"/>
-                </a:schemeClr>
-              </a:buClr>
-              <a:buSzPct val="80000"/>
-              <a:buFont typeface="Wingdings" panose="05000000000000000000" pitchFamily="2" charset="2"/>
-              <a:buChar char="§"/>
-              <a:defRPr/>
-            </a:lvl4pPr>
-            <a:lvl5pPr marL="2247900" indent="-342900">
-              <a:buClr>
-                <a:schemeClr val="tx1">
-                  <a:lumMod val="50000"/>
-                  <a:lumOff val="50000"/>
-                </a:schemeClr>
-              </a:buClr>
-              <a:buSzPct val="80000"/>
-              <a:buFont typeface="Wingdings" panose="05000000000000000000" pitchFamily="2" charset="2"/>
-              <a:buChar char="§"/>
-              <a:defRPr/>
-            </a:lvl5pPr>
-          </a:lstStyle>
-          <a:p>
-            <a:pPr lvl="0"/>
-            <a:r>
-              <a:rPr lang="fr-BE"/>
-              <a:t>A</a:t>
-            </a:r>
-          </a:p>
-          <a:p>
-            <a:pPr lvl="1"/>
-            <a:r>
-              <a:rPr lang="fr-BE"/>
-              <a:t>A</a:t>
-            </a:r>
-          </a:p>
-          <a:p>
-            <a:pPr lvl="2"/>
-            <a:r>
-              <a:rPr lang="fr-BE"/>
-              <a:t>A</a:t>
-            </a:r>
-          </a:p>
-          <a:p>
-            <a:pPr lvl="3"/>
-            <a:r>
-              <a:rPr lang="fr-BE"/>
-              <a:t>A</a:t>
-            </a:r>
-          </a:p>
-          <a:p>
-            <a:pPr lvl="4"/>
-            <a:r>
-              <a:rPr lang="fr-BE"/>
-              <a:t>A</a:t>
-            </a:r>
-          </a:p>
-          <a:p>
-            <a:pPr lvl="1"/>
-            <a:endParaRPr lang="fr-BE"/>
-          </a:p>
-          <a:p>
-            <a:pPr lvl="1"/>
-            <a:endParaRPr/>
-          </a:p>
-        </p:txBody>
-      </p:sp>
-    </p:spTree>
-  </p:cSld>
-  <p:clrMapOvr>
-    <a:masterClrMapping/>
-  </p:clrMapOvr>
-  <mc:AlternateContent xmlns:mc="http://schemas.openxmlformats.org/markup-compatibility/2006" xmlns:p14="http://schemas.microsoft.com/office/powerpoint/2010/main">
-    <mc:Choice Requires="p14">
-      <p:transition spd="slow">
-        <p14:reveal/>
-      </p:transition>
-    </mc:Choice>
-    <mc:Fallback xmlns="" xmlns:mv="urn:schemas-microsoft-com:mac:vml" xmlns:c="http://schemas.openxmlformats.org/drawingml/2006/chart" xmlns:dgm="http://schemas.openxmlformats.org/drawingml/2006/diagram" xmlns:o="urn:schemas-microsoft-com:office:office" xmlns:v="urn:schemas-microsoft-com:vml" xmlns:pvml="urn:schemas-microsoft-com:office:powerpoint" xmlns:com="http://schemas.openxmlformats.org/drawingml/2006/compatibility" xmlns:p15="http://schemas.microsoft.com/office/powerpoint/2012/main" xmlns:ahyp="http://schemas.microsoft.com/office/drawing/2018/hyperlinkcolor">
-      <p:transition spd="med">
-        <p:fade/>
-      </p:transition>
-    </mc:Fallback>
-  </mc:AlternateContent>
-</p:sldLayout>
-</file>
-
-<file path=ppt/slideLayouts/slideLayout3.xml><?xml version="1.0" encoding="utf-8"?>
+<file path=ppt/slideLayouts/slideLayout10.xml><?xml version="1.0" encoding="utf-8"?>
 <p:sldLayout xmlns:a="http://schemas.openxmlformats.org/drawingml/2006/main" xmlns:r="http://schemas.openxmlformats.org/officeDocument/2006/relationships" xmlns:p="http://schemas.openxmlformats.org/presentationml/2006/main" matchingName="Section Header" type="secHead">
-  <p:cSld name="SECTION_HEADER">
+  <p:cSld name="Section Header">
     <p:spTree>
       <p:nvGrpSpPr>
         <p:cNvPr id="1" name="Shape 19"/>
@@ -3802,6 +3213,11 @@
         </p:txBody>
       </p:sp>
     </p:spTree>
+    <p:extLst>
+      <p:ext uri="{BB962C8B-B14F-4D97-AF65-F5344CB8AC3E}">
+        <p14:creationId xmlns:p14="http://schemas.microsoft.com/office/powerpoint/2010/main" val="816950454"/>
+      </p:ext>
+    </p:extLst>
   </p:cSld>
   <p:clrMapOvr>
     <a:masterClrMapping/>
@@ -3812,7 +3228,7 @@
         <p14:reveal/>
       </p:transition>
     </mc:Choice>
-    <mc:Fallback xmlns="" xmlns:mv="urn:schemas-microsoft-com:mac:vml" xmlns:c="http://schemas.openxmlformats.org/drawingml/2006/chart" xmlns:dgm="http://schemas.openxmlformats.org/drawingml/2006/diagram" xmlns:o="urn:schemas-microsoft-com:office:office" xmlns:v="urn:schemas-microsoft-com:vml" xmlns:pvml="urn:schemas-microsoft-com:office:powerpoint" xmlns:com="http://schemas.openxmlformats.org/drawingml/2006/compatibility" xmlns:p15="http://schemas.microsoft.com/office/powerpoint/2012/main" xmlns:ahyp="http://schemas.microsoft.com/office/drawing/2018/hyperlinkcolor">
+    <mc:Fallback xmlns:ahyp="http://schemas.microsoft.com/office/drawing/2018/hyperlinkcolor" xmlns:p15="http://schemas.microsoft.com/office/powerpoint/2012/main" xmlns:com="http://schemas.openxmlformats.org/drawingml/2006/compatibility" xmlns:pvml="urn:schemas-microsoft-com:office:powerpoint" xmlns:v="urn:schemas-microsoft-com:vml" xmlns:o="urn:schemas-microsoft-com:office:office" xmlns:dgm="http://schemas.openxmlformats.org/drawingml/2006/diagram" xmlns:c="http://schemas.openxmlformats.org/drawingml/2006/chart" xmlns:mv="urn:schemas-microsoft-com:mac:vml" xmlns="">
       <p:transition spd="med">
         <p:fade/>
       </p:transition>
@@ -3821,1710 +3237,9 @@
 </p:sldLayout>
 </file>
 
-<file path=ppt/slideLayouts/slideLayout4.xml><?xml version="1.0" encoding="utf-8"?>
-<p:sldLayout xmlns:a="http://schemas.openxmlformats.org/drawingml/2006/main" xmlns:r="http://schemas.openxmlformats.org/officeDocument/2006/relationships" xmlns:p="http://schemas.openxmlformats.org/presentationml/2006/main" matchingName="Two Content" type="twoObj">
-  <p:cSld name="TWO_OBJECTS">
-    <p:spTree>
-      <p:nvGrpSpPr>
-        <p:cNvPr id="1" name="Shape 22"/>
-        <p:cNvGrpSpPr/>
-        <p:nvPr/>
-      </p:nvGrpSpPr>
-      <p:grpSpPr>
-        <a:xfrm>
-          <a:off x="0" y="0"/>
-          <a:ext cx="0" cy="0"/>
-          <a:chOff x="0" y="0"/>
-          <a:chExt cx="0" cy="0"/>
-        </a:xfrm>
-      </p:grpSpPr>
-      <p:sp>
-        <p:nvSpPr>
-          <p:cNvPr id="23" name="Google Shape;23;p54"/>
-          <p:cNvSpPr txBox="1">
-            <a:spLocks noGrp="1"/>
-          </p:cNvSpPr>
-          <p:nvPr>
-            <p:ph type="title"/>
-          </p:nvPr>
-        </p:nvSpPr>
-        <p:spPr>
-          <a:xfrm>
-            <a:off x="838200" y="365125"/>
-            <a:ext cx="10515600" cy="1325563"/>
-          </a:xfrm>
-          <a:prstGeom prst="rect">
-            <a:avLst/>
-          </a:prstGeom>
-          <a:noFill/>
-          <a:ln>
-            <a:noFill/>
-          </a:ln>
-        </p:spPr>
-        <p:txBody>
-          <a:bodyPr spcFirstLastPara="1" wrap="square" lIns="91425" tIns="45700" rIns="91425" bIns="45700" anchor="ctr" anchorCtr="0">
-            <a:normAutofit/>
-          </a:bodyPr>
-          <a:lstStyle>
-            <a:lvl1pPr lvl="0" algn="l">
-              <a:lnSpc>
-                <a:spcPct val="90000"/>
-              </a:lnSpc>
-              <a:spcBef>
-                <a:spcPts val="0"/>
-              </a:spcBef>
-              <a:spcAft>
-                <a:spcPts val="0"/>
-              </a:spcAft>
-              <a:buClr>
-                <a:schemeClr val="accent5"/>
-              </a:buClr>
-              <a:buSzPts val="1800"/>
-              <a:buNone/>
-              <a:defRPr/>
-            </a:lvl1pPr>
-            <a:lvl2pPr lvl="1" algn="l">
-              <a:spcBef>
-                <a:spcPts val="0"/>
-              </a:spcBef>
-              <a:spcAft>
-                <a:spcPts val="0"/>
-              </a:spcAft>
-              <a:buSzPts val="1400"/>
-              <a:buNone/>
-              <a:defRPr/>
-            </a:lvl2pPr>
-            <a:lvl3pPr lvl="2" algn="l">
-              <a:spcBef>
-                <a:spcPts val="0"/>
-              </a:spcBef>
-              <a:spcAft>
-                <a:spcPts val="0"/>
-              </a:spcAft>
-              <a:buSzPts val="1400"/>
-              <a:buNone/>
-              <a:defRPr/>
-            </a:lvl3pPr>
-            <a:lvl4pPr lvl="3" algn="l">
-              <a:spcBef>
-                <a:spcPts val="0"/>
-              </a:spcBef>
-              <a:spcAft>
-                <a:spcPts val="0"/>
-              </a:spcAft>
-              <a:buSzPts val="1400"/>
-              <a:buNone/>
-              <a:defRPr/>
-            </a:lvl4pPr>
-            <a:lvl5pPr lvl="4" algn="l">
-              <a:spcBef>
-                <a:spcPts val="0"/>
-              </a:spcBef>
-              <a:spcAft>
-                <a:spcPts val="0"/>
-              </a:spcAft>
-              <a:buSzPts val="1400"/>
-              <a:buNone/>
-              <a:defRPr/>
-            </a:lvl5pPr>
-            <a:lvl6pPr lvl="5" algn="l">
-              <a:spcBef>
-                <a:spcPts val="0"/>
-              </a:spcBef>
-              <a:spcAft>
-                <a:spcPts val="0"/>
-              </a:spcAft>
-              <a:buSzPts val="1400"/>
-              <a:buNone/>
-              <a:defRPr/>
-            </a:lvl6pPr>
-            <a:lvl7pPr lvl="6" algn="l">
-              <a:spcBef>
-                <a:spcPts val="0"/>
-              </a:spcBef>
-              <a:spcAft>
-                <a:spcPts val="0"/>
-              </a:spcAft>
-              <a:buSzPts val="1400"/>
-              <a:buNone/>
-              <a:defRPr/>
-            </a:lvl7pPr>
-            <a:lvl8pPr lvl="7" algn="l">
-              <a:spcBef>
-                <a:spcPts val="0"/>
-              </a:spcBef>
-              <a:spcAft>
-                <a:spcPts val="0"/>
-              </a:spcAft>
-              <a:buSzPts val="1400"/>
-              <a:buNone/>
-              <a:defRPr/>
-            </a:lvl8pPr>
-            <a:lvl9pPr lvl="8" algn="l">
-              <a:spcBef>
-                <a:spcPts val="0"/>
-              </a:spcBef>
-              <a:spcAft>
-                <a:spcPts val="0"/>
-              </a:spcAft>
-              <a:buSzPts val="1400"/>
-              <a:buNone/>
-              <a:defRPr/>
-            </a:lvl9pPr>
-          </a:lstStyle>
-          <a:p>
-            <a:r>
-              <a:rPr lang="fr-FR"/>
-              <a:t>Modifiez le style du titre</a:t>
-            </a:r>
-            <a:endParaRPr/>
-          </a:p>
-        </p:txBody>
-      </p:sp>
-      <p:sp>
-        <p:nvSpPr>
-          <p:cNvPr id="24" name="Google Shape;24;p54"/>
-          <p:cNvSpPr txBox="1">
-            <a:spLocks noGrp="1"/>
-          </p:cNvSpPr>
-          <p:nvPr>
-            <p:ph type="body" idx="1" hasCustomPrompt="1"/>
-          </p:nvPr>
-        </p:nvSpPr>
-        <p:spPr>
-          <a:xfrm>
-            <a:off x="838200" y="1825625"/>
-            <a:ext cx="5181600" cy="4351339"/>
-          </a:xfrm>
-          <a:prstGeom prst="rect">
-            <a:avLst/>
-          </a:prstGeom>
-          <a:noFill/>
-          <a:ln>
-            <a:noFill/>
-          </a:ln>
-        </p:spPr>
-        <p:txBody>
-          <a:bodyPr spcFirstLastPara="1" wrap="square" lIns="91425" tIns="45700" rIns="91425" bIns="45700" anchor="t" anchorCtr="0">
-            <a:normAutofit/>
-          </a:bodyPr>
-          <a:lstStyle>
-            <a:lvl1pPr>
-              <a:defRPr/>
-            </a:lvl1pPr>
-          </a:lstStyle>
-          <a:p>
-            <a:pPr marL="540000" lvl="0" indent="-540000">
-              <a:buFont typeface="Wingdings" panose="05000000000000000000" pitchFamily="2" charset="2"/>
-              <a:buChar char="§"/>
-            </a:pPr>
-            <a:r>
-              <a:rPr lang="fr-BE"/>
-              <a:t>A</a:t>
-            </a:r>
-          </a:p>
-          <a:p>
-            <a:pPr marL="540000" lvl="0" indent="-540000">
-              <a:buFont typeface="Wingdings" panose="05000000000000000000" pitchFamily="2" charset="2"/>
-              <a:buChar char="§"/>
-            </a:pPr>
-            <a:r>
-              <a:rPr lang="fr-BE"/>
-              <a:t>A</a:t>
-            </a:r>
-          </a:p>
-          <a:p>
-            <a:pPr marL="540000" lvl="0" indent="-540000">
-              <a:buFont typeface="Wingdings" panose="05000000000000000000" pitchFamily="2" charset="2"/>
-              <a:buChar char="§"/>
-            </a:pPr>
-            <a:r>
-              <a:rPr lang="fr-BE"/>
-              <a:t>A</a:t>
-            </a:r>
-          </a:p>
-          <a:p>
-            <a:pPr marL="540000" lvl="0" indent="-540000">
-              <a:buFont typeface="Wingdings" panose="05000000000000000000" pitchFamily="2" charset="2"/>
-              <a:buChar char="§"/>
-            </a:pPr>
-            <a:r>
-              <a:rPr lang="fr-BE"/>
-              <a:t>A</a:t>
-            </a:r>
-          </a:p>
-          <a:p>
-            <a:pPr marL="540000" lvl="0" indent="-540000">
-              <a:buFont typeface="Wingdings" panose="05000000000000000000" pitchFamily="2" charset="2"/>
-              <a:buChar char="§"/>
-            </a:pPr>
-            <a:r>
-              <a:rPr lang="fr-BE"/>
-              <a:t>A</a:t>
-            </a:r>
-          </a:p>
-          <a:p>
-            <a:pPr marL="540000" lvl="0" indent="-540000">
-              <a:buFont typeface="Wingdings" panose="05000000000000000000" pitchFamily="2" charset="2"/>
-              <a:buChar char="§"/>
-            </a:pPr>
-            <a:endParaRPr/>
-          </a:p>
-        </p:txBody>
-      </p:sp>
-      <p:sp>
-        <p:nvSpPr>
-          <p:cNvPr id="25" name="Google Shape;25;p54"/>
-          <p:cNvSpPr txBox="1">
-            <a:spLocks noGrp="1"/>
-          </p:cNvSpPr>
-          <p:nvPr>
-            <p:ph type="body" idx="2" hasCustomPrompt="1"/>
-          </p:nvPr>
-        </p:nvSpPr>
-        <p:spPr>
-          <a:xfrm>
-            <a:off x="6172200" y="1825625"/>
-            <a:ext cx="5181600" cy="4351339"/>
-          </a:xfrm>
-          <a:prstGeom prst="rect">
-            <a:avLst/>
-          </a:prstGeom>
-          <a:noFill/>
-          <a:ln>
-            <a:noFill/>
-          </a:ln>
-        </p:spPr>
-        <p:txBody>
-          <a:bodyPr spcFirstLastPara="1" wrap="square" lIns="91425" tIns="45700" rIns="91425" bIns="45700" anchor="t" anchorCtr="0">
-            <a:normAutofit/>
-          </a:bodyPr>
-          <a:lstStyle>
-            <a:lvl1pPr>
-              <a:defRPr/>
-            </a:lvl1pPr>
-          </a:lstStyle>
-          <a:p>
-            <a:pPr marL="540000" lvl="0" indent="-540000">
-              <a:buFont typeface="Wingdings" panose="05000000000000000000" pitchFamily="2" charset="2"/>
-              <a:buChar char="§"/>
-            </a:pPr>
-            <a:r>
-              <a:rPr lang="fr-BE"/>
-              <a:t>A</a:t>
-            </a:r>
-          </a:p>
-          <a:p>
-            <a:pPr marL="540000" lvl="0" indent="-540000">
-              <a:buFont typeface="Wingdings" panose="05000000000000000000" pitchFamily="2" charset="2"/>
-              <a:buChar char="§"/>
-            </a:pPr>
-            <a:r>
-              <a:rPr lang="fr-BE"/>
-              <a:t>A</a:t>
-            </a:r>
-          </a:p>
-          <a:p>
-            <a:pPr marL="540000" lvl="0" indent="-540000">
-              <a:buFont typeface="Wingdings" panose="05000000000000000000" pitchFamily="2" charset="2"/>
-              <a:buChar char="§"/>
-            </a:pPr>
-            <a:r>
-              <a:rPr lang="fr-BE"/>
-              <a:t>A</a:t>
-            </a:r>
-          </a:p>
-          <a:p>
-            <a:pPr marL="540000" lvl="0" indent="-540000">
-              <a:buFont typeface="Wingdings" panose="05000000000000000000" pitchFamily="2" charset="2"/>
-              <a:buChar char="§"/>
-            </a:pPr>
-            <a:r>
-              <a:rPr lang="fr-BE"/>
-              <a:t>A</a:t>
-            </a:r>
-          </a:p>
-          <a:p>
-            <a:pPr marL="540000" lvl="0" indent="-540000">
-              <a:buFont typeface="Wingdings" panose="05000000000000000000" pitchFamily="2" charset="2"/>
-              <a:buChar char="§"/>
-            </a:pPr>
-            <a:r>
-              <a:rPr lang="fr-BE"/>
-              <a:t>A</a:t>
-            </a:r>
-          </a:p>
-          <a:p>
-            <a:pPr marL="540000" lvl="0" indent="-540000">
-              <a:buFont typeface="Wingdings" panose="05000000000000000000" pitchFamily="2" charset="2"/>
-              <a:buChar char="§"/>
-            </a:pPr>
-            <a:endParaRPr/>
-          </a:p>
-        </p:txBody>
-      </p:sp>
-    </p:spTree>
-  </p:cSld>
-  <p:clrMapOvr>
-    <a:masterClrMapping/>
-  </p:clrMapOvr>
-  <mc:AlternateContent xmlns:mc="http://schemas.openxmlformats.org/markup-compatibility/2006" xmlns:p14="http://schemas.microsoft.com/office/powerpoint/2010/main">
-    <mc:Choice Requires="p14">
-      <p:transition spd="slow">
-        <p14:reveal/>
-      </p:transition>
-    </mc:Choice>
-    <mc:Fallback xmlns="" xmlns:mv="urn:schemas-microsoft-com:mac:vml" xmlns:c="http://schemas.openxmlformats.org/drawingml/2006/chart" xmlns:dgm="http://schemas.openxmlformats.org/drawingml/2006/diagram" xmlns:o="urn:schemas-microsoft-com:office:office" xmlns:v="urn:schemas-microsoft-com:vml" xmlns:pvml="urn:schemas-microsoft-com:office:powerpoint" xmlns:com="http://schemas.openxmlformats.org/drawingml/2006/compatibility" xmlns:p15="http://schemas.microsoft.com/office/powerpoint/2012/main" xmlns:ahyp="http://schemas.microsoft.com/office/drawing/2018/hyperlinkcolor">
-      <p:transition spd="med">
-        <p:fade/>
-      </p:transition>
-    </mc:Fallback>
-  </mc:AlternateContent>
-</p:sldLayout>
-</file>
-
-<file path=ppt/slideLayouts/slideLayout5.xml><?xml version="1.0" encoding="utf-8"?>
-<p:sldLayout xmlns:a="http://schemas.openxmlformats.org/drawingml/2006/main" xmlns:r="http://schemas.openxmlformats.org/officeDocument/2006/relationships" xmlns:p="http://schemas.openxmlformats.org/presentationml/2006/main" matchingName="Content with Caption" type="objTx">
-  <p:cSld name="OBJECT_WITH_CAPTION_TEXT">
-    <p:spTree>
-      <p:nvGrpSpPr>
-        <p:cNvPr id="1" name="Shape 26"/>
-        <p:cNvGrpSpPr/>
-        <p:nvPr/>
-      </p:nvGrpSpPr>
-      <p:grpSpPr>
-        <a:xfrm>
-          <a:off x="0" y="0"/>
-          <a:ext cx="0" cy="0"/>
-          <a:chOff x="0" y="0"/>
-          <a:chExt cx="0" cy="0"/>
-        </a:xfrm>
-      </p:grpSpPr>
-      <p:sp>
-        <p:nvSpPr>
-          <p:cNvPr id="27" name="Google Shape;27;p55"/>
-          <p:cNvSpPr txBox="1">
-            <a:spLocks noGrp="1"/>
-          </p:cNvSpPr>
-          <p:nvPr>
-            <p:ph type="title"/>
-          </p:nvPr>
-        </p:nvSpPr>
-        <p:spPr>
-          <a:xfrm>
-            <a:off x="839788" y="457200"/>
-            <a:ext cx="3932237" cy="1600200"/>
-          </a:xfrm>
-          <a:prstGeom prst="rect">
-            <a:avLst/>
-          </a:prstGeom>
-          <a:noFill/>
-          <a:ln>
-            <a:noFill/>
-          </a:ln>
-        </p:spPr>
-        <p:txBody>
-          <a:bodyPr spcFirstLastPara="1" wrap="square" lIns="91425" tIns="45700" rIns="91425" bIns="45700" anchor="b" anchorCtr="0">
-            <a:normAutofit/>
-          </a:bodyPr>
-          <a:lstStyle>
-            <a:lvl1pPr lvl="0" algn="l">
-              <a:lnSpc>
-                <a:spcPct val="90000"/>
-              </a:lnSpc>
-              <a:spcBef>
-                <a:spcPts val="0"/>
-              </a:spcBef>
-              <a:spcAft>
-                <a:spcPts val="0"/>
-              </a:spcAft>
-              <a:buClr>
-                <a:schemeClr val="accent5"/>
-              </a:buClr>
-              <a:buSzPts val="3200"/>
-              <a:buFont typeface="Garamond"/>
-              <a:buNone/>
-              <a:defRPr sz="3200"/>
-            </a:lvl1pPr>
-            <a:lvl2pPr lvl="1" algn="l">
-              <a:spcBef>
-                <a:spcPts val="0"/>
-              </a:spcBef>
-              <a:spcAft>
-                <a:spcPts val="0"/>
-              </a:spcAft>
-              <a:buSzPts val="1400"/>
-              <a:buNone/>
-              <a:defRPr/>
-            </a:lvl2pPr>
-            <a:lvl3pPr lvl="2" algn="l">
-              <a:spcBef>
-                <a:spcPts val="0"/>
-              </a:spcBef>
-              <a:spcAft>
-                <a:spcPts val="0"/>
-              </a:spcAft>
-              <a:buSzPts val="1400"/>
-              <a:buNone/>
-              <a:defRPr/>
-            </a:lvl3pPr>
-            <a:lvl4pPr lvl="3" algn="l">
-              <a:spcBef>
-                <a:spcPts val="0"/>
-              </a:spcBef>
-              <a:spcAft>
-                <a:spcPts val="0"/>
-              </a:spcAft>
-              <a:buSzPts val="1400"/>
-              <a:buNone/>
-              <a:defRPr/>
-            </a:lvl4pPr>
-            <a:lvl5pPr lvl="4" algn="l">
-              <a:spcBef>
-                <a:spcPts val="0"/>
-              </a:spcBef>
-              <a:spcAft>
-                <a:spcPts val="0"/>
-              </a:spcAft>
-              <a:buSzPts val="1400"/>
-              <a:buNone/>
-              <a:defRPr/>
-            </a:lvl5pPr>
-            <a:lvl6pPr lvl="5" algn="l">
-              <a:spcBef>
-                <a:spcPts val="0"/>
-              </a:spcBef>
-              <a:spcAft>
-                <a:spcPts val="0"/>
-              </a:spcAft>
-              <a:buSzPts val="1400"/>
-              <a:buNone/>
-              <a:defRPr/>
-            </a:lvl6pPr>
-            <a:lvl7pPr lvl="6" algn="l">
-              <a:spcBef>
-                <a:spcPts val="0"/>
-              </a:spcBef>
-              <a:spcAft>
-                <a:spcPts val="0"/>
-              </a:spcAft>
-              <a:buSzPts val="1400"/>
-              <a:buNone/>
-              <a:defRPr/>
-            </a:lvl7pPr>
-            <a:lvl8pPr lvl="7" algn="l">
-              <a:spcBef>
-                <a:spcPts val="0"/>
-              </a:spcBef>
-              <a:spcAft>
-                <a:spcPts val="0"/>
-              </a:spcAft>
-              <a:buSzPts val="1400"/>
-              <a:buNone/>
-              <a:defRPr/>
-            </a:lvl8pPr>
-            <a:lvl9pPr lvl="8" algn="l">
-              <a:spcBef>
-                <a:spcPts val="0"/>
-              </a:spcBef>
-              <a:spcAft>
-                <a:spcPts val="0"/>
-              </a:spcAft>
-              <a:buSzPts val="1400"/>
-              <a:buNone/>
-              <a:defRPr/>
-            </a:lvl9pPr>
-          </a:lstStyle>
-          <a:p>
-            <a:r>
-              <a:rPr lang="fr-FR"/>
-              <a:t>Modifiez le style du titre</a:t>
-            </a:r>
-            <a:endParaRPr/>
-          </a:p>
-        </p:txBody>
-      </p:sp>
-      <p:sp>
-        <p:nvSpPr>
-          <p:cNvPr id="28" name="Google Shape;28;p55"/>
-          <p:cNvSpPr txBox="1">
-            <a:spLocks noGrp="1"/>
-          </p:cNvSpPr>
-          <p:nvPr>
-            <p:ph type="body" idx="1"/>
-          </p:nvPr>
-        </p:nvSpPr>
-        <p:spPr>
-          <a:xfrm>
-            <a:off x="5183188" y="987426"/>
-            <a:ext cx="6172200" cy="4873625"/>
-          </a:xfrm>
-          <a:prstGeom prst="rect">
-            <a:avLst/>
-          </a:prstGeom>
-          <a:noFill/>
-          <a:ln>
-            <a:noFill/>
-          </a:ln>
-        </p:spPr>
-        <p:txBody>
-          <a:bodyPr spcFirstLastPara="1" wrap="square" lIns="91425" tIns="45700" rIns="91425" bIns="45700" anchor="t" anchorCtr="0">
-            <a:normAutofit/>
-          </a:bodyPr>
-          <a:lstStyle>
-            <a:lvl1pPr marL="457200" lvl="0" indent="-431800" algn="l">
-              <a:lnSpc>
-                <a:spcPct val="90000"/>
-              </a:lnSpc>
-              <a:spcBef>
-                <a:spcPts val="1000"/>
-              </a:spcBef>
-              <a:spcAft>
-                <a:spcPts val="0"/>
-              </a:spcAft>
-              <a:buClr>
-                <a:schemeClr val="dk1"/>
-              </a:buClr>
-              <a:buSzPts val="3200"/>
-              <a:buChar char="•"/>
-              <a:defRPr sz="3200"/>
-            </a:lvl1pPr>
-            <a:lvl2pPr marL="914400" lvl="1" indent="-406400" algn="l">
-              <a:lnSpc>
-                <a:spcPct val="90000"/>
-              </a:lnSpc>
-              <a:spcBef>
-                <a:spcPts val="500"/>
-              </a:spcBef>
-              <a:spcAft>
-                <a:spcPts val="0"/>
-              </a:spcAft>
-              <a:buClr>
-                <a:schemeClr val="dk1"/>
-              </a:buClr>
-              <a:buSzPts val="2800"/>
-              <a:buChar char="•"/>
-              <a:defRPr sz="2800"/>
-            </a:lvl2pPr>
-            <a:lvl3pPr marL="1371600" lvl="2" indent="-381000" algn="l">
-              <a:lnSpc>
-                <a:spcPct val="90000"/>
-              </a:lnSpc>
-              <a:spcBef>
-                <a:spcPts val="500"/>
-              </a:spcBef>
-              <a:spcAft>
-                <a:spcPts val="0"/>
-              </a:spcAft>
-              <a:buClr>
-                <a:schemeClr val="dk1"/>
-              </a:buClr>
-              <a:buSzPts val="2400"/>
-              <a:buChar char="•"/>
-              <a:defRPr sz="2400"/>
-            </a:lvl3pPr>
-            <a:lvl4pPr marL="1828800" lvl="3" indent="-355600" algn="l">
-              <a:lnSpc>
-                <a:spcPct val="90000"/>
-              </a:lnSpc>
-              <a:spcBef>
-                <a:spcPts val="500"/>
-              </a:spcBef>
-              <a:spcAft>
-                <a:spcPts val="0"/>
-              </a:spcAft>
-              <a:buClr>
-                <a:schemeClr val="dk1"/>
-              </a:buClr>
-              <a:buSzPts val="2000"/>
-              <a:buChar char="•"/>
-              <a:defRPr sz="2000"/>
-            </a:lvl4pPr>
-            <a:lvl5pPr marL="2286000" lvl="4" indent="-355600" algn="l">
-              <a:lnSpc>
-                <a:spcPct val="90000"/>
-              </a:lnSpc>
-              <a:spcBef>
-                <a:spcPts val="500"/>
-              </a:spcBef>
-              <a:spcAft>
-                <a:spcPts val="0"/>
-              </a:spcAft>
-              <a:buClr>
-                <a:schemeClr val="dk1"/>
-              </a:buClr>
-              <a:buSzPts val="2000"/>
-              <a:buChar char="•"/>
-              <a:defRPr sz="2000"/>
-            </a:lvl5pPr>
-            <a:lvl6pPr marL="2743200" lvl="5" indent="-355600" algn="l">
-              <a:lnSpc>
-                <a:spcPct val="90000"/>
-              </a:lnSpc>
-              <a:spcBef>
-                <a:spcPts val="500"/>
-              </a:spcBef>
-              <a:spcAft>
-                <a:spcPts val="0"/>
-              </a:spcAft>
-              <a:buClr>
-                <a:schemeClr val="dk1"/>
-              </a:buClr>
-              <a:buSzPts val="2000"/>
-              <a:buChar char="•"/>
-              <a:defRPr sz="2000"/>
-            </a:lvl6pPr>
-            <a:lvl7pPr marL="3200400" lvl="6" indent="-355600" algn="l">
-              <a:lnSpc>
-                <a:spcPct val="90000"/>
-              </a:lnSpc>
-              <a:spcBef>
-                <a:spcPts val="500"/>
-              </a:spcBef>
-              <a:spcAft>
-                <a:spcPts val="0"/>
-              </a:spcAft>
-              <a:buClr>
-                <a:schemeClr val="dk1"/>
-              </a:buClr>
-              <a:buSzPts val="2000"/>
-              <a:buChar char="•"/>
-              <a:defRPr sz="2000"/>
-            </a:lvl7pPr>
-            <a:lvl8pPr marL="3657600" lvl="7" indent="-355600" algn="l">
-              <a:lnSpc>
-                <a:spcPct val="90000"/>
-              </a:lnSpc>
-              <a:spcBef>
-                <a:spcPts val="500"/>
-              </a:spcBef>
-              <a:spcAft>
-                <a:spcPts val="0"/>
-              </a:spcAft>
-              <a:buClr>
-                <a:schemeClr val="dk1"/>
-              </a:buClr>
-              <a:buSzPts val="2000"/>
-              <a:buChar char="•"/>
-              <a:defRPr sz="2000"/>
-            </a:lvl8pPr>
-            <a:lvl9pPr marL="4114800" lvl="8" indent="-355600" algn="l">
-              <a:lnSpc>
-                <a:spcPct val="90000"/>
-              </a:lnSpc>
-              <a:spcBef>
-                <a:spcPts val="500"/>
-              </a:spcBef>
-              <a:spcAft>
-                <a:spcPts val="0"/>
-              </a:spcAft>
-              <a:buClr>
-                <a:schemeClr val="dk1"/>
-              </a:buClr>
-              <a:buSzPts val="2000"/>
-              <a:buChar char="•"/>
-              <a:defRPr sz="2000"/>
-            </a:lvl9pPr>
-          </a:lstStyle>
-          <a:p>
-            <a:pPr lvl="0"/>
-            <a:r>
-              <a:rPr lang="fr-FR"/>
-              <a:t>Cliquez pour modifier les styles du texte du masque</a:t>
-            </a:r>
-          </a:p>
-        </p:txBody>
-      </p:sp>
-      <p:sp>
-        <p:nvSpPr>
-          <p:cNvPr id="29" name="Google Shape;29;p55"/>
-          <p:cNvSpPr txBox="1">
-            <a:spLocks noGrp="1"/>
-          </p:cNvSpPr>
-          <p:nvPr>
-            <p:ph type="body" idx="2"/>
-          </p:nvPr>
-        </p:nvSpPr>
-        <p:spPr>
-          <a:xfrm>
-            <a:off x="839788" y="2057401"/>
-            <a:ext cx="3932237" cy="3811588"/>
-          </a:xfrm>
-          <a:prstGeom prst="rect">
-            <a:avLst/>
-          </a:prstGeom>
-          <a:noFill/>
-          <a:ln>
-            <a:noFill/>
-          </a:ln>
-        </p:spPr>
-        <p:txBody>
-          <a:bodyPr spcFirstLastPara="1" wrap="square" lIns="91425" tIns="45700" rIns="91425" bIns="45700" anchor="t" anchorCtr="0">
-            <a:normAutofit/>
-          </a:bodyPr>
-          <a:lstStyle>
-            <a:lvl1pPr marL="457200" lvl="0" indent="-228600" algn="l">
-              <a:lnSpc>
-                <a:spcPct val="90000"/>
-              </a:lnSpc>
-              <a:spcBef>
-                <a:spcPts val="1000"/>
-              </a:spcBef>
-              <a:spcAft>
-                <a:spcPts val="0"/>
-              </a:spcAft>
-              <a:buClr>
-                <a:schemeClr val="dk1"/>
-              </a:buClr>
-              <a:buSzPts val="1600"/>
-              <a:buNone/>
-              <a:defRPr sz="1600"/>
-            </a:lvl1pPr>
-            <a:lvl2pPr marL="914400" lvl="1" indent="-228600" algn="l">
-              <a:lnSpc>
-                <a:spcPct val="90000"/>
-              </a:lnSpc>
-              <a:spcBef>
-                <a:spcPts val="500"/>
-              </a:spcBef>
-              <a:spcAft>
-                <a:spcPts val="0"/>
-              </a:spcAft>
-              <a:buClr>
-                <a:schemeClr val="dk1"/>
-              </a:buClr>
-              <a:buSzPts val="1400"/>
-              <a:buNone/>
-              <a:defRPr sz="1400"/>
-            </a:lvl2pPr>
-            <a:lvl3pPr marL="1371600" lvl="2" indent="-228600" algn="l">
-              <a:lnSpc>
-                <a:spcPct val="90000"/>
-              </a:lnSpc>
-              <a:spcBef>
-                <a:spcPts val="500"/>
-              </a:spcBef>
-              <a:spcAft>
-                <a:spcPts val="0"/>
-              </a:spcAft>
-              <a:buClr>
-                <a:schemeClr val="dk1"/>
-              </a:buClr>
-              <a:buSzPts val="1200"/>
-              <a:buNone/>
-              <a:defRPr sz="1200"/>
-            </a:lvl3pPr>
-            <a:lvl4pPr marL="1828800" lvl="3" indent="-228600" algn="l">
-              <a:lnSpc>
-                <a:spcPct val="90000"/>
-              </a:lnSpc>
-              <a:spcBef>
-                <a:spcPts val="500"/>
-              </a:spcBef>
-              <a:spcAft>
-                <a:spcPts val="0"/>
-              </a:spcAft>
-              <a:buClr>
-                <a:schemeClr val="dk1"/>
-              </a:buClr>
-              <a:buSzPts val="1000"/>
-              <a:buNone/>
-              <a:defRPr sz="1000"/>
-            </a:lvl4pPr>
-            <a:lvl5pPr marL="2286000" lvl="4" indent="-228600" algn="l">
-              <a:lnSpc>
-                <a:spcPct val="90000"/>
-              </a:lnSpc>
-              <a:spcBef>
-                <a:spcPts val="500"/>
-              </a:spcBef>
-              <a:spcAft>
-                <a:spcPts val="0"/>
-              </a:spcAft>
-              <a:buClr>
-                <a:schemeClr val="dk1"/>
-              </a:buClr>
-              <a:buSzPts val="1000"/>
-              <a:buNone/>
-              <a:defRPr sz="1000"/>
-            </a:lvl5pPr>
-            <a:lvl6pPr marL="2743200" lvl="5" indent="-228600" algn="l">
-              <a:lnSpc>
-                <a:spcPct val="90000"/>
-              </a:lnSpc>
-              <a:spcBef>
-                <a:spcPts val="500"/>
-              </a:spcBef>
-              <a:spcAft>
-                <a:spcPts val="0"/>
-              </a:spcAft>
-              <a:buClr>
-                <a:schemeClr val="dk1"/>
-              </a:buClr>
-              <a:buSzPts val="1000"/>
-              <a:buNone/>
-              <a:defRPr sz="1000"/>
-            </a:lvl6pPr>
-            <a:lvl7pPr marL="3200400" lvl="6" indent="-228600" algn="l">
-              <a:lnSpc>
-                <a:spcPct val="90000"/>
-              </a:lnSpc>
-              <a:spcBef>
-                <a:spcPts val="500"/>
-              </a:spcBef>
-              <a:spcAft>
-                <a:spcPts val="0"/>
-              </a:spcAft>
-              <a:buClr>
-                <a:schemeClr val="dk1"/>
-              </a:buClr>
-              <a:buSzPts val="1000"/>
-              <a:buNone/>
-              <a:defRPr sz="1000"/>
-            </a:lvl7pPr>
-            <a:lvl8pPr marL="3657600" lvl="7" indent="-228600" algn="l">
-              <a:lnSpc>
-                <a:spcPct val="90000"/>
-              </a:lnSpc>
-              <a:spcBef>
-                <a:spcPts val="500"/>
-              </a:spcBef>
-              <a:spcAft>
-                <a:spcPts val="0"/>
-              </a:spcAft>
-              <a:buClr>
-                <a:schemeClr val="dk1"/>
-              </a:buClr>
-              <a:buSzPts val="1000"/>
-              <a:buNone/>
-              <a:defRPr sz="1000"/>
-            </a:lvl8pPr>
-            <a:lvl9pPr marL="4114800" lvl="8" indent="-228600" algn="l">
-              <a:lnSpc>
-                <a:spcPct val="90000"/>
-              </a:lnSpc>
-              <a:spcBef>
-                <a:spcPts val="500"/>
-              </a:spcBef>
-              <a:spcAft>
-                <a:spcPts val="0"/>
-              </a:spcAft>
-              <a:buClr>
-                <a:schemeClr val="dk1"/>
-              </a:buClr>
-              <a:buSzPts val="1000"/>
-              <a:buNone/>
-              <a:defRPr sz="1000"/>
-            </a:lvl9pPr>
-          </a:lstStyle>
-          <a:p>
-            <a:pPr lvl="0"/>
-            <a:r>
-              <a:rPr lang="fr-FR"/>
-              <a:t>Cliquez pour modifier les styles du texte du masque</a:t>
-            </a:r>
-          </a:p>
-        </p:txBody>
-      </p:sp>
-    </p:spTree>
-  </p:cSld>
-  <p:clrMapOvr>
-    <a:masterClrMapping/>
-  </p:clrMapOvr>
-  <mc:AlternateContent xmlns:mc="http://schemas.openxmlformats.org/markup-compatibility/2006" xmlns:p14="http://schemas.microsoft.com/office/powerpoint/2010/main">
-    <mc:Choice Requires="p14">
-      <p:transition spd="slow">
-        <p14:reveal/>
-      </p:transition>
-    </mc:Choice>
-    <mc:Fallback xmlns="" xmlns:mv="urn:schemas-microsoft-com:mac:vml" xmlns:c="http://schemas.openxmlformats.org/drawingml/2006/chart" xmlns:dgm="http://schemas.openxmlformats.org/drawingml/2006/diagram" xmlns:o="urn:schemas-microsoft-com:office:office" xmlns:v="urn:schemas-microsoft-com:vml" xmlns:pvml="urn:schemas-microsoft-com:office:powerpoint" xmlns:com="http://schemas.openxmlformats.org/drawingml/2006/compatibility" xmlns:p15="http://schemas.microsoft.com/office/powerpoint/2012/main" xmlns:ahyp="http://schemas.microsoft.com/office/drawing/2018/hyperlinkcolor">
-      <p:transition spd="med">
-        <p:fade/>
-      </p:transition>
-    </mc:Fallback>
-  </mc:AlternateContent>
-</p:sldLayout>
-</file>
-
-<file path=ppt/slideLayouts/slideLayout6.xml><?xml version="1.0" encoding="utf-8"?>
-<p:sldLayout xmlns:a="http://schemas.openxmlformats.org/drawingml/2006/main" xmlns:r="http://schemas.openxmlformats.org/officeDocument/2006/relationships" xmlns:p="http://schemas.openxmlformats.org/presentationml/2006/main" matchingName="Comparison" type="twoTxTwoObj">
-  <p:cSld name="TWO_OBJECTS_WITH_TEXT">
-    <p:spTree>
-      <p:nvGrpSpPr>
-        <p:cNvPr id="1" name="Shape 31"/>
-        <p:cNvGrpSpPr/>
-        <p:nvPr/>
-      </p:nvGrpSpPr>
-      <p:grpSpPr>
-        <a:xfrm>
-          <a:off x="0" y="0"/>
-          <a:ext cx="0" cy="0"/>
-          <a:chOff x="0" y="0"/>
-          <a:chExt cx="0" cy="0"/>
-        </a:xfrm>
-      </p:grpSpPr>
-      <p:sp>
-        <p:nvSpPr>
-          <p:cNvPr id="32" name="Google Shape;32;p57"/>
-          <p:cNvSpPr txBox="1">
-            <a:spLocks noGrp="1"/>
-          </p:cNvSpPr>
-          <p:nvPr>
-            <p:ph type="title"/>
-          </p:nvPr>
-        </p:nvSpPr>
-        <p:spPr>
-          <a:xfrm>
-            <a:off x="839788" y="365125"/>
-            <a:ext cx="10515600" cy="1325563"/>
-          </a:xfrm>
-          <a:prstGeom prst="rect">
-            <a:avLst/>
-          </a:prstGeom>
-          <a:noFill/>
-          <a:ln>
-            <a:noFill/>
-          </a:ln>
-        </p:spPr>
-        <p:txBody>
-          <a:bodyPr spcFirstLastPara="1" wrap="square" lIns="91425" tIns="45700" rIns="91425" bIns="45700" anchor="ctr" anchorCtr="0">
-            <a:normAutofit/>
-          </a:bodyPr>
-          <a:lstStyle>
-            <a:lvl1pPr lvl="0" algn="l">
-              <a:lnSpc>
-                <a:spcPct val="90000"/>
-              </a:lnSpc>
-              <a:spcBef>
-                <a:spcPts val="0"/>
-              </a:spcBef>
-              <a:spcAft>
-                <a:spcPts val="0"/>
-              </a:spcAft>
-              <a:buClr>
-                <a:schemeClr val="accent5"/>
-              </a:buClr>
-              <a:buSzPts val="1800"/>
-              <a:buNone/>
-              <a:defRPr/>
-            </a:lvl1pPr>
-            <a:lvl2pPr lvl="1" algn="l">
-              <a:spcBef>
-                <a:spcPts val="0"/>
-              </a:spcBef>
-              <a:spcAft>
-                <a:spcPts val="0"/>
-              </a:spcAft>
-              <a:buSzPts val="1400"/>
-              <a:buNone/>
-              <a:defRPr/>
-            </a:lvl2pPr>
-            <a:lvl3pPr lvl="2" algn="l">
-              <a:spcBef>
-                <a:spcPts val="0"/>
-              </a:spcBef>
-              <a:spcAft>
-                <a:spcPts val="0"/>
-              </a:spcAft>
-              <a:buSzPts val="1400"/>
-              <a:buNone/>
-              <a:defRPr/>
-            </a:lvl3pPr>
-            <a:lvl4pPr lvl="3" algn="l">
-              <a:spcBef>
-                <a:spcPts val="0"/>
-              </a:spcBef>
-              <a:spcAft>
-                <a:spcPts val="0"/>
-              </a:spcAft>
-              <a:buSzPts val="1400"/>
-              <a:buNone/>
-              <a:defRPr/>
-            </a:lvl4pPr>
-            <a:lvl5pPr lvl="4" algn="l">
-              <a:spcBef>
-                <a:spcPts val="0"/>
-              </a:spcBef>
-              <a:spcAft>
-                <a:spcPts val="0"/>
-              </a:spcAft>
-              <a:buSzPts val="1400"/>
-              <a:buNone/>
-              <a:defRPr/>
-            </a:lvl5pPr>
-            <a:lvl6pPr lvl="5" algn="l">
-              <a:spcBef>
-                <a:spcPts val="0"/>
-              </a:spcBef>
-              <a:spcAft>
-                <a:spcPts val="0"/>
-              </a:spcAft>
-              <a:buSzPts val="1400"/>
-              <a:buNone/>
-              <a:defRPr/>
-            </a:lvl6pPr>
-            <a:lvl7pPr lvl="6" algn="l">
-              <a:spcBef>
-                <a:spcPts val="0"/>
-              </a:spcBef>
-              <a:spcAft>
-                <a:spcPts val="0"/>
-              </a:spcAft>
-              <a:buSzPts val="1400"/>
-              <a:buNone/>
-              <a:defRPr/>
-            </a:lvl7pPr>
-            <a:lvl8pPr lvl="7" algn="l">
-              <a:spcBef>
-                <a:spcPts val="0"/>
-              </a:spcBef>
-              <a:spcAft>
-                <a:spcPts val="0"/>
-              </a:spcAft>
-              <a:buSzPts val="1400"/>
-              <a:buNone/>
-              <a:defRPr/>
-            </a:lvl8pPr>
-            <a:lvl9pPr lvl="8" algn="l">
-              <a:spcBef>
-                <a:spcPts val="0"/>
-              </a:spcBef>
-              <a:spcAft>
-                <a:spcPts val="0"/>
-              </a:spcAft>
-              <a:buSzPts val="1400"/>
-              <a:buNone/>
-              <a:defRPr/>
-            </a:lvl9pPr>
-          </a:lstStyle>
-          <a:p>
-            <a:r>
-              <a:rPr lang="fr-FR"/>
-              <a:t>Modifiez le style du titre</a:t>
-            </a:r>
-            <a:endParaRPr/>
-          </a:p>
-        </p:txBody>
-      </p:sp>
-      <p:sp>
-        <p:nvSpPr>
-          <p:cNvPr id="33" name="Google Shape;33;p57"/>
-          <p:cNvSpPr txBox="1">
-            <a:spLocks noGrp="1"/>
-          </p:cNvSpPr>
-          <p:nvPr>
-            <p:ph type="body" idx="1"/>
-          </p:nvPr>
-        </p:nvSpPr>
-        <p:spPr>
-          <a:xfrm>
-            <a:off x="839789" y="1681163"/>
-            <a:ext cx="5157787" cy="823912"/>
-          </a:xfrm>
-          <a:prstGeom prst="rect">
-            <a:avLst/>
-          </a:prstGeom>
-          <a:noFill/>
-          <a:ln>
-            <a:noFill/>
-          </a:ln>
-        </p:spPr>
-        <p:txBody>
-          <a:bodyPr spcFirstLastPara="1" wrap="square" lIns="91425" tIns="45700" rIns="91425" bIns="45700" anchor="b" anchorCtr="0">
-            <a:normAutofit/>
-          </a:bodyPr>
-          <a:lstStyle>
-            <a:lvl1pPr>
-              <a:defRPr lang="fr-FR" sz="2400" b="1"/>
-            </a:lvl1pPr>
-          </a:lstStyle>
-          <a:p>
-            <a:pPr lvl="0" indent="-228600">
-              <a:lnSpc>
-                <a:spcPct val="90000"/>
-              </a:lnSpc>
-              <a:spcBef>
-                <a:spcPts val="1000"/>
-              </a:spcBef>
-              <a:buClr>
-                <a:schemeClr val="dk1"/>
-              </a:buClr>
-              <a:buSzPts val="2400"/>
-            </a:pPr>
-            <a:r>
-              <a:rPr lang="fr-FR"/>
-              <a:t>Cliquez pour modifier les styles du texte du masque</a:t>
-            </a:r>
-          </a:p>
-        </p:txBody>
-      </p:sp>
-      <p:sp>
-        <p:nvSpPr>
-          <p:cNvPr id="34" name="Google Shape;34;p57"/>
-          <p:cNvSpPr txBox="1">
-            <a:spLocks noGrp="1"/>
-          </p:cNvSpPr>
-          <p:nvPr>
-            <p:ph type="body" idx="2" hasCustomPrompt="1"/>
-          </p:nvPr>
-        </p:nvSpPr>
-        <p:spPr>
-          <a:xfrm>
-            <a:off x="839789" y="2505075"/>
-            <a:ext cx="5157787" cy="3684588"/>
-          </a:xfrm>
-          <a:prstGeom prst="rect">
-            <a:avLst/>
-          </a:prstGeom>
-          <a:noFill/>
-          <a:ln>
-            <a:noFill/>
-          </a:ln>
-        </p:spPr>
-        <p:txBody>
-          <a:bodyPr spcFirstLastPara="1" wrap="square" lIns="91425" tIns="45700" rIns="91425" bIns="45700" anchor="t" anchorCtr="0">
-            <a:normAutofit/>
-          </a:bodyPr>
-          <a:lstStyle>
-            <a:lvl1pPr>
-              <a:defRPr lang="fr-BE"/>
-            </a:lvl1pPr>
-            <a:lvl2pPr>
-              <a:defRPr lang="fr-BE"/>
-            </a:lvl2pPr>
-            <a:lvl3pPr>
-              <a:defRPr/>
-            </a:lvl3pPr>
-          </a:lstStyle>
-          <a:p>
-            <a:pPr marL="228600" lvl="0" indent="-342900">
-              <a:buSzPct val="100000"/>
-              <a:buFont typeface="Arial" panose="020B0604020202020204" pitchFamily="34" charset="0"/>
-              <a:buChar char="•"/>
-            </a:pPr>
-            <a:r>
-              <a:rPr lang="fr-BE"/>
-              <a:t>A</a:t>
-            </a:r>
-          </a:p>
-          <a:p>
-            <a:pPr marL="228600" lvl="0" indent="-342900">
-              <a:buSzPct val="100000"/>
-              <a:buFont typeface="Arial" panose="020B0604020202020204" pitchFamily="34" charset="0"/>
-              <a:buChar char="•"/>
-            </a:pPr>
-            <a:r>
-              <a:rPr lang="fr-BE"/>
-              <a:t>A</a:t>
-            </a:r>
-          </a:p>
-          <a:p>
-            <a:pPr marL="596900" lvl="1" indent="-342900">
-              <a:buSzPct val="100000"/>
-              <a:buFont typeface="Arial" panose="020B0604020202020204" pitchFamily="34" charset="0"/>
-              <a:buChar char="•"/>
-            </a:pPr>
-            <a:r>
-              <a:rPr lang="fr-BE"/>
-              <a:t>A</a:t>
-            </a:r>
-          </a:p>
-          <a:p>
-            <a:pPr marL="1079500" lvl="2" indent="-342900">
-              <a:buSzPct val="100000"/>
-              <a:buFont typeface="Arial" panose="020B0604020202020204" pitchFamily="34" charset="0"/>
-              <a:buChar char="•"/>
-            </a:pPr>
-            <a:r>
-              <a:rPr lang="fr-BE"/>
-              <a:t>A</a:t>
-            </a:r>
-            <a:endParaRPr/>
-          </a:p>
-        </p:txBody>
-      </p:sp>
-      <p:sp>
-        <p:nvSpPr>
-          <p:cNvPr id="35" name="Google Shape;35;p57"/>
-          <p:cNvSpPr txBox="1">
-            <a:spLocks noGrp="1"/>
-          </p:cNvSpPr>
-          <p:nvPr>
-            <p:ph type="body" idx="3"/>
-          </p:nvPr>
-        </p:nvSpPr>
-        <p:spPr>
-          <a:xfrm>
-            <a:off x="6172201" y="1681163"/>
-            <a:ext cx="5183188" cy="823912"/>
-          </a:xfrm>
-          <a:prstGeom prst="rect">
-            <a:avLst/>
-          </a:prstGeom>
-          <a:noFill/>
-          <a:ln>
-            <a:noFill/>
-          </a:ln>
-        </p:spPr>
-        <p:txBody>
-          <a:bodyPr spcFirstLastPara="1" wrap="square" lIns="91425" tIns="45700" rIns="91425" bIns="45700" anchor="b" anchorCtr="0">
-            <a:normAutofit/>
-          </a:bodyPr>
-          <a:lstStyle>
-            <a:lvl1pPr marL="0" lvl="0" indent="-228600" algn="l">
-              <a:lnSpc>
-                <a:spcPct val="90000"/>
-              </a:lnSpc>
-              <a:spcBef>
-                <a:spcPts val="1000"/>
-              </a:spcBef>
-              <a:spcAft>
-                <a:spcPts val="0"/>
-              </a:spcAft>
-              <a:buClr>
-                <a:schemeClr val="dk1"/>
-              </a:buClr>
-              <a:buSzPts val="2400"/>
-              <a:buNone/>
-              <a:defRPr sz="2400" b="1"/>
-            </a:lvl1pPr>
-            <a:lvl2pPr marL="914400" lvl="1" indent="-228600" algn="l">
-              <a:lnSpc>
-                <a:spcPct val="90000"/>
-              </a:lnSpc>
-              <a:spcBef>
-                <a:spcPts val="500"/>
-              </a:spcBef>
-              <a:spcAft>
-                <a:spcPts val="0"/>
-              </a:spcAft>
-              <a:buClr>
-                <a:schemeClr val="dk1"/>
-              </a:buClr>
-              <a:buSzPts val="2000"/>
-              <a:buNone/>
-              <a:defRPr sz="2000" b="1"/>
-            </a:lvl2pPr>
-            <a:lvl3pPr marL="1371600" lvl="2" indent="-228600" algn="l">
-              <a:lnSpc>
-                <a:spcPct val="90000"/>
-              </a:lnSpc>
-              <a:spcBef>
-                <a:spcPts val="500"/>
-              </a:spcBef>
-              <a:spcAft>
-                <a:spcPts val="0"/>
-              </a:spcAft>
-              <a:buClr>
-                <a:schemeClr val="dk1"/>
-              </a:buClr>
-              <a:buSzPts val="1800"/>
-              <a:buNone/>
-              <a:defRPr sz="1800" b="1"/>
-            </a:lvl3pPr>
-            <a:lvl4pPr marL="1828800" lvl="3" indent="-228600" algn="l">
-              <a:lnSpc>
-                <a:spcPct val="90000"/>
-              </a:lnSpc>
-              <a:spcBef>
-                <a:spcPts val="500"/>
-              </a:spcBef>
-              <a:spcAft>
-                <a:spcPts val="0"/>
-              </a:spcAft>
-              <a:buClr>
-                <a:schemeClr val="dk1"/>
-              </a:buClr>
-              <a:buSzPts val="1600"/>
-              <a:buNone/>
-              <a:defRPr sz="1600" b="1"/>
-            </a:lvl4pPr>
-            <a:lvl5pPr marL="2286000" lvl="4" indent="-228600" algn="l">
-              <a:lnSpc>
-                <a:spcPct val="90000"/>
-              </a:lnSpc>
-              <a:spcBef>
-                <a:spcPts val="500"/>
-              </a:spcBef>
-              <a:spcAft>
-                <a:spcPts val="0"/>
-              </a:spcAft>
-              <a:buClr>
-                <a:schemeClr val="dk1"/>
-              </a:buClr>
-              <a:buSzPts val="1600"/>
-              <a:buNone/>
-              <a:defRPr sz="1600" b="1"/>
-            </a:lvl5pPr>
-            <a:lvl6pPr marL="2743200" lvl="5" indent="-228600" algn="l">
-              <a:lnSpc>
-                <a:spcPct val="90000"/>
-              </a:lnSpc>
-              <a:spcBef>
-                <a:spcPts val="500"/>
-              </a:spcBef>
-              <a:spcAft>
-                <a:spcPts val="0"/>
-              </a:spcAft>
-              <a:buClr>
-                <a:schemeClr val="dk1"/>
-              </a:buClr>
-              <a:buSzPts val="1600"/>
-              <a:buNone/>
-              <a:defRPr sz="1600" b="1"/>
-            </a:lvl6pPr>
-            <a:lvl7pPr marL="3200400" lvl="6" indent="-228600" algn="l">
-              <a:lnSpc>
-                <a:spcPct val="90000"/>
-              </a:lnSpc>
-              <a:spcBef>
-                <a:spcPts val="500"/>
-              </a:spcBef>
-              <a:spcAft>
-                <a:spcPts val="0"/>
-              </a:spcAft>
-              <a:buClr>
-                <a:schemeClr val="dk1"/>
-              </a:buClr>
-              <a:buSzPts val="1600"/>
-              <a:buNone/>
-              <a:defRPr sz="1600" b="1"/>
-            </a:lvl7pPr>
-            <a:lvl8pPr marL="3657600" lvl="7" indent="-228600" algn="l">
-              <a:lnSpc>
-                <a:spcPct val="90000"/>
-              </a:lnSpc>
-              <a:spcBef>
-                <a:spcPts val="500"/>
-              </a:spcBef>
-              <a:spcAft>
-                <a:spcPts val="0"/>
-              </a:spcAft>
-              <a:buClr>
-                <a:schemeClr val="dk1"/>
-              </a:buClr>
-              <a:buSzPts val="1600"/>
-              <a:buNone/>
-              <a:defRPr sz="1600" b="1"/>
-            </a:lvl8pPr>
-            <a:lvl9pPr marL="4114800" lvl="8" indent="-228600" algn="l">
-              <a:lnSpc>
-                <a:spcPct val="90000"/>
-              </a:lnSpc>
-              <a:spcBef>
-                <a:spcPts val="500"/>
-              </a:spcBef>
-              <a:spcAft>
-                <a:spcPts val="0"/>
-              </a:spcAft>
-              <a:buClr>
-                <a:schemeClr val="dk1"/>
-              </a:buClr>
-              <a:buSzPts val="1600"/>
-              <a:buNone/>
-              <a:defRPr sz="1600" b="1"/>
-            </a:lvl9pPr>
-          </a:lstStyle>
-          <a:p>
-            <a:pPr lvl="0"/>
-            <a:r>
-              <a:rPr lang="fr-FR"/>
-              <a:t>Cliquez pour modifier les styles du texte du masque</a:t>
-            </a:r>
-          </a:p>
-        </p:txBody>
-      </p:sp>
-      <p:sp>
-        <p:nvSpPr>
-          <p:cNvPr id="36" name="Google Shape;36;p57"/>
-          <p:cNvSpPr txBox="1">
-            <a:spLocks noGrp="1"/>
-          </p:cNvSpPr>
-          <p:nvPr>
-            <p:ph type="body" idx="4" hasCustomPrompt="1"/>
-          </p:nvPr>
-        </p:nvSpPr>
-        <p:spPr>
-          <a:xfrm>
-            <a:off x="6172201" y="2505075"/>
-            <a:ext cx="5183188" cy="3684588"/>
-          </a:xfrm>
-          <a:prstGeom prst="rect">
-            <a:avLst/>
-          </a:prstGeom>
-          <a:noFill/>
-          <a:ln>
-            <a:noFill/>
-          </a:ln>
-        </p:spPr>
-        <p:txBody>
-          <a:bodyPr spcFirstLastPara="1" wrap="square" lIns="91425" tIns="45700" rIns="91425" bIns="45700" anchor="t" anchorCtr="0">
-            <a:normAutofit/>
-          </a:bodyPr>
-          <a:lstStyle>
-            <a:lvl1pPr marL="228600" indent="-571500">
-              <a:buFont typeface="Arial" panose="020B0604020202020204" pitchFamily="34" charset="0"/>
-              <a:buChar char="•"/>
-              <a:defRPr/>
-            </a:lvl1pPr>
-            <a:lvl2pPr marL="596900" indent="-457200">
-              <a:buFont typeface="Arial" panose="020B0604020202020204" pitchFamily="34" charset="0"/>
-              <a:buChar char="•"/>
-              <a:defRPr lang="fr-BE" smtClean="0"/>
-            </a:lvl2pPr>
-            <a:lvl3pPr marL="1079500" indent="-457200">
-              <a:buFont typeface="Arial" panose="020B0604020202020204" pitchFamily="34" charset="0"/>
-              <a:buChar char="•"/>
-              <a:defRPr lang="fr-BE" smtClean="0"/>
-            </a:lvl3pPr>
-          </a:lstStyle>
-          <a:p>
-            <a:pPr lvl="0" indent="-342900">
-              <a:buSzPct val="100000"/>
-            </a:pPr>
-            <a:r>
-              <a:rPr lang="fr-BE"/>
-              <a:t>A</a:t>
-            </a:r>
-          </a:p>
-          <a:p>
-            <a:pPr lvl="0" indent="-342900">
-              <a:buSzPct val="100000"/>
-            </a:pPr>
-            <a:r>
-              <a:rPr lang="fr-BE"/>
-              <a:t>A</a:t>
-            </a:r>
-          </a:p>
-          <a:p>
-            <a:pPr lvl="1" indent="-342900">
-              <a:buSzPct val="100000"/>
-            </a:pPr>
-            <a:r>
-              <a:rPr lang="fr-BE"/>
-              <a:t>A</a:t>
-            </a:r>
-          </a:p>
-          <a:p>
-            <a:pPr lvl="2" indent="-342900">
-              <a:buSzPct val="100000"/>
-            </a:pPr>
-            <a:r>
-              <a:rPr lang="fr-BE"/>
-              <a:t>A</a:t>
-            </a:r>
-          </a:p>
-          <a:p>
-            <a:pPr lvl="0" indent="-342900">
-              <a:buSzPct val="100000"/>
-            </a:pPr>
-            <a:endParaRPr/>
-          </a:p>
-        </p:txBody>
-      </p:sp>
-    </p:spTree>
-  </p:cSld>
-  <p:clrMapOvr>
-    <a:masterClrMapping/>
-  </p:clrMapOvr>
-  <mc:AlternateContent xmlns:mc="http://schemas.openxmlformats.org/markup-compatibility/2006" xmlns:p14="http://schemas.microsoft.com/office/powerpoint/2010/main">
-    <mc:Choice Requires="p14">
-      <p:transition spd="slow">
-        <p14:reveal/>
-      </p:transition>
-    </mc:Choice>
-    <mc:Fallback xmlns="" xmlns:mv="urn:schemas-microsoft-com:mac:vml" xmlns:c="http://schemas.openxmlformats.org/drawingml/2006/chart" xmlns:dgm="http://schemas.openxmlformats.org/drawingml/2006/diagram" xmlns:o="urn:schemas-microsoft-com:office:office" xmlns:v="urn:schemas-microsoft-com:vml" xmlns:pvml="urn:schemas-microsoft-com:office:powerpoint" xmlns:com="http://schemas.openxmlformats.org/drawingml/2006/compatibility" xmlns:p15="http://schemas.microsoft.com/office/powerpoint/2012/main" xmlns:ahyp="http://schemas.microsoft.com/office/drawing/2018/hyperlinkcolor">
-      <p:transition spd="med">
-        <p:fade/>
-      </p:transition>
-    </mc:Fallback>
-  </mc:AlternateContent>
-</p:sldLayout>
-</file>
-
-<file path=ppt/slideLayouts/slideLayout7.xml><?xml version="1.0" encoding="utf-8"?>
-<p:sldLayout xmlns:a="http://schemas.openxmlformats.org/drawingml/2006/main" xmlns:r="http://schemas.openxmlformats.org/officeDocument/2006/relationships" xmlns:p="http://schemas.openxmlformats.org/presentationml/2006/main" matchingName="Title Only" type="titleOnly">
-  <p:cSld name="TITLE_ONLY">
-    <p:spTree>
-      <p:nvGrpSpPr>
-        <p:cNvPr id="1" name="Shape 37"/>
-        <p:cNvGrpSpPr/>
-        <p:nvPr/>
-      </p:nvGrpSpPr>
-      <p:grpSpPr>
-        <a:xfrm>
-          <a:off x="0" y="0"/>
-          <a:ext cx="0" cy="0"/>
-          <a:chOff x="0" y="0"/>
-          <a:chExt cx="0" cy="0"/>
-        </a:xfrm>
-      </p:grpSpPr>
-      <p:sp>
-        <p:nvSpPr>
-          <p:cNvPr id="38" name="Google Shape;38;p58"/>
-          <p:cNvSpPr txBox="1">
-            <a:spLocks noGrp="1"/>
-          </p:cNvSpPr>
-          <p:nvPr>
-            <p:ph type="title"/>
-          </p:nvPr>
-        </p:nvSpPr>
-        <p:spPr>
-          <a:xfrm>
-            <a:off x="838200" y="365125"/>
-            <a:ext cx="10515600" cy="1325563"/>
-          </a:xfrm>
-          <a:prstGeom prst="rect">
-            <a:avLst/>
-          </a:prstGeom>
-          <a:noFill/>
-          <a:ln>
-            <a:noFill/>
-          </a:ln>
-        </p:spPr>
-        <p:txBody>
-          <a:bodyPr spcFirstLastPara="1" wrap="square" lIns="91425" tIns="45700" rIns="91425" bIns="45700" anchor="ctr" anchorCtr="0">
-            <a:normAutofit/>
-          </a:bodyPr>
-          <a:lstStyle>
-            <a:lvl1pPr lvl="0" algn="l">
-              <a:lnSpc>
-                <a:spcPct val="90000"/>
-              </a:lnSpc>
-              <a:spcBef>
-                <a:spcPts val="0"/>
-              </a:spcBef>
-              <a:spcAft>
-                <a:spcPts val="0"/>
-              </a:spcAft>
-              <a:buClr>
-                <a:schemeClr val="accent5"/>
-              </a:buClr>
-              <a:buSzPts val="1800"/>
-              <a:buNone/>
-              <a:defRPr/>
-            </a:lvl1pPr>
-            <a:lvl2pPr lvl="1" algn="l">
-              <a:spcBef>
-                <a:spcPts val="0"/>
-              </a:spcBef>
-              <a:spcAft>
-                <a:spcPts val="0"/>
-              </a:spcAft>
-              <a:buSzPts val="1400"/>
-              <a:buNone/>
-              <a:defRPr/>
-            </a:lvl2pPr>
-            <a:lvl3pPr lvl="2" algn="l">
-              <a:spcBef>
-                <a:spcPts val="0"/>
-              </a:spcBef>
-              <a:spcAft>
-                <a:spcPts val="0"/>
-              </a:spcAft>
-              <a:buSzPts val="1400"/>
-              <a:buNone/>
-              <a:defRPr/>
-            </a:lvl3pPr>
-            <a:lvl4pPr lvl="3" algn="l">
-              <a:spcBef>
-                <a:spcPts val="0"/>
-              </a:spcBef>
-              <a:spcAft>
-                <a:spcPts val="0"/>
-              </a:spcAft>
-              <a:buSzPts val="1400"/>
-              <a:buNone/>
-              <a:defRPr/>
-            </a:lvl4pPr>
-            <a:lvl5pPr lvl="4" algn="l">
-              <a:spcBef>
-                <a:spcPts val="0"/>
-              </a:spcBef>
-              <a:spcAft>
-                <a:spcPts val="0"/>
-              </a:spcAft>
-              <a:buSzPts val="1400"/>
-              <a:buNone/>
-              <a:defRPr/>
-            </a:lvl5pPr>
-            <a:lvl6pPr lvl="5" algn="l">
-              <a:spcBef>
-                <a:spcPts val="0"/>
-              </a:spcBef>
-              <a:spcAft>
-                <a:spcPts val="0"/>
-              </a:spcAft>
-              <a:buSzPts val="1400"/>
-              <a:buNone/>
-              <a:defRPr/>
-            </a:lvl6pPr>
-            <a:lvl7pPr lvl="6" algn="l">
-              <a:spcBef>
-                <a:spcPts val="0"/>
-              </a:spcBef>
-              <a:spcAft>
-                <a:spcPts val="0"/>
-              </a:spcAft>
-              <a:buSzPts val="1400"/>
-              <a:buNone/>
-              <a:defRPr/>
-            </a:lvl7pPr>
-            <a:lvl8pPr lvl="7" algn="l">
-              <a:spcBef>
-                <a:spcPts val="0"/>
-              </a:spcBef>
-              <a:spcAft>
-                <a:spcPts val="0"/>
-              </a:spcAft>
-              <a:buSzPts val="1400"/>
-              <a:buNone/>
-              <a:defRPr/>
-            </a:lvl8pPr>
-            <a:lvl9pPr lvl="8" algn="l">
-              <a:spcBef>
-                <a:spcPts val="0"/>
-              </a:spcBef>
-              <a:spcAft>
-                <a:spcPts val="0"/>
-              </a:spcAft>
-              <a:buSzPts val="1400"/>
-              <a:buNone/>
-              <a:defRPr/>
-            </a:lvl9pPr>
-          </a:lstStyle>
-          <a:p>
-            <a:r>
-              <a:rPr lang="fr-FR"/>
-              <a:t>Modifiez le style du titre</a:t>
-            </a:r>
-            <a:endParaRPr/>
-          </a:p>
-        </p:txBody>
-      </p:sp>
-    </p:spTree>
-  </p:cSld>
-  <p:clrMapOvr>
-    <a:masterClrMapping/>
-  </p:clrMapOvr>
-  <mc:AlternateContent xmlns:mc="http://schemas.openxmlformats.org/markup-compatibility/2006" xmlns:p14="http://schemas.microsoft.com/office/powerpoint/2010/main">
-    <mc:Choice Requires="p14">
-      <p:transition spd="slow">
-        <p14:reveal/>
-      </p:transition>
-    </mc:Choice>
-    <mc:Fallback xmlns="" xmlns:mv="urn:schemas-microsoft-com:mac:vml" xmlns:c="http://schemas.openxmlformats.org/drawingml/2006/chart" xmlns:dgm="http://schemas.openxmlformats.org/drawingml/2006/diagram" xmlns:o="urn:schemas-microsoft-com:office:office" xmlns:v="urn:schemas-microsoft-com:vml" xmlns:pvml="urn:schemas-microsoft-com:office:powerpoint" xmlns:com="http://schemas.openxmlformats.org/drawingml/2006/compatibility" xmlns:p15="http://schemas.microsoft.com/office/powerpoint/2012/main" xmlns:ahyp="http://schemas.microsoft.com/office/drawing/2018/hyperlinkcolor">
-      <p:transition spd="med">
-        <p:fade/>
-      </p:transition>
-    </mc:Fallback>
-  </mc:AlternateContent>
-</p:sldLayout>
-</file>
-
-<file path=ppt/slideLayouts/slideLayout8.xml><?xml version="1.0" encoding="utf-8"?>
-<p:sldLayout xmlns:a="http://schemas.openxmlformats.org/drawingml/2006/main" xmlns:r="http://schemas.openxmlformats.org/officeDocument/2006/relationships" xmlns:p="http://schemas.openxmlformats.org/presentationml/2006/main" matchingName="Title Only" preserve="1" userDrawn="1">
-  <p:cSld name="Empty">
+<file path=ppt/slideLayouts/slideLayout11.xml><?xml version="1.0" encoding="utf-8"?>
+<p:sldLayout xmlns:a="http://schemas.openxmlformats.org/drawingml/2006/main" xmlns:r="http://schemas.openxmlformats.org/officeDocument/2006/relationships" xmlns:p="http://schemas.openxmlformats.org/presentationml/2006/main" matchingName="Title Only" userDrawn="1">
+  <p:cSld name="Title Only">
     <p:spTree>
       <p:nvGrpSpPr>
         <p:cNvPr id="1" name="Shape 37"/>
@@ -5542,7 +3257,7 @@
     </p:spTree>
     <p:extLst>
       <p:ext uri="{BB962C8B-B14F-4D97-AF65-F5344CB8AC3E}">
-        <p14:creationId xmlns:p14="http://schemas.microsoft.com/office/powerpoint/2010/main" val="3903596956"/>
+        <p14:creationId xmlns:p14="http://schemas.microsoft.com/office/powerpoint/2010/main" val="3494462023"/>
       </p:ext>
     </p:extLst>
   </p:cSld>
@@ -5564,12 +3279,12 @@
 </p:sldLayout>
 </file>
 
-<file path=ppt/slideLayouts/slideLayout9.xml><?xml version="1.0" encoding="utf-8"?>
-<p:sldLayout xmlns:a="http://schemas.openxmlformats.org/drawingml/2006/main" xmlns:r="http://schemas.openxmlformats.org/officeDocument/2006/relationships" xmlns:p="http://schemas.openxmlformats.org/presentationml/2006/main" matchingName="Picture with Caption" type="picTx">
-  <p:cSld name="PICTURE_WITH_CAPTION_TEXT">
+<file path=ppt/slideLayouts/slideLayout2.xml><?xml version="1.0" encoding="utf-8"?>
+<p:sldLayout xmlns:a="http://schemas.openxmlformats.org/drawingml/2006/main" xmlns:r="http://schemas.openxmlformats.org/officeDocument/2006/relationships" xmlns:p="http://schemas.openxmlformats.org/presentationml/2006/main" type="obj" preserve="1">
+  <p:cSld name="Titre et contenu">
     <p:spTree>
       <p:nvGrpSpPr>
-        <p:cNvPr id="1" name="Shape 39"/>
+        <p:cNvPr id="1" name=""/>
         <p:cNvGrpSpPr/>
         <p:nvPr/>
       </p:nvGrpSpPr>
@@ -5583,364 +3298,173 @@
       </p:grpSpPr>
       <p:sp>
         <p:nvSpPr>
-          <p:cNvPr id="40" name="Google Shape;40;p59"/>
-          <p:cNvSpPr txBox="1">
+          <p:cNvPr id="2" name="Title 1"/>
+          <p:cNvSpPr>
             <a:spLocks noGrp="1"/>
           </p:cNvSpPr>
           <p:nvPr>
             <p:ph type="title"/>
           </p:nvPr>
         </p:nvSpPr>
-        <p:spPr>
-          <a:xfrm>
-            <a:off x="839788" y="457200"/>
-            <a:ext cx="3932237" cy="1600200"/>
-          </a:xfrm>
-          <a:prstGeom prst="rect">
-            <a:avLst/>
-          </a:prstGeom>
-          <a:noFill/>
-          <a:ln>
-            <a:noFill/>
-          </a:ln>
-        </p:spPr>
+        <p:spPr/>
         <p:txBody>
-          <a:bodyPr spcFirstLastPara="1" wrap="square" lIns="91425" tIns="45700" rIns="91425" bIns="45700" anchor="b" anchorCtr="0">
-            <a:normAutofit/>
-          </a:bodyPr>
-          <a:lstStyle>
-            <a:lvl1pPr lvl="0" algn="l">
-              <a:lnSpc>
-                <a:spcPct val="90000"/>
-              </a:lnSpc>
-              <a:spcBef>
-                <a:spcPts val="0"/>
-              </a:spcBef>
-              <a:spcAft>
-                <a:spcPts val="0"/>
-              </a:spcAft>
-              <a:buClr>
-                <a:schemeClr val="accent5"/>
-              </a:buClr>
-              <a:buSzPts val="3200"/>
-              <a:buFont typeface="Garamond"/>
-              <a:buNone/>
-              <a:defRPr sz="3200"/>
-            </a:lvl1pPr>
-            <a:lvl2pPr lvl="1" algn="l">
-              <a:spcBef>
-                <a:spcPts val="0"/>
-              </a:spcBef>
-              <a:spcAft>
-                <a:spcPts val="0"/>
-              </a:spcAft>
-              <a:buSzPts val="1400"/>
-              <a:buNone/>
-              <a:defRPr/>
-            </a:lvl2pPr>
-            <a:lvl3pPr lvl="2" algn="l">
-              <a:spcBef>
-                <a:spcPts val="0"/>
-              </a:spcBef>
-              <a:spcAft>
-                <a:spcPts val="0"/>
-              </a:spcAft>
-              <a:buSzPts val="1400"/>
-              <a:buNone/>
-              <a:defRPr/>
-            </a:lvl3pPr>
-            <a:lvl4pPr lvl="3" algn="l">
-              <a:spcBef>
-                <a:spcPts val="0"/>
-              </a:spcBef>
-              <a:spcAft>
-                <a:spcPts val="0"/>
-              </a:spcAft>
-              <a:buSzPts val="1400"/>
-              <a:buNone/>
-              <a:defRPr/>
-            </a:lvl4pPr>
-            <a:lvl5pPr lvl="4" algn="l">
-              <a:spcBef>
-                <a:spcPts val="0"/>
-              </a:spcBef>
-              <a:spcAft>
-                <a:spcPts val="0"/>
-              </a:spcAft>
-              <a:buSzPts val="1400"/>
-              <a:buNone/>
-              <a:defRPr/>
-            </a:lvl5pPr>
-            <a:lvl6pPr lvl="5" algn="l">
-              <a:spcBef>
-                <a:spcPts val="0"/>
-              </a:spcBef>
-              <a:spcAft>
-                <a:spcPts val="0"/>
-              </a:spcAft>
-              <a:buSzPts val="1400"/>
-              <a:buNone/>
-              <a:defRPr/>
-            </a:lvl6pPr>
-            <a:lvl7pPr lvl="6" algn="l">
-              <a:spcBef>
-                <a:spcPts val="0"/>
-              </a:spcBef>
-              <a:spcAft>
-                <a:spcPts val="0"/>
-              </a:spcAft>
-              <a:buSzPts val="1400"/>
-              <a:buNone/>
-              <a:defRPr/>
-            </a:lvl7pPr>
-            <a:lvl8pPr lvl="7" algn="l">
-              <a:spcBef>
-                <a:spcPts val="0"/>
-              </a:spcBef>
-              <a:spcAft>
-                <a:spcPts val="0"/>
-              </a:spcAft>
-              <a:buSzPts val="1400"/>
-              <a:buNone/>
-              <a:defRPr/>
-            </a:lvl8pPr>
-            <a:lvl9pPr lvl="8" algn="l">
-              <a:spcBef>
-                <a:spcPts val="0"/>
-              </a:spcBef>
-              <a:spcAft>
-                <a:spcPts val="0"/>
-              </a:spcAft>
-              <a:buSzPts val="1400"/>
-              <a:buNone/>
-              <a:defRPr/>
-            </a:lvl9pPr>
-          </a:lstStyle>
+          <a:bodyPr/>
+          <a:lstStyle/>
           <a:p>
             <a:r>
               <a:rPr lang="fr-FR"/>
               <a:t>Modifiez le style du titre</a:t>
             </a:r>
-            <a:endParaRPr/>
+            <a:endParaRPr lang="fr-BE"/>
           </a:p>
         </p:txBody>
       </p:sp>
       <p:sp>
         <p:nvSpPr>
-          <p:cNvPr id="41" name="Google Shape;41;p59"/>
+          <p:cNvPr id="3" name="Content Placeholder 2"/>
           <p:cNvSpPr>
             <a:spLocks noGrp="1"/>
           </p:cNvSpPr>
           <p:nvPr>
-            <p:ph type="pic" idx="2"/>
+            <p:ph idx="1"/>
           </p:nvPr>
         </p:nvSpPr>
         <p:spPr>
           <a:xfrm>
-            <a:off x="5183188" y="987426"/>
-            <a:ext cx="6172200" cy="4873625"/>
+            <a:off x="838200" y="1690689"/>
+            <a:ext cx="10515600" cy="4486276"/>
           </a:xfrm>
-          <a:prstGeom prst="rect">
-            <a:avLst/>
-          </a:prstGeom>
-          <a:noFill/>
-          <a:ln>
-            <a:noFill/>
-          </a:ln>
         </p:spPr>
+        <p:txBody>
+          <a:bodyPr/>
+          <a:lstStyle/>
+          <a:p>
+            <a:pPr lvl="0"/>
+            <a:r>
+              <a:rPr lang="fr-FR"/>
+              <a:t>Cliquez pour modifier les styles du texte du masque</a:t>
+            </a:r>
+          </a:p>
+          <a:p>
+            <a:pPr lvl="1"/>
+            <a:r>
+              <a:rPr lang="fr-FR"/>
+              <a:t>Deuxième niveau</a:t>
+            </a:r>
+          </a:p>
+          <a:p>
+            <a:pPr lvl="2"/>
+            <a:r>
+              <a:rPr lang="fr-FR"/>
+              <a:t>Troisième niveau</a:t>
+            </a:r>
+          </a:p>
+          <a:p>
+            <a:pPr lvl="3"/>
+            <a:r>
+              <a:rPr lang="fr-FR"/>
+              <a:t>Quatrième niveau</a:t>
+            </a:r>
+          </a:p>
+          <a:p>
+            <a:pPr lvl="4"/>
+            <a:r>
+              <a:rPr lang="fr-FR"/>
+              <a:t>Cinquième niveau</a:t>
+            </a:r>
+            <a:endParaRPr lang="fr-BE"/>
+          </a:p>
+        </p:txBody>
       </p:sp>
       <p:sp>
         <p:nvSpPr>
-          <p:cNvPr id="42" name="Google Shape;42;p59"/>
-          <p:cNvSpPr txBox="1">
+          <p:cNvPr id="4" name="Espace réservé de la date 3">
+            <a:extLst>
+              <a:ext uri="{FF2B5EF4-FFF2-40B4-BE49-F238E27FC236}">
+                <a16:creationId xmlns:a16="http://schemas.microsoft.com/office/drawing/2014/main" id="{3268EF8D-0946-4672-F93D-1040FBC99710}"/>
+              </a:ext>
+            </a:extLst>
+          </p:cNvPr>
+          <p:cNvSpPr>
             <a:spLocks noGrp="1"/>
           </p:cNvSpPr>
           <p:nvPr>
-            <p:ph type="body" idx="1"/>
+            <p:ph type="dt" sz="half" idx="10"/>
           </p:nvPr>
         </p:nvSpPr>
-        <p:spPr>
-          <a:xfrm>
-            <a:off x="839788" y="2057401"/>
-            <a:ext cx="3932237" cy="3811588"/>
-          </a:xfrm>
-          <a:prstGeom prst="rect">
-            <a:avLst/>
-          </a:prstGeom>
-          <a:noFill/>
-          <a:ln>
-            <a:noFill/>
-          </a:ln>
-        </p:spPr>
+        <p:spPr/>
         <p:txBody>
-          <a:bodyPr spcFirstLastPara="1" wrap="square" lIns="91425" tIns="45700" rIns="91425" bIns="45700" anchor="t" anchorCtr="0">
-            <a:normAutofit/>
-          </a:bodyPr>
-          <a:lstStyle>
-            <a:lvl1pPr marL="457200" lvl="0" indent="-228600" algn="l">
-              <a:lnSpc>
-                <a:spcPct val="90000"/>
-              </a:lnSpc>
-              <a:spcBef>
-                <a:spcPts val="1000"/>
-              </a:spcBef>
-              <a:spcAft>
-                <a:spcPts val="0"/>
-              </a:spcAft>
-              <a:buClr>
-                <a:schemeClr val="dk1"/>
-              </a:buClr>
-              <a:buSzPts val="1600"/>
-              <a:buNone/>
-              <a:defRPr sz="1600"/>
-            </a:lvl1pPr>
-            <a:lvl2pPr marL="914400" lvl="1" indent="-228600" algn="l">
-              <a:lnSpc>
-                <a:spcPct val="90000"/>
-              </a:lnSpc>
-              <a:spcBef>
-                <a:spcPts val="500"/>
-              </a:spcBef>
-              <a:spcAft>
-                <a:spcPts val="0"/>
-              </a:spcAft>
-              <a:buClr>
-                <a:schemeClr val="dk1"/>
-              </a:buClr>
-              <a:buSzPts val="1400"/>
-              <a:buNone/>
-              <a:defRPr sz="1400"/>
-            </a:lvl2pPr>
-            <a:lvl3pPr marL="1371600" lvl="2" indent="-228600" algn="l">
-              <a:lnSpc>
-                <a:spcPct val="90000"/>
-              </a:lnSpc>
-              <a:spcBef>
-                <a:spcPts val="500"/>
-              </a:spcBef>
-              <a:spcAft>
-                <a:spcPts val="0"/>
-              </a:spcAft>
-              <a:buClr>
-                <a:schemeClr val="dk1"/>
-              </a:buClr>
-              <a:buSzPts val="1200"/>
-              <a:buNone/>
-              <a:defRPr sz="1200"/>
-            </a:lvl3pPr>
-            <a:lvl4pPr marL="1828800" lvl="3" indent="-228600" algn="l">
-              <a:lnSpc>
-                <a:spcPct val="90000"/>
-              </a:lnSpc>
-              <a:spcBef>
-                <a:spcPts val="500"/>
-              </a:spcBef>
-              <a:spcAft>
-                <a:spcPts val="0"/>
-              </a:spcAft>
-              <a:buClr>
-                <a:schemeClr val="dk1"/>
-              </a:buClr>
-              <a:buSzPts val="1000"/>
-              <a:buNone/>
-              <a:defRPr sz="1000"/>
-            </a:lvl4pPr>
-            <a:lvl5pPr marL="2286000" lvl="4" indent="-228600" algn="l">
-              <a:lnSpc>
-                <a:spcPct val="90000"/>
-              </a:lnSpc>
-              <a:spcBef>
-                <a:spcPts val="500"/>
-              </a:spcBef>
-              <a:spcAft>
-                <a:spcPts val="0"/>
-              </a:spcAft>
-              <a:buClr>
-                <a:schemeClr val="dk1"/>
-              </a:buClr>
-              <a:buSzPts val="1000"/>
-              <a:buNone/>
-              <a:defRPr sz="1000"/>
-            </a:lvl5pPr>
-            <a:lvl6pPr marL="2743200" lvl="5" indent="-228600" algn="l">
-              <a:lnSpc>
-                <a:spcPct val="90000"/>
-              </a:lnSpc>
-              <a:spcBef>
-                <a:spcPts val="500"/>
-              </a:spcBef>
-              <a:spcAft>
-                <a:spcPts val="0"/>
-              </a:spcAft>
-              <a:buClr>
-                <a:schemeClr val="dk1"/>
-              </a:buClr>
-              <a:buSzPts val="1000"/>
-              <a:buNone/>
-              <a:defRPr sz="1000"/>
-            </a:lvl6pPr>
-            <a:lvl7pPr marL="3200400" lvl="6" indent="-228600" algn="l">
-              <a:lnSpc>
-                <a:spcPct val="90000"/>
-              </a:lnSpc>
-              <a:spcBef>
-                <a:spcPts val="500"/>
-              </a:spcBef>
-              <a:spcAft>
-                <a:spcPts val="0"/>
-              </a:spcAft>
-              <a:buClr>
-                <a:schemeClr val="dk1"/>
-              </a:buClr>
-              <a:buSzPts val="1000"/>
-              <a:buNone/>
-              <a:defRPr sz="1000"/>
-            </a:lvl7pPr>
-            <a:lvl8pPr marL="3657600" lvl="7" indent="-228600" algn="l">
-              <a:lnSpc>
-                <a:spcPct val="90000"/>
-              </a:lnSpc>
-              <a:spcBef>
-                <a:spcPts val="500"/>
-              </a:spcBef>
-              <a:spcAft>
-                <a:spcPts val="0"/>
-              </a:spcAft>
-              <a:buClr>
-                <a:schemeClr val="dk1"/>
-              </a:buClr>
-              <a:buSzPts val="1000"/>
-              <a:buNone/>
-              <a:defRPr sz="1000"/>
-            </a:lvl8pPr>
-            <a:lvl9pPr marL="4114800" lvl="8" indent="-228600" algn="l">
-              <a:lnSpc>
-                <a:spcPct val="90000"/>
-              </a:lnSpc>
-              <a:spcBef>
-                <a:spcPts val="500"/>
-              </a:spcBef>
-              <a:spcAft>
-                <a:spcPts val="0"/>
-              </a:spcAft>
-              <a:buClr>
-                <a:schemeClr val="dk1"/>
-              </a:buClr>
-              <a:buSzPts val="1000"/>
-              <a:buNone/>
-              <a:defRPr sz="1000"/>
-            </a:lvl9pPr>
-          </a:lstStyle>
-          <a:p>
-            <a:pPr lvl="0"/>
-            <a:r>
-              <a:rPr lang="fr-FR"/>
-              <a:t>Cliquez pour modifier les styles du texte du masque</a:t>
-            </a:r>
+          <a:bodyPr/>
+          <a:lstStyle/>
+          <a:p>
+            <a:fld id="{F3953782-D06E-4853-BE3C-64C197273937}" type="datetimeFigureOut">
+              <a:rPr lang="fr-BE" smtClean="0"/>
+              <a:t>14-01-25</a:t>
+            </a:fld>
+            <a:endParaRPr lang="fr-BE"/>
+          </a:p>
+        </p:txBody>
+      </p:sp>
+      <p:sp>
+        <p:nvSpPr>
+          <p:cNvPr id="5" name="Espace réservé du pied de page 4">
+            <a:extLst>
+              <a:ext uri="{FF2B5EF4-FFF2-40B4-BE49-F238E27FC236}">
+                <a16:creationId xmlns:a16="http://schemas.microsoft.com/office/drawing/2014/main" id="{8F8A40D7-7FAD-432F-7B9F-71125A565A95}"/>
+              </a:ext>
+            </a:extLst>
+          </p:cNvPr>
+          <p:cNvSpPr>
+            <a:spLocks noGrp="1"/>
+          </p:cNvSpPr>
+          <p:nvPr>
+            <p:ph type="ftr" sz="quarter" idx="11"/>
+          </p:nvPr>
+        </p:nvSpPr>
+        <p:spPr/>
+        <p:txBody>
+          <a:bodyPr/>
+          <a:lstStyle/>
+          <a:p>
+            <a:endParaRPr lang="fr-BE"/>
+          </a:p>
+        </p:txBody>
+      </p:sp>
+      <p:sp>
+        <p:nvSpPr>
+          <p:cNvPr id="6" name="Espace réservé du numéro de diapositive 5">
+            <a:extLst>
+              <a:ext uri="{FF2B5EF4-FFF2-40B4-BE49-F238E27FC236}">
+                <a16:creationId xmlns:a16="http://schemas.microsoft.com/office/drawing/2014/main" id="{54A3E5DF-3F32-A840-9AC0-4B04DF13C487}"/>
+              </a:ext>
+            </a:extLst>
+          </p:cNvPr>
+          <p:cNvSpPr>
+            <a:spLocks noGrp="1"/>
+          </p:cNvSpPr>
+          <p:nvPr>
+            <p:ph type="sldNum" sz="quarter" idx="12"/>
+          </p:nvPr>
+        </p:nvSpPr>
+        <p:spPr/>
+        <p:txBody>
+          <a:bodyPr/>
+          <a:lstStyle/>
+          <a:p>
+            <a:fld id="{02C092ED-0E97-497E-99D9-BB9DD7276F53}" type="slidenum">
+              <a:rPr lang="fr-BE" smtClean="0"/>
+              <a:t>‹N°›</a:t>
+            </a:fld>
+            <a:endParaRPr lang="fr-BE"/>
           </a:p>
         </p:txBody>
       </p:sp>
     </p:spTree>
+    <p:extLst>
+      <p:ext uri="{BB962C8B-B14F-4D97-AF65-F5344CB8AC3E}">
+        <p14:creationId xmlns:p14="http://schemas.microsoft.com/office/powerpoint/2010/main" val="2313827462"/>
+      </p:ext>
+    </p:extLst>
   </p:cSld>
   <p:clrMapOvr>
     <a:masterClrMapping/>
@@ -5951,29 +3475,22 @@
         <p14:reveal/>
       </p:transition>
     </mc:Choice>
-    <mc:Fallback xmlns="" xmlns:mv="urn:schemas-microsoft-com:mac:vml" xmlns:c="http://schemas.openxmlformats.org/drawingml/2006/chart" xmlns:dgm="http://schemas.openxmlformats.org/drawingml/2006/diagram" xmlns:o="urn:schemas-microsoft-com:office:office" xmlns:v="urn:schemas-microsoft-com:vml" xmlns:pvml="urn:schemas-microsoft-com:office:powerpoint" xmlns:com="http://schemas.openxmlformats.org/drawingml/2006/compatibility" xmlns:p15="http://schemas.microsoft.com/office/powerpoint/2012/main" xmlns:ahyp="http://schemas.microsoft.com/office/drawing/2018/hyperlinkcolor">
-      <p:transition spd="med">
+    <mc:Fallback xmlns="">
+      <p:transition spd="slow">
         <p:fade/>
       </p:transition>
     </mc:Fallback>
   </mc:AlternateContent>
+  <p:hf hdr="0" ftr="0" dt="0"/>
 </p:sldLayout>
 </file>
 
-<file path=ppt/slideMasters/slideMaster1.xml><?xml version="1.0" encoding="utf-8"?>
-<p:sldMaster xmlns:a="http://schemas.openxmlformats.org/drawingml/2006/main" xmlns:r="http://schemas.openxmlformats.org/officeDocument/2006/relationships" xmlns:p="http://schemas.openxmlformats.org/presentationml/2006/main">
-  <p:cSld>
-    <p:bg>
-      <p:bgPr>
-        <a:solidFill>
-          <a:schemeClr val="accent6"/>
-        </a:solidFill>
-        <a:effectLst/>
-      </p:bgPr>
-    </p:bg>
+<file path=ppt/slideLayouts/slideLayout3.xml><?xml version="1.0" encoding="utf-8"?>
+<p:sldLayout xmlns:a="http://schemas.openxmlformats.org/drawingml/2006/main" xmlns:r="http://schemas.openxmlformats.org/officeDocument/2006/relationships" xmlns:p="http://schemas.openxmlformats.org/presentationml/2006/main" preserve="1">
+  <p:cSld name="Titre de section">
     <p:spTree>
       <p:nvGrpSpPr>
-        <p:cNvPr id="1" name="Shape 9"/>
+        <p:cNvPr id="1" name=""/>
         <p:cNvGrpSpPr/>
         <p:nvPr/>
       </p:nvGrpSpPr>
@@ -5987,8 +3504,1695 @@
       </p:grpSpPr>
       <p:sp>
         <p:nvSpPr>
-          <p:cNvPr id="10" name="Google Shape;10;p50"/>
-          <p:cNvSpPr txBox="1">
+          <p:cNvPr id="2" name="Title 1"/>
+          <p:cNvSpPr>
+            <a:spLocks noGrp="1"/>
+          </p:cNvSpPr>
+          <p:nvPr>
+            <p:ph type="title"/>
+          </p:nvPr>
+        </p:nvSpPr>
+        <p:spPr>
+          <a:xfrm>
+            <a:off x="831851" y="1709740"/>
+            <a:ext cx="10515600" cy="2852737"/>
+          </a:xfrm>
+        </p:spPr>
+        <p:txBody>
+          <a:bodyPr anchor="b">
+            <a:normAutofit/>
+          </a:bodyPr>
+          <a:lstStyle>
+            <a:lvl1pPr>
+              <a:defRPr lang="fr-BE">
+                <a:solidFill>
+                  <a:schemeClr val="accent2"/>
+                </a:solidFill>
+              </a:defRPr>
+            </a:lvl1pPr>
+          </a:lstStyle>
+          <a:p>
+            <a:r>
+              <a:rPr lang="fr-FR"/>
+              <a:t>Modifiez le style du titre</a:t>
+            </a:r>
+            <a:endParaRPr lang="fr-BE"/>
+          </a:p>
+        </p:txBody>
+      </p:sp>
+      <p:sp>
+        <p:nvSpPr>
+          <p:cNvPr id="3" name="Text Placeholder 2"/>
+          <p:cNvSpPr>
+            <a:spLocks noGrp="1"/>
+          </p:cNvSpPr>
+          <p:nvPr>
+            <p:ph type="body" idx="1"/>
+          </p:nvPr>
+        </p:nvSpPr>
+        <p:spPr>
+          <a:xfrm>
+            <a:off x="831851" y="4589464"/>
+            <a:ext cx="10515600" cy="1500187"/>
+          </a:xfrm>
+        </p:spPr>
+        <p:txBody>
+          <a:bodyPr/>
+          <a:lstStyle>
+            <a:lvl1pPr marL="0" indent="0">
+              <a:buNone/>
+              <a:defRPr sz="2400">
+                <a:solidFill>
+                  <a:schemeClr val="tx1">
+                    <a:tint val="75000"/>
+                  </a:schemeClr>
+                </a:solidFill>
+              </a:defRPr>
+            </a:lvl1pPr>
+            <a:lvl2pPr marL="457189" indent="0">
+              <a:buNone/>
+              <a:defRPr sz="2000">
+                <a:solidFill>
+                  <a:schemeClr val="tx1">
+                    <a:tint val="75000"/>
+                  </a:schemeClr>
+                </a:solidFill>
+              </a:defRPr>
+            </a:lvl2pPr>
+            <a:lvl3pPr marL="914377" indent="0">
+              <a:buNone/>
+              <a:defRPr sz="1800">
+                <a:solidFill>
+                  <a:schemeClr val="tx1">
+                    <a:tint val="75000"/>
+                  </a:schemeClr>
+                </a:solidFill>
+              </a:defRPr>
+            </a:lvl3pPr>
+            <a:lvl4pPr marL="1371566" indent="0">
+              <a:buNone/>
+              <a:defRPr sz="1600">
+                <a:solidFill>
+                  <a:schemeClr val="tx1">
+                    <a:tint val="75000"/>
+                  </a:schemeClr>
+                </a:solidFill>
+              </a:defRPr>
+            </a:lvl4pPr>
+            <a:lvl5pPr marL="1828754" indent="0">
+              <a:buNone/>
+              <a:defRPr sz="1600">
+                <a:solidFill>
+                  <a:schemeClr val="tx1">
+                    <a:tint val="75000"/>
+                  </a:schemeClr>
+                </a:solidFill>
+              </a:defRPr>
+            </a:lvl5pPr>
+            <a:lvl6pPr marL="2285943" indent="0">
+              <a:buNone/>
+              <a:defRPr sz="1600">
+                <a:solidFill>
+                  <a:schemeClr val="tx1">
+                    <a:tint val="75000"/>
+                  </a:schemeClr>
+                </a:solidFill>
+              </a:defRPr>
+            </a:lvl6pPr>
+            <a:lvl7pPr marL="2743131" indent="0">
+              <a:buNone/>
+              <a:defRPr sz="1600">
+                <a:solidFill>
+                  <a:schemeClr val="tx1">
+                    <a:tint val="75000"/>
+                  </a:schemeClr>
+                </a:solidFill>
+              </a:defRPr>
+            </a:lvl7pPr>
+            <a:lvl8pPr marL="3200320" indent="0">
+              <a:buNone/>
+              <a:defRPr sz="1600">
+                <a:solidFill>
+                  <a:schemeClr val="tx1">
+                    <a:tint val="75000"/>
+                  </a:schemeClr>
+                </a:solidFill>
+              </a:defRPr>
+            </a:lvl8pPr>
+            <a:lvl9pPr marL="3657509" indent="0">
+              <a:buNone/>
+              <a:defRPr sz="1600">
+                <a:solidFill>
+                  <a:schemeClr val="tx1">
+                    <a:tint val="75000"/>
+                  </a:schemeClr>
+                </a:solidFill>
+              </a:defRPr>
+            </a:lvl9pPr>
+          </a:lstStyle>
+          <a:p>
+            <a:pPr lvl="0"/>
+            <a:r>
+              <a:rPr lang="fr-FR"/>
+              <a:t>Cliquez pour modifier les styles du texte du masque</a:t>
+            </a:r>
+          </a:p>
+        </p:txBody>
+      </p:sp>
+      <p:sp>
+        <p:nvSpPr>
+          <p:cNvPr id="5" name="Espace réservé pour une image  4">
+            <a:extLst>
+              <a:ext uri="{FF2B5EF4-FFF2-40B4-BE49-F238E27FC236}">
+                <a16:creationId xmlns:a16="http://schemas.microsoft.com/office/drawing/2014/main" id="{83B7C617-6903-4988-8F47-3C72C68028FF}"/>
+              </a:ext>
+            </a:extLst>
+          </p:cNvPr>
+          <p:cNvSpPr>
+            <a:spLocks noGrp="1"/>
+          </p:cNvSpPr>
+          <p:nvPr>
+            <p:ph type="pic" sz="quarter" idx="10"/>
+          </p:nvPr>
+        </p:nvSpPr>
+        <p:spPr>
+          <a:xfrm>
+            <a:off x="9000000" y="720000"/>
+            <a:ext cx="2160000" cy="2160000"/>
+          </a:xfrm>
+        </p:spPr>
+        <p:txBody>
+          <a:bodyPr/>
+          <a:lstStyle/>
+          <a:p>
+            <a:r>
+              <a:rPr lang="fr-FR"/>
+              <a:t>Cliquez sur l'icône pour ajouter une image</a:t>
+            </a:r>
+            <a:endParaRPr lang="fr-BE" dirty="0"/>
+          </a:p>
+        </p:txBody>
+      </p:sp>
+      <p:sp>
+        <p:nvSpPr>
+          <p:cNvPr id="4" name="Espace réservé de la date 3">
+            <a:extLst>
+              <a:ext uri="{FF2B5EF4-FFF2-40B4-BE49-F238E27FC236}">
+                <a16:creationId xmlns:a16="http://schemas.microsoft.com/office/drawing/2014/main" id="{F2D67B63-F450-35EF-442C-62311487D2F4}"/>
+              </a:ext>
+            </a:extLst>
+          </p:cNvPr>
+          <p:cNvSpPr>
+            <a:spLocks noGrp="1"/>
+          </p:cNvSpPr>
+          <p:nvPr>
+            <p:ph type="dt" sz="half" idx="11"/>
+          </p:nvPr>
+        </p:nvSpPr>
+        <p:spPr/>
+        <p:txBody>
+          <a:bodyPr/>
+          <a:lstStyle/>
+          <a:p>
+            <a:fld id="{F3953782-D06E-4853-BE3C-64C197273937}" type="datetimeFigureOut">
+              <a:rPr lang="fr-BE" smtClean="0"/>
+              <a:t>14-01-25</a:t>
+            </a:fld>
+            <a:endParaRPr lang="fr-BE"/>
+          </a:p>
+        </p:txBody>
+      </p:sp>
+      <p:sp>
+        <p:nvSpPr>
+          <p:cNvPr id="6" name="Espace réservé du pied de page 5">
+            <a:extLst>
+              <a:ext uri="{FF2B5EF4-FFF2-40B4-BE49-F238E27FC236}">
+                <a16:creationId xmlns:a16="http://schemas.microsoft.com/office/drawing/2014/main" id="{EBC20ED6-7274-FD2F-773B-9069D53732E9}"/>
+              </a:ext>
+            </a:extLst>
+          </p:cNvPr>
+          <p:cNvSpPr>
+            <a:spLocks noGrp="1"/>
+          </p:cNvSpPr>
+          <p:nvPr>
+            <p:ph type="ftr" sz="quarter" idx="12"/>
+          </p:nvPr>
+        </p:nvSpPr>
+        <p:spPr/>
+        <p:txBody>
+          <a:bodyPr/>
+          <a:lstStyle/>
+          <a:p>
+            <a:endParaRPr lang="fr-BE"/>
+          </a:p>
+        </p:txBody>
+      </p:sp>
+      <p:sp>
+        <p:nvSpPr>
+          <p:cNvPr id="7" name="Espace réservé du numéro de diapositive 6">
+            <a:extLst>
+              <a:ext uri="{FF2B5EF4-FFF2-40B4-BE49-F238E27FC236}">
+                <a16:creationId xmlns:a16="http://schemas.microsoft.com/office/drawing/2014/main" id="{DB282271-26EC-908B-2E9D-6EE95CFBEB1C}"/>
+              </a:ext>
+            </a:extLst>
+          </p:cNvPr>
+          <p:cNvSpPr>
+            <a:spLocks noGrp="1"/>
+          </p:cNvSpPr>
+          <p:nvPr>
+            <p:ph type="sldNum" sz="quarter" idx="13"/>
+          </p:nvPr>
+        </p:nvSpPr>
+        <p:spPr/>
+        <p:txBody>
+          <a:bodyPr/>
+          <a:lstStyle/>
+          <a:p>
+            <a:fld id="{02C092ED-0E97-497E-99D9-BB9DD7276F53}" type="slidenum">
+              <a:rPr lang="fr-BE" smtClean="0"/>
+              <a:t>‹N°›</a:t>
+            </a:fld>
+            <a:endParaRPr lang="fr-BE"/>
+          </a:p>
+        </p:txBody>
+      </p:sp>
+    </p:spTree>
+    <p:extLst>
+      <p:ext uri="{BB962C8B-B14F-4D97-AF65-F5344CB8AC3E}">
+        <p14:creationId xmlns:p14="http://schemas.microsoft.com/office/powerpoint/2010/main" val="372511200"/>
+      </p:ext>
+    </p:extLst>
+  </p:cSld>
+  <p:clrMapOvr>
+    <a:masterClrMapping/>
+  </p:clrMapOvr>
+  <mc:AlternateContent xmlns:mc="http://schemas.openxmlformats.org/markup-compatibility/2006" xmlns:p14="http://schemas.microsoft.com/office/powerpoint/2010/main">
+    <mc:Choice Requires="p14">
+      <p:transition spd="slow">
+        <p14:reveal/>
+      </p:transition>
+    </mc:Choice>
+    <mc:Fallback xmlns="">
+      <p:transition spd="slow">
+        <p:fade/>
+      </p:transition>
+    </mc:Fallback>
+  </mc:AlternateContent>
+  <p:hf hdr="0" ftr="0" dt="0"/>
+</p:sldLayout>
+</file>
+
+<file path=ppt/slideLayouts/slideLayout4.xml><?xml version="1.0" encoding="utf-8"?>
+<p:sldLayout xmlns:a="http://schemas.openxmlformats.org/drawingml/2006/main" xmlns:r="http://schemas.openxmlformats.org/officeDocument/2006/relationships" xmlns:p="http://schemas.openxmlformats.org/presentationml/2006/main" preserve="1">
+  <p:cSld name="Sub-Section Header">
+    <p:spTree>
+      <p:nvGrpSpPr>
+        <p:cNvPr id="1" name=""/>
+        <p:cNvGrpSpPr/>
+        <p:nvPr/>
+      </p:nvGrpSpPr>
+      <p:grpSpPr>
+        <a:xfrm>
+          <a:off x="0" y="0"/>
+          <a:ext cx="0" cy="0"/>
+          <a:chOff x="0" y="0"/>
+          <a:chExt cx="0" cy="0"/>
+        </a:xfrm>
+      </p:grpSpPr>
+      <p:sp>
+        <p:nvSpPr>
+          <p:cNvPr id="2" name="Title 1"/>
+          <p:cNvSpPr>
+            <a:spLocks noGrp="1"/>
+          </p:cNvSpPr>
+          <p:nvPr>
+            <p:ph type="title"/>
+          </p:nvPr>
+        </p:nvSpPr>
+        <p:spPr>
+          <a:xfrm>
+            <a:off x="831851" y="4544704"/>
+            <a:ext cx="10515600" cy="1628211"/>
+          </a:xfrm>
+        </p:spPr>
+        <p:txBody>
+          <a:bodyPr anchor="b">
+            <a:normAutofit/>
+          </a:bodyPr>
+          <a:lstStyle>
+            <a:lvl1pPr>
+              <a:defRPr sz="3600">
+                <a:solidFill>
+                  <a:schemeClr val="accent2"/>
+                </a:solidFill>
+              </a:defRPr>
+            </a:lvl1pPr>
+          </a:lstStyle>
+          <a:p>
+            <a:r>
+              <a:rPr lang="fr-FR"/>
+              <a:t>Modifiez le style du titre</a:t>
+            </a:r>
+            <a:endParaRPr lang="fr-BE" dirty="0"/>
+          </a:p>
+        </p:txBody>
+      </p:sp>
+      <p:sp>
+        <p:nvSpPr>
+          <p:cNvPr id="5" name="Espace réservé pour une image  4">
+            <a:extLst>
+              <a:ext uri="{FF2B5EF4-FFF2-40B4-BE49-F238E27FC236}">
+                <a16:creationId xmlns:a16="http://schemas.microsoft.com/office/drawing/2014/main" id="{4FDD30A2-EFB1-4B31-8365-64458F4E13E2}"/>
+              </a:ext>
+            </a:extLst>
+          </p:cNvPr>
+          <p:cNvSpPr>
+            <a:spLocks noGrp="1"/>
+          </p:cNvSpPr>
+          <p:nvPr>
+            <p:ph type="pic" sz="quarter" idx="10"/>
+          </p:nvPr>
+        </p:nvSpPr>
+        <p:spPr>
+          <a:xfrm>
+            <a:off x="9000000" y="720000"/>
+            <a:ext cx="1440000" cy="1440000"/>
+          </a:xfrm>
+        </p:spPr>
+        <p:txBody>
+          <a:bodyPr/>
+          <a:lstStyle/>
+          <a:p>
+            <a:r>
+              <a:rPr lang="fr-FR"/>
+              <a:t>Cliquez sur l'icône pour ajouter une image</a:t>
+            </a:r>
+            <a:endParaRPr lang="fr-BE" dirty="0"/>
+          </a:p>
+        </p:txBody>
+      </p:sp>
+      <p:sp>
+        <p:nvSpPr>
+          <p:cNvPr id="3" name="Espace réservé de la date 2">
+            <a:extLst>
+              <a:ext uri="{FF2B5EF4-FFF2-40B4-BE49-F238E27FC236}">
+                <a16:creationId xmlns:a16="http://schemas.microsoft.com/office/drawing/2014/main" id="{B8BD7575-5E4D-B6F7-D511-002E7EBB1A2F}"/>
+              </a:ext>
+            </a:extLst>
+          </p:cNvPr>
+          <p:cNvSpPr>
+            <a:spLocks noGrp="1"/>
+          </p:cNvSpPr>
+          <p:nvPr>
+            <p:ph type="dt" sz="half" idx="11"/>
+          </p:nvPr>
+        </p:nvSpPr>
+        <p:spPr/>
+        <p:txBody>
+          <a:bodyPr/>
+          <a:lstStyle/>
+          <a:p>
+            <a:fld id="{F3953782-D06E-4853-BE3C-64C197273937}" type="datetimeFigureOut">
+              <a:rPr lang="fr-BE" smtClean="0"/>
+              <a:t>14-01-25</a:t>
+            </a:fld>
+            <a:endParaRPr lang="fr-BE"/>
+          </a:p>
+        </p:txBody>
+      </p:sp>
+      <p:sp>
+        <p:nvSpPr>
+          <p:cNvPr id="4" name="Espace réservé du pied de page 3">
+            <a:extLst>
+              <a:ext uri="{FF2B5EF4-FFF2-40B4-BE49-F238E27FC236}">
+                <a16:creationId xmlns:a16="http://schemas.microsoft.com/office/drawing/2014/main" id="{F57AA542-0BD3-6896-CFBC-925661457ED8}"/>
+              </a:ext>
+            </a:extLst>
+          </p:cNvPr>
+          <p:cNvSpPr>
+            <a:spLocks noGrp="1"/>
+          </p:cNvSpPr>
+          <p:nvPr>
+            <p:ph type="ftr" sz="quarter" idx="12"/>
+          </p:nvPr>
+        </p:nvSpPr>
+        <p:spPr/>
+        <p:txBody>
+          <a:bodyPr/>
+          <a:lstStyle/>
+          <a:p>
+            <a:endParaRPr lang="fr-BE"/>
+          </a:p>
+        </p:txBody>
+      </p:sp>
+      <p:sp>
+        <p:nvSpPr>
+          <p:cNvPr id="6" name="Espace réservé du numéro de diapositive 5">
+            <a:extLst>
+              <a:ext uri="{FF2B5EF4-FFF2-40B4-BE49-F238E27FC236}">
+                <a16:creationId xmlns:a16="http://schemas.microsoft.com/office/drawing/2014/main" id="{FF1D4A95-E4A4-1574-4F11-DE8F1961354B}"/>
+              </a:ext>
+            </a:extLst>
+          </p:cNvPr>
+          <p:cNvSpPr>
+            <a:spLocks noGrp="1"/>
+          </p:cNvSpPr>
+          <p:nvPr>
+            <p:ph type="sldNum" sz="quarter" idx="13"/>
+          </p:nvPr>
+        </p:nvSpPr>
+        <p:spPr/>
+        <p:txBody>
+          <a:bodyPr/>
+          <a:lstStyle/>
+          <a:p>
+            <a:fld id="{02C092ED-0E97-497E-99D9-BB9DD7276F53}" type="slidenum">
+              <a:rPr lang="fr-BE" smtClean="0"/>
+              <a:t>‹N°›</a:t>
+            </a:fld>
+            <a:endParaRPr lang="fr-BE"/>
+          </a:p>
+        </p:txBody>
+      </p:sp>
+    </p:spTree>
+    <p:extLst>
+      <p:ext uri="{BB962C8B-B14F-4D97-AF65-F5344CB8AC3E}">
+        <p14:creationId xmlns:p14="http://schemas.microsoft.com/office/powerpoint/2010/main" val="253227732"/>
+      </p:ext>
+    </p:extLst>
+  </p:cSld>
+  <p:clrMapOvr>
+    <a:masterClrMapping/>
+  </p:clrMapOvr>
+  <mc:AlternateContent xmlns:mc="http://schemas.openxmlformats.org/markup-compatibility/2006" xmlns:p14="http://schemas.microsoft.com/office/powerpoint/2010/main">
+    <mc:Choice Requires="p14">
+      <p:transition spd="slow">
+        <p14:reveal/>
+      </p:transition>
+    </mc:Choice>
+    <mc:Fallback xmlns="">
+      <p:transition spd="slow">
+        <p:fade/>
+      </p:transition>
+    </mc:Fallback>
+  </mc:AlternateContent>
+  <p:hf hdr="0" ftr="0" dt="0"/>
+</p:sldLayout>
+</file>
+
+<file path=ppt/slideLayouts/slideLayout5.xml><?xml version="1.0" encoding="utf-8"?>
+<p:sldLayout xmlns:a="http://schemas.openxmlformats.org/drawingml/2006/main" xmlns:r="http://schemas.openxmlformats.org/officeDocument/2006/relationships" xmlns:p="http://schemas.openxmlformats.org/presentationml/2006/main" type="twoObj" preserve="1">
+  <p:cSld name="Deux contenus">
+    <p:spTree>
+      <p:nvGrpSpPr>
+        <p:cNvPr id="1" name=""/>
+        <p:cNvGrpSpPr/>
+        <p:nvPr/>
+      </p:nvGrpSpPr>
+      <p:grpSpPr>
+        <a:xfrm>
+          <a:off x="0" y="0"/>
+          <a:ext cx="0" cy="0"/>
+          <a:chOff x="0" y="0"/>
+          <a:chExt cx="0" cy="0"/>
+        </a:xfrm>
+      </p:grpSpPr>
+      <p:sp>
+        <p:nvSpPr>
+          <p:cNvPr id="2" name="Title 1"/>
+          <p:cNvSpPr>
+            <a:spLocks noGrp="1"/>
+          </p:cNvSpPr>
+          <p:nvPr>
+            <p:ph type="title"/>
+          </p:nvPr>
+        </p:nvSpPr>
+        <p:spPr/>
+        <p:txBody>
+          <a:bodyPr/>
+          <a:lstStyle/>
+          <a:p>
+            <a:r>
+              <a:rPr lang="fr-FR"/>
+              <a:t>Modifiez le style du titre</a:t>
+            </a:r>
+            <a:endParaRPr lang="fr-BE"/>
+          </a:p>
+        </p:txBody>
+      </p:sp>
+      <p:sp>
+        <p:nvSpPr>
+          <p:cNvPr id="3" name="Content Placeholder 2"/>
+          <p:cNvSpPr>
+            <a:spLocks noGrp="1"/>
+          </p:cNvSpPr>
+          <p:nvPr>
+            <p:ph sz="half" idx="1"/>
+          </p:nvPr>
+        </p:nvSpPr>
+        <p:spPr>
+          <a:xfrm>
+            <a:off x="838200" y="1690689"/>
+            <a:ext cx="5181600" cy="4486276"/>
+          </a:xfrm>
+        </p:spPr>
+        <p:txBody>
+          <a:bodyPr/>
+          <a:lstStyle/>
+          <a:p>
+            <a:pPr lvl="0"/>
+            <a:r>
+              <a:rPr lang="fr-FR"/>
+              <a:t>Cliquez pour modifier les styles du texte du masque</a:t>
+            </a:r>
+          </a:p>
+          <a:p>
+            <a:pPr lvl="1"/>
+            <a:r>
+              <a:rPr lang="fr-FR"/>
+              <a:t>Deuxième niveau</a:t>
+            </a:r>
+          </a:p>
+          <a:p>
+            <a:pPr lvl="2"/>
+            <a:r>
+              <a:rPr lang="fr-FR"/>
+              <a:t>Troisième niveau</a:t>
+            </a:r>
+          </a:p>
+          <a:p>
+            <a:pPr lvl="3"/>
+            <a:r>
+              <a:rPr lang="fr-FR"/>
+              <a:t>Quatrième niveau</a:t>
+            </a:r>
+          </a:p>
+          <a:p>
+            <a:pPr lvl="4"/>
+            <a:r>
+              <a:rPr lang="fr-FR"/>
+              <a:t>Cinquième niveau</a:t>
+            </a:r>
+            <a:endParaRPr lang="fr-BE" dirty="0"/>
+          </a:p>
+        </p:txBody>
+      </p:sp>
+      <p:sp>
+        <p:nvSpPr>
+          <p:cNvPr id="4" name="Content Placeholder 3"/>
+          <p:cNvSpPr>
+            <a:spLocks noGrp="1"/>
+          </p:cNvSpPr>
+          <p:nvPr>
+            <p:ph sz="half" idx="2"/>
+          </p:nvPr>
+        </p:nvSpPr>
+        <p:spPr>
+          <a:xfrm>
+            <a:off x="6172200" y="1690689"/>
+            <a:ext cx="5181600" cy="4486276"/>
+          </a:xfrm>
+        </p:spPr>
+        <p:txBody>
+          <a:bodyPr/>
+          <a:lstStyle/>
+          <a:p>
+            <a:pPr lvl="0"/>
+            <a:r>
+              <a:rPr lang="fr-FR"/>
+              <a:t>Cliquez pour modifier les styles du texte du masque</a:t>
+            </a:r>
+          </a:p>
+          <a:p>
+            <a:pPr lvl="1"/>
+            <a:r>
+              <a:rPr lang="fr-FR"/>
+              <a:t>Deuxième niveau</a:t>
+            </a:r>
+          </a:p>
+          <a:p>
+            <a:pPr lvl="2"/>
+            <a:r>
+              <a:rPr lang="fr-FR"/>
+              <a:t>Troisième niveau</a:t>
+            </a:r>
+          </a:p>
+          <a:p>
+            <a:pPr lvl="3"/>
+            <a:r>
+              <a:rPr lang="fr-FR"/>
+              <a:t>Quatrième niveau</a:t>
+            </a:r>
+          </a:p>
+          <a:p>
+            <a:pPr lvl="4"/>
+            <a:r>
+              <a:rPr lang="fr-FR"/>
+              <a:t>Cinquième niveau</a:t>
+            </a:r>
+            <a:endParaRPr lang="fr-BE" dirty="0"/>
+          </a:p>
+        </p:txBody>
+      </p:sp>
+      <p:sp>
+        <p:nvSpPr>
+          <p:cNvPr id="5" name="Espace réservé de la date 4">
+            <a:extLst>
+              <a:ext uri="{FF2B5EF4-FFF2-40B4-BE49-F238E27FC236}">
+                <a16:creationId xmlns:a16="http://schemas.microsoft.com/office/drawing/2014/main" id="{023EE368-836F-D6B7-3720-94E515B8ED49}"/>
+              </a:ext>
+            </a:extLst>
+          </p:cNvPr>
+          <p:cNvSpPr>
+            <a:spLocks noGrp="1"/>
+          </p:cNvSpPr>
+          <p:nvPr>
+            <p:ph type="dt" sz="half" idx="10"/>
+          </p:nvPr>
+        </p:nvSpPr>
+        <p:spPr/>
+        <p:txBody>
+          <a:bodyPr/>
+          <a:lstStyle/>
+          <a:p>
+            <a:fld id="{F3953782-D06E-4853-BE3C-64C197273937}" type="datetimeFigureOut">
+              <a:rPr lang="fr-BE" smtClean="0"/>
+              <a:t>14-01-25</a:t>
+            </a:fld>
+            <a:endParaRPr lang="fr-BE"/>
+          </a:p>
+        </p:txBody>
+      </p:sp>
+      <p:sp>
+        <p:nvSpPr>
+          <p:cNvPr id="6" name="Espace réservé du pied de page 5">
+            <a:extLst>
+              <a:ext uri="{FF2B5EF4-FFF2-40B4-BE49-F238E27FC236}">
+                <a16:creationId xmlns:a16="http://schemas.microsoft.com/office/drawing/2014/main" id="{940FC0D1-460C-5274-B67A-CADD301151E8}"/>
+              </a:ext>
+            </a:extLst>
+          </p:cNvPr>
+          <p:cNvSpPr>
+            <a:spLocks noGrp="1"/>
+          </p:cNvSpPr>
+          <p:nvPr>
+            <p:ph type="ftr" sz="quarter" idx="11"/>
+          </p:nvPr>
+        </p:nvSpPr>
+        <p:spPr/>
+        <p:txBody>
+          <a:bodyPr/>
+          <a:lstStyle/>
+          <a:p>
+            <a:endParaRPr lang="fr-BE"/>
+          </a:p>
+        </p:txBody>
+      </p:sp>
+      <p:sp>
+        <p:nvSpPr>
+          <p:cNvPr id="7" name="Espace réservé du numéro de diapositive 6">
+            <a:extLst>
+              <a:ext uri="{FF2B5EF4-FFF2-40B4-BE49-F238E27FC236}">
+                <a16:creationId xmlns:a16="http://schemas.microsoft.com/office/drawing/2014/main" id="{7D5E82B2-87DB-8B8E-12FD-843E81352499}"/>
+              </a:ext>
+            </a:extLst>
+          </p:cNvPr>
+          <p:cNvSpPr>
+            <a:spLocks noGrp="1"/>
+          </p:cNvSpPr>
+          <p:nvPr>
+            <p:ph type="sldNum" sz="quarter" idx="12"/>
+          </p:nvPr>
+        </p:nvSpPr>
+        <p:spPr/>
+        <p:txBody>
+          <a:bodyPr/>
+          <a:lstStyle/>
+          <a:p>
+            <a:fld id="{02C092ED-0E97-497E-99D9-BB9DD7276F53}" type="slidenum">
+              <a:rPr lang="fr-BE" smtClean="0"/>
+              <a:t>‹N°›</a:t>
+            </a:fld>
+            <a:endParaRPr lang="fr-BE"/>
+          </a:p>
+        </p:txBody>
+      </p:sp>
+    </p:spTree>
+    <p:extLst>
+      <p:ext uri="{BB962C8B-B14F-4D97-AF65-F5344CB8AC3E}">
+        <p14:creationId xmlns:p14="http://schemas.microsoft.com/office/powerpoint/2010/main" val="1039567824"/>
+      </p:ext>
+    </p:extLst>
+  </p:cSld>
+  <p:clrMapOvr>
+    <a:masterClrMapping/>
+  </p:clrMapOvr>
+  <mc:AlternateContent xmlns:mc="http://schemas.openxmlformats.org/markup-compatibility/2006" xmlns:p14="http://schemas.microsoft.com/office/powerpoint/2010/main">
+    <mc:Choice Requires="p14">
+      <p:transition spd="slow">
+        <p14:reveal/>
+      </p:transition>
+    </mc:Choice>
+    <mc:Fallback xmlns="">
+      <p:transition spd="slow">
+        <p:fade/>
+      </p:transition>
+    </mc:Fallback>
+  </mc:AlternateContent>
+  <p:hf hdr="0" ftr="0" dt="0"/>
+</p:sldLayout>
+</file>
+
+<file path=ppt/slideLayouts/slideLayout6.xml><?xml version="1.0" encoding="utf-8"?>
+<p:sldLayout xmlns:a="http://schemas.openxmlformats.org/drawingml/2006/main" xmlns:r="http://schemas.openxmlformats.org/officeDocument/2006/relationships" xmlns:p="http://schemas.openxmlformats.org/presentationml/2006/main" type="twoTxTwoObj" preserve="1">
+  <p:cSld name="Comparaison">
+    <p:spTree>
+      <p:nvGrpSpPr>
+        <p:cNvPr id="1" name=""/>
+        <p:cNvGrpSpPr/>
+        <p:nvPr/>
+      </p:nvGrpSpPr>
+      <p:grpSpPr>
+        <a:xfrm>
+          <a:off x="0" y="0"/>
+          <a:ext cx="0" cy="0"/>
+          <a:chOff x="0" y="0"/>
+          <a:chExt cx="0" cy="0"/>
+        </a:xfrm>
+      </p:grpSpPr>
+      <p:sp>
+        <p:nvSpPr>
+          <p:cNvPr id="2" name="Title 1"/>
+          <p:cNvSpPr>
+            <a:spLocks noGrp="1"/>
+          </p:cNvSpPr>
+          <p:nvPr>
+            <p:ph type="title"/>
+          </p:nvPr>
+        </p:nvSpPr>
+        <p:spPr>
+          <a:xfrm>
+            <a:off x="839788" y="365125"/>
+            <a:ext cx="10515600" cy="1325563"/>
+          </a:xfrm>
+        </p:spPr>
+        <p:txBody>
+          <a:bodyPr/>
+          <a:lstStyle/>
+          <a:p>
+            <a:r>
+              <a:rPr lang="fr-FR"/>
+              <a:t>Modifiez le style du titre</a:t>
+            </a:r>
+            <a:endParaRPr lang="fr-BE"/>
+          </a:p>
+        </p:txBody>
+      </p:sp>
+      <p:sp>
+        <p:nvSpPr>
+          <p:cNvPr id="3" name="Text Placeholder 2"/>
+          <p:cNvSpPr>
+            <a:spLocks noGrp="1"/>
+          </p:cNvSpPr>
+          <p:nvPr>
+            <p:ph type="body" idx="1"/>
+          </p:nvPr>
+        </p:nvSpPr>
+        <p:spPr>
+          <a:xfrm>
+            <a:off x="839789" y="1681163"/>
+            <a:ext cx="5157787" cy="823912"/>
+          </a:xfrm>
+        </p:spPr>
+        <p:txBody>
+          <a:bodyPr anchor="b"/>
+          <a:lstStyle>
+            <a:lvl1pPr marL="0" indent="0">
+              <a:buNone/>
+              <a:defRPr sz="2400" b="1"/>
+            </a:lvl1pPr>
+            <a:lvl2pPr marL="457189" indent="0">
+              <a:buNone/>
+              <a:defRPr sz="2000" b="1"/>
+            </a:lvl2pPr>
+            <a:lvl3pPr marL="914377" indent="0">
+              <a:buNone/>
+              <a:defRPr sz="1800" b="1"/>
+            </a:lvl3pPr>
+            <a:lvl4pPr marL="1371566" indent="0">
+              <a:buNone/>
+              <a:defRPr sz="1600" b="1"/>
+            </a:lvl4pPr>
+            <a:lvl5pPr marL="1828754" indent="0">
+              <a:buNone/>
+              <a:defRPr sz="1600" b="1"/>
+            </a:lvl5pPr>
+            <a:lvl6pPr marL="2285943" indent="0">
+              <a:buNone/>
+              <a:defRPr sz="1600" b="1"/>
+            </a:lvl6pPr>
+            <a:lvl7pPr marL="2743131" indent="0">
+              <a:buNone/>
+              <a:defRPr sz="1600" b="1"/>
+            </a:lvl7pPr>
+            <a:lvl8pPr marL="3200320" indent="0">
+              <a:buNone/>
+              <a:defRPr sz="1600" b="1"/>
+            </a:lvl8pPr>
+            <a:lvl9pPr marL="3657509" indent="0">
+              <a:buNone/>
+              <a:defRPr sz="1600" b="1"/>
+            </a:lvl9pPr>
+          </a:lstStyle>
+          <a:p>
+            <a:pPr lvl="0"/>
+            <a:r>
+              <a:rPr lang="fr-FR"/>
+              <a:t>Cliquez pour modifier les styles du texte du masque</a:t>
+            </a:r>
+          </a:p>
+        </p:txBody>
+      </p:sp>
+      <p:sp>
+        <p:nvSpPr>
+          <p:cNvPr id="4" name="Content Placeholder 3"/>
+          <p:cNvSpPr>
+            <a:spLocks noGrp="1"/>
+          </p:cNvSpPr>
+          <p:nvPr>
+            <p:ph sz="half" idx="2"/>
+          </p:nvPr>
+        </p:nvSpPr>
+        <p:spPr>
+          <a:xfrm>
+            <a:off x="839789" y="2505075"/>
+            <a:ext cx="5157787" cy="3684588"/>
+          </a:xfrm>
+        </p:spPr>
+        <p:txBody>
+          <a:bodyPr/>
+          <a:lstStyle/>
+          <a:p>
+            <a:pPr lvl="0"/>
+            <a:r>
+              <a:rPr lang="fr-FR"/>
+              <a:t>Cliquez pour modifier les styles du texte du masque</a:t>
+            </a:r>
+          </a:p>
+          <a:p>
+            <a:pPr lvl="1"/>
+            <a:r>
+              <a:rPr lang="fr-FR"/>
+              <a:t>Deuxième niveau</a:t>
+            </a:r>
+          </a:p>
+          <a:p>
+            <a:pPr lvl="2"/>
+            <a:r>
+              <a:rPr lang="fr-FR"/>
+              <a:t>Troisième niveau</a:t>
+            </a:r>
+          </a:p>
+          <a:p>
+            <a:pPr lvl="3"/>
+            <a:r>
+              <a:rPr lang="fr-FR"/>
+              <a:t>Quatrième niveau</a:t>
+            </a:r>
+          </a:p>
+          <a:p>
+            <a:pPr lvl="4"/>
+            <a:r>
+              <a:rPr lang="fr-FR"/>
+              <a:t>Cinquième niveau</a:t>
+            </a:r>
+            <a:endParaRPr lang="fr-BE"/>
+          </a:p>
+        </p:txBody>
+      </p:sp>
+      <p:sp>
+        <p:nvSpPr>
+          <p:cNvPr id="5" name="Text Placeholder 4"/>
+          <p:cNvSpPr>
+            <a:spLocks noGrp="1"/>
+          </p:cNvSpPr>
+          <p:nvPr>
+            <p:ph type="body" sz="quarter" idx="3"/>
+          </p:nvPr>
+        </p:nvSpPr>
+        <p:spPr>
+          <a:xfrm>
+            <a:off x="6172201" y="1681163"/>
+            <a:ext cx="5183188" cy="823912"/>
+          </a:xfrm>
+        </p:spPr>
+        <p:txBody>
+          <a:bodyPr anchor="b"/>
+          <a:lstStyle>
+            <a:lvl1pPr marL="0" indent="0">
+              <a:buNone/>
+              <a:defRPr sz="2400" b="1"/>
+            </a:lvl1pPr>
+            <a:lvl2pPr marL="457189" indent="0">
+              <a:buNone/>
+              <a:defRPr sz="2000" b="1"/>
+            </a:lvl2pPr>
+            <a:lvl3pPr marL="914377" indent="0">
+              <a:buNone/>
+              <a:defRPr sz="1800" b="1"/>
+            </a:lvl3pPr>
+            <a:lvl4pPr marL="1371566" indent="0">
+              <a:buNone/>
+              <a:defRPr sz="1600" b="1"/>
+            </a:lvl4pPr>
+            <a:lvl5pPr marL="1828754" indent="0">
+              <a:buNone/>
+              <a:defRPr sz="1600" b="1"/>
+            </a:lvl5pPr>
+            <a:lvl6pPr marL="2285943" indent="0">
+              <a:buNone/>
+              <a:defRPr sz="1600" b="1"/>
+            </a:lvl6pPr>
+            <a:lvl7pPr marL="2743131" indent="0">
+              <a:buNone/>
+              <a:defRPr sz="1600" b="1"/>
+            </a:lvl7pPr>
+            <a:lvl8pPr marL="3200320" indent="0">
+              <a:buNone/>
+              <a:defRPr sz="1600" b="1"/>
+            </a:lvl8pPr>
+            <a:lvl9pPr marL="3657509" indent="0">
+              <a:buNone/>
+              <a:defRPr sz="1600" b="1"/>
+            </a:lvl9pPr>
+          </a:lstStyle>
+          <a:p>
+            <a:pPr lvl="0"/>
+            <a:r>
+              <a:rPr lang="fr-FR"/>
+              <a:t>Cliquez pour modifier les styles du texte du masque</a:t>
+            </a:r>
+          </a:p>
+        </p:txBody>
+      </p:sp>
+      <p:sp>
+        <p:nvSpPr>
+          <p:cNvPr id="6" name="Content Placeholder 5"/>
+          <p:cNvSpPr>
+            <a:spLocks noGrp="1"/>
+          </p:cNvSpPr>
+          <p:nvPr>
+            <p:ph sz="quarter" idx="4"/>
+          </p:nvPr>
+        </p:nvSpPr>
+        <p:spPr>
+          <a:xfrm>
+            <a:off x="6172201" y="2505075"/>
+            <a:ext cx="5183188" cy="3684588"/>
+          </a:xfrm>
+        </p:spPr>
+        <p:txBody>
+          <a:bodyPr/>
+          <a:lstStyle/>
+          <a:p>
+            <a:pPr lvl="0"/>
+            <a:r>
+              <a:rPr lang="fr-FR"/>
+              <a:t>Cliquez pour modifier les styles du texte du masque</a:t>
+            </a:r>
+          </a:p>
+          <a:p>
+            <a:pPr lvl="1"/>
+            <a:r>
+              <a:rPr lang="fr-FR"/>
+              <a:t>Deuxième niveau</a:t>
+            </a:r>
+          </a:p>
+          <a:p>
+            <a:pPr lvl="2"/>
+            <a:r>
+              <a:rPr lang="fr-FR"/>
+              <a:t>Troisième niveau</a:t>
+            </a:r>
+          </a:p>
+          <a:p>
+            <a:pPr lvl="3"/>
+            <a:r>
+              <a:rPr lang="fr-FR"/>
+              <a:t>Quatrième niveau</a:t>
+            </a:r>
+          </a:p>
+          <a:p>
+            <a:pPr lvl="4"/>
+            <a:r>
+              <a:rPr lang="fr-FR"/>
+              <a:t>Cinquième niveau</a:t>
+            </a:r>
+            <a:endParaRPr lang="fr-BE"/>
+          </a:p>
+        </p:txBody>
+      </p:sp>
+      <p:sp>
+        <p:nvSpPr>
+          <p:cNvPr id="7" name="Espace réservé de la date 6">
+            <a:extLst>
+              <a:ext uri="{FF2B5EF4-FFF2-40B4-BE49-F238E27FC236}">
+                <a16:creationId xmlns:a16="http://schemas.microsoft.com/office/drawing/2014/main" id="{D605DBAD-E815-DA9F-C843-1DE122AA5FFF}"/>
+              </a:ext>
+            </a:extLst>
+          </p:cNvPr>
+          <p:cNvSpPr>
+            <a:spLocks noGrp="1"/>
+          </p:cNvSpPr>
+          <p:nvPr>
+            <p:ph type="dt" sz="half" idx="10"/>
+          </p:nvPr>
+        </p:nvSpPr>
+        <p:spPr/>
+        <p:txBody>
+          <a:bodyPr/>
+          <a:lstStyle/>
+          <a:p>
+            <a:fld id="{F3953782-D06E-4853-BE3C-64C197273937}" type="datetimeFigureOut">
+              <a:rPr lang="fr-BE" smtClean="0"/>
+              <a:t>14-01-25</a:t>
+            </a:fld>
+            <a:endParaRPr lang="fr-BE"/>
+          </a:p>
+        </p:txBody>
+      </p:sp>
+      <p:sp>
+        <p:nvSpPr>
+          <p:cNvPr id="8" name="Espace réservé du pied de page 7">
+            <a:extLst>
+              <a:ext uri="{FF2B5EF4-FFF2-40B4-BE49-F238E27FC236}">
+                <a16:creationId xmlns:a16="http://schemas.microsoft.com/office/drawing/2014/main" id="{F344211E-58E3-3B61-D18C-DCC7772A096B}"/>
+              </a:ext>
+            </a:extLst>
+          </p:cNvPr>
+          <p:cNvSpPr>
+            <a:spLocks noGrp="1"/>
+          </p:cNvSpPr>
+          <p:nvPr>
+            <p:ph type="ftr" sz="quarter" idx="11"/>
+          </p:nvPr>
+        </p:nvSpPr>
+        <p:spPr/>
+        <p:txBody>
+          <a:bodyPr/>
+          <a:lstStyle/>
+          <a:p>
+            <a:endParaRPr lang="fr-BE"/>
+          </a:p>
+        </p:txBody>
+      </p:sp>
+      <p:sp>
+        <p:nvSpPr>
+          <p:cNvPr id="9" name="Espace réservé du numéro de diapositive 8">
+            <a:extLst>
+              <a:ext uri="{FF2B5EF4-FFF2-40B4-BE49-F238E27FC236}">
+                <a16:creationId xmlns:a16="http://schemas.microsoft.com/office/drawing/2014/main" id="{85F2F6A2-3605-D138-CBD4-299C105E107C}"/>
+              </a:ext>
+            </a:extLst>
+          </p:cNvPr>
+          <p:cNvSpPr>
+            <a:spLocks noGrp="1"/>
+          </p:cNvSpPr>
+          <p:nvPr>
+            <p:ph type="sldNum" sz="quarter" idx="12"/>
+          </p:nvPr>
+        </p:nvSpPr>
+        <p:spPr/>
+        <p:txBody>
+          <a:bodyPr/>
+          <a:lstStyle/>
+          <a:p>
+            <a:fld id="{02C092ED-0E97-497E-99D9-BB9DD7276F53}" type="slidenum">
+              <a:rPr lang="fr-BE" smtClean="0"/>
+              <a:t>‹N°›</a:t>
+            </a:fld>
+            <a:endParaRPr lang="fr-BE"/>
+          </a:p>
+        </p:txBody>
+      </p:sp>
+    </p:spTree>
+    <p:extLst>
+      <p:ext uri="{BB962C8B-B14F-4D97-AF65-F5344CB8AC3E}">
+        <p14:creationId xmlns:p14="http://schemas.microsoft.com/office/powerpoint/2010/main" val="2213215677"/>
+      </p:ext>
+    </p:extLst>
+  </p:cSld>
+  <p:clrMapOvr>
+    <a:masterClrMapping/>
+  </p:clrMapOvr>
+  <mc:AlternateContent xmlns:mc="http://schemas.openxmlformats.org/markup-compatibility/2006" xmlns:p14="http://schemas.microsoft.com/office/powerpoint/2010/main">
+    <mc:Choice Requires="p14">
+      <p:transition spd="slow">
+        <p14:reveal/>
+      </p:transition>
+    </mc:Choice>
+    <mc:Fallback xmlns="">
+      <p:transition spd="slow">
+        <p:fade/>
+      </p:transition>
+    </mc:Fallback>
+  </mc:AlternateContent>
+  <p:hf hdr="0" ftr="0" dt="0"/>
+</p:sldLayout>
+</file>
+
+<file path=ppt/slideLayouts/slideLayout7.xml><?xml version="1.0" encoding="utf-8"?>
+<p:sldLayout xmlns:a="http://schemas.openxmlformats.org/drawingml/2006/main" xmlns:r="http://schemas.openxmlformats.org/officeDocument/2006/relationships" xmlns:p="http://schemas.openxmlformats.org/presentationml/2006/main" type="titleOnly" preserve="1">
+  <p:cSld name="Titre seul">
+    <p:spTree>
+      <p:nvGrpSpPr>
+        <p:cNvPr id="1" name=""/>
+        <p:cNvGrpSpPr/>
+        <p:nvPr/>
+      </p:nvGrpSpPr>
+      <p:grpSpPr>
+        <a:xfrm>
+          <a:off x="0" y="0"/>
+          <a:ext cx="0" cy="0"/>
+          <a:chOff x="0" y="0"/>
+          <a:chExt cx="0" cy="0"/>
+        </a:xfrm>
+      </p:grpSpPr>
+      <p:sp>
+        <p:nvSpPr>
+          <p:cNvPr id="2" name="Title 1"/>
+          <p:cNvSpPr>
+            <a:spLocks noGrp="1"/>
+          </p:cNvSpPr>
+          <p:nvPr>
+            <p:ph type="title"/>
+          </p:nvPr>
+        </p:nvSpPr>
+        <p:spPr/>
+        <p:txBody>
+          <a:bodyPr/>
+          <a:lstStyle/>
+          <a:p>
+            <a:r>
+              <a:rPr lang="fr-FR"/>
+              <a:t>Modifiez le style du titre</a:t>
+            </a:r>
+            <a:endParaRPr lang="fr-BE"/>
+          </a:p>
+        </p:txBody>
+      </p:sp>
+      <p:sp>
+        <p:nvSpPr>
+          <p:cNvPr id="3" name="Espace réservé de la date 2">
+            <a:extLst>
+              <a:ext uri="{FF2B5EF4-FFF2-40B4-BE49-F238E27FC236}">
+                <a16:creationId xmlns:a16="http://schemas.microsoft.com/office/drawing/2014/main" id="{BB23E5C8-1D92-E25A-D482-9866759B5BD2}"/>
+              </a:ext>
+            </a:extLst>
+          </p:cNvPr>
+          <p:cNvSpPr>
+            <a:spLocks noGrp="1"/>
+          </p:cNvSpPr>
+          <p:nvPr>
+            <p:ph type="dt" sz="half" idx="10"/>
+          </p:nvPr>
+        </p:nvSpPr>
+        <p:spPr/>
+        <p:txBody>
+          <a:bodyPr/>
+          <a:lstStyle/>
+          <a:p>
+            <a:fld id="{F3953782-D06E-4853-BE3C-64C197273937}" type="datetimeFigureOut">
+              <a:rPr lang="fr-BE" smtClean="0"/>
+              <a:t>14-01-25</a:t>
+            </a:fld>
+            <a:endParaRPr lang="fr-BE"/>
+          </a:p>
+        </p:txBody>
+      </p:sp>
+      <p:sp>
+        <p:nvSpPr>
+          <p:cNvPr id="4" name="Espace réservé du pied de page 3">
+            <a:extLst>
+              <a:ext uri="{FF2B5EF4-FFF2-40B4-BE49-F238E27FC236}">
+                <a16:creationId xmlns:a16="http://schemas.microsoft.com/office/drawing/2014/main" id="{55ACAADE-10AC-A5C6-B021-C668BC2068AC}"/>
+              </a:ext>
+            </a:extLst>
+          </p:cNvPr>
+          <p:cNvSpPr>
+            <a:spLocks noGrp="1"/>
+          </p:cNvSpPr>
+          <p:nvPr>
+            <p:ph type="ftr" sz="quarter" idx="11"/>
+          </p:nvPr>
+        </p:nvSpPr>
+        <p:spPr/>
+        <p:txBody>
+          <a:bodyPr/>
+          <a:lstStyle/>
+          <a:p>
+            <a:endParaRPr lang="fr-BE"/>
+          </a:p>
+        </p:txBody>
+      </p:sp>
+      <p:sp>
+        <p:nvSpPr>
+          <p:cNvPr id="5" name="Espace réservé du numéro de diapositive 4">
+            <a:extLst>
+              <a:ext uri="{FF2B5EF4-FFF2-40B4-BE49-F238E27FC236}">
+                <a16:creationId xmlns:a16="http://schemas.microsoft.com/office/drawing/2014/main" id="{64BD460E-C94D-0F17-7C77-D32F9CC12D7A}"/>
+              </a:ext>
+            </a:extLst>
+          </p:cNvPr>
+          <p:cNvSpPr>
+            <a:spLocks noGrp="1"/>
+          </p:cNvSpPr>
+          <p:nvPr>
+            <p:ph type="sldNum" sz="quarter" idx="12"/>
+          </p:nvPr>
+        </p:nvSpPr>
+        <p:spPr/>
+        <p:txBody>
+          <a:bodyPr/>
+          <a:lstStyle/>
+          <a:p>
+            <a:fld id="{02C092ED-0E97-497E-99D9-BB9DD7276F53}" type="slidenum">
+              <a:rPr lang="fr-BE" smtClean="0"/>
+              <a:t>‹N°›</a:t>
+            </a:fld>
+            <a:endParaRPr lang="fr-BE"/>
+          </a:p>
+        </p:txBody>
+      </p:sp>
+    </p:spTree>
+    <p:extLst>
+      <p:ext uri="{BB962C8B-B14F-4D97-AF65-F5344CB8AC3E}">
+        <p14:creationId xmlns:p14="http://schemas.microsoft.com/office/powerpoint/2010/main" val="687024921"/>
+      </p:ext>
+    </p:extLst>
+  </p:cSld>
+  <p:clrMapOvr>
+    <a:masterClrMapping/>
+  </p:clrMapOvr>
+  <mc:AlternateContent xmlns:mc="http://schemas.openxmlformats.org/markup-compatibility/2006" xmlns:p14="http://schemas.microsoft.com/office/powerpoint/2010/main">
+    <mc:Choice Requires="p14">
+      <p:transition spd="slow">
+        <p14:reveal/>
+      </p:transition>
+    </mc:Choice>
+    <mc:Fallback xmlns="">
+      <p:transition spd="slow">
+        <p:fade/>
+      </p:transition>
+    </mc:Fallback>
+  </mc:AlternateContent>
+  <p:hf hdr="0" ftr="0" dt="0"/>
+</p:sldLayout>
+</file>
+
+<file path=ppt/slideLayouts/slideLayout8.xml><?xml version="1.0" encoding="utf-8"?>
+<p:sldLayout xmlns:a="http://schemas.openxmlformats.org/drawingml/2006/main" xmlns:r="http://schemas.openxmlformats.org/officeDocument/2006/relationships" xmlns:p="http://schemas.openxmlformats.org/presentationml/2006/main" type="blank" preserve="1">
+  <p:cSld name="Vide">
+    <p:spTree>
+      <p:nvGrpSpPr>
+        <p:cNvPr id="1" name=""/>
+        <p:cNvGrpSpPr/>
+        <p:nvPr/>
+      </p:nvGrpSpPr>
+      <p:grpSpPr>
+        <a:xfrm>
+          <a:off x="0" y="0"/>
+          <a:ext cx="0" cy="0"/>
+          <a:chOff x="0" y="0"/>
+          <a:chExt cx="0" cy="0"/>
+        </a:xfrm>
+      </p:grpSpPr>
+    </p:spTree>
+    <p:extLst>
+      <p:ext uri="{BB962C8B-B14F-4D97-AF65-F5344CB8AC3E}">
+        <p14:creationId xmlns:p14="http://schemas.microsoft.com/office/powerpoint/2010/main" val="1959241777"/>
+      </p:ext>
+    </p:extLst>
+  </p:cSld>
+  <p:clrMapOvr>
+    <a:masterClrMapping/>
+  </p:clrMapOvr>
+  <mc:AlternateContent xmlns:mc="http://schemas.openxmlformats.org/markup-compatibility/2006" xmlns:p14="http://schemas.microsoft.com/office/powerpoint/2010/main">
+    <mc:Choice Requires="p14">
+      <p:transition spd="slow">
+        <p14:reveal/>
+      </p:transition>
+    </mc:Choice>
+    <mc:Fallback xmlns="">
+      <p:transition spd="slow">
+        <p:fade/>
+      </p:transition>
+    </mc:Fallback>
+  </mc:AlternateContent>
+  <p:hf hdr="0" ftr="0" dt="0"/>
+</p:sldLayout>
+</file>
+
+<file path=ppt/slideLayouts/slideLayout9.xml><?xml version="1.0" encoding="utf-8"?>
+<p:sldLayout xmlns:a="http://schemas.openxmlformats.org/drawingml/2006/main" xmlns:r="http://schemas.openxmlformats.org/officeDocument/2006/relationships" xmlns:p="http://schemas.openxmlformats.org/presentationml/2006/main" type="objTx" preserve="1">
+  <p:cSld name="Contenu avec légende">
+    <p:spTree>
+      <p:nvGrpSpPr>
+        <p:cNvPr id="1" name=""/>
+        <p:cNvGrpSpPr/>
+        <p:nvPr/>
+      </p:nvGrpSpPr>
+      <p:grpSpPr>
+        <a:xfrm>
+          <a:off x="0" y="0"/>
+          <a:ext cx="0" cy="0"/>
+          <a:chOff x="0" y="0"/>
+          <a:chExt cx="0" cy="0"/>
+        </a:xfrm>
+      </p:grpSpPr>
+      <p:sp>
+        <p:nvSpPr>
+          <p:cNvPr id="2" name="Title 1"/>
+          <p:cNvSpPr>
+            <a:spLocks noGrp="1"/>
+          </p:cNvSpPr>
+          <p:nvPr>
+            <p:ph type="title"/>
+          </p:nvPr>
+        </p:nvSpPr>
+        <p:spPr>
+          <a:xfrm>
+            <a:off x="839788" y="457200"/>
+            <a:ext cx="3932237" cy="1600200"/>
+          </a:xfrm>
+        </p:spPr>
+        <p:txBody>
+          <a:bodyPr anchor="b"/>
+          <a:lstStyle>
+            <a:lvl1pPr>
+              <a:defRPr sz="3200"/>
+            </a:lvl1pPr>
+          </a:lstStyle>
+          <a:p>
+            <a:r>
+              <a:rPr lang="fr-FR"/>
+              <a:t>Modifiez le style du titre</a:t>
+            </a:r>
+            <a:endParaRPr lang="fr-BE"/>
+          </a:p>
+        </p:txBody>
+      </p:sp>
+      <p:sp>
+        <p:nvSpPr>
+          <p:cNvPr id="3" name="Content Placeholder 2"/>
+          <p:cNvSpPr>
+            <a:spLocks noGrp="1"/>
+          </p:cNvSpPr>
+          <p:nvPr>
+            <p:ph idx="1"/>
+          </p:nvPr>
+        </p:nvSpPr>
+        <p:spPr>
+          <a:xfrm>
+            <a:off x="5183188" y="457200"/>
+            <a:ext cx="6172200" cy="5403851"/>
+          </a:xfrm>
+        </p:spPr>
+        <p:txBody>
+          <a:bodyPr/>
+          <a:lstStyle>
+            <a:lvl1pPr>
+              <a:defRPr sz="3200"/>
+            </a:lvl1pPr>
+            <a:lvl2pPr>
+              <a:defRPr sz="2800"/>
+            </a:lvl2pPr>
+            <a:lvl3pPr>
+              <a:defRPr sz="2400"/>
+            </a:lvl3pPr>
+            <a:lvl4pPr>
+              <a:defRPr sz="2000"/>
+            </a:lvl4pPr>
+            <a:lvl5pPr>
+              <a:defRPr sz="2000"/>
+            </a:lvl5pPr>
+            <a:lvl6pPr>
+              <a:defRPr sz="2000"/>
+            </a:lvl6pPr>
+            <a:lvl7pPr>
+              <a:defRPr sz="2000"/>
+            </a:lvl7pPr>
+            <a:lvl8pPr>
+              <a:defRPr sz="2000"/>
+            </a:lvl8pPr>
+            <a:lvl9pPr>
+              <a:defRPr sz="2000"/>
+            </a:lvl9pPr>
+          </a:lstStyle>
+          <a:p>
+            <a:pPr lvl="0"/>
+            <a:r>
+              <a:rPr lang="fr-FR"/>
+              <a:t>Cliquez pour modifier les styles du texte du masque</a:t>
+            </a:r>
+          </a:p>
+          <a:p>
+            <a:pPr lvl="1"/>
+            <a:r>
+              <a:rPr lang="fr-FR"/>
+              <a:t>Deuxième niveau</a:t>
+            </a:r>
+          </a:p>
+          <a:p>
+            <a:pPr lvl="2"/>
+            <a:r>
+              <a:rPr lang="fr-FR"/>
+              <a:t>Troisième niveau</a:t>
+            </a:r>
+          </a:p>
+          <a:p>
+            <a:pPr lvl="3"/>
+            <a:r>
+              <a:rPr lang="fr-FR"/>
+              <a:t>Quatrième niveau</a:t>
+            </a:r>
+          </a:p>
+          <a:p>
+            <a:pPr lvl="4"/>
+            <a:r>
+              <a:rPr lang="fr-FR"/>
+              <a:t>Cinquième niveau</a:t>
+            </a:r>
+            <a:endParaRPr lang="fr-BE" dirty="0"/>
+          </a:p>
+        </p:txBody>
+      </p:sp>
+      <p:sp>
+        <p:nvSpPr>
+          <p:cNvPr id="4" name="Text Placeholder 3"/>
+          <p:cNvSpPr>
+            <a:spLocks noGrp="1"/>
+          </p:cNvSpPr>
+          <p:nvPr>
+            <p:ph type="body" sz="half" idx="2"/>
+          </p:nvPr>
+        </p:nvSpPr>
+        <p:spPr>
+          <a:xfrm>
+            <a:off x="839788" y="2057401"/>
+            <a:ext cx="3932237" cy="3811588"/>
+          </a:xfrm>
+        </p:spPr>
+        <p:txBody>
+          <a:bodyPr/>
+          <a:lstStyle>
+            <a:lvl1pPr marL="0" indent="0">
+              <a:buNone/>
+              <a:defRPr sz="1600"/>
+            </a:lvl1pPr>
+            <a:lvl2pPr marL="457189" indent="0">
+              <a:buNone/>
+              <a:defRPr sz="1400"/>
+            </a:lvl2pPr>
+            <a:lvl3pPr marL="914377" indent="0">
+              <a:buNone/>
+              <a:defRPr sz="1200"/>
+            </a:lvl3pPr>
+            <a:lvl4pPr marL="1371566" indent="0">
+              <a:buNone/>
+              <a:defRPr sz="1000"/>
+            </a:lvl4pPr>
+            <a:lvl5pPr marL="1828754" indent="0">
+              <a:buNone/>
+              <a:defRPr sz="1000"/>
+            </a:lvl5pPr>
+            <a:lvl6pPr marL="2285943" indent="0">
+              <a:buNone/>
+              <a:defRPr sz="1000"/>
+            </a:lvl6pPr>
+            <a:lvl7pPr marL="2743131" indent="0">
+              <a:buNone/>
+              <a:defRPr sz="1000"/>
+            </a:lvl7pPr>
+            <a:lvl8pPr marL="3200320" indent="0">
+              <a:buNone/>
+              <a:defRPr sz="1000"/>
+            </a:lvl8pPr>
+            <a:lvl9pPr marL="3657509" indent="0">
+              <a:buNone/>
+              <a:defRPr sz="1000"/>
+            </a:lvl9pPr>
+          </a:lstStyle>
+          <a:p>
+            <a:pPr lvl="0"/>
+            <a:r>
+              <a:rPr lang="fr-FR"/>
+              <a:t>Cliquez pour modifier les styles du texte du masque</a:t>
+            </a:r>
+          </a:p>
+        </p:txBody>
+      </p:sp>
+      <p:sp>
+        <p:nvSpPr>
+          <p:cNvPr id="5" name="Espace réservé de la date 4">
+            <a:extLst>
+              <a:ext uri="{FF2B5EF4-FFF2-40B4-BE49-F238E27FC236}">
+                <a16:creationId xmlns:a16="http://schemas.microsoft.com/office/drawing/2014/main" id="{433BACDB-1022-3581-CB46-1F85D70253ED}"/>
+              </a:ext>
+            </a:extLst>
+          </p:cNvPr>
+          <p:cNvSpPr>
+            <a:spLocks noGrp="1"/>
+          </p:cNvSpPr>
+          <p:nvPr>
+            <p:ph type="dt" sz="half" idx="10"/>
+          </p:nvPr>
+        </p:nvSpPr>
+        <p:spPr/>
+        <p:txBody>
+          <a:bodyPr/>
+          <a:lstStyle/>
+          <a:p>
+            <a:fld id="{F3953782-D06E-4853-BE3C-64C197273937}" type="datetimeFigureOut">
+              <a:rPr lang="fr-BE" smtClean="0"/>
+              <a:t>14-01-25</a:t>
+            </a:fld>
+            <a:endParaRPr lang="fr-BE"/>
+          </a:p>
+        </p:txBody>
+      </p:sp>
+      <p:sp>
+        <p:nvSpPr>
+          <p:cNvPr id="6" name="Espace réservé du pied de page 5">
+            <a:extLst>
+              <a:ext uri="{FF2B5EF4-FFF2-40B4-BE49-F238E27FC236}">
+                <a16:creationId xmlns:a16="http://schemas.microsoft.com/office/drawing/2014/main" id="{9C8F4609-0312-F825-CC91-FAC10F330180}"/>
+              </a:ext>
+            </a:extLst>
+          </p:cNvPr>
+          <p:cNvSpPr>
+            <a:spLocks noGrp="1"/>
+          </p:cNvSpPr>
+          <p:nvPr>
+            <p:ph type="ftr" sz="quarter" idx="11"/>
+          </p:nvPr>
+        </p:nvSpPr>
+        <p:spPr/>
+        <p:txBody>
+          <a:bodyPr/>
+          <a:lstStyle/>
+          <a:p>
+            <a:endParaRPr lang="fr-BE"/>
+          </a:p>
+        </p:txBody>
+      </p:sp>
+      <p:sp>
+        <p:nvSpPr>
+          <p:cNvPr id="7" name="Espace réservé du numéro de diapositive 6">
+            <a:extLst>
+              <a:ext uri="{FF2B5EF4-FFF2-40B4-BE49-F238E27FC236}">
+                <a16:creationId xmlns:a16="http://schemas.microsoft.com/office/drawing/2014/main" id="{91F0E555-3A77-670E-9C69-DE1D8DE232F9}"/>
+              </a:ext>
+            </a:extLst>
+          </p:cNvPr>
+          <p:cNvSpPr>
+            <a:spLocks noGrp="1"/>
+          </p:cNvSpPr>
+          <p:nvPr>
+            <p:ph type="sldNum" sz="quarter" idx="12"/>
+          </p:nvPr>
+        </p:nvSpPr>
+        <p:spPr/>
+        <p:txBody>
+          <a:bodyPr/>
+          <a:lstStyle/>
+          <a:p>
+            <a:fld id="{02C092ED-0E97-497E-99D9-BB9DD7276F53}" type="slidenum">
+              <a:rPr lang="fr-BE" smtClean="0"/>
+              <a:t>‹N°›</a:t>
+            </a:fld>
+            <a:endParaRPr lang="fr-BE"/>
+          </a:p>
+        </p:txBody>
+      </p:sp>
+    </p:spTree>
+    <p:extLst>
+      <p:ext uri="{BB962C8B-B14F-4D97-AF65-F5344CB8AC3E}">
+        <p14:creationId xmlns:p14="http://schemas.microsoft.com/office/powerpoint/2010/main" val="1218748076"/>
+      </p:ext>
+    </p:extLst>
+  </p:cSld>
+  <p:clrMapOvr>
+    <a:masterClrMapping/>
+  </p:clrMapOvr>
+  <mc:AlternateContent xmlns:mc="http://schemas.openxmlformats.org/markup-compatibility/2006" xmlns:p14="http://schemas.microsoft.com/office/powerpoint/2010/main">
+    <mc:Choice Requires="p14">
+      <p:transition spd="slow">
+        <p14:reveal/>
+      </p:transition>
+    </mc:Choice>
+    <mc:Fallback xmlns="">
+      <p:transition spd="slow">
+        <p:fade/>
+      </p:transition>
+    </mc:Fallback>
+  </mc:AlternateContent>
+  <p:hf hdr="0" ftr="0" dt="0"/>
+</p:sldLayout>
+</file>
+
+<file path=ppt/slideMasters/slideMaster1.xml><?xml version="1.0" encoding="utf-8"?>
+<p:sldMaster xmlns:a="http://schemas.openxmlformats.org/drawingml/2006/main" xmlns:r="http://schemas.openxmlformats.org/officeDocument/2006/relationships" xmlns:p="http://schemas.openxmlformats.org/presentationml/2006/main">
+  <p:cSld>
+    <p:bg>
+      <p:bgPr>
+        <a:solidFill>
+          <a:schemeClr val="accent3">
+            <a:lumMod val="40000"/>
+            <a:lumOff val="60000"/>
+          </a:schemeClr>
+        </a:solidFill>
+        <a:effectLst/>
+      </p:bgPr>
+    </p:bg>
+    <p:spTree>
+      <p:nvGrpSpPr>
+        <p:cNvPr id="1" name=""/>
+        <p:cNvGrpSpPr/>
+        <p:nvPr/>
+      </p:nvGrpSpPr>
+      <p:grpSpPr>
+        <a:xfrm>
+          <a:off x="0" y="0"/>
+          <a:ext cx="0" cy="0"/>
+          <a:chOff x="0" y="0"/>
+          <a:chExt cx="0" cy="0"/>
+        </a:xfrm>
+      </p:grpSpPr>
+      <p:sp>
+        <p:nvSpPr>
+          <p:cNvPr id="2" name="Title Placeholder 1"/>
+          <p:cNvSpPr>
             <a:spLocks noGrp="1"/>
           </p:cNvSpPr>
           <p:nvPr>
@@ -6003,172 +5207,25 @@
           <a:prstGeom prst="rect">
             <a:avLst/>
           </a:prstGeom>
-          <a:noFill/>
-          <a:ln>
-            <a:noFill/>
-          </a:ln>
         </p:spPr>
         <p:txBody>
-          <a:bodyPr spcFirstLastPara="1" wrap="square" lIns="91425" tIns="45700" rIns="91425" bIns="45700" anchor="ctr" anchorCtr="0">
+          <a:bodyPr vert="horz" lIns="91440" tIns="45720" rIns="91440" bIns="45720" rtlCol="0" anchor="ctr">
             <a:normAutofit/>
           </a:bodyPr>
-          <a:lstStyle>
-            <a:lvl1pPr marR="0" lvl="0" algn="l" rtl="0">
-              <a:lnSpc>
-                <a:spcPct val="90000"/>
-              </a:lnSpc>
-              <a:spcBef>
-                <a:spcPts val="0"/>
-              </a:spcBef>
-              <a:spcAft>
-                <a:spcPts val="0"/>
-              </a:spcAft>
-              <a:buClr>
-                <a:schemeClr val="accent5"/>
-              </a:buClr>
-              <a:buSzPts val="4400"/>
-              <a:buFont typeface="Garamond"/>
-              <a:buNone/>
-              <a:defRPr sz="4400" b="1" i="0" u="none" strike="noStrike" cap="none">
-                <a:solidFill>
-                  <a:schemeClr val="accent5"/>
-                </a:solidFill>
-                <a:latin typeface="Garamond"/>
-                <a:ea typeface="Garamond"/>
-                <a:cs typeface="Garamond"/>
-                <a:sym typeface="Garamond"/>
-              </a:defRPr>
-            </a:lvl1pPr>
-            <a:lvl2pPr marR="0" lvl="1" algn="l" rtl="0">
-              <a:spcBef>
-                <a:spcPts val="0"/>
-              </a:spcBef>
-              <a:spcAft>
-                <a:spcPts val="0"/>
-              </a:spcAft>
-              <a:buSzPts val="1400"/>
-              <a:buNone/>
-              <a:defRPr sz="1800" b="0" i="0" u="none" strike="noStrike" cap="none">
-                <a:solidFill>
-                  <a:schemeClr val="dk2"/>
-                </a:solidFill>
-              </a:defRPr>
-            </a:lvl2pPr>
-            <a:lvl3pPr marR="0" lvl="2" algn="l" rtl="0">
-              <a:spcBef>
-                <a:spcPts val="0"/>
-              </a:spcBef>
-              <a:spcAft>
-                <a:spcPts val="0"/>
-              </a:spcAft>
-              <a:buSzPts val="1400"/>
-              <a:buNone/>
-              <a:defRPr sz="1800" b="0" i="0" u="none" strike="noStrike" cap="none">
-                <a:solidFill>
-                  <a:schemeClr val="dk2"/>
-                </a:solidFill>
-              </a:defRPr>
-            </a:lvl3pPr>
-            <a:lvl4pPr marR="0" lvl="3" algn="l" rtl="0">
-              <a:spcBef>
-                <a:spcPts val="0"/>
-              </a:spcBef>
-              <a:spcAft>
-                <a:spcPts val="0"/>
-              </a:spcAft>
-              <a:buSzPts val="1400"/>
-              <a:buNone/>
-              <a:defRPr sz="1800" b="0" i="0" u="none" strike="noStrike" cap="none">
-                <a:solidFill>
-                  <a:schemeClr val="dk2"/>
-                </a:solidFill>
-              </a:defRPr>
-            </a:lvl4pPr>
-            <a:lvl5pPr marR="0" lvl="4" algn="l" rtl="0">
-              <a:spcBef>
-                <a:spcPts val="0"/>
-              </a:spcBef>
-              <a:spcAft>
-                <a:spcPts val="0"/>
-              </a:spcAft>
-              <a:buSzPts val="1400"/>
-              <a:buNone/>
-              <a:defRPr sz="1800" b="0" i="0" u="none" strike="noStrike" cap="none">
-                <a:solidFill>
-                  <a:schemeClr val="dk2"/>
-                </a:solidFill>
-              </a:defRPr>
-            </a:lvl5pPr>
-            <a:lvl6pPr marR="0" lvl="5" algn="l" rtl="0">
-              <a:spcBef>
-                <a:spcPts val="0"/>
-              </a:spcBef>
-              <a:spcAft>
-                <a:spcPts val="0"/>
-              </a:spcAft>
-              <a:buSzPts val="1400"/>
-              <a:buNone/>
-              <a:defRPr sz="1800" b="0" i="0" u="none" strike="noStrike" cap="none">
-                <a:solidFill>
-                  <a:schemeClr val="dk2"/>
-                </a:solidFill>
-              </a:defRPr>
-            </a:lvl6pPr>
-            <a:lvl7pPr marR="0" lvl="6" algn="l" rtl="0">
-              <a:spcBef>
-                <a:spcPts val="0"/>
-              </a:spcBef>
-              <a:spcAft>
-                <a:spcPts val="0"/>
-              </a:spcAft>
-              <a:buSzPts val="1400"/>
-              <a:buNone/>
-              <a:defRPr sz="1800" b="0" i="0" u="none" strike="noStrike" cap="none">
-                <a:solidFill>
-                  <a:schemeClr val="dk2"/>
-                </a:solidFill>
-              </a:defRPr>
-            </a:lvl7pPr>
-            <a:lvl8pPr marR="0" lvl="7" algn="l" rtl="0">
-              <a:spcBef>
-                <a:spcPts val="0"/>
-              </a:spcBef>
-              <a:spcAft>
-                <a:spcPts val="0"/>
-              </a:spcAft>
-              <a:buSzPts val="1400"/>
-              <a:buNone/>
-              <a:defRPr sz="1800" b="0" i="0" u="none" strike="noStrike" cap="none">
-                <a:solidFill>
-                  <a:schemeClr val="dk2"/>
-                </a:solidFill>
-              </a:defRPr>
-            </a:lvl8pPr>
-            <a:lvl9pPr marR="0" lvl="8" algn="l" rtl="0">
-              <a:spcBef>
-                <a:spcPts val="0"/>
-              </a:spcBef>
-              <a:spcAft>
-                <a:spcPts val="0"/>
-              </a:spcAft>
-              <a:buSzPts val="1400"/>
-              <a:buNone/>
-              <a:defRPr sz="1800" b="0" i="0" u="none" strike="noStrike" cap="none">
-                <a:solidFill>
-                  <a:schemeClr val="dk2"/>
-                </a:solidFill>
-              </a:defRPr>
-            </a:lvl9pPr>
-          </a:lstStyle>
-          <a:p>
-            <a:endParaRPr/>
+          <a:lstStyle/>
+          <a:p>
+            <a:r>
+              <a:rPr lang="fr-FR"/>
+              <a:t>Modifiez le style du titre</a:t>
+            </a:r>
+            <a:endParaRPr lang="fr-BE"/>
           </a:p>
         </p:txBody>
       </p:sp>
       <p:sp>
         <p:nvSpPr>
-          <p:cNvPr id="11" name="Google Shape;11;p50"/>
-          <p:cNvSpPr txBox="1">
+          <p:cNvPr id="3" name="Text Placeholder 2"/>
+          <p:cNvSpPr>
             <a:spLocks noGrp="1"/>
           </p:cNvSpPr>
           <p:nvPr>
@@ -6183,156 +5240,69 @@
           <a:prstGeom prst="rect">
             <a:avLst/>
           </a:prstGeom>
-          <a:noFill/>
-          <a:ln>
-            <a:noFill/>
-          </a:ln>
         </p:spPr>
         <p:txBody>
-          <a:bodyPr spcFirstLastPara="1" wrap="square" lIns="91425" tIns="45700" rIns="91425" bIns="45700" anchor="t" anchorCtr="0">
+          <a:bodyPr vert="horz" lIns="91440" tIns="45720" rIns="91440" bIns="45720" rtlCol="0">
             <a:normAutofit/>
           </a:bodyPr>
           <a:lstStyle/>
           <a:p>
-            <a:pPr marL="571500" lvl="0" indent="-571500">
-              <a:lnSpc>
-                <a:spcPct val="90000"/>
-              </a:lnSpc>
-              <a:spcBef>
-                <a:spcPts val="1000"/>
-              </a:spcBef>
-              <a:buFont typeface="Wingdings" panose="05000000000000000000" pitchFamily="2" charset="2"/>
-              <a:buChar char="§"/>
-            </a:pPr>
-            <a:r>
-              <a:rPr lang="fr-BE"/>
-              <a:t>a</a:t>
-            </a:r>
-          </a:p>
-          <a:p>
-            <a:pPr marL="939800" lvl="1" indent="-457200">
-              <a:lnSpc>
-                <a:spcPct val="90000"/>
-              </a:lnSpc>
-              <a:spcBef>
-                <a:spcPts val="500"/>
-              </a:spcBef>
-              <a:buFont typeface="Wingdings" panose="05000000000000000000" pitchFamily="2" charset="2"/>
-              <a:buChar char="§"/>
-            </a:pPr>
-            <a:r>
-              <a:rPr lang="fr-BE"/>
-              <a:t>a</a:t>
-            </a:r>
-          </a:p>
-          <a:p>
-            <a:pPr marL="1422400" lvl="2" indent="-457200">
-              <a:lnSpc>
-                <a:spcPct val="90000"/>
-              </a:lnSpc>
-              <a:spcBef>
-                <a:spcPts val="500"/>
-              </a:spcBef>
-              <a:buFont typeface="Wingdings" panose="05000000000000000000" pitchFamily="2" charset="2"/>
-              <a:buChar char="§"/>
-            </a:pPr>
-            <a:r>
-              <a:rPr lang="fr-BE"/>
-              <a:t>a</a:t>
-            </a:r>
-          </a:p>
-          <a:p>
-            <a:pPr marL="1790700" lvl="3" indent="-342900">
-              <a:lnSpc>
-                <a:spcPct val="90000"/>
-              </a:lnSpc>
-              <a:spcBef>
-                <a:spcPts val="500"/>
-              </a:spcBef>
-              <a:buFont typeface="Wingdings" panose="05000000000000000000" pitchFamily="2" charset="2"/>
-              <a:buChar char="§"/>
-            </a:pPr>
-            <a:r>
-              <a:rPr lang="fr-BE"/>
-              <a:t>a</a:t>
-            </a:r>
-          </a:p>
-          <a:p>
-            <a:pPr marL="2247900" lvl="4" indent="-342900">
-              <a:lnSpc>
-                <a:spcPct val="90000"/>
-              </a:lnSpc>
-              <a:spcBef>
-                <a:spcPts val="500"/>
-              </a:spcBef>
-              <a:buFont typeface="Wingdings" panose="05000000000000000000" pitchFamily="2" charset="2"/>
-              <a:buChar char="§"/>
-            </a:pPr>
-            <a:r>
-              <a:rPr lang="fr-BE"/>
-              <a:t>a</a:t>
-            </a:r>
-          </a:p>
-          <a:p>
-            <a:pPr marL="2743200" lvl="5" indent="-342900">
-              <a:lnSpc>
-                <a:spcPct val="90000"/>
-              </a:lnSpc>
-              <a:spcBef>
-                <a:spcPts val="500"/>
-              </a:spcBef>
-              <a:buClr>
-                <a:schemeClr val="dk1"/>
-              </a:buClr>
-              <a:buSzPts val="1800"/>
-              <a:buFont typeface="Arial"/>
-              <a:buChar char="•"/>
-            </a:pPr>
-            <a:r>
-              <a:rPr lang="fr-BE"/>
-              <a:t>a</a:t>
-            </a:r>
-          </a:p>
-          <a:p>
-            <a:pPr marL="3200400" lvl="6" indent="-342900">
-              <a:lnSpc>
-                <a:spcPct val="90000"/>
-              </a:lnSpc>
-              <a:spcBef>
-                <a:spcPts val="500"/>
-              </a:spcBef>
-              <a:buClr>
-                <a:schemeClr val="dk1"/>
-              </a:buClr>
-              <a:buSzPts val="1800"/>
-              <a:buFont typeface="Arial"/>
-              <a:buChar char="•"/>
-            </a:pPr>
-            <a:r>
-              <a:rPr lang="fr-BE"/>
-              <a:t>a</a:t>
-            </a:r>
-            <a:endParaRPr/>
+            <a:pPr lvl="0"/>
+            <a:r>
+              <a:rPr lang="fr-FR"/>
+              <a:t>Cliquez pour modifier les styles du texte du masque</a:t>
+            </a:r>
+          </a:p>
+          <a:p>
+            <a:pPr lvl="1"/>
+            <a:r>
+              <a:rPr lang="fr-FR"/>
+              <a:t>Deuxième niveau</a:t>
+            </a:r>
+          </a:p>
+          <a:p>
+            <a:pPr lvl="2"/>
+            <a:r>
+              <a:rPr lang="fr-FR"/>
+              <a:t>Troisième niveau</a:t>
+            </a:r>
+          </a:p>
+          <a:p>
+            <a:pPr lvl="3"/>
+            <a:r>
+              <a:rPr lang="fr-FR"/>
+              <a:t>Quatrième niveau</a:t>
+            </a:r>
+          </a:p>
+          <a:p>
+            <a:pPr lvl="4"/>
+            <a:r>
+              <a:rPr lang="fr-FR"/>
+              <a:t>Cinquième niveau</a:t>
+            </a:r>
+            <a:endParaRPr lang="fr-BE"/>
           </a:p>
         </p:txBody>
       </p:sp>
       <p:pic>
         <p:nvPicPr>
-          <p:cNvPr id="12" name="Google Shape;12;p50"/>
-          <p:cNvPicPr preferRelativeResize="0"/>
+          <p:cNvPr id="8" name="Picture 7"/>
+          <p:cNvPicPr>
+            <a:picLocks noChangeAspect="1"/>
+          </p:cNvPicPr>
           <p:nvPr/>
         </p:nvPicPr>
-        <p:blipFill rotWithShape="1">
-          <a:blip r:embed="rId11">
-            <a:alphaModFix/>
+        <p:blipFill>
+          <a:blip r:embed="rId13">
             <a:extLst>
               <a:ext uri="{28A0092B-C50C-407E-A947-70E740481C1C}">
                 <a14:useLocalDpi xmlns:a14="http://schemas.microsoft.com/office/drawing/2010/main" val="0"/>
               </a:ext>
             </a:extLst>
           </a:blip>
-          <a:srcRect/>
-          <a:stretch/>
+          <a:stretch>
+            <a:fillRect/>
+          </a:stretch>
         </p:blipFill>
         <p:spPr>
           <a:xfrm>
@@ -6342,25 +5312,165 @@
           <a:prstGeom prst="rect">
             <a:avLst/>
           </a:prstGeom>
-          <a:noFill/>
-          <a:ln>
-            <a:noFill/>
-          </a:ln>
         </p:spPr>
       </p:pic>
+      <p:sp>
+        <p:nvSpPr>
+          <p:cNvPr id="4" name="Espace réservé du numéro de diapositive 3">
+            <a:extLst>
+              <a:ext uri="{FF2B5EF4-FFF2-40B4-BE49-F238E27FC236}">
+                <a16:creationId xmlns:a16="http://schemas.microsoft.com/office/drawing/2014/main" id="{FD73148E-CCCA-4F1F-A836-655D884BBFFF}"/>
+              </a:ext>
+            </a:extLst>
+          </p:cNvPr>
+          <p:cNvSpPr>
+            <a:spLocks noGrp="1"/>
+          </p:cNvSpPr>
+          <p:nvPr>
+            <p:ph type="sldNum" sz="quarter" idx="4"/>
+          </p:nvPr>
+        </p:nvSpPr>
+        <p:spPr>
+          <a:xfrm>
+            <a:off x="8610600" y="6359526"/>
+            <a:ext cx="2743200" cy="365125"/>
+          </a:xfrm>
+          <a:prstGeom prst="rect">
+            <a:avLst/>
+          </a:prstGeom>
+        </p:spPr>
+        <p:txBody>
+          <a:bodyPr vert="horz" lIns="91440" tIns="45720" rIns="91440" bIns="45720" rtlCol="0" anchor="ctr"/>
+          <a:lstStyle>
+            <a:lvl1pPr algn="r">
+              <a:defRPr sz="1200">
+                <a:solidFill>
+                  <a:schemeClr val="tx1">
+                    <a:tint val="75000"/>
+                  </a:schemeClr>
+                </a:solidFill>
+              </a:defRPr>
+            </a:lvl1pPr>
+          </a:lstStyle>
+          <a:p>
+            <a:fld id="{02C092ED-0E97-497E-99D9-BB9DD7276F53}" type="slidenum">
+              <a:rPr lang="fr-BE" smtClean="0"/>
+              <a:t>‹N°›</a:t>
+            </a:fld>
+            <a:endParaRPr lang="fr-BE"/>
+          </a:p>
+        </p:txBody>
+      </p:sp>
+      <p:sp>
+        <p:nvSpPr>
+          <p:cNvPr id="5" name="Espace réservé de la date 4">
+            <a:extLst>
+              <a:ext uri="{FF2B5EF4-FFF2-40B4-BE49-F238E27FC236}">
+                <a16:creationId xmlns:a16="http://schemas.microsoft.com/office/drawing/2014/main" id="{7E29B381-A1A5-FC30-27CA-947A2690386C}"/>
+              </a:ext>
+            </a:extLst>
+          </p:cNvPr>
+          <p:cNvSpPr>
+            <a:spLocks noGrp="1"/>
+          </p:cNvSpPr>
+          <p:nvPr>
+            <p:ph type="dt" sz="half" idx="2"/>
+          </p:nvPr>
+        </p:nvSpPr>
+        <p:spPr>
+          <a:xfrm>
+            <a:off x="838200" y="6356350"/>
+            <a:ext cx="2743200" cy="365125"/>
+          </a:xfrm>
+          <a:prstGeom prst="rect">
+            <a:avLst/>
+          </a:prstGeom>
+        </p:spPr>
+        <p:txBody>
+          <a:bodyPr vert="horz" lIns="91440" tIns="45720" rIns="91440" bIns="45720" rtlCol="0" anchor="ctr"/>
+          <a:lstStyle>
+            <a:lvl1pPr algn="l">
+              <a:defRPr sz="1200">
+                <a:solidFill>
+                  <a:schemeClr val="tx1">
+                    <a:tint val="75000"/>
+                  </a:schemeClr>
+                </a:solidFill>
+              </a:defRPr>
+            </a:lvl1pPr>
+          </a:lstStyle>
+          <a:p>
+            <a:fld id="{F3953782-D06E-4853-BE3C-64C197273937}" type="datetimeFigureOut">
+              <a:rPr lang="fr-BE" smtClean="0"/>
+              <a:t>14-01-25</a:t>
+            </a:fld>
+            <a:endParaRPr lang="fr-BE"/>
+          </a:p>
+        </p:txBody>
+      </p:sp>
+      <p:sp>
+        <p:nvSpPr>
+          <p:cNvPr id="6" name="Espace réservé du pied de page 5">
+            <a:extLst>
+              <a:ext uri="{FF2B5EF4-FFF2-40B4-BE49-F238E27FC236}">
+                <a16:creationId xmlns:a16="http://schemas.microsoft.com/office/drawing/2014/main" id="{7BFB2116-0A00-B6AB-43FF-F23B8EB09A31}"/>
+              </a:ext>
+            </a:extLst>
+          </p:cNvPr>
+          <p:cNvSpPr>
+            <a:spLocks noGrp="1"/>
+          </p:cNvSpPr>
+          <p:nvPr>
+            <p:ph type="ftr" sz="quarter" idx="3"/>
+          </p:nvPr>
+        </p:nvSpPr>
+        <p:spPr>
+          <a:xfrm>
+            <a:off x="4038600" y="6356350"/>
+            <a:ext cx="4114800" cy="365125"/>
+          </a:xfrm>
+          <a:prstGeom prst="rect">
+            <a:avLst/>
+          </a:prstGeom>
+        </p:spPr>
+        <p:txBody>
+          <a:bodyPr vert="horz" lIns="91440" tIns="45720" rIns="91440" bIns="45720" rtlCol="0" anchor="ctr"/>
+          <a:lstStyle>
+            <a:lvl1pPr algn="ctr">
+              <a:defRPr sz="1200">
+                <a:solidFill>
+                  <a:schemeClr val="tx1">
+                    <a:tint val="75000"/>
+                  </a:schemeClr>
+                </a:solidFill>
+              </a:defRPr>
+            </a:lvl1pPr>
+          </a:lstStyle>
+          <a:p>
+            <a:endParaRPr lang="fr-BE"/>
+          </a:p>
+        </p:txBody>
+      </p:sp>
     </p:spTree>
+    <p:extLst>
+      <p:ext uri="{BB962C8B-B14F-4D97-AF65-F5344CB8AC3E}">
+        <p14:creationId xmlns:p14="http://schemas.microsoft.com/office/powerpoint/2010/main" val="2238537866"/>
+      </p:ext>
+    </p:extLst>
   </p:cSld>
-  <p:clrMap bg1="lt1" tx1="dk1" bg2="dk2" tx2="lt2" accent1="accent1" accent2="accent2" accent3="accent3" accent4="accent4" accent5="accent5" accent6="accent6" hlink="hlink" folHlink="folHlink"/>
+  <p:clrMap bg1="lt1" tx1="dk1" bg2="lt2" tx2="dk2" accent1="accent1" accent2="accent2" accent3="accent3" accent4="accent4" accent5="accent5" accent6="accent6" hlink="hlink" folHlink="folHlink"/>
   <p:sldLayoutIdLst>
-    <p:sldLayoutId id="2147483649" r:id="rId1"/>
-    <p:sldLayoutId id="2147483650" r:id="rId2"/>
-    <p:sldLayoutId id="2147483651" r:id="rId3"/>
-    <p:sldLayoutId id="2147483652" r:id="rId4"/>
-    <p:sldLayoutId id="2147483653" r:id="rId5"/>
-    <p:sldLayoutId id="2147483655" r:id="rId6"/>
-    <p:sldLayoutId id="2147483656" r:id="rId7"/>
-    <p:sldLayoutId id="2147483658" r:id="rId8"/>
-    <p:sldLayoutId id="2147483657" r:id="rId9"/>
+    <p:sldLayoutId id="2147483684" r:id="rId1"/>
+    <p:sldLayoutId id="2147483685" r:id="rId2"/>
+    <p:sldLayoutId id="2147483686" r:id="rId3"/>
+    <p:sldLayoutId id="2147483687" r:id="rId4"/>
+    <p:sldLayoutId id="2147483688" r:id="rId5"/>
+    <p:sldLayoutId id="2147483689" r:id="rId6"/>
+    <p:sldLayoutId id="2147483690" r:id="rId7"/>
+    <p:sldLayoutId id="2147483691" r:id="rId8"/>
+    <p:sldLayoutId id="2147483692" r:id="rId9"/>
+    <p:sldLayoutId id="2147483693" r:id="rId10"/>
+    <p:sldLayoutId id="2147483694" r:id="rId11"/>
   </p:sldLayoutIdLst>
   <mc:AlternateContent xmlns:mc="http://schemas.openxmlformats.org/markup-compatibility/2006" xmlns:p14="http://schemas.microsoft.com/office/powerpoint/2010/main">
     <mc:Choice Requires="p14">
@@ -6368,8 +5478,8 @@
         <p14:reveal/>
       </p:transition>
     </mc:Choice>
-    <mc:Fallback xmlns="" xmlns:mv="urn:schemas-microsoft-com:mac:vml" xmlns:c="http://schemas.openxmlformats.org/drawingml/2006/chart" xmlns:dgm="http://schemas.openxmlformats.org/drawingml/2006/diagram" xmlns:o="urn:schemas-microsoft-com:office:office" xmlns:v="urn:schemas-microsoft-com:vml" xmlns:pvml="urn:schemas-microsoft-com:office:powerpoint" xmlns:com="http://schemas.openxmlformats.org/drawingml/2006/compatibility" xmlns:p15="http://schemas.microsoft.com/office/powerpoint/2012/main" xmlns:ahyp="http://schemas.microsoft.com/office/drawing/2018/hyperlinkcolor">
-      <p:transition spd="med">
+    <mc:Fallback xmlns="">
+      <p:transition spd="slow">
         <p:fade/>
       </p:transition>
     </mc:Fallback>
@@ -6377,724 +5487,361 @@
   <p:hf hdr="0" ftr="0" dt="0"/>
   <p:txStyles>
     <p:titleStyle>
-      <a:defPPr marR="0" lvl="0" algn="l" rtl="0">
+      <a:lvl1pPr algn="l" defTabSz="914377" rtl="0" eaLnBrk="1" latinLnBrk="0" hangingPunct="1">
         <a:lnSpc>
-          <a:spcPct val="100000"/>
+          <a:spcPct val="90000"/>
         </a:lnSpc>
         <a:spcBef>
-          <a:spcPts val="0"/>
+          <a:spcPct val="0"/>
         </a:spcBef>
-        <a:spcAft>
-          <a:spcPts val="0"/>
-        </a:spcAft>
-      </a:defPPr>
-      <a:lvl1pPr marR="0" lvl="0" algn="l" rtl="0" eaLnBrk="1" hangingPunct="1">
-        <a:lnSpc>
-          <a:spcPct val="100000"/>
-        </a:lnSpc>
-        <a:spcBef>
-          <a:spcPts val="0"/>
-        </a:spcBef>
-        <a:spcAft>
-          <a:spcPts val="0"/>
-        </a:spcAft>
-        <a:buClr>
-          <a:srgbClr val="000000"/>
-        </a:buClr>
-        <a:buFont typeface="Arial"/>
-        <a:defRPr sz="1400" b="0" i="0" u="none" strike="noStrike" cap="none">
+        <a:buNone/>
+        <a:defRPr sz="4400" b="1" kern="1200">
           <a:solidFill>
-            <a:srgbClr val="000000"/>
+            <a:schemeClr val="accent5"/>
           </a:solidFill>
-          <a:latin typeface="Arial"/>
-          <a:ea typeface="Arial"/>
-          <a:cs typeface="Arial"/>
-          <a:sym typeface="Arial"/>
+          <a:latin typeface="+mn-lt"/>
+          <a:ea typeface="+mj-ea"/>
+          <a:cs typeface="+mj-cs"/>
         </a:defRPr>
       </a:lvl1pPr>
-      <a:lvl2pPr marR="0" lvl="1" algn="l" rtl="0" eaLnBrk="1" hangingPunct="1">
-        <a:lnSpc>
-          <a:spcPct val="100000"/>
-        </a:lnSpc>
-        <a:spcBef>
-          <a:spcPts val="0"/>
-        </a:spcBef>
-        <a:spcAft>
-          <a:spcPts val="0"/>
-        </a:spcAft>
-        <a:buClr>
-          <a:srgbClr val="000000"/>
-        </a:buClr>
-        <a:buFont typeface="Arial"/>
-        <a:defRPr sz="1400" b="0" i="0" u="none" strike="noStrike" cap="none">
+      <a:lvl2pPr eaLnBrk="1" hangingPunct="1">
+        <a:defRPr>
           <a:solidFill>
-            <a:srgbClr val="000000"/>
+            <a:schemeClr val="tx2"/>
           </a:solidFill>
-          <a:latin typeface="Arial"/>
-          <a:ea typeface="Arial"/>
-          <a:cs typeface="Arial"/>
-          <a:sym typeface="Arial"/>
         </a:defRPr>
       </a:lvl2pPr>
-      <a:lvl3pPr marR="0" lvl="2" algn="l" rtl="0" eaLnBrk="1" hangingPunct="1">
-        <a:lnSpc>
-          <a:spcPct val="100000"/>
-        </a:lnSpc>
-        <a:spcBef>
-          <a:spcPts val="0"/>
-        </a:spcBef>
-        <a:spcAft>
-          <a:spcPts val="0"/>
-        </a:spcAft>
-        <a:buClr>
-          <a:srgbClr val="000000"/>
-        </a:buClr>
-        <a:buFont typeface="Arial"/>
-        <a:defRPr sz="1400" b="0" i="0" u="none" strike="noStrike" cap="none">
+      <a:lvl3pPr eaLnBrk="1" hangingPunct="1">
+        <a:defRPr>
           <a:solidFill>
-            <a:srgbClr val="000000"/>
+            <a:schemeClr val="tx2"/>
           </a:solidFill>
-          <a:latin typeface="Arial"/>
-          <a:ea typeface="Arial"/>
-          <a:cs typeface="Arial"/>
-          <a:sym typeface="Arial"/>
         </a:defRPr>
       </a:lvl3pPr>
-      <a:lvl4pPr marR="0" lvl="3" algn="l" rtl="0" eaLnBrk="1" hangingPunct="1">
-        <a:lnSpc>
-          <a:spcPct val="100000"/>
-        </a:lnSpc>
-        <a:spcBef>
-          <a:spcPts val="0"/>
-        </a:spcBef>
-        <a:spcAft>
-          <a:spcPts val="0"/>
-        </a:spcAft>
-        <a:buClr>
-          <a:srgbClr val="000000"/>
-        </a:buClr>
-        <a:buFont typeface="Arial"/>
-        <a:defRPr sz="1400" b="0" i="0" u="none" strike="noStrike" cap="none">
+      <a:lvl4pPr eaLnBrk="1" hangingPunct="1">
+        <a:defRPr>
           <a:solidFill>
-            <a:srgbClr val="000000"/>
+            <a:schemeClr val="tx2"/>
           </a:solidFill>
-          <a:latin typeface="Arial"/>
-          <a:ea typeface="Arial"/>
-          <a:cs typeface="Arial"/>
-          <a:sym typeface="Arial"/>
         </a:defRPr>
       </a:lvl4pPr>
-      <a:lvl5pPr marR="0" lvl="4" algn="l" rtl="0" eaLnBrk="1" hangingPunct="1">
-        <a:lnSpc>
-          <a:spcPct val="100000"/>
-        </a:lnSpc>
-        <a:spcBef>
-          <a:spcPts val="0"/>
-        </a:spcBef>
-        <a:spcAft>
-          <a:spcPts val="0"/>
-        </a:spcAft>
-        <a:buClr>
-          <a:srgbClr val="000000"/>
-        </a:buClr>
-        <a:buFont typeface="Arial"/>
-        <a:defRPr sz="1400" b="0" i="0" u="none" strike="noStrike" cap="none">
+      <a:lvl5pPr eaLnBrk="1" hangingPunct="1">
+        <a:defRPr>
           <a:solidFill>
-            <a:srgbClr val="000000"/>
+            <a:schemeClr val="tx2"/>
           </a:solidFill>
-          <a:latin typeface="Arial"/>
-          <a:ea typeface="Arial"/>
-          <a:cs typeface="Arial"/>
-          <a:sym typeface="Arial"/>
         </a:defRPr>
       </a:lvl5pPr>
-      <a:lvl6pPr marR="0" lvl="5" algn="l" rtl="0" eaLnBrk="1" hangingPunct="1">
-        <a:lnSpc>
-          <a:spcPct val="100000"/>
-        </a:lnSpc>
-        <a:spcBef>
-          <a:spcPts val="0"/>
-        </a:spcBef>
-        <a:spcAft>
-          <a:spcPts val="0"/>
-        </a:spcAft>
-        <a:buClr>
-          <a:srgbClr val="000000"/>
-        </a:buClr>
-        <a:buFont typeface="Arial"/>
-        <a:defRPr sz="1400" b="0" i="0" u="none" strike="noStrike" cap="none">
+      <a:lvl6pPr eaLnBrk="1" hangingPunct="1">
+        <a:defRPr>
           <a:solidFill>
-            <a:srgbClr val="000000"/>
+            <a:schemeClr val="tx2"/>
           </a:solidFill>
-          <a:latin typeface="Arial"/>
-          <a:ea typeface="Arial"/>
-          <a:cs typeface="Arial"/>
-          <a:sym typeface="Arial"/>
         </a:defRPr>
       </a:lvl6pPr>
-      <a:lvl7pPr marR="0" lvl="6" algn="l" rtl="0" eaLnBrk="1" hangingPunct="1">
-        <a:lnSpc>
-          <a:spcPct val="100000"/>
-        </a:lnSpc>
-        <a:spcBef>
-          <a:spcPts val="0"/>
-        </a:spcBef>
-        <a:spcAft>
-          <a:spcPts val="0"/>
-        </a:spcAft>
-        <a:buClr>
-          <a:srgbClr val="000000"/>
-        </a:buClr>
-        <a:buFont typeface="Arial"/>
-        <a:defRPr sz="1400" b="0" i="0" u="none" strike="noStrike" cap="none">
+      <a:lvl7pPr eaLnBrk="1" hangingPunct="1">
+        <a:defRPr>
           <a:solidFill>
-            <a:srgbClr val="000000"/>
+            <a:schemeClr val="tx2"/>
           </a:solidFill>
-          <a:latin typeface="Arial"/>
-          <a:ea typeface="Arial"/>
-          <a:cs typeface="Arial"/>
-          <a:sym typeface="Arial"/>
         </a:defRPr>
       </a:lvl7pPr>
-      <a:lvl8pPr marR="0" lvl="7" algn="l" rtl="0" eaLnBrk="1" hangingPunct="1">
-        <a:lnSpc>
-          <a:spcPct val="100000"/>
-        </a:lnSpc>
-        <a:spcBef>
-          <a:spcPts val="0"/>
-        </a:spcBef>
-        <a:spcAft>
-          <a:spcPts val="0"/>
-        </a:spcAft>
-        <a:buClr>
-          <a:srgbClr val="000000"/>
-        </a:buClr>
-        <a:buFont typeface="Arial"/>
-        <a:defRPr sz="1400" b="0" i="0" u="none" strike="noStrike" cap="none">
+      <a:lvl8pPr eaLnBrk="1" hangingPunct="1">
+        <a:defRPr>
           <a:solidFill>
-            <a:srgbClr val="000000"/>
+            <a:schemeClr val="tx2"/>
           </a:solidFill>
-          <a:latin typeface="Arial"/>
-          <a:ea typeface="Arial"/>
-          <a:cs typeface="Arial"/>
-          <a:sym typeface="Arial"/>
         </a:defRPr>
       </a:lvl8pPr>
-      <a:lvl9pPr marR="0" lvl="8" algn="l" rtl="0" eaLnBrk="1" hangingPunct="1">
-        <a:lnSpc>
-          <a:spcPct val="100000"/>
-        </a:lnSpc>
-        <a:spcBef>
-          <a:spcPts val="0"/>
-        </a:spcBef>
-        <a:spcAft>
-          <a:spcPts val="0"/>
-        </a:spcAft>
-        <a:buClr>
-          <a:srgbClr val="000000"/>
-        </a:buClr>
-        <a:buFont typeface="Arial"/>
-        <a:defRPr sz="1400" b="0" i="0" u="none" strike="noStrike" cap="none">
+      <a:lvl9pPr eaLnBrk="1" hangingPunct="1">
+        <a:defRPr>
           <a:solidFill>
-            <a:srgbClr val="000000"/>
+            <a:schemeClr val="tx2"/>
           </a:solidFill>
-          <a:latin typeface="Arial"/>
-          <a:ea typeface="Arial"/>
-          <a:cs typeface="Arial"/>
-          <a:sym typeface="Arial"/>
         </a:defRPr>
       </a:lvl9pPr>
     </p:titleStyle>
     <p:bodyStyle>
-      <a:defPPr marR="0" lvl="0" algn="l" rtl="0">
+      <a:lvl1pPr marL="228594" indent="-228594" algn="l" defTabSz="914377" rtl="0" eaLnBrk="1" latinLnBrk="0" hangingPunct="1">
         <a:lnSpc>
-          <a:spcPct val="100000"/>
+          <a:spcPct val="90000"/>
         </a:lnSpc>
         <a:spcBef>
-          <a:spcPts val="0"/>
+          <a:spcPts val="1000"/>
         </a:spcBef>
-        <a:spcAft>
-          <a:spcPts val="0"/>
-        </a:spcAft>
-      </a:defPPr>
-      <a:lvl1pPr marL="0" marR="0" lvl="0" indent="0" algn="l" rtl="0" eaLnBrk="1" hangingPunct="1">
+        <a:buClr>
+          <a:schemeClr val="bg1">
+            <a:lumMod val="50000"/>
+          </a:schemeClr>
+        </a:buClr>
+        <a:buFont typeface="Wingdings" panose="05000000000000000000" pitchFamily="2" charset="2"/>
+        <a:buChar char="§"/>
+        <a:defRPr sz="3600" kern="1200">
+          <a:solidFill>
+            <a:schemeClr val="tx1"/>
+          </a:solidFill>
+          <a:latin typeface="+mn-lt"/>
+          <a:ea typeface="+mn-ea"/>
+          <a:cs typeface="+mn-cs"/>
+        </a:defRPr>
+      </a:lvl1pPr>
+      <a:lvl2pPr marL="685783" indent="-228594" algn="l" defTabSz="914377" rtl="0" eaLnBrk="1" latinLnBrk="0" hangingPunct="1">
         <a:lnSpc>
-          <a:spcPct val="100000"/>
+          <a:spcPct val="90000"/>
         </a:lnSpc>
         <a:spcBef>
-          <a:spcPts val="0"/>
+          <a:spcPts val="500"/>
         </a:spcBef>
-        <a:spcAft>
-          <a:spcPts val="0"/>
-        </a:spcAft>
         <a:buClr>
-          <a:schemeClr val="tx1">
+          <a:schemeClr val="bg1">
             <a:lumMod val="50000"/>
-            <a:lumOff val="50000"/>
           </a:schemeClr>
         </a:buClr>
-        <a:buSzPct val="80000"/>
-        <a:buFont typeface="+mj-lt"/>
-        <a:buNone/>
-        <a:defRPr lang="fr-BE" sz="3600" b="0" i="0" u="none" strike="noStrike" cap="none">
+        <a:buFont typeface="Wingdings" panose="05000000000000000000" pitchFamily="2" charset="2"/>
+        <a:buChar char="§"/>
+        <a:defRPr sz="3200" kern="1200">
           <a:solidFill>
-            <a:schemeClr val="dk1"/>
+            <a:schemeClr val="tx1"/>
           </a:solidFill>
-          <a:latin typeface="Garamond"/>
-          <a:ea typeface="Garamond"/>
-          <a:cs typeface="Arial"/>
-          <a:sym typeface="Garamond"/>
+          <a:latin typeface="+mn-lt"/>
+          <a:ea typeface="+mn-ea"/>
+          <a:cs typeface="+mn-cs"/>
         </a:defRPr>
-      </a:lvl1pPr>
-      <a:lvl2pPr marL="482600" marR="0" lvl="1" indent="0" algn="l" rtl="0" eaLnBrk="1" hangingPunct="1">
+      </a:lvl2pPr>
+      <a:lvl3pPr marL="1142971" indent="-228594" algn="l" defTabSz="914377" rtl="0" eaLnBrk="1" latinLnBrk="0" hangingPunct="1">
         <a:lnSpc>
-          <a:spcPct val="100000"/>
+          <a:spcPct val="90000"/>
         </a:lnSpc>
         <a:spcBef>
-          <a:spcPts val="0"/>
+          <a:spcPts val="500"/>
         </a:spcBef>
-        <a:spcAft>
-          <a:spcPts val="0"/>
-        </a:spcAft>
         <a:buClr>
-          <a:schemeClr val="tx1">
+          <a:schemeClr val="bg1">
             <a:lumMod val="50000"/>
-            <a:lumOff val="50000"/>
           </a:schemeClr>
         </a:buClr>
-        <a:buSzPct val="80000"/>
-        <a:buFont typeface="+mj-lt"/>
-        <a:buNone/>
-        <a:defRPr lang="fr-BE" sz="3200" b="0" i="0" u="none" strike="noStrike" cap="none">
+        <a:buFont typeface="Wingdings" panose="05000000000000000000" pitchFamily="2" charset="2"/>
+        <a:buChar char="§"/>
+        <a:defRPr sz="2800" kern="1200">
           <a:solidFill>
-            <a:schemeClr val="dk1"/>
+            <a:schemeClr val="tx1"/>
           </a:solidFill>
-          <a:latin typeface="Garamond"/>
-          <a:ea typeface="Garamond"/>
-          <a:cs typeface="Arial"/>
-          <a:sym typeface="Garamond"/>
+          <a:latin typeface="+mn-lt"/>
+          <a:ea typeface="+mn-ea"/>
+          <a:cs typeface="+mn-cs"/>
         </a:defRPr>
-      </a:lvl2pPr>
-      <a:lvl3pPr marL="965200" marR="0" lvl="2" indent="0" algn="l" rtl="0" eaLnBrk="1" hangingPunct="1">
+      </a:lvl3pPr>
+      <a:lvl4pPr marL="1600160" indent="-228594" algn="l" defTabSz="914377" rtl="0" eaLnBrk="1" latinLnBrk="0" hangingPunct="1">
         <a:lnSpc>
-          <a:spcPct val="100000"/>
+          <a:spcPct val="90000"/>
         </a:lnSpc>
         <a:spcBef>
-          <a:spcPts val="0"/>
+          <a:spcPts val="500"/>
         </a:spcBef>
-        <a:spcAft>
-          <a:spcPts val="0"/>
-        </a:spcAft>
         <a:buClr>
-          <a:schemeClr val="tx1">
+          <a:schemeClr val="bg1">
             <a:lumMod val="50000"/>
-            <a:lumOff val="50000"/>
           </a:schemeClr>
         </a:buClr>
-        <a:buSzPct val="80000"/>
-        <a:buFont typeface="+mj-lt"/>
-        <a:buNone/>
-        <a:defRPr lang="fr-BE" sz="2800" b="0" i="0" u="none" strike="noStrike" cap="none">
+        <a:buFont typeface="Wingdings" panose="05000000000000000000" pitchFamily="2" charset="2"/>
+        <a:buChar char="§"/>
+        <a:defRPr sz="2400" kern="1200">
           <a:solidFill>
-            <a:schemeClr val="dk1"/>
+            <a:schemeClr val="tx1"/>
           </a:solidFill>
-          <a:latin typeface="Garamond"/>
-          <a:ea typeface="Garamond"/>
-          <a:cs typeface="Arial"/>
-          <a:sym typeface="Garamond"/>
+          <a:latin typeface="+mn-lt"/>
+          <a:ea typeface="+mn-ea"/>
+          <a:cs typeface="+mn-cs"/>
         </a:defRPr>
-      </a:lvl3pPr>
-      <a:lvl4pPr marL="1447800" marR="0" lvl="3" indent="0" algn="l" rtl="0" eaLnBrk="1" hangingPunct="1">
+      </a:lvl4pPr>
+      <a:lvl5pPr marL="2057349" indent="-228594" algn="l" defTabSz="914377" rtl="0" eaLnBrk="1" latinLnBrk="0" hangingPunct="1">
         <a:lnSpc>
-          <a:spcPct val="100000"/>
+          <a:spcPct val="90000"/>
         </a:lnSpc>
         <a:spcBef>
-          <a:spcPts val="0"/>
+          <a:spcPts val="500"/>
         </a:spcBef>
-        <a:spcAft>
-          <a:spcPts val="0"/>
-        </a:spcAft>
         <a:buClr>
-          <a:schemeClr val="tx1">
+          <a:schemeClr val="bg1">
             <a:lumMod val="50000"/>
-            <a:lumOff val="50000"/>
           </a:schemeClr>
         </a:buClr>
-        <a:buSzPct val="80000"/>
-        <a:buFont typeface="+mj-lt"/>
-        <a:buNone/>
-        <a:defRPr lang="fr-BE" sz="2400" b="0" i="0" u="none" strike="noStrike" cap="none">
+        <a:buFont typeface="Wingdings" panose="05000000000000000000" pitchFamily="2" charset="2"/>
+        <a:buChar char="§"/>
+        <a:defRPr sz="2400" kern="1200">
           <a:solidFill>
-            <a:schemeClr val="dk1"/>
+            <a:schemeClr val="tx1"/>
           </a:solidFill>
-          <a:latin typeface="Garamond"/>
-          <a:ea typeface="Garamond"/>
-          <a:cs typeface="Arial"/>
-          <a:sym typeface="Garamond"/>
+          <a:latin typeface="+mn-lt"/>
+          <a:ea typeface="+mn-ea"/>
+          <a:cs typeface="+mn-cs"/>
         </a:defRPr>
-      </a:lvl4pPr>
-      <a:lvl5pPr marL="1905000" marR="0" lvl="4" indent="0" algn="l" rtl="0" eaLnBrk="1" hangingPunct="1">
+      </a:lvl5pPr>
+      <a:lvl6pPr marL="2514537" indent="-228594" algn="l" defTabSz="914377" rtl="0" eaLnBrk="1" latinLnBrk="0" hangingPunct="1">
         <a:lnSpc>
-          <a:spcPct val="100000"/>
+          <a:spcPct val="90000"/>
         </a:lnSpc>
         <a:spcBef>
-          <a:spcPts val="0"/>
+          <a:spcPts val="500"/>
         </a:spcBef>
-        <a:spcAft>
-          <a:spcPts val="0"/>
-        </a:spcAft>
-        <a:buClr>
-          <a:schemeClr val="tx1">
-            <a:lumMod val="50000"/>
-            <a:lumOff val="50000"/>
-          </a:schemeClr>
-        </a:buClr>
-        <a:buSzPct val="80000"/>
-        <a:buFont typeface="+mj-lt"/>
-        <a:buNone/>
-        <a:defRPr lang="fr-BE" sz="2400" b="0" i="0" u="none" strike="noStrike" cap="none">
+        <a:buFont typeface="Arial" panose="020B0604020202020204" pitchFamily="34" charset="0"/>
+        <a:buChar char="•"/>
+        <a:defRPr sz="1800" kern="1200">
           <a:solidFill>
-            <a:schemeClr val="dk1"/>
+            <a:schemeClr val="tx1"/>
           </a:solidFill>
-          <a:latin typeface="Garamond"/>
-          <a:ea typeface="Garamond"/>
-          <a:cs typeface="Arial"/>
-          <a:sym typeface="Garamond"/>
+          <a:latin typeface="+mn-lt"/>
+          <a:ea typeface="+mn-ea"/>
+          <a:cs typeface="+mn-cs"/>
         </a:defRPr>
-      </a:lvl5pPr>
-      <a:lvl6pPr marL="2400300" marR="0" lvl="5" indent="0" algn="l" rtl="0" eaLnBrk="1" hangingPunct="1">
+      </a:lvl6pPr>
+      <a:lvl7pPr marL="2971726" indent="-228594" algn="l" defTabSz="914377" rtl="0" eaLnBrk="1" latinLnBrk="0" hangingPunct="1">
         <a:lnSpc>
-          <a:spcPct val="100000"/>
+          <a:spcPct val="90000"/>
         </a:lnSpc>
         <a:spcBef>
-          <a:spcPts val="0"/>
+          <a:spcPts val="500"/>
         </a:spcBef>
-        <a:spcAft>
-          <a:spcPts val="0"/>
-        </a:spcAft>
-        <a:buClr>
-          <a:schemeClr val="tx1">
-            <a:lumMod val="50000"/>
-            <a:lumOff val="50000"/>
-          </a:schemeClr>
-        </a:buClr>
-        <a:buSzPct val="80000"/>
-        <a:buFont typeface="+mj-lt"/>
-        <a:buNone/>
-        <a:defRPr lang="fr-BE" sz="1800" b="0" i="0" u="none" strike="noStrike" cap="none">
+        <a:buFont typeface="Arial" panose="020B0604020202020204" pitchFamily="34" charset="0"/>
+        <a:buChar char="•"/>
+        <a:defRPr sz="1800" kern="1200">
           <a:solidFill>
-            <a:schemeClr val="dk1"/>
+            <a:schemeClr val="tx1"/>
           </a:solidFill>
-          <a:latin typeface="Garamond"/>
-          <a:ea typeface="Garamond"/>
-          <a:cs typeface="Arial"/>
-          <a:sym typeface="Garamond"/>
+          <a:latin typeface="+mn-lt"/>
+          <a:ea typeface="+mn-ea"/>
+          <a:cs typeface="+mn-cs"/>
         </a:defRPr>
-      </a:lvl6pPr>
-      <a:lvl7pPr marL="2857500" marR="0" lvl="6" indent="0" algn="l" rtl="0" eaLnBrk="1" hangingPunct="1">
+      </a:lvl7pPr>
+      <a:lvl8pPr marL="3428914" indent="-228594" algn="l" defTabSz="914377" rtl="0" eaLnBrk="1" latinLnBrk="0" hangingPunct="1">
         <a:lnSpc>
-          <a:spcPct val="100000"/>
+          <a:spcPct val="90000"/>
         </a:lnSpc>
         <a:spcBef>
-          <a:spcPts val="0"/>
+          <a:spcPts val="500"/>
         </a:spcBef>
-        <a:spcAft>
-          <a:spcPts val="0"/>
-        </a:spcAft>
-        <a:buClr>
-          <a:schemeClr val="tx1">
-            <a:lumMod val="50000"/>
-            <a:lumOff val="50000"/>
-          </a:schemeClr>
-        </a:buClr>
-        <a:buSzPct val="80000"/>
-        <a:buFont typeface="+mj-lt"/>
-        <a:buNone/>
-        <a:defRPr lang="fr-BE" sz="1800" b="0" i="0" u="none" strike="noStrike" cap="none">
+        <a:buFont typeface="Arial" panose="020B0604020202020204" pitchFamily="34" charset="0"/>
+        <a:buChar char="•"/>
+        <a:defRPr sz="1800" kern="1200">
           <a:solidFill>
-            <a:schemeClr val="dk1"/>
+            <a:schemeClr val="tx1"/>
           </a:solidFill>
-          <a:latin typeface="Garamond"/>
-          <a:ea typeface="Garamond"/>
-          <a:cs typeface="Arial"/>
-          <a:sym typeface="Garamond"/>
+          <a:latin typeface="+mn-lt"/>
+          <a:ea typeface="+mn-ea"/>
+          <a:cs typeface="+mn-cs"/>
         </a:defRPr>
-      </a:lvl7pPr>
-      <a:lvl8pPr marR="0" lvl="7" algn="l" rtl="0" eaLnBrk="1" hangingPunct="1">
+      </a:lvl8pPr>
+      <a:lvl9pPr marL="3886103" indent="-228594" algn="l" defTabSz="914377" rtl="0" eaLnBrk="1" latinLnBrk="0" hangingPunct="1">
         <a:lnSpc>
-          <a:spcPct val="100000"/>
+          <a:spcPct val="90000"/>
         </a:lnSpc>
         <a:spcBef>
-          <a:spcPts val="0"/>
+          <a:spcPts val="500"/>
         </a:spcBef>
-        <a:spcAft>
-          <a:spcPts val="0"/>
-        </a:spcAft>
-        <a:buClr>
-          <a:srgbClr val="000000"/>
-        </a:buClr>
-        <a:buFont typeface="Arial"/>
-        <a:defRPr sz="1400" b="0" i="0" u="none" strike="noStrike" cap="none">
+        <a:buFont typeface="Arial" panose="020B0604020202020204" pitchFamily="34" charset="0"/>
+        <a:buChar char="•"/>
+        <a:defRPr sz="1800" kern="1200">
           <a:solidFill>
-            <a:srgbClr val="000000"/>
+            <a:schemeClr val="tx1"/>
           </a:solidFill>
-          <a:latin typeface="Arial"/>
-          <a:ea typeface="Arial"/>
-          <a:cs typeface="Arial"/>
-          <a:sym typeface="Arial"/>
-        </a:defRPr>
-      </a:lvl8pPr>
-      <a:lvl9pPr marR="0" lvl="8" algn="l" rtl="0" eaLnBrk="1" hangingPunct="1">
-        <a:lnSpc>
-          <a:spcPct val="100000"/>
-        </a:lnSpc>
-        <a:spcBef>
-          <a:spcPts val="0"/>
-        </a:spcBef>
-        <a:spcAft>
-          <a:spcPts val="0"/>
-        </a:spcAft>
-        <a:buClr>
-          <a:srgbClr val="000000"/>
-        </a:buClr>
-        <a:buFont typeface="Arial"/>
-        <a:defRPr sz="1400" b="0" i="0" u="none" strike="noStrike" cap="none">
-          <a:solidFill>
-            <a:srgbClr val="000000"/>
-          </a:solidFill>
-          <a:latin typeface="Arial"/>
-          <a:ea typeface="Arial"/>
-          <a:cs typeface="Arial"/>
-          <a:sym typeface="Arial"/>
+          <a:latin typeface="+mn-lt"/>
+          <a:ea typeface="+mn-ea"/>
+          <a:cs typeface="+mn-cs"/>
         </a:defRPr>
       </a:lvl9pPr>
     </p:bodyStyle>
     <p:otherStyle>
-      <a:defPPr marR="0" lvl="0" algn="l" rtl="0">
-        <a:lnSpc>
-          <a:spcPct val="100000"/>
-        </a:lnSpc>
-        <a:spcBef>
-          <a:spcPts val="0"/>
-        </a:spcBef>
-        <a:spcAft>
-          <a:spcPts val="0"/>
-        </a:spcAft>
+      <a:defPPr>
+        <a:defRPr lang="fr-FR"/>
       </a:defPPr>
-      <a:lvl1pPr marR="0" lvl="0" algn="l" rtl="0" eaLnBrk="1" hangingPunct="1">
-        <a:lnSpc>
-          <a:spcPct val="100000"/>
-        </a:lnSpc>
-        <a:spcBef>
-          <a:spcPts val="0"/>
-        </a:spcBef>
-        <a:spcAft>
-          <a:spcPts val="0"/>
-        </a:spcAft>
-        <a:buClr>
-          <a:srgbClr val="000000"/>
-        </a:buClr>
-        <a:buFont typeface="Arial"/>
-        <a:defRPr sz="1400" b="0" i="0" u="none" strike="noStrike" cap="none">
+      <a:lvl1pPr marL="0" algn="l" defTabSz="914377" rtl="0" eaLnBrk="1" latinLnBrk="0" hangingPunct="1">
+        <a:defRPr sz="1800" kern="1200">
           <a:solidFill>
-            <a:srgbClr val="000000"/>
+            <a:schemeClr val="tx1"/>
           </a:solidFill>
-          <a:latin typeface="Arial"/>
-          <a:ea typeface="Arial"/>
-          <a:cs typeface="Arial"/>
-          <a:sym typeface="Arial"/>
+          <a:latin typeface="+mn-lt"/>
+          <a:ea typeface="+mn-ea"/>
+          <a:cs typeface="+mn-cs"/>
         </a:defRPr>
       </a:lvl1pPr>
-      <a:lvl2pPr marR="0" lvl="1" algn="l" rtl="0" eaLnBrk="1" hangingPunct="1">
-        <a:lnSpc>
-          <a:spcPct val="100000"/>
-        </a:lnSpc>
-        <a:spcBef>
-          <a:spcPts val="0"/>
-        </a:spcBef>
-        <a:spcAft>
-          <a:spcPts val="0"/>
-        </a:spcAft>
-        <a:buClr>
-          <a:srgbClr val="000000"/>
-        </a:buClr>
-        <a:buFont typeface="Arial"/>
-        <a:defRPr sz="1400" b="0" i="0" u="none" strike="noStrike" cap="none">
+      <a:lvl2pPr marL="457189" algn="l" defTabSz="914377" rtl="0" eaLnBrk="1" latinLnBrk="0" hangingPunct="1">
+        <a:defRPr sz="1800" kern="1200">
           <a:solidFill>
-            <a:srgbClr val="000000"/>
+            <a:schemeClr val="tx1"/>
           </a:solidFill>
-          <a:latin typeface="Arial"/>
-          <a:ea typeface="Arial"/>
-          <a:cs typeface="Arial"/>
-          <a:sym typeface="Arial"/>
+          <a:latin typeface="+mn-lt"/>
+          <a:ea typeface="+mn-ea"/>
+          <a:cs typeface="+mn-cs"/>
         </a:defRPr>
       </a:lvl2pPr>
-      <a:lvl3pPr marR="0" lvl="2" algn="l" rtl="0" eaLnBrk="1" hangingPunct="1">
-        <a:lnSpc>
-          <a:spcPct val="100000"/>
-        </a:lnSpc>
-        <a:spcBef>
-          <a:spcPts val="0"/>
-        </a:spcBef>
-        <a:spcAft>
-          <a:spcPts val="0"/>
-        </a:spcAft>
-        <a:buClr>
-          <a:srgbClr val="000000"/>
-        </a:buClr>
-        <a:buFont typeface="Arial"/>
-        <a:defRPr sz="1400" b="0" i="0" u="none" strike="noStrike" cap="none">
+      <a:lvl3pPr marL="914377" algn="l" defTabSz="914377" rtl="0" eaLnBrk="1" latinLnBrk="0" hangingPunct="1">
+        <a:defRPr sz="1800" kern="1200">
           <a:solidFill>
-            <a:srgbClr val="000000"/>
+            <a:schemeClr val="tx1"/>
           </a:solidFill>
-          <a:latin typeface="Arial"/>
-          <a:ea typeface="Arial"/>
-          <a:cs typeface="Arial"/>
-          <a:sym typeface="Arial"/>
+          <a:latin typeface="+mn-lt"/>
+          <a:ea typeface="+mn-ea"/>
+          <a:cs typeface="+mn-cs"/>
         </a:defRPr>
       </a:lvl3pPr>
-      <a:lvl4pPr marR="0" lvl="3" algn="l" rtl="0" eaLnBrk="1" hangingPunct="1">
-        <a:lnSpc>
-          <a:spcPct val="100000"/>
-        </a:lnSpc>
-        <a:spcBef>
-          <a:spcPts val="0"/>
-        </a:spcBef>
-        <a:spcAft>
-          <a:spcPts val="0"/>
-        </a:spcAft>
-        <a:buClr>
-          <a:srgbClr val="000000"/>
-        </a:buClr>
-        <a:buFont typeface="Arial"/>
-        <a:defRPr sz="1400" b="0" i="0" u="none" strike="noStrike" cap="none">
+      <a:lvl4pPr marL="1371566" algn="l" defTabSz="914377" rtl="0" eaLnBrk="1" latinLnBrk="0" hangingPunct="1">
+        <a:defRPr sz="1800" kern="1200">
           <a:solidFill>
-            <a:srgbClr val="000000"/>
+            <a:schemeClr val="tx1"/>
           </a:solidFill>
-          <a:latin typeface="Arial"/>
-          <a:ea typeface="Arial"/>
-          <a:cs typeface="Arial"/>
-          <a:sym typeface="Arial"/>
+          <a:latin typeface="+mn-lt"/>
+          <a:ea typeface="+mn-ea"/>
+          <a:cs typeface="+mn-cs"/>
         </a:defRPr>
       </a:lvl4pPr>
-      <a:lvl5pPr marR="0" lvl="4" algn="l" rtl="0" eaLnBrk="1" hangingPunct="1">
-        <a:lnSpc>
-          <a:spcPct val="100000"/>
-        </a:lnSpc>
-        <a:spcBef>
-          <a:spcPts val="0"/>
-        </a:spcBef>
-        <a:spcAft>
-          <a:spcPts val="0"/>
-        </a:spcAft>
-        <a:buClr>
-          <a:srgbClr val="000000"/>
-        </a:buClr>
-        <a:buFont typeface="Arial"/>
-        <a:defRPr sz="1400" b="0" i="0" u="none" strike="noStrike" cap="none">
+      <a:lvl5pPr marL="1828754" algn="l" defTabSz="914377" rtl="0" eaLnBrk="1" latinLnBrk="0" hangingPunct="1">
+        <a:defRPr sz="1800" kern="1200">
           <a:solidFill>
-            <a:srgbClr val="000000"/>
+            <a:schemeClr val="tx1"/>
           </a:solidFill>
-          <a:latin typeface="Arial"/>
-          <a:ea typeface="Arial"/>
-          <a:cs typeface="Arial"/>
-          <a:sym typeface="Arial"/>
+          <a:latin typeface="+mn-lt"/>
+          <a:ea typeface="+mn-ea"/>
+          <a:cs typeface="+mn-cs"/>
         </a:defRPr>
       </a:lvl5pPr>
-      <a:lvl6pPr marR="0" lvl="5" algn="l" rtl="0" eaLnBrk="1" hangingPunct="1">
-        <a:lnSpc>
-          <a:spcPct val="100000"/>
-        </a:lnSpc>
-        <a:spcBef>
-          <a:spcPts val="0"/>
-        </a:spcBef>
-        <a:spcAft>
-          <a:spcPts val="0"/>
-        </a:spcAft>
-        <a:buClr>
-          <a:srgbClr val="000000"/>
-        </a:buClr>
-        <a:buFont typeface="Arial"/>
-        <a:defRPr sz="1400" b="0" i="0" u="none" strike="noStrike" cap="none">
+      <a:lvl6pPr marL="2285943" algn="l" defTabSz="914377" rtl="0" eaLnBrk="1" latinLnBrk="0" hangingPunct="1">
+        <a:defRPr sz="1800" kern="1200">
           <a:solidFill>
-            <a:srgbClr val="000000"/>
+            <a:schemeClr val="tx1"/>
           </a:solidFill>
-          <a:latin typeface="Arial"/>
-          <a:ea typeface="Arial"/>
-          <a:cs typeface="Arial"/>
-          <a:sym typeface="Arial"/>
+          <a:latin typeface="+mn-lt"/>
+          <a:ea typeface="+mn-ea"/>
+          <a:cs typeface="+mn-cs"/>
         </a:defRPr>
       </a:lvl6pPr>
-      <a:lvl7pPr marR="0" lvl="6" algn="l" rtl="0" eaLnBrk="1" hangingPunct="1">
-        <a:lnSpc>
-          <a:spcPct val="100000"/>
-        </a:lnSpc>
-        <a:spcBef>
-          <a:spcPts val="0"/>
-        </a:spcBef>
-        <a:spcAft>
-          <a:spcPts val="0"/>
-        </a:spcAft>
-        <a:buClr>
-          <a:srgbClr val="000000"/>
-        </a:buClr>
-        <a:buFont typeface="Arial"/>
-        <a:defRPr sz="1400" b="0" i="0" u="none" strike="noStrike" cap="none">
+      <a:lvl7pPr marL="2743131" algn="l" defTabSz="914377" rtl="0" eaLnBrk="1" latinLnBrk="0" hangingPunct="1">
+        <a:defRPr sz="1800" kern="1200">
           <a:solidFill>
-            <a:srgbClr val="000000"/>
+            <a:schemeClr val="tx1"/>
           </a:solidFill>
-          <a:latin typeface="Arial"/>
-          <a:ea typeface="Arial"/>
-          <a:cs typeface="Arial"/>
-          <a:sym typeface="Arial"/>
+          <a:latin typeface="+mn-lt"/>
+          <a:ea typeface="+mn-ea"/>
+          <a:cs typeface="+mn-cs"/>
         </a:defRPr>
       </a:lvl7pPr>
-      <a:lvl8pPr marR="0" lvl="7" algn="l" rtl="0" eaLnBrk="1" hangingPunct="1">
-        <a:lnSpc>
-          <a:spcPct val="100000"/>
-        </a:lnSpc>
-        <a:spcBef>
-          <a:spcPts val="0"/>
-        </a:spcBef>
-        <a:spcAft>
-          <a:spcPts val="0"/>
-        </a:spcAft>
-        <a:buClr>
-          <a:srgbClr val="000000"/>
-        </a:buClr>
-        <a:buFont typeface="Arial"/>
-        <a:defRPr sz="1400" b="0" i="0" u="none" strike="noStrike" cap="none">
+      <a:lvl8pPr marL="3200320" algn="l" defTabSz="914377" rtl="0" eaLnBrk="1" latinLnBrk="0" hangingPunct="1">
+        <a:defRPr sz="1800" kern="1200">
           <a:solidFill>
-            <a:srgbClr val="000000"/>
+            <a:schemeClr val="tx1"/>
           </a:solidFill>
-          <a:latin typeface="Arial"/>
-          <a:ea typeface="Arial"/>
-          <a:cs typeface="Arial"/>
-          <a:sym typeface="Arial"/>
+          <a:latin typeface="+mn-lt"/>
+          <a:ea typeface="+mn-ea"/>
+          <a:cs typeface="+mn-cs"/>
         </a:defRPr>
       </a:lvl8pPr>
-      <a:lvl9pPr marR="0" lvl="8" algn="l" rtl="0" eaLnBrk="1" hangingPunct="1">
-        <a:lnSpc>
-          <a:spcPct val="100000"/>
-        </a:lnSpc>
-        <a:spcBef>
-          <a:spcPts val="0"/>
-        </a:spcBef>
-        <a:spcAft>
-          <a:spcPts val="0"/>
-        </a:spcAft>
-        <a:buClr>
-          <a:srgbClr val="000000"/>
-        </a:buClr>
-        <a:buFont typeface="Arial"/>
-        <a:defRPr sz="1400" b="0" i="0" u="none" strike="noStrike" cap="none">
+      <a:lvl9pPr marL="3657509" algn="l" defTabSz="914377" rtl="0" eaLnBrk="1" latinLnBrk="0" hangingPunct="1">
+        <a:defRPr sz="1800" kern="1200">
           <a:solidFill>
-            <a:srgbClr val="000000"/>
+            <a:schemeClr val="tx1"/>
           </a:solidFill>
-          <a:latin typeface="Arial"/>
-          <a:ea typeface="Arial"/>
-          <a:cs typeface="Arial"/>
-          <a:sym typeface="Arial"/>
+          <a:latin typeface="+mn-lt"/>
+          <a:ea typeface="+mn-ea"/>
+          <a:cs typeface="+mn-cs"/>
         </a:defRPr>
       </a:lvl9pPr>
     </p:otherStyle>
@@ -7126,48 +5873,20 @@
             <a:spLocks noGrp="1"/>
           </p:cNvSpPr>
           <p:nvPr>
-            <p:ph type="ctrTitle"/>
+            <p:ph type="title"/>
           </p:nvPr>
         </p:nvSpPr>
-        <p:spPr>
-          <a:xfrm>
-            <a:off x="1524000" y="1122362"/>
-            <a:ext cx="9144000" cy="3229829"/>
-          </a:xfrm>
-          <a:prstGeom prst="rect">
-            <a:avLst/>
-          </a:prstGeom>
-          <a:noFill/>
-          <a:ln>
-            <a:noFill/>
-          </a:ln>
-        </p:spPr>
+        <p:spPr/>
         <p:txBody>
           <a:bodyPr spcFirstLastPara="1" wrap="square" lIns="91425" tIns="45700" rIns="91425" bIns="45700" anchor="b" anchorCtr="0">
             <a:normAutofit/>
           </a:bodyPr>
           <a:lstStyle/>
           <a:p>
-            <a:pPr marL="0" lvl="0" indent="0" algn="ctr" rtl="0">
-              <a:lnSpc>
-                <a:spcPct val="90000"/>
-              </a:lnSpc>
-              <a:spcBef>
-                <a:spcPts val="0"/>
-              </a:spcBef>
-              <a:spcAft>
-                <a:spcPts val="0"/>
-              </a:spcAft>
-              <a:buClr>
-                <a:schemeClr val="accent2"/>
-              </a:buClr>
-              <a:buSzPts val="4400"/>
-              <a:buFont typeface="Garamond"/>
-              <a:buNone/>
-            </a:pPr>
-            <a:r>
-              <a:rPr lang="fr-BE" dirty="0"/>
-              <a:t>Section 17 : </a:t>
+            <a:pPr lvl="0" algn="ctr"/>
+            <a:r>
+              <a:rPr lang="fr-BE"/>
+              <a:t>Partie 17</a:t>
             </a:r>
             <a:br>
               <a:rPr lang="fr-BE" dirty="0"/>
@@ -7181,16 +5900,16 @@
             </a:br>
             <a:r>
               <a:rPr lang="fr-BE" dirty="0"/>
-              <a:t>"Patron de Conception"</a:t>
-            </a:r>
-            <a:br>
+              <a:t>"Patron de </a:t>
+            </a:r>
+            <a:r>
+              <a:rPr lang="fr-BE"/>
+              <a:t>Conception" (</a:t>
+            </a:r>
+            <a:r>
               <a:rPr lang="fr-BE" dirty="0"/>
-            </a:br>
-            <a:r>
-              <a:rPr lang="fr-BE" i="1" dirty="0"/>
-              <a:t>(Design Pattern)</a:t>
-            </a:r>
-            <a:endParaRPr i="1" dirty="0"/>
+              <a:t>Design Pattern)</a:t>
+            </a:r>
           </a:p>
         </p:txBody>
       </p:sp>
@@ -7201,49 +5920,46 @@
             <a:spLocks noGrp="1"/>
           </p:cNvSpPr>
           <p:nvPr>
-            <p:ph type="subTitle" idx="1"/>
+            <p:ph type="body" idx="1"/>
           </p:nvPr>
         </p:nvSpPr>
-        <p:spPr>
-          <a:xfrm>
-            <a:off x="1524000" y="4577983"/>
-            <a:ext cx="9144000" cy="1655763"/>
-          </a:xfrm>
-          <a:prstGeom prst="rect">
-            <a:avLst/>
-          </a:prstGeom>
-          <a:noFill/>
-          <a:ln>
-            <a:noFill/>
-          </a:ln>
-        </p:spPr>
+        <p:spPr/>
         <p:txBody>
           <a:bodyPr spcFirstLastPara="1" wrap="square" lIns="91425" tIns="45700" rIns="91425" bIns="45700" anchor="t" anchorCtr="0">
             <a:normAutofit/>
           </a:bodyPr>
           <a:lstStyle/>
           <a:p>
-            <a:pPr marL="0" lvl="0" indent="0" algn="l" rtl="0">
-              <a:lnSpc>
-                <a:spcPct val="90000"/>
-              </a:lnSpc>
-              <a:spcBef>
-                <a:spcPts val="0"/>
-              </a:spcBef>
-              <a:spcAft>
-                <a:spcPts val="0"/>
-              </a:spcAft>
-              <a:buClr>
-                <a:schemeClr val="dk2"/>
-              </a:buClr>
-              <a:buSzPts val="2400"/>
-              <a:buNone/>
-            </a:pPr>
+            <a:pPr lvl="0"/>
             <a:r>
               <a:rPr lang="fr-BE" dirty="0"/>
               <a:t>Syllabus &amp; Exercices</a:t>
             </a:r>
-            <a:endParaRPr dirty="0"/>
+          </a:p>
+        </p:txBody>
+      </p:sp>
+      <p:sp>
+        <p:nvSpPr>
+          <p:cNvPr id="11" name="Espace réservé pour une image  10">
+            <a:extLst>
+              <a:ext uri="{FF2B5EF4-FFF2-40B4-BE49-F238E27FC236}">
+                <a16:creationId xmlns:a16="http://schemas.microsoft.com/office/drawing/2014/main" id="{69119C4E-C480-8DE1-E4D3-3D7595F6C460}"/>
+              </a:ext>
+            </a:extLst>
+          </p:cNvPr>
+          <p:cNvSpPr>
+            <a:spLocks noGrp="1"/>
+          </p:cNvSpPr>
+          <p:nvPr>
+            <p:ph type="pic" sz="quarter" idx="10"/>
+          </p:nvPr>
+        </p:nvSpPr>
+        <p:spPr/>
+        <p:txBody>
+          <a:bodyPr/>
+          <a:lstStyle/>
+          <a:p>
+            <a:endParaRPr lang="fr-BE"/>
           </a:p>
         </p:txBody>
       </p:sp>
@@ -7258,7 +5974,7 @@
         <p14:reveal/>
       </p:transition>
     </mc:Choice>
-    <mc:Fallback xmlns="" xmlns:mv="urn:schemas-microsoft-com:mac:vml" xmlns:c="http://schemas.openxmlformats.org/drawingml/2006/chart" xmlns:dgm="http://schemas.openxmlformats.org/drawingml/2006/diagram" xmlns:o="urn:schemas-microsoft-com:office:office" xmlns:v="urn:schemas-microsoft-com:vml" xmlns:pvml="urn:schemas-microsoft-com:office:powerpoint" xmlns:com="http://schemas.openxmlformats.org/drawingml/2006/compatibility" xmlns:p15="http://schemas.microsoft.com/office/powerpoint/2012/main" xmlns:ahyp="http://schemas.microsoft.com/office/drawing/2018/hyperlinkcolor">
+    <mc:Fallback xmlns:ahyp="http://schemas.microsoft.com/office/drawing/2018/hyperlinkcolor" xmlns:p15="http://schemas.microsoft.com/office/powerpoint/2012/main" xmlns:com="http://schemas.openxmlformats.org/drawingml/2006/compatibility" xmlns:pvml="urn:schemas-microsoft-com:office:powerpoint" xmlns:v="urn:schemas-microsoft-com:vml" xmlns:o="urn:schemas-microsoft-com:office:office" xmlns:dgm="http://schemas.openxmlformats.org/drawingml/2006/diagram" xmlns:c="http://schemas.openxmlformats.org/drawingml/2006/chart" xmlns:mv="urn:schemas-microsoft-com:mac:vml" xmlns="">
       <p:transition spd="med">
         <p:fade/>
       </p:transition>
@@ -7325,7 +6041,7 @@
             <a:spLocks noGrp="1"/>
           </p:cNvSpPr>
           <p:nvPr>
-            <p:ph type="body" idx="1"/>
+            <p:ph idx="1"/>
           </p:nvPr>
         </p:nvSpPr>
         <p:spPr/>
@@ -7458,7 +6174,7 @@
         <p14:reveal/>
       </p:transition>
     </mc:Choice>
-    <mc:Fallback xmlns="" xmlns:mv="urn:schemas-microsoft-com:mac:vml" xmlns:c="http://schemas.openxmlformats.org/drawingml/2006/chart" xmlns:dgm="http://schemas.openxmlformats.org/drawingml/2006/diagram" xmlns:o="urn:schemas-microsoft-com:office:office" xmlns:v="urn:schemas-microsoft-com:vml" xmlns:pvml="urn:schemas-microsoft-com:office:powerpoint" xmlns:com="http://schemas.openxmlformats.org/drawingml/2006/compatibility" xmlns:p15="http://schemas.microsoft.com/office/powerpoint/2012/main" xmlns:ahyp="http://schemas.microsoft.com/office/drawing/2018/hyperlinkcolor">
+    <mc:Fallback xmlns:ahyp="http://schemas.microsoft.com/office/drawing/2018/hyperlinkcolor" xmlns:p15="http://schemas.microsoft.com/office/powerpoint/2012/main" xmlns:com="http://schemas.openxmlformats.org/drawingml/2006/compatibility" xmlns:pvml="urn:schemas-microsoft-com:office:powerpoint" xmlns:v="urn:schemas-microsoft-com:vml" xmlns:o="urn:schemas-microsoft-com:office:office" xmlns:dgm="http://schemas.openxmlformats.org/drawingml/2006/diagram" xmlns:c="http://schemas.openxmlformats.org/drawingml/2006/chart" xmlns:mv="urn:schemas-microsoft-com:mac:vml" xmlns="">
       <p:transition spd="med">
         <p:fade/>
       </p:transition>
@@ -7525,7 +6241,7 @@
             <a:spLocks noGrp="1"/>
           </p:cNvSpPr>
           <p:nvPr>
-            <p:ph type="body" idx="1"/>
+            <p:ph idx="1"/>
           </p:nvPr>
         </p:nvSpPr>
         <p:spPr/>
@@ -7660,7 +6376,7 @@
             <a:spLocks noGrp="1"/>
           </p:cNvSpPr>
           <p:nvPr>
-            <p:ph type="body" idx="1"/>
+            <p:ph idx="1"/>
           </p:nvPr>
         </p:nvSpPr>
         <p:spPr/>
@@ -7878,7 +6594,7 @@
         <p14:reveal/>
       </p:transition>
     </mc:Choice>
-    <mc:Fallback xmlns="" xmlns:mv="urn:schemas-microsoft-com:mac:vml" xmlns:c="http://schemas.openxmlformats.org/drawingml/2006/chart" xmlns:dgm="http://schemas.openxmlformats.org/drawingml/2006/diagram" xmlns:o="urn:schemas-microsoft-com:office:office" xmlns:v="urn:schemas-microsoft-com:vml" xmlns:pvml="urn:schemas-microsoft-com:office:powerpoint" xmlns:com="http://schemas.openxmlformats.org/drawingml/2006/compatibility" xmlns:p15="http://schemas.microsoft.com/office/powerpoint/2012/main" xmlns:ahyp="http://schemas.microsoft.com/office/drawing/2018/hyperlinkcolor">
+    <mc:Fallback xmlns:ahyp="http://schemas.microsoft.com/office/drawing/2018/hyperlinkcolor" xmlns:p15="http://schemas.microsoft.com/office/powerpoint/2012/main" xmlns:com="http://schemas.openxmlformats.org/drawingml/2006/compatibility" xmlns:pvml="urn:schemas-microsoft-com:office:powerpoint" xmlns:v="urn:schemas-microsoft-com:vml" xmlns:o="urn:schemas-microsoft-com:office:office" xmlns:dgm="http://schemas.openxmlformats.org/drawingml/2006/diagram" xmlns:c="http://schemas.openxmlformats.org/drawingml/2006/chart" xmlns:mv="urn:schemas-microsoft-com:mac:vml" xmlns="">
       <p:transition spd="med">
         <p:fade/>
       </p:transition>
@@ -7958,7 +6674,7 @@
             <a:spLocks noGrp="1"/>
           </p:cNvSpPr>
           <p:nvPr>
-            <p:ph type="body" idx="1"/>
+            <p:ph idx="1"/>
           </p:nvPr>
         </p:nvSpPr>
         <p:spPr/>
@@ -8154,7 +6870,7 @@
             <a:spLocks noGrp="1"/>
           </p:cNvSpPr>
           <p:nvPr>
-            <p:ph type="body" idx="1"/>
+            <p:ph idx="1"/>
           </p:nvPr>
         </p:nvSpPr>
         <p:spPr/>
@@ -9373,6 +8089,31 @@
           </a:p>
         </p:txBody>
       </p:sp>
+      <p:sp>
+        <p:nvSpPr>
+          <p:cNvPr id="2" name="Espace réservé pour une image  1">
+            <a:extLst>
+              <a:ext uri="{FF2B5EF4-FFF2-40B4-BE49-F238E27FC236}">
+                <a16:creationId xmlns:a16="http://schemas.microsoft.com/office/drawing/2014/main" id="{EBD8C7B2-C055-38A8-C502-86D6C57B3A6C}"/>
+              </a:ext>
+            </a:extLst>
+          </p:cNvPr>
+          <p:cNvSpPr>
+            <a:spLocks noGrp="1"/>
+          </p:cNvSpPr>
+          <p:nvPr>
+            <p:ph type="pic" sz="quarter" idx="10"/>
+          </p:nvPr>
+        </p:nvSpPr>
+        <p:spPr/>
+        <p:txBody>
+          <a:bodyPr/>
+          <a:lstStyle/>
+          <a:p>
+            <a:endParaRPr lang="fr-BE"/>
+          </a:p>
+        </p:txBody>
+      </p:sp>
     </p:spTree>
   </p:cSld>
   <p:clrMapOvr>
@@ -9384,7 +8125,7 @@
         <p14:reveal/>
       </p:transition>
     </mc:Choice>
-    <mc:Fallback xmlns="" xmlns:mv="urn:schemas-microsoft-com:mac:vml" xmlns:c="http://schemas.openxmlformats.org/drawingml/2006/chart" xmlns:dgm="http://schemas.openxmlformats.org/drawingml/2006/diagram" xmlns:o="urn:schemas-microsoft-com:office:office" xmlns:v="urn:schemas-microsoft-com:vml" xmlns:pvml="urn:schemas-microsoft-com:office:powerpoint" xmlns:com="http://schemas.openxmlformats.org/drawingml/2006/compatibility" xmlns:p15="http://schemas.microsoft.com/office/powerpoint/2012/main" xmlns:ahyp="http://schemas.microsoft.com/office/drawing/2018/hyperlinkcolor">
+    <mc:Fallback xmlns:ahyp="http://schemas.microsoft.com/office/drawing/2018/hyperlinkcolor" xmlns:p15="http://schemas.microsoft.com/office/powerpoint/2012/main" xmlns:com="http://schemas.openxmlformats.org/drawingml/2006/compatibility" xmlns:pvml="urn:schemas-microsoft-com:office:powerpoint" xmlns:v="urn:schemas-microsoft-com:vml" xmlns:o="urn:schemas-microsoft-com:office:office" xmlns:dgm="http://schemas.openxmlformats.org/drawingml/2006/diagram" xmlns:c="http://schemas.openxmlformats.org/drawingml/2006/chart" xmlns:mv="urn:schemas-microsoft-com:mac:vml" xmlns="">
       <p:transition spd="med">
         <p:fade/>
       </p:transition>
@@ -9446,7 +8187,7 @@
             <a:spLocks noGrp="1"/>
           </p:cNvSpPr>
           <p:nvPr>
-            <p:ph type="body" idx="1"/>
+            <p:ph idx="1"/>
           </p:nvPr>
         </p:nvSpPr>
         <p:spPr/>
@@ -9507,7 +8248,7 @@
         <p14:reveal/>
       </p:transition>
     </mc:Choice>
-    <mc:Fallback xmlns="" xmlns:mv="urn:schemas-microsoft-com:mac:vml" xmlns:c="http://schemas.openxmlformats.org/drawingml/2006/chart" xmlns:dgm="http://schemas.openxmlformats.org/drawingml/2006/diagram" xmlns:o="urn:schemas-microsoft-com:office:office" xmlns:v="urn:schemas-microsoft-com:vml" xmlns:pvml="urn:schemas-microsoft-com:office:powerpoint" xmlns:com="http://schemas.openxmlformats.org/drawingml/2006/compatibility" xmlns:p15="http://schemas.microsoft.com/office/powerpoint/2012/main" xmlns:ahyp="http://schemas.microsoft.com/office/drawing/2018/hyperlinkcolor">
+    <mc:Fallback xmlns:ahyp="http://schemas.microsoft.com/office/drawing/2018/hyperlinkcolor" xmlns:p15="http://schemas.microsoft.com/office/powerpoint/2012/main" xmlns:com="http://schemas.openxmlformats.org/drawingml/2006/compatibility" xmlns:pvml="urn:schemas-microsoft-com:office:powerpoint" xmlns:v="urn:schemas-microsoft-com:vml" xmlns:o="urn:schemas-microsoft-com:office:office" xmlns:dgm="http://schemas.openxmlformats.org/drawingml/2006/diagram" xmlns:c="http://schemas.openxmlformats.org/drawingml/2006/chart" xmlns:mv="urn:schemas-microsoft-com:mac:vml" xmlns="">
       <p:transition spd="med">
         <p:fade/>
       </p:transition>
@@ -9569,7 +8310,7 @@
             <a:spLocks noGrp="1"/>
           </p:cNvSpPr>
           <p:nvPr>
-            <p:ph type="body" idx="1"/>
+            <p:ph idx="1"/>
           </p:nvPr>
         </p:nvSpPr>
         <p:spPr/>
@@ -9758,7 +8499,7 @@
             <a:spLocks noGrp="1"/>
           </p:cNvSpPr>
           <p:nvPr>
-            <p:ph type="body" idx="1"/>
+            <p:ph idx="1"/>
           </p:nvPr>
         </p:nvSpPr>
         <p:spPr/>
@@ -9918,13 +8659,13 @@
             <a:spLocks noGrp="1"/>
           </p:cNvSpPr>
           <p:nvPr>
-            <p:ph type="body" idx="1"/>
+            <p:ph idx="1"/>
           </p:nvPr>
         </p:nvSpPr>
         <p:spPr/>
         <p:txBody>
           <a:bodyPr>
-            <a:normAutofit fontScale="92500" lnSpcReduction="20000"/>
+            <a:normAutofit fontScale="77500" lnSpcReduction="20000"/>
           </a:bodyPr>
           <a:lstStyle/>
           <a:p>
@@ -10167,7 +8908,7 @@
         <p14:reveal/>
       </p:transition>
     </mc:Choice>
-    <mc:Fallback xmlns="" xmlns:mv="urn:schemas-microsoft-com:mac:vml" xmlns:c="http://schemas.openxmlformats.org/drawingml/2006/chart" xmlns:dgm="http://schemas.openxmlformats.org/drawingml/2006/diagram" xmlns:o="urn:schemas-microsoft-com:office:office" xmlns:v="urn:schemas-microsoft-com:vml" xmlns:pvml="urn:schemas-microsoft-com:office:powerpoint" xmlns:com="http://schemas.openxmlformats.org/drawingml/2006/compatibility" xmlns:p15="http://schemas.microsoft.com/office/powerpoint/2012/main" xmlns:ahyp="http://schemas.microsoft.com/office/drawing/2018/hyperlinkcolor">
+    <mc:Fallback xmlns:ahyp="http://schemas.microsoft.com/office/drawing/2018/hyperlinkcolor" xmlns:p15="http://schemas.microsoft.com/office/powerpoint/2012/main" xmlns:com="http://schemas.openxmlformats.org/drawingml/2006/compatibility" xmlns:pvml="urn:schemas-microsoft-com:office:powerpoint" xmlns:v="urn:schemas-microsoft-com:vml" xmlns:o="urn:schemas-microsoft-com:office:office" xmlns:dgm="http://schemas.openxmlformats.org/drawingml/2006/diagram" xmlns:c="http://schemas.openxmlformats.org/drawingml/2006/chart" xmlns:mv="urn:schemas-microsoft-com:mac:vml" xmlns="">
       <p:transition spd="med">
         <p:fade/>
       </p:transition>
@@ -10234,7 +8975,7 @@
             <a:spLocks noGrp="1"/>
           </p:cNvSpPr>
           <p:nvPr>
-            <p:ph type="body" idx="1"/>
+            <p:ph idx="1"/>
           </p:nvPr>
         </p:nvSpPr>
         <p:spPr>
@@ -10245,7 +8986,7 @@
         </p:spPr>
         <p:txBody>
           <a:bodyPr>
-            <a:normAutofit fontScale="70000" lnSpcReduction="20000"/>
+            <a:normAutofit fontScale="55000" lnSpcReduction="20000"/>
           </a:bodyPr>
           <a:lstStyle/>
           <a:p>
@@ -10537,7 +9278,7 @@
         <p14:reveal/>
       </p:transition>
     </mc:Choice>
-    <mc:Fallback xmlns="" xmlns:mv="urn:schemas-microsoft-com:mac:vml" xmlns:c="http://schemas.openxmlformats.org/drawingml/2006/chart" xmlns:dgm="http://schemas.openxmlformats.org/drawingml/2006/diagram" xmlns:o="urn:schemas-microsoft-com:office:office" xmlns:v="urn:schemas-microsoft-com:vml" xmlns:pvml="urn:schemas-microsoft-com:office:powerpoint" xmlns:com="http://schemas.openxmlformats.org/drawingml/2006/compatibility" xmlns:p15="http://schemas.microsoft.com/office/powerpoint/2012/main" xmlns:ahyp="http://schemas.microsoft.com/office/drawing/2018/hyperlinkcolor">
+    <mc:Fallback xmlns:ahyp="http://schemas.microsoft.com/office/drawing/2018/hyperlinkcolor" xmlns:p15="http://schemas.microsoft.com/office/powerpoint/2012/main" xmlns:com="http://schemas.openxmlformats.org/drawingml/2006/compatibility" xmlns:pvml="urn:schemas-microsoft-com:office:powerpoint" xmlns:v="urn:schemas-microsoft-com:vml" xmlns:o="urn:schemas-microsoft-com:office:office" xmlns:dgm="http://schemas.openxmlformats.org/drawingml/2006/diagram" xmlns:c="http://schemas.openxmlformats.org/drawingml/2006/chart" xmlns:mv="urn:schemas-microsoft-com:mac:vml" xmlns="">
       <p:transition spd="med">
         <p:fade/>
       </p:transition>
@@ -10604,7 +9345,7 @@
             <a:spLocks noGrp="1"/>
           </p:cNvSpPr>
           <p:nvPr>
-            <p:ph type="body" idx="1"/>
+            <p:ph idx="1"/>
           </p:nvPr>
         </p:nvSpPr>
         <p:spPr>
@@ -10615,7 +9356,7 @@
         </p:spPr>
         <p:txBody>
           <a:bodyPr>
-            <a:normAutofit fontScale="62500" lnSpcReduction="20000"/>
+            <a:normAutofit fontScale="47500" lnSpcReduction="20000"/>
           </a:bodyPr>
           <a:lstStyle/>
           <a:p>
@@ -10964,6 +9705,31 @@
           </a:p>
         </p:txBody>
       </p:sp>
+      <p:sp>
+        <p:nvSpPr>
+          <p:cNvPr id="2" name="Espace réservé pour une image  1">
+            <a:extLst>
+              <a:ext uri="{FF2B5EF4-FFF2-40B4-BE49-F238E27FC236}">
+                <a16:creationId xmlns:a16="http://schemas.microsoft.com/office/drawing/2014/main" id="{23CF3F7F-4F94-0109-050A-98395A8BCE0E}"/>
+              </a:ext>
+            </a:extLst>
+          </p:cNvPr>
+          <p:cNvSpPr>
+            <a:spLocks noGrp="1"/>
+          </p:cNvSpPr>
+          <p:nvPr>
+            <p:ph type="pic" sz="quarter" idx="10"/>
+          </p:nvPr>
+        </p:nvSpPr>
+        <p:spPr/>
+        <p:txBody>
+          <a:bodyPr/>
+          <a:lstStyle/>
+          <a:p>
+            <a:endParaRPr lang="fr-BE"/>
+          </a:p>
+        </p:txBody>
+      </p:sp>
     </p:spTree>
     <p:extLst>
       <p:ext uri="{BB962C8B-B14F-4D97-AF65-F5344CB8AC3E}">
@@ -11047,7 +9813,7 @@
             <a:spLocks noGrp="1"/>
           </p:cNvSpPr>
           <p:nvPr>
-            <p:ph type="body" idx="1"/>
+            <p:ph idx="1"/>
           </p:nvPr>
         </p:nvSpPr>
         <p:spPr>
@@ -11058,7 +9824,7 @@
         </p:spPr>
         <p:txBody>
           <a:bodyPr>
-            <a:normAutofit fontScale="70000" lnSpcReduction="20000"/>
+            <a:normAutofit fontScale="55000" lnSpcReduction="20000"/>
           </a:bodyPr>
           <a:lstStyle/>
           <a:p>
@@ -11350,7 +10116,7 @@
         <p14:reveal/>
       </p:transition>
     </mc:Choice>
-    <mc:Fallback xmlns="" xmlns:mv="urn:schemas-microsoft-com:mac:vml" xmlns:c="http://schemas.openxmlformats.org/drawingml/2006/chart" xmlns:dgm="http://schemas.openxmlformats.org/drawingml/2006/diagram" xmlns:o="urn:schemas-microsoft-com:office:office" xmlns:v="urn:schemas-microsoft-com:vml" xmlns:pvml="urn:schemas-microsoft-com:office:powerpoint" xmlns:com="http://schemas.openxmlformats.org/drawingml/2006/compatibility" xmlns:p15="http://schemas.microsoft.com/office/powerpoint/2012/main" xmlns:ahyp="http://schemas.microsoft.com/office/drawing/2018/hyperlinkcolor">
+    <mc:Fallback xmlns:ahyp="http://schemas.microsoft.com/office/drawing/2018/hyperlinkcolor" xmlns:p15="http://schemas.microsoft.com/office/powerpoint/2012/main" xmlns:com="http://schemas.openxmlformats.org/drawingml/2006/compatibility" xmlns:pvml="urn:schemas-microsoft-com:office:powerpoint" xmlns:v="urn:schemas-microsoft-com:vml" xmlns:o="urn:schemas-microsoft-com:office:office" xmlns:dgm="http://schemas.openxmlformats.org/drawingml/2006/diagram" xmlns:c="http://schemas.openxmlformats.org/drawingml/2006/chart" xmlns:mv="urn:schemas-microsoft-com:mac:vml" xmlns="">
       <p:transition spd="med">
         <p:fade/>
       </p:transition>
@@ -11424,7 +10190,7 @@
             <a:spLocks noGrp="1"/>
           </p:cNvSpPr>
           <p:nvPr>
-            <p:ph type="body" idx="1"/>
+            <p:ph idx="1"/>
           </p:nvPr>
         </p:nvSpPr>
         <p:spPr>
@@ -11435,7 +10201,7 @@
         </p:spPr>
         <p:txBody>
           <a:bodyPr>
-            <a:normAutofit fontScale="70000" lnSpcReduction="20000"/>
+            <a:normAutofit fontScale="55000" lnSpcReduction="20000"/>
           </a:bodyPr>
           <a:lstStyle/>
           <a:p>
@@ -11920,7 +10686,7 @@
         <p14:reveal/>
       </p:transition>
     </mc:Choice>
-    <mc:Fallback xmlns="" xmlns:mv="urn:schemas-microsoft-com:mac:vml" xmlns:c="http://schemas.openxmlformats.org/drawingml/2006/chart" xmlns:dgm="http://schemas.openxmlformats.org/drawingml/2006/diagram" xmlns:o="urn:schemas-microsoft-com:office:office" xmlns:v="urn:schemas-microsoft-com:vml" xmlns:pvml="urn:schemas-microsoft-com:office:powerpoint" xmlns:com="http://schemas.openxmlformats.org/drawingml/2006/compatibility" xmlns:p15="http://schemas.microsoft.com/office/powerpoint/2012/main" xmlns:ahyp="http://schemas.microsoft.com/office/drawing/2018/hyperlinkcolor">
+    <mc:Fallback xmlns:ahyp="http://schemas.microsoft.com/office/drawing/2018/hyperlinkcolor" xmlns:p15="http://schemas.microsoft.com/office/powerpoint/2012/main" xmlns:com="http://schemas.openxmlformats.org/drawingml/2006/compatibility" xmlns:pvml="urn:schemas-microsoft-com:office:powerpoint" xmlns:v="urn:schemas-microsoft-com:vml" xmlns:o="urn:schemas-microsoft-com:office:office" xmlns:dgm="http://schemas.openxmlformats.org/drawingml/2006/diagram" xmlns:c="http://schemas.openxmlformats.org/drawingml/2006/chart" xmlns:mv="urn:schemas-microsoft-com:mac:vml" xmlns="">
       <p:transition spd="med">
         <p:fade/>
       </p:transition>
@@ -11994,7 +10760,7 @@
             <a:spLocks noGrp="1"/>
           </p:cNvSpPr>
           <p:nvPr>
-            <p:ph type="body" idx="1"/>
+            <p:ph idx="1"/>
           </p:nvPr>
         </p:nvSpPr>
         <p:spPr>
@@ -12350,7 +11116,7 @@
             <a:spLocks noGrp="1"/>
           </p:cNvSpPr>
           <p:nvPr>
-            <p:ph type="body" idx="1"/>
+            <p:ph idx="1"/>
           </p:nvPr>
         </p:nvSpPr>
         <p:spPr/>
@@ -12672,7 +11438,7 @@
         <p14:reveal/>
       </p:transition>
     </mc:Choice>
-    <mc:Fallback xmlns="" xmlns:mv="urn:schemas-microsoft-com:mac:vml" xmlns:c="http://schemas.openxmlformats.org/drawingml/2006/chart" xmlns:dgm="http://schemas.openxmlformats.org/drawingml/2006/diagram" xmlns:o="urn:schemas-microsoft-com:office:office" xmlns:v="urn:schemas-microsoft-com:vml" xmlns:pvml="urn:schemas-microsoft-com:office:powerpoint" xmlns:com="http://schemas.openxmlformats.org/drawingml/2006/compatibility" xmlns:p15="http://schemas.microsoft.com/office/powerpoint/2012/main" xmlns:ahyp="http://schemas.microsoft.com/office/drawing/2018/hyperlinkcolor">
+    <mc:Fallback xmlns:ahyp="http://schemas.microsoft.com/office/drawing/2018/hyperlinkcolor" xmlns:p15="http://schemas.microsoft.com/office/powerpoint/2012/main" xmlns:com="http://schemas.openxmlformats.org/drawingml/2006/compatibility" xmlns:pvml="urn:schemas-microsoft-com:office:powerpoint" xmlns:v="urn:schemas-microsoft-com:vml" xmlns:o="urn:schemas-microsoft-com:office:office" xmlns:dgm="http://schemas.openxmlformats.org/drawingml/2006/diagram" xmlns:c="http://schemas.openxmlformats.org/drawingml/2006/chart" xmlns:mv="urn:schemas-microsoft-com:mac:vml" xmlns="">
       <p:transition spd="med">
         <p:fade/>
       </p:transition>
@@ -12739,7 +11505,7 @@
             <a:spLocks noGrp="1"/>
           </p:cNvSpPr>
           <p:nvPr>
-            <p:ph type="body" idx="1"/>
+            <p:ph idx="1"/>
           </p:nvPr>
         </p:nvSpPr>
         <p:spPr/>
@@ -12887,13 +11653,13 @@
             <a:spLocks noGrp="1"/>
           </p:cNvSpPr>
           <p:nvPr>
-            <p:ph type="body" idx="1"/>
+            <p:ph sz="half" idx="1"/>
           </p:nvPr>
         </p:nvSpPr>
         <p:spPr/>
         <p:txBody>
           <a:bodyPr>
-            <a:normAutofit fontScale="92500" lnSpcReduction="10000"/>
+            <a:normAutofit fontScale="92500"/>
           </a:bodyPr>
           <a:lstStyle/>
           <a:p>
@@ -13058,7 +11824,7 @@
         <p14:reveal/>
       </p:transition>
     </mc:Choice>
-    <mc:Fallback xmlns="" xmlns:mv="urn:schemas-microsoft-com:mac:vml" xmlns:c="http://schemas.openxmlformats.org/drawingml/2006/chart" xmlns:dgm="http://schemas.openxmlformats.org/drawingml/2006/diagram" xmlns:o="urn:schemas-microsoft-com:office:office" xmlns:v="urn:schemas-microsoft-com:vml" xmlns:pvml="urn:schemas-microsoft-com:office:powerpoint" xmlns:com="http://schemas.openxmlformats.org/drawingml/2006/compatibility" xmlns:p15="http://schemas.microsoft.com/office/powerpoint/2012/main" xmlns:ahyp="http://schemas.microsoft.com/office/drawing/2018/hyperlinkcolor">
+    <mc:Fallback xmlns:ahyp="http://schemas.microsoft.com/office/drawing/2018/hyperlinkcolor" xmlns:p15="http://schemas.microsoft.com/office/powerpoint/2012/main" xmlns:com="http://schemas.openxmlformats.org/drawingml/2006/compatibility" xmlns:pvml="urn:schemas-microsoft-com:office:powerpoint" xmlns:v="urn:schemas-microsoft-com:vml" xmlns:o="urn:schemas-microsoft-com:office:office" xmlns:dgm="http://schemas.openxmlformats.org/drawingml/2006/diagram" xmlns:c="http://schemas.openxmlformats.org/drawingml/2006/chart" xmlns:mv="urn:schemas-microsoft-com:mac:vml" xmlns="">
       <p:transition spd="med">
         <p:fade/>
       </p:transition>
@@ -13132,7 +11898,7 @@
             <a:spLocks noGrp="1"/>
           </p:cNvSpPr>
           <p:nvPr>
-            <p:ph type="body" idx="1"/>
+            <p:ph sz="half" idx="1"/>
           </p:nvPr>
         </p:nvSpPr>
         <p:spPr/>
@@ -13173,7 +11939,7 @@
             <a:spLocks noGrp="1"/>
           </p:cNvSpPr>
           <p:nvPr>
-            <p:ph type="body" idx="2"/>
+            <p:ph sz="half" idx="2"/>
           </p:nvPr>
         </p:nvSpPr>
         <p:spPr/>
@@ -13374,7 +12140,7 @@
         <p14:reveal/>
       </p:transition>
     </mc:Choice>
-    <mc:Fallback xmlns="" xmlns:mv="urn:schemas-microsoft-com:mac:vml" xmlns:c="http://schemas.openxmlformats.org/drawingml/2006/chart" xmlns:dgm="http://schemas.openxmlformats.org/drawingml/2006/diagram" xmlns:o="urn:schemas-microsoft-com:office:office" xmlns:v="urn:schemas-microsoft-com:vml" xmlns:pvml="urn:schemas-microsoft-com:office:powerpoint" xmlns:com="http://schemas.openxmlformats.org/drawingml/2006/compatibility" xmlns:p15="http://schemas.microsoft.com/office/powerpoint/2012/main" xmlns:ahyp="http://schemas.microsoft.com/office/drawing/2018/hyperlinkcolor">
+    <mc:Fallback xmlns:ahyp="http://schemas.microsoft.com/office/drawing/2018/hyperlinkcolor" xmlns:p15="http://schemas.microsoft.com/office/powerpoint/2012/main" xmlns:com="http://schemas.openxmlformats.org/drawingml/2006/compatibility" xmlns:pvml="urn:schemas-microsoft-com:office:powerpoint" xmlns:v="urn:schemas-microsoft-com:vml" xmlns:o="urn:schemas-microsoft-com:office:office" xmlns:dgm="http://schemas.openxmlformats.org/drawingml/2006/diagram" xmlns:c="http://schemas.openxmlformats.org/drawingml/2006/chart" xmlns:mv="urn:schemas-microsoft-com:mac:vml" xmlns="">
       <p:transition spd="med">
         <p:fade/>
       </p:transition>
@@ -13441,7 +12207,7 @@
             <a:spLocks noGrp="1"/>
           </p:cNvSpPr>
           <p:nvPr>
-            <p:ph type="body" idx="1"/>
+            <p:ph idx="1"/>
           </p:nvPr>
         </p:nvSpPr>
         <p:spPr/>
@@ -13569,7 +12335,7 @@
         <p14:reveal/>
       </p:transition>
     </mc:Choice>
-    <mc:Fallback xmlns="" xmlns:mv="urn:schemas-microsoft-com:mac:vml" xmlns:c="http://schemas.openxmlformats.org/drawingml/2006/chart" xmlns:dgm="http://schemas.openxmlformats.org/drawingml/2006/diagram" xmlns:o="urn:schemas-microsoft-com:office:office" xmlns:v="urn:schemas-microsoft-com:vml" xmlns:pvml="urn:schemas-microsoft-com:office:powerpoint" xmlns:com="http://schemas.openxmlformats.org/drawingml/2006/compatibility" xmlns:p15="http://schemas.microsoft.com/office/powerpoint/2012/main" xmlns:ahyp="http://schemas.microsoft.com/office/drawing/2018/hyperlinkcolor">
+    <mc:Fallback xmlns:ahyp="http://schemas.microsoft.com/office/drawing/2018/hyperlinkcolor" xmlns:p15="http://schemas.microsoft.com/office/powerpoint/2012/main" xmlns:com="http://schemas.openxmlformats.org/drawingml/2006/compatibility" xmlns:pvml="urn:schemas-microsoft-com:office:powerpoint" xmlns:v="urn:schemas-microsoft-com:vml" xmlns:o="urn:schemas-microsoft-com:office:office" xmlns:dgm="http://schemas.openxmlformats.org/drawingml/2006/diagram" xmlns:c="http://schemas.openxmlformats.org/drawingml/2006/chart" xmlns:mv="urn:schemas-microsoft-com:mac:vml" xmlns="">
       <p:transition spd="med">
         <p:fade/>
       </p:transition>
@@ -13636,7 +12402,7 @@
             <a:spLocks noGrp="1"/>
           </p:cNvSpPr>
           <p:nvPr>
-            <p:ph type="body" idx="1"/>
+            <p:ph idx="1"/>
           </p:nvPr>
         </p:nvSpPr>
         <p:spPr>
@@ -13647,7 +12413,7 @@
         </p:spPr>
         <p:txBody>
           <a:bodyPr numCol="1">
-            <a:normAutofit fontScale="70000" lnSpcReduction="20000"/>
+            <a:normAutofit fontScale="47500" lnSpcReduction="20000"/>
           </a:bodyPr>
           <a:lstStyle/>
           <a:p>
@@ -14003,7 +12769,7 @@
         <p14:reveal/>
       </p:transition>
     </mc:Choice>
-    <mc:Fallback xmlns="" xmlns:mv="urn:schemas-microsoft-com:mac:vml" xmlns:c="http://schemas.openxmlformats.org/drawingml/2006/chart" xmlns:dgm="http://schemas.openxmlformats.org/drawingml/2006/diagram" xmlns:o="urn:schemas-microsoft-com:office:office" xmlns:v="urn:schemas-microsoft-com:vml" xmlns:pvml="urn:schemas-microsoft-com:office:powerpoint" xmlns:com="http://schemas.openxmlformats.org/drawingml/2006/compatibility" xmlns:p15="http://schemas.microsoft.com/office/powerpoint/2012/main" xmlns:ahyp="http://schemas.microsoft.com/office/drawing/2018/hyperlinkcolor">
+    <mc:Fallback xmlns:ahyp="http://schemas.microsoft.com/office/drawing/2018/hyperlinkcolor" xmlns:p15="http://schemas.microsoft.com/office/powerpoint/2012/main" xmlns:com="http://schemas.openxmlformats.org/drawingml/2006/compatibility" xmlns:pvml="urn:schemas-microsoft-com:office:powerpoint" xmlns:v="urn:schemas-microsoft-com:vml" xmlns:o="urn:schemas-microsoft-com:office:office" xmlns:dgm="http://schemas.openxmlformats.org/drawingml/2006/diagram" xmlns:c="http://schemas.openxmlformats.org/drawingml/2006/chart" xmlns:mv="urn:schemas-microsoft-com:mac:vml" xmlns="">
       <p:transition spd="med">
         <p:fade/>
       </p:transition>
@@ -14070,7 +12836,7 @@
             <a:spLocks noGrp="1"/>
           </p:cNvSpPr>
           <p:nvPr>
-            <p:ph type="body" idx="1"/>
+            <p:ph idx="1"/>
           </p:nvPr>
         </p:nvSpPr>
         <p:spPr>
@@ -14081,7 +12847,7 @@
         </p:spPr>
         <p:txBody>
           <a:bodyPr numCol="2" spcCol="0">
-            <a:normAutofit lnSpcReduction="10000"/>
+            <a:normAutofit fontScale="92500" lnSpcReduction="20000"/>
           </a:bodyPr>
           <a:lstStyle/>
           <a:p>
@@ -14564,7 +13330,7 @@
             <a:spLocks noGrp="1"/>
           </p:cNvSpPr>
           <p:nvPr>
-            <p:ph type="body" idx="1"/>
+            <p:ph idx="1"/>
           </p:nvPr>
         </p:nvSpPr>
         <p:spPr/>
@@ -14803,7 +13569,7 @@
         <p14:reveal/>
       </p:transition>
     </mc:Choice>
-    <mc:Fallback xmlns="" xmlns:mv="urn:schemas-microsoft-com:mac:vml" xmlns:c="http://schemas.openxmlformats.org/drawingml/2006/chart" xmlns:dgm="http://schemas.openxmlformats.org/drawingml/2006/diagram" xmlns:o="urn:schemas-microsoft-com:office:office" xmlns:v="urn:schemas-microsoft-com:vml" xmlns:pvml="urn:schemas-microsoft-com:office:powerpoint" xmlns:com="http://schemas.openxmlformats.org/drawingml/2006/compatibility" xmlns:p15="http://schemas.microsoft.com/office/powerpoint/2012/main" xmlns:ahyp="http://schemas.microsoft.com/office/drawing/2018/hyperlinkcolor">
+    <mc:Fallback xmlns:ahyp="http://schemas.microsoft.com/office/drawing/2018/hyperlinkcolor" xmlns:p15="http://schemas.microsoft.com/office/powerpoint/2012/main" xmlns:com="http://schemas.openxmlformats.org/drawingml/2006/compatibility" xmlns:pvml="urn:schemas-microsoft-com:office:powerpoint" xmlns:v="urn:schemas-microsoft-com:vml" xmlns:o="urn:schemas-microsoft-com:office:office" xmlns:dgm="http://schemas.openxmlformats.org/drawingml/2006/diagram" xmlns:c="http://schemas.openxmlformats.org/drawingml/2006/chart" xmlns:mv="urn:schemas-microsoft-com:mac:vml" xmlns="">
       <p:transition spd="med">
         <p:fade/>
       </p:transition>
@@ -14870,7 +13636,7 @@
             <a:spLocks noGrp="1"/>
           </p:cNvSpPr>
           <p:nvPr>
-            <p:ph type="body" idx="1"/>
+            <p:ph idx="1"/>
           </p:nvPr>
         </p:nvSpPr>
         <p:spPr/>
@@ -14992,7 +13758,7 @@
         <p14:reveal/>
       </p:transition>
     </mc:Choice>
-    <mc:Fallback xmlns="" xmlns:mv="urn:schemas-microsoft-com:mac:vml" xmlns:c="http://schemas.openxmlformats.org/drawingml/2006/chart" xmlns:dgm="http://schemas.openxmlformats.org/drawingml/2006/diagram" xmlns:o="urn:schemas-microsoft-com:office:office" xmlns:v="urn:schemas-microsoft-com:vml" xmlns:pvml="urn:schemas-microsoft-com:office:powerpoint" xmlns:com="http://schemas.openxmlformats.org/drawingml/2006/compatibility" xmlns:p15="http://schemas.microsoft.com/office/powerpoint/2012/main" xmlns:ahyp="http://schemas.microsoft.com/office/drawing/2018/hyperlinkcolor">
+    <mc:Fallback xmlns:ahyp="http://schemas.microsoft.com/office/drawing/2018/hyperlinkcolor" xmlns:p15="http://schemas.microsoft.com/office/powerpoint/2012/main" xmlns:com="http://schemas.openxmlformats.org/drawingml/2006/compatibility" xmlns:pvml="urn:schemas-microsoft-com:office:powerpoint" xmlns:v="urn:schemas-microsoft-com:vml" xmlns:o="urn:schemas-microsoft-com:office:office" xmlns:dgm="http://schemas.openxmlformats.org/drawingml/2006/diagram" xmlns:c="http://schemas.openxmlformats.org/drawingml/2006/chart" xmlns:mv="urn:schemas-microsoft-com:mac:vml" xmlns="">
       <p:transition spd="med">
         <p:fade/>
       </p:transition>
@@ -15035,7 +13801,7 @@
           <a:p>
             <a:r>
               <a:rPr lang="fr-BE"/>
-              <a:t>Chapitre 17-16 : Observer &amp; Événement</a:t>
+              <a:t>Chapitre 17-16 : Observer</a:t>
             </a:r>
           </a:p>
         </p:txBody>
@@ -15060,6 +13826,38 @@
               <a:rPr lang="fr-BE"/>
               <a:t>Design Pattern comportemental</a:t>
             </a:r>
+          </a:p>
+          <a:p>
+            <a:pPr lvl="0"/>
+            <a:r>
+              <a:rPr lang="fr-BE"/>
+              <a:t>Notion d' "évènement"</a:t>
+            </a:r>
+          </a:p>
+        </p:txBody>
+      </p:sp>
+      <p:sp>
+        <p:nvSpPr>
+          <p:cNvPr id="2" name="Espace réservé pour une image  1">
+            <a:extLst>
+              <a:ext uri="{FF2B5EF4-FFF2-40B4-BE49-F238E27FC236}">
+                <a16:creationId xmlns:a16="http://schemas.microsoft.com/office/drawing/2014/main" id="{3D01FC0D-DA39-333D-A5B2-1A8FD2A0743C}"/>
+              </a:ext>
+            </a:extLst>
+          </p:cNvPr>
+          <p:cNvSpPr>
+            <a:spLocks noGrp="1"/>
+          </p:cNvSpPr>
+          <p:nvPr>
+            <p:ph type="pic" sz="quarter" idx="10"/>
+          </p:nvPr>
+        </p:nvSpPr>
+        <p:spPr/>
+        <p:txBody>
+          <a:bodyPr/>
+          <a:lstStyle/>
+          <a:p>
+            <a:endParaRPr lang="fr-BE"/>
           </a:p>
         </p:txBody>
       </p:sp>
@@ -15151,7 +13949,7 @@
         <p14:reveal/>
       </p:transition>
     </mc:Choice>
-    <mc:Fallback xmlns="" xmlns:mv="urn:schemas-microsoft-com:mac:vml" xmlns:c="http://schemas.openxmlformats.org/drawingml/2006/chart" xmlns:dgm="http://schemas.openxmlformats.org/drawingml/2006/diagram" xmlns:o="urn:schemas-microsoft-com:office:office" xmlns:v="urn:schemas-microsoft-com:vml" xmlns:pvml="urn:schemas-microsoft-com:office:powerpoint" xmlns:com="http://schemas.openxmlformats.org/drawingml/2006/compatibility" xmlns:p15="http://schemas.microsoft.com/office/powerpoint/2012/main" xmlns:ahyp="http://schemas.microsoft.com/office/drawing/2018/hyperlinkcolor">
+    <mc:Fallback xmlns:ahyp="http://schemas.microsoft.com/office/drawing/2018/hyperlinkcolor" xmlns:p15="http://schemas.microsoft.com/office/powerpoint/2012/main" xmlns:com="http://schemas.openxmlformats.org/drawingml/2006/compatibility" xmlns:pvml="urn:schemas-microsoft-com:office:powerpoint" xmlns:v="urn:schemas-microsoft-com:vml" xmlns:o="urn:schemas-microsoft-com:office:office" xmlns:dgm="http://schemas.openxmlformats.org/drawingml/2006/diagram" xmlns:c="http://schemas.openxmlformats.org/drawingml/2006/chart" xmlns:mv="urn:schemas-microsoft-com:mac:vml" xmlns="">
       <p:transition spd="med">
         <p:fade/>
       </p:transition>
@@ -15218,7 +14016,7 @@
             <a:spLocks noGrp="1"/>
           </p:cNvSpPr>
           <p:nvPr>
-            <p:ph type="body" idx="1"/>
+            <p:ph idx="1"/>
           </p:nvPr>
         </p:nvSpPr>
         <p:spPr/>
@@ -16328,7 +15126,7 @@
             <a:spLocks noGrp="1"/>
           </p:cNvSpPr>
           <p:nvPr>
-            <p:ph type="body" idx="1"/>
+            <p:ph idx="1"/>
           </p:nvPr>
         </p:nvSpPr>
         <p:spPr>
@@ -16567,7 +15365,7 @@
             <a:spLocks noGrp="1"/>
           </p:cNvSpPr>
           <p:nvPr>
-            <p:ph type="body" idx="1"/>
+            <p:ph idx="1"/>
           </p:nvPr>
         </p:nvSpPr>
         <p:spPr/>
@@ -16598,7 +15396,7 @@
         <p14:reveal/>
       </p:transition>
     </mc:Choice>
-    <mc:Fallback xmlns="" xmlns:mv="urn:schemas-microsoft-com:mac:vml" xmlns:c="http://schemas.openxmlformats.org/drawingml/2006/chart" xmlns:dgm="http://schemas.openxmlformats.org/drawingml/2006/diagram" xmlns:o="urn:schemas-microsoft-com:office:office" xmlns:v="urn:schemas-microsoft-com:vml" xmlns:pvml="urn:schemas-microsoft-com:office:powerpoint" xmlns:com="http://schemas.openxmlformats.org/drawingml/2006/compatibility" xmlns:p15="http://schemas.microsoft.com/office/powerpoint/2012/main" xmlns:ahyp="http://schemas.microsoft.com/office/drawing/2018/hyperlinkcolor">
+    <mc:Fallback xmlns:ahyp="http://schemas.microsoft.com/office/drawing/2018/hyperlinkcolor" xmlns:p15="http://schemas.microsoft.com/office/powerpoint/2012/main" xmlns:com="http://schemas.openxmlformats.org/drawingml/2006/compatibility" xmlns:pvml="urn:schemas-microsoft-com:office:powerpoint" xmlns:v="urn:schemas-microsoft-com:vml" xmlns:o="urn:schemas-microsoft-com:office:office" xmlns:dgm="http://schemas.openxmlformats.org/drawingml/2006/diagram" xmlns:c="http://schemas.openxmlformats.org/drawingml/2006/chart" xmlns:mv="urn:schemas-microsoft-com:mac:vml" xmlns="">
       <p:transition spd="med">
         <p:fade/>
       </p:transition>
@@ -16665,7 +15463,7 @@
             <a:spLocks noGrp="1"/>
           </p:cNvSpPr>
           <p:nvPr>
-            <p:ph type="body" idx="1"/>
+            <p:ph idx="1"/>
           </p:nvPr>
         </p:nvSpPr>
         <p:spPr>
@@ -16755,7 +15553,7 @@
         <p14:reveal/>
       </p:transition>
     </mc:Choice>
-    <mc:Fallback xmlns="" xmlns:mv="urn:schemas-microsoft-com:mac:vml" xmlns:c="http://schemas.openxmlformats.org/drawingml/2006/chart" xmlns:dgm="http://schemas.openxmlformats.org/drawingml/2006/diagram" xmlns:o="urn:schemas-microsoft-com:office:office" xmlns:v="urn:schemas-microsoft-com:vml" xmlns:pvml="urn:schemas-microsoft-com:office:powerpoint" xmlns:com="http://schemas.openxmlformats.org/drawingml/2006/compatibility" xmlns:p15="http://schemas.microsoft.com/office/powerpoint/2012/main" xmlns:ahyp="http://schemas.microsoft.com/office/drawing/2018/hyperlinkcolor">
+    <mc:Fallback xmlns:ahyp="http://schemas.microsoft.com/office/drawing/2018/hyperlinkcolor" xmlns:p15="http://schemas.microsoft.com/office/powerpoint/2012/main" xmlns:com="http://schemas.openxmlformats.org/drawingml/2006/compatibility" xmlns:pvml="urn:schemas-microsoft-com:office:powerpoint" xmlns:v="urn:schemas-microsoft-com:vml" xmlns:o="urn:schemas-microsoft-com:office:office" xmlns:dgm="http://schemas.openxmlformats.org/drawingml/2006/diagram" xmlns:c="http://schemas.openxmlformats.org/drawingml/2006/chart" xmlns:mv="urn:schemas-microsoft-com:mac:vml" xmlns="">
       <p:transition spd="med">
         <p:fade/>
       </p:transition>
@@ -16822,13 +15620,13 @@
             <a:spLocks noGrp="1"/>
           </p:cNvSpPr>
           <p:nvPr>
-            <p:ph type="body" idx="1"/>
+            <p:ph idx="1"/>
           </p:nvPr>
         </p:nvSpPr>
         <p:spPr/>
         <p:txBody>
           <a:bodyPr>
-            <a:normAutofit fontScale="77500" lnSpcReduction="20000"/>
+            <a:normAutofit fontScale="70000" lnSpcReduction="20000"/>
           </a:bodyPr>
           <a:lstStyle/>
           <a:p>
@@ -17138,7 +15936,7 @@
         <p14:reveal/>
       </p:transition>
     </mc:Choice>
-    <mc:Fallback xmlns="" xmlns:mv="urn:schemas-microsoft-com:mac:vml" xmlns:c="http://schemas.openxmlformats.org/drawingml/2006/chart" xmlns:dgm="http://schemas.openxmlformats.org/drawingml/2006/diagram" xmlns:o="urn:schemas-microsoft-com:office:office" xmlns:v="urn:schemas-microsoft-com:vml" xmlns:pvml="urn:schemas-microsoft-com:office:powerpoint" xmlns:com="http://schemas.openxmlformats.org/drawingml/2006/compatibility" xmlns:p15="http://schemas.microsoft.com/office/powerpoint/2012/main" xmlns:ahyp="http://schemas.microsoft.com/office/drawing/2018/hyperlinkcolor">
+    <mc:Fallback xmlns:ahyp="http://schemas.microsoft.com/office/drawing/2018/hyperlinkcolor" xmlns:p15="http://schemas.microsoft.com/office/powerpoint/2012/main" xmlns:com="http://schemas.openxmlformats.org/drawingml/2006/compatibility" xmlns:pvml="urn:schemas-microsoft-com:office:powerpoint" xmlns:v="urn:schemas-microsoft-com:vml" xmlns:o="urn:schemas-microsoft-com:office:office" xmlns:dgm="http://schemas.openxmlformats.org/drawingml/2006/diagram" xmlns:c="http://schemas.openxmlformats.org/drawingml/2006/chart" xmlns:mv="urn:schemas-microsoft-com:mac:vml" xmlns="">
       <p:transition spd="med">
         <p:fade/>
       </p:transition>
@@ -17210,7 +16008,7 @@
         <p14:reveal/>
       </p:transition>
     </mc:Choice>
-    <mc:Fallback xmlns="" xmlns:mv="urn:schemas-microsoft-com:mac:vml" xmlns:c="http://schemas.openxmlformats.org/drawingml/2006/chart" xmlns:dgm="http://schemas.openxmlformats.org/drawingml/2006/diagram" xmlns:o="urn:schemas-microsoft-com:office:office" xmlns:v="urn:schemas-microsoft-com:vml" xmlns:pvml="urn:schemas-microsoft-com:office:powerpoint" xmlns:com="http://schemas.openxmlformats.org/drawingml/2006/compatibility" xmlns:p15="http://schemas.microsoft.com/office/powerpoint/2012/main" xmlns:ahyp="http://schemas.microsoft.com/office/drawing/2018/hyperlinkcolor">
+    <mc:Fallback xmlns:ahyp="http://schemas.microsoft.com/office/drawing/2018/hyperlinkcolor" xmlns:p15="http://schemas.microsoft.com/office/powerpoint/2012/main" xmlns:com="http://schemas.openxmlformats.org/drawingml/2006/compatibility" xmlns:pvml="urn:schemas-microsoft-com:office:powerpoint" xmlns:v="urn:schemas-microsoft-com:vml" xmlns:o="urn:schemas-microsoft-com:office:office" xmlns:dgm="http://schemas.openxmlformats.org/drawingml/2006/diagram" xmlns:c="http://schemas.openxmlformats.org/drawingml/2006/chart" xmlns:mv="urn:schemas-microsoft-com:mac:vml" xmlns="">
       <p:transition spd="med">
         <p:fade/>
       </p:transition>
@@ -17277,7 +16075,7 @@
             <a:spLocks noGrp="1"/>
           </p:cNvSpPr>
           <p:nvPr>
-            <p:ph type="body" idx="1"/>
+            <p:ph idx="1"/>
           </p:nvPr>
         </p:nvSpPr>
         <p:spPr>
@@ -17288,7 +16086,7 @@
         </p:spPr>
         <p:txBody>
           <a:bodyPr numCol="2">
-            <a:normAutofit/>
+            <a:normAutofit fontScale="92500" lnSpcReduction="20000"/>
           </a:bodyPr>
           <a:lstStyle/>
           <a:p>
@@ -17804,7 +16602,7 @@
         <p14:reveal/>
       </p:transition>
     </mc:Choice>
-    <mc:Fallback xmlns="" xmlns:mv="urn:schemas-microsoft-com:mac:vml" xmlns:c="http://schemas.openxmlformats.org/drawingml/2006/chart" xmlns:dgm="http://schemas.openxmlformats.org/drawingml/2006/diagram" xmlns:o="urn:schemas-microsoft-com:office:office" xmlns:v="urn:schemas-microsoft-com:vml" xmlns:pvml="urn:schemas-microsoft-com:office:powerpoint" xmlns:com="http://schemas.openxmlformats.org/drawingml/2006/compatibility" xmlns:p15="http://schemas.microsoft.com/office/powerpoint/2012/main" xmlns:ahyp="http://schemas.microsoft.com/office/drawing/2018/hyperlinkcolor">
+    <mc:Fallback xmlns:ahyp="http://schemas.microsoft.com/office/drawing/2018/hyperlinkcolor" xmlns:p15="http://schemas.microsoft.com/office/powerpoint/2012/main" xmlns:com="http://schemas.openxmlformats.org/drawingml/2006/compatibility" xmlns:pvml="urn:schemas-microsoft-com:office:powerpoint" xmlns:v="urn:schemas-microsoft-com:vml" xmlns:o="urn:schemas-microsoft-com:office:office" xmlns:dgm="http://schemas.openxmlformats.org/drawingml/2006/diagram" xmlns:c="http://schemas.openxmlformats.org/drawingml/2006/chart" xmlns:mv="urn:schemas-microsoft-com:mac:vml" xmlns="">
       <p:transition spd="med">
         <p:fade/>
       </p:transition>
@@ -17871,7 +16669,7 @@
             <a:spLocks noGrp="1"/>
           </p:cNvSpPr>
           <p:nvPr>
-            <p:ph type="body" idx="1"/>
+            <p:ph idx="1"/>
           </p:nvPr>
         </p:nvSpPr>
         <p:spPr/>
@@ -18213,7 +17011,7 @@
             <a:spLocks noGrp="1"/>
           </p:cNvSpPr>
           <p:nvPr>
-            <p:ph type="body" idx="1"/>
+            <p:ph idx="1"/>
           </p:nvPr>
         </p:nvSpPr>
         <p:spPr>
@@ -18224,7 +17022,7 @@
         </p:spPr>
         <p:txBody>
           <a:bodyPr>
-            <a:normAutofit fontScale="70000" lnSpcReduction="20000"/>
+            <a:normAutofit fontScale="55000" lnSpcReduction="20000"/>
           </a:bodyPr>
           <a:lstStyle/>
           <a:p>
@@ -18477,7 +17275,7 @@
         <p14:reveal/>
       </p:transition>
     </mc:Choice>
-    <mc:Fallback xmlns="" xmlns:mv="urn:schemas-microsoft-com:mac:vml" xmlns:c="http://schemas.openxmlformats.org/drawingml/2006/chart" xmlns:dgm="http://schemas.openxmlformats.org/drawingml/2006/diagram" xmlns:o="urn:schemas-microsoft-com:office:office" xmlns:v="urn:schemas-microsoft-com:vml" xmlns:pvml="urn:schemas-microsoft-com:office:powerpoint" xmlns:com="http://schemas.openxmlformats.org/drawingml/2006/compatibility" xmlns:p15="http://schemas.microsoft.com/office/powerpoint/2012/main" xmlns:ahyp="http://schemas.microsoft.com/office/drawing/2018/hyperlinkcolor">
+    <mc:Fallback xmlns:ahyp="http://schemas.microsoft.com/office/drawing/2018/hyperlinkcolor" xmlns:p15="http://schemas.microsoft.com/office/powerpoint/2012/main" xmlns:com="http://schemas.openxmlformats.org/drawingml/2006/compatibility" xmlns:pvml="urn:schemas-microsoft-com:office:powerpoint" xmlns:v="urn:schemas-microsoft-com:vml" xmlns:o="urn:schemas-microsoft-com:office:office" xmlns:dgm="http://schemas.openxmlformats.org/drawingml/2006/diagram" xmlns:c="http://schemas.openxmlformats.org/drawingml/2006/chart" xmlns:mv="urn:schemas-microsoft-com:mac:vml" xmlns="">
       <p:transition spd="med">
         <p:fade/>
       </p:transition>
@@ -18544,7 +17342,7 @@
             <a:spLocks noGrp="1"/>
           </p:cNvSpPr>
           <p:nvPr>
-            <p:ph type="body" idx="1"/>
+            <p:ph sz="half" idx="1"/>
           </p:nvPr>
         </p:nvSpPr>
         <p:spPr>
@@ -18613,7 +17411,7 @@
             <a:spLocks noGrp="1"/>
           </p:cNvSpPr>
           <p:nvPr>
-            <p:ph type="body" idx="2"/>
+            <p:ph sz="half" idx="2"/>
           </p:nvPr>
         </p:nvSpPr>
         <p:spPr>
@@ -19298,7 +18096,7 @@
             <a:spLocks noGrp="1"/>
           </p:cNvSpPr>
           <p:nvPr>
-            <p:ph type="body" idx="1"/>
+            <p:ph idx="1"/>
           </p:nvPr>
         </p:nvSpPr>
         <p:spPr/>
@@ -19701,7 +18499,7 @@
             <a:spLocks noGrp="1"/>
           </p:cNvSpPr>
           <p:nvPr>
-            <p:ph type="body" idx="1"/>
+            <p:ph idx="1"/>
           </p:nvPr>
         </p:nvSpPr>
         <p:spPr>
@@ -19712,7 +18510,7 @@
         </p:spPr>
         <p:txBody>
           <a:bodyPr>
-            <a:normAutofit fontScale="70000" lnSpcReduction="20000"/>
+            <a:normAutofit fontScale="47500" lnSpcReduction="20000"/>
           </a:bodyPr>
           <a:lstStyle/>
           <a:p>
@@ -20012,7 +18810,7 @@
             <a:spLocks noGrp="1"/>
           </p:cNvSpPr>
           <p:nvPr>
-            <p:ph type="body" idx="1"/>
+            <p:ph idx="1"/>
           </p:nvPr>
         </p:nvSpPr>
         <p:spPr/>
@@ -20127,7 +18925,7 @@
         <p14:reveal/>
       </p:transition>
     </mc:Choice>
-    <mc:Fallback xmlns="" xmlns:mv="urn:schemas-microsoft-com:mac:vml" xmlns:c="http://schemas.openxmlformats.org/drawingml/2006/chart" xmlns:dgm="http://schemas.openxmlformats.org/drawingml/2006/diagram" xmlns:o="urn:schemas-microsoft-com:office:office" xmlns:v="urn:schemas-microsoft-com:vml" xmlns:pvml="urn:schemas-microsoft-com:office:powerpoint" xmlns:com="http://schemas.openxmlformats.org/drawingml/2006/compatibility" xmlns:p15="http://schemas.microsoft.com/office/powerpoint/2012/main" xmlns:ahyp="http://schemas.microsoft.com/office/drawing/2018/hyperlinkcolor">
+    <mc:Fallback xmlns:ahyp="http://schemas.microsoft.com/office/drawing/2018/hyperlinkcolor" xmlns:p15="http://schemas.microsoft.com/office/powerpoint/2012/main" xmlns:com="http://schemas.openxmlformats.org/drawingml/2006/compatibility" xmlns:pvml="urn:schemas-microsoft-com:office:powerpoint" xmlns:v="urn:schemas-microsoft-com:vml" xmlns:o="urn:schemas-microsoft-com:office:office" xmlns:dgm="http://schemas.openxmlformats.org/drawingml/2006/diagram" xmlns:c="http://schemas.openxmlformats.org/drawingml/2006/chart" xmlns:mv="urn:schemas-microsoft-com:mac:vml" xmlns="">
       <p:transition spd="med">
         <p:fade/>
       </p:transition>
@@ -20194,7 +18992,7 @@
             <a:spLocks noGrp="1"/>
           </p:cNvSpPr>
           <p:nvPr>
-            <p:ph type="body" idx="1"/>
+            <p:ph idx="1"/>
           </p:nvPr>
         </p:nvSpPr>
         <p:spPr/>
@@ -20351,7 +19149,7 @@
             <a:spLocks noGrp="1"/>
           </p:cNvSpPr>
           <p:nvPr>
-            <p:ph type="body" idx="1"/>
+            <p:ph idx="1"/>
           </p:nvPr>
         </p:nvSpPr>
         <p:spPr/>
@@ -21302,7 +20100,7 @@
             <a:spLocks noGrp="1"/>
           </p:cNvSpPr>
           <p:nvPr>
-            <p:ph type="body" idx="1"/>
+            <p:ph idx="1"/>
           </p:nvPr>
         </p:nvSpPr>
         <p:spPr>
@@ -22570,7 +21368,7 @@
             <a:spLocks noGrp="1"/>
           </p:cNvSpPr>
           <p:nvPr>
-            <p:ph type="body" idx="1"/>
+            <p:ph idx="1"/>
           </p:nvPr>
         </p:nvSpPr>
         <p:spPr/>
@@ -23505,7 +22303,7 @@
         <p14:reveal/>
       </p:transition>
     </mc:Choice>
-    <mc:Fallback xmlns="" xmlns:mv="urn:schemas-microsoft-com:mac:vml" xmlns:c="http://schemas.openxmlformats.org/drawingml/2006/chart" xmlns:dgm="http://schemas.openxmlformats.org/drawingml/2006/diagram" xmlns:o="urn:schemas-microsoft-com:office:office" xmlns:v="urn:schemas-microsoft-com:vml" xmlns:pvml="urn:schemas-microsoft-com:office:powerpoint" xmlns:com="http://schemas.openxmlformats.org/drawingml/2006/compatibility" xmlns:p15="http://schemas.microsoft.com/office/powerpoint/2012/main" xmlns:ahyp="http://schemas.microsoft.com/office/drawing/2018/hyperlinkcolor">
+    <mc:Fallback xmlns:ahyp="http://schemas.microsoft.com/office/drawing/2018/hyperlinkcolor" xmlns:p15="http://schemas.microsoft.com/office/powerpoint/2012/main" xmlns:com="http://schemas.openxmlformats.org/drawingml/2006/compatibility" xmlns:pvml="urn:schemas-microsoft-com:office:powerpoint" xmlns:v="urn:schemas-microsoft-com:vml" xmlns:o="urn:schemas-microsoft-com:office:office" xmlns:dgm="http://schemas.openxmlformats.org/drawingml/2006/diagram" xmlns:c="http://schemas.openxmlformats.org/drawingml/2006/chart" xmlns:mv="urn:schemas-microsoft-com:mac:vml" xmlns="">
       <p:transition spd="med">
         <p:fade/>
       </p:transition>
@@ -23572,7 +22370,7 @@
             <a:spLocks noGrp="1"/>
           </p:cNvSpPr>
           <p:nvPr>
-            <p:ph type="body" idx="1"/>
+            <p:ph idx="1"/>
           </p:nvPr>
         </p:nvSpPr>
         <p:spPr>
@@ -23802,7 +22600,7 @@
             <a:spLocks noGrp="1"/>
           </p:cNvSpPr>
           <p:nvPr>
-            <p:ph type="body" idx="1"/>
+            <p:ph idx="1"/>
           </p:nvPr>
         </p:nvSpPr>
         <p:spPr>
@@ -23813,7 +22611,7 @@
         </p:spPr>
         <p:txBody>
           <a:bodyPr numCol="2" spcCol="180000">
-            <a:normAutofit fontScale="92500"/>
+            <a:normAutofit/>
           </a:bodyPr>
           <a:lstStyle/>
           <a:p>
@@ -24102,7 +22900,7 @@
             <a:spLocks noGrp="1"/>
           </p:cNvSpPr>
           <p:nvPr>
-            <p:ph type="body" idx="1"/>
+            <p:ph sz="half" idx="1"/>
           </p:nvPr>
         </p:nvSpPr>
         <p:spPr>
@@ -24113,7 +22911,7 @@
         </p:spPr>
         <p:txBody>
           <a:bodyPr>
-            <a:normAutofit/>
+            <a:normAutofit fontScale="77500" lnSpcReduction="20000"/>
           </a:bodyPr>
           <a:lstStyle/>
           <a:p>
@@ -24156,7 +22954,7 @@
             <a:spLocks noGrp="1"/>
           </p:cNvSpPr>
           <p:nvPr>
-            <p:ph type="body" idx="2"/>
+            <p:ph sz="half" idx="2"/>
           </p:nvPr>
         </p:nvSpPr>
         <p:spPr>
@@ -24167,7 +22965,7 @@
         </p:spPr>
         <p:txBody>
           <a:bodyPr>
-            <a:normAutofit fontScale="85000" lnSpcReduction="20000"/>
+            <a:normAutofit fontScale="77500" lnSpcReduction="20000"/>
           </a:bodyPr>
           <a:lstStyle/>
           <a:p>
@@ -24499,7 +23297,7 @@
             <a:spLocks noGrp="1"/>
           </p:cNvSpPr>
           <p:nvPr>
-            <p:ph type="body" idx="1"/>
+            <p:ph idx="1"/>
           </p:nvPr>
         </p:nvSpPr>
         <p:spPr/>
@@ -24800,7 +23598,7 @@
             <a:spLocks noGrp="1"/>
           </p:cNvSpPr>
           <p:nvPr>
-            <p:ph type="body" idx="1"/>
+            <p:ph idx="1"/>
           </p:nvPr>
         </p:nvSpPr>
         <p:spPr/>
@@ -24885,7 +23683,7 @@
         <p14:reveal/>
       </p:transition>
     </mc:Choice>
-    <mc:Fallback xmlns="" xmlns:mv="urn:schemas-microsoft-com:mac:vml" xmlns:c="http://schemas.openxmlformats.org/drawingml/2006/chart" xmlns:dgm="http://schemas.openxmlformats.org/drawingml/2006/diagram" xmlns:o="urn:schemas-microsoft-com:office:office" xmlns:v="urn:schemas-microsoft-com:vml" xmlns:pvml="urn:schemas-microsoft-com:office:powerpoint" xmlns:com="http://schemas.openxmlformats.org/drawingml/2006/compatibility" xmlns:p15="http://schemas.microsoft.com/office/powerpoint/2012/main" xmlns:ahyp="http://schemas.microsoft.com/office/drawing/2018/hyperlinkcolor">
+    <mc:Fallback xmlns:ahyp="http://schemas.microsoft.com/office/drawing/2018/hyperlinkcolor" xmlns:p15="http://schemas.microsoft.com/office/powerpoint/2012/main" xmlns:com="http://schemas.openxmlformats.org/drawingml/2006/compatibility" xmlns:pvml="urn:schemas-microsoft-com:office:powerpoint" xmlns:v="urn:schemas-microsoft-com:vml" xmlns:o="urn:schemas-microsoft-com:office:office" xmlns:dgm="http://schemas.openxmlformats.org/drawingml/2006/diagram" xmlns:c="http://schemas.openxmlformats.org/drawingml/2006/chart" xmlns:mv="urn:schemas-microsoft-com:mac:vml" xmlns="">
       <p:transition spd="med">
         <p:fade/>
       </p:transition>
@@ -24956,6 +23754,31 @@
           </a:p>
           <a:p>
             <a:pPr lvl="0"/>
+            <a:endParaRPr lang="fr-BE"/>
+          </a:p>
+        </p:txBody>
+      </p:sp>
+      <p:sp>
+        <p:nvSpPr>
+          <p:cNvPr id="2" name="Espace réservé pour une image  1">
+            <a:extLst>
+              <a:ext uri="{FF2B5EF4-FFF2-40B4-BE49-F238E27FC236}">
+                <a16:creationId xmlns:a16="http://schemas.microsoft.com/office/drawing/2014/main" id="{40BB0400-DCE8-D6BD-2C79-5C3DA9BC967E}"/>
+              </a:ext>
+            </a:extLst>
+          </p:cNvPr>
+          <p:cNvSpPr>
+            <a:spLocks noGrp="1"/>
+          </p:cNvSpPr>
+          <p:nvPr>
+            <p:ph type="pic" sz="quarter" idx="10"/>
+          </p:nvPr>
+        </p:nvSpPr>
+        <p:spPr/>
+        <p:txBody>
+          <a:bodyPr/>
+          <a:lstStyle/>
+          <a:p>
             <a:endParaRPr lang="fr-BE"/>
           </a:p>
         </p:txBody>
@@ -25070,8 +23893,73 @@
           <a:lstStyle/>
           <a:p>
             <a:r>
-              <a:rPr lang="fr-BE"/>
+              <a:rPr lang="fr-BE" sz="3600" b="0">
+                <a:solidFill>
+                  <a:schemeClr val="accent2"/>
+                </a:solidFill>
+              </a:rPr>
               <a:t>PRO</a:t>
+            </a:r>
+          </a:p>
+        </p:txBody>
+      </p:sp>
+      <p:sp>
+        <p:nvSpPr>
+          <p:cNvPr id="6" name="Espace réservé du texte 5">
+            <a:extLst>
+              <a:ext uri="{FF2B5EF4-FFF2-40B4-BE49-F238E27FC236}">
+                <a16:creationId xmlns:a16="http://schemas.microsoft.com/office/drawing/2014/main" id="{E7DECC3B-C3D1-9EE8-916E-47D0B0D86691}"/>
+              </a:ext>
+            </a:extLst>
+          </p:cNvPr>
+          <p:cNvSpPr>
+            <a:spLocks noGrp="1"/>
+          </p:cNvSpPr>
+          <p:nvPr>
+            <p:ph sz="half" idx="2"/>
+          </p:nvPr>
+        </p:nvSpPr>
+        <p:spPr>
+          <a:xfrm>
+            <a:off x="839789" y="2505075"/>
+            <a:ext cx="5157787" cy="3684588"/>
+          </a:xfrm>
+        </p:spPr>
+        <p:txBody>
+          <a:bodyPr>
+            <a:normAutofit lnSpcReduction="10000"/>
+          </a:bodyPr>
+          <a:lstStyle/>
+          <a:p>
+            <a:r>
+              <a:rPr lang="fr-BE"/>
+              <a:t>clarté du code </a:t>
+            </a:r>
+          </a:p>
+          <a:p>
+            <a:r>
+              <a:rPr lang="fr-BE"/>
+              <a:t>réduction des interactions entre objets</a:t>
+            </a:r>
+          </a:p>
+          <a:p>
+            <a:pPr lvl="1"/>
+            <a:r>
+              <a:rPr lang="fr-BE"/>
+              <a:t>maintainabilité accrue</a:t>
+            </a:r>
+          </a:p>
+          <a:p>
+            <a:r>
+              <a:rPr lang="fr-BE"/>
+              <a:t>diminution du temps de développement</a:t>
+            </a:r>
+          </a:p>
+          <a:p>
+            <a:pPr lvl="1"/>
+            <a:r>
+              <a:rPr lang="fr-BE"/>
+              <a:t>si appliqué judicieusement</a:t>
             </a:r>
           </a:p>
         </p:txBody>
@@ -25089,93 +23977,7 @@
             <a:spLocks noGrp="1"/>
           </p:cNvSpPr>
           <p:nvPr>
-            <p:ph type="body" idx="2"/>
-          </p:nvPr>
-        </p:nvSpPr>
-        <p:spPr>
-          <a:xfrm>
-            <a:off x="839789" y="2505075"/>
-            <a:ext cx="5157787" cy="3684588"/>
-          </a:xfrm>
-        </p:spPr>
-        <p:txBody>
-          <a:bodyPr>
-            <a:normAutofit fontScale="92500"/>
-          </a:bodyPr>
-          <a:lstStyle/>
-          <a:p>
-            <a:pPr marL="571500" indent="-571500">
-              <a:buFont typeface="Arial" panose="020B0604020202020204" pitchFamily="34" charset="0"/>
-              <a:buChar char="•"/>
-            </a:pPr>
-            <a:r>
-              <a:rPr lang="fr-BE"/>
-              <a:t>clarté du code </a:t>
-            </a:r>
-          </a:p>
-          <a:p>
-            <a:pPr marL="571500" indent="-571500">
-              <a:buFont typeface="Arial" panose="020B0604020202020204" pitchFamily="34" charset="0"/>
-              <a:buChar char="•"/>
-            </a:pPr>
-            <a:r>
-              <a:rPr lang="fr-BE"/>
-              <a:t>réduction des interactions entre objets</a:t>
-            </a:r>
-          </a:p>
-          <a:p>
-            <a:pPr marL="1054100" lvl="1" indent="-571500">
-              <a:buFont typeface="Arial" panose="020B0604020202020204" pitchFamily="34" charset="0"/>
-              <a:buChar char="•"/>
-            </a:pPr>
-            <a:r>
-              <a:rPr lang="fr-BE"/>
-              <a:t>maintainabilité accrue</a:t>
-            </a:r>
-          </a:p>
-          <a:p>
-            <a:pPr marL="571500" indent="-571500">
-              <a:buFont typeface="Arial" panose="020B0604020202020204" pitchFamily="34" charset="0"/>
-              <a:buChar char="•"/>
-            </a:pPr>
-            <a:r>
-              <a:rPr lang="fr-BE"/>
-              <a:t>diminution du temps de développement</a:t>
-            </a:r>
-          </a:p>
-          <a:p>
-            <a:pPr marL="1054100" lvl="1" indent="-571500">
-              <a:buFont typeface="Arial" panose="020B0604020202020204" pitchFamily="34" charset="0"/>
-              <a:buChar char="•"/>
-            </a:pPr>
-            <a:r>
-              <a:rPr lang="fr-BE"/>
-              <a:t>si appliqué judicieusement</a:t>
-            </a:r>
-          </a:p>
-          <a:p>
-            <a:pPr marL="571500" indent="-571500">
-              <a:buFont typeface="Arial" panose="020B0604020202020204" pitchFamily="34" charset="0"/>
-              <a:buChar char="•"/>
-            </a:pPr>
-            <a:endParaRPr lang="fr-BE"/>
-          </a:p>
-        </p:txBody>
-      </p:sp>
-      <p:sp>
-        <p:nvSpPr>
-          <p:cNvPr id="6" name="Espace réservé du texte 5">
-            <a:extLst>
-              <a:ext uri="{FF2B5EF4-FFF2-40B4-BE49-F238E27FC236}">
-                <a16:creationId xmlns:a16="http://schemas.microsoft.com/office/drawing/2014/main" id="{E7DECC3B-C3D1-9EE8-916E-47D0B0D86691}"/>
-              </a:ext>
-            </a:extLst>
-          </p:cNvPr>
-          <p:cNvSpPr>
-            <a:spLocks noGrp="1"/>
-          </p:cNvSpPr>
-          <p:nvPr>
-            <p:ph type="body" idx="3"/>
+            <p:ph type="body" sz="quarter" idx="3"/>
           </p:nvPr>
         </p:nvSpPr>
         <p:spPr>
@@ -25191,7 +23993,11 @@
           <a:lstStyle/>
           <a:p>
             <a:r>
-              <a:rPr lang="fr-BE"/>
+              <a:rPr lang="fr-BE" sz="3600" b="0">
+                <a:solidFill>
+                  <a:schemeClr val="accent2"/>
+                </a:solidFill>
+              </a:rPr>
               <a:t>CON</a:t>
             </a:r>
           </a:p>
@@ -25210,10 +24016,14 @@
             <a:spLocks noGrp="1"/>
           </p:cNvSpPr>
           <p:nvPr>
-            <p:ph type="body" idx="4"/>
+            <p:ph sz="quarter" idx="4"/>
           </p:nvPr>
         </p:nvSpPr>
         <p:spPr>
+          <a:xfrm>
+            <a:off x="6172201" y="2505075"/>
+            <a:ext cx="5183188" cy="3684588"/>
+          </a:xfrm>
           <a:noFill/>
           <a:ln>
             <a:noFill/>
@@ -25221,32 +24031,30 @@
         </p:spPr>
         <p:txBody>
           <a:bodyPr spcFirstLastPara="1" wrap="square" lIns="91425" tIns="45700" rIns="91425" bIns="45700" anchor="t" anchorCtr="0">
-            <a:normAutofit/>
+            <a:normAutofit lnSpcReduction="10000"/>
           </a:bodyPr>
           <a:lstStyle/>
           <a:p>
-            <a:pPr marL="571500"/>
             <a:r>
               <a:rPr lang="fr-BE"/>
               <a:t>suringénierie </a:t>
             </a:r>
           </a:p>
           <a:p>
-            <a:pPr marL="939800" lvl="1"/>
+            <a:pPr lvl="1"/>
             <a:r>
               <a:rPr lang="fr-BE"/>
               <a:t>complexité du code</a:t>
             </a:r>
           </a:p>
           <a:p>
-            <a:pPr marL="939800" lvl="1"/>
+            <a:pPr lvl="1"/>
             <a:r>
               <a:rPr lang="fr-BE"/>
               <a:t>or : agile =&gt; simplicité</a:t>
             </a:r>
           </a:p>
           <a:p>
-            <a:pPr marL="571500"/>
             <a:r>
               <a:rPr lang="fr-BE"/>
               <a:t>langages modernes intégrant de base certains DP </a:t>
@@ -25332,7 +24140,7 @@
             <a:spLocks noGrp="1"/>
           </p:cNvSpPr>
           <p:nvPr>
-            <p:ph type="body" idx="1"/>
+            <p:ph idx="1"/>
           </p:nvPr>
         </p:nvSpPr>
         <p:spPr/>
@@ -25448,7 +24256,7 @@
             <a:spLocks noGrp="1"/>
           </p:cNvSpPr>
           <p:nvPr>
-            <p:ph type="body" idx="1"/>
+            <p:ph idx="1"/>
           </p:nvPr>
         </p:nvSpPr>
         <p:spPr/>
@@ -25644,7 +24452,7 @@
             <a:spLocks noGrp="1"/>
           </p:cNvSpPr>
           <p:nvPr>
-            <p:ph type="body" idx="1"/>
+            <p:ph idx="1"/>
           </p:nvPr>
         </p:nvSpPr>
         <p:spPr>
@@ -25655,7 +24463,7 @@
         </p:spPr>
         <p:txBody>
           <a:bodyPr numCol="2" spcCol="360000">
-            <a:normAutofit fontScale="77500" lnSpcReduction="20000"/>
+            <a:normAutofit fontScale="70000" lnSpcReduction="20000"/>
           </a:bodyPr>
           <a:lstStyle/>
           <a:p>
@@ -26194,7 +25002,7 @@
             <a:spLocks noGrp="1"/>
           </p:cNvSpPr>
           <p:nvPr>
-            <p:ph type="body" idx="1"/>
+            <p:ph idx="1"/>
           </p:nvPr>
         </p:nvSpPr>
         <p:spPr>
@@ -26694,7 +25502,7 @@
             <a:spLocks noGrp="1"/>
           </p:cNvSpPr>
           <p:nvPr>
-            <p:ph type="body" idx="1"/>
+            <p:ph idx="1"/>
           </p:nvPr>
         </p:nvSpPr>
         <p:spPr>
@@ -26705,7 +25513,7 @@
         </p:spPr>
         <p:txBody>
           <a:bodyPr numCol="1" spcCol="360000">
-            <a:normAutofit fontScale="92500" lnSpcReduction="20000"/>
+            <a:normAutofit fontScale="77500" lnSpcReduction="20000"/>
           </a:bodyPr>
           <a:lstStyle/>
           <a:p>
@@ -27144,7 +25952,7 @@
             <a:spLocks noGrp="1"/>
           </p:cNvSpPr>
           <p:nvPr>
-            <p:ph type="body" idx="1"/>
+            <p:ph idx="1"/>
           </p:nvPr>
         </p:nvSpPr>
         <p:spPr>
@@ -27155,7 +25963,7 @@
         </p:spPr>
         <p:txBody>
           <a:bodyPr numCol="1" spcCol="360000">
-            <a:normAutofit fontScale="92500" lnSpcReduction="20000"/>
+            <a:normAutofit fontScale="70000" lnSpcReduction="20000"/>
           </a:bodyPr>
           <a:lstStyle/>
           <a:p>
@@ -27586,7 +26394,7 @@
             <a:spLocks noGrp="1"/>
           </p:cNvSpPr>
           <p:nvPr>
-            <p:ph type="body" idx="1"/>
+            <p:ph sz="half" idx="1"/>
           </p:nvPr>
         </p:nvSpPr>
         <p:spPr/>
@@ -27689,7 +26497,7 @@
             <a:spLocks noGrp="1"/>
           </p:cNvSpPr>
           <p:nvPr>
-            <p:ph type="body" idx="2"/>
+            <p:ph sz="half" idx="2"/>
           </p:nvPr>
         </p:nvSpPr>
         <p:spPr/>
@@ -27861,7 +26669,7 @@
         <p14:reveal/>
       </p:transition>
     </mc:Choice>
-    <mc:Fallback xmlns="" xmlns:mv="urn:schemas-microsoft-com:mac:vml" xmlns:c="http://schemas.openxmlformats.org/drawingml/2006/chart" xmlns:dgm="http://schemas.openxmlformats.org/drawingml/2006/diagram" xmlns:o="urn:schemas-microsoft-com:office:office" xmlns:v="urn:schemas-microsoft-com:vml" xmlns:pvml="urn:schemas-microsoft-com:office:powerpoint" xmlns:com="http://schemas.openxmlformats.org/drawingml/2006/compatibility" xmlns:p15="http://schemas.microsoft.com/office/powerpoint/2012/main" xmlns:ahyp="http://schemas.microsoft.com/office/drawing/2018/hyperlinkcolor">
+    <mc:Fallback xmlns:ahyp="http://schemas.microsoft.com/office/drawing/2018/hyperlinkcolor" xmlns:p15="http://schemas.microsoft.com/office/powerpoint/2012/main" xmlns:com="http://schemas.openxmlformats.org/drawingml/2006/compatibility" xmlns:pvml="urn:schemas-microsoft-com:office:powerpoint" xmlns:v="urn:schemas-microsoft-com:vml" xmlns:o="urn:schemas-microsoft-com:office:office" xmlns:dgm="http://schemas.openxmlformats.org/drawingml/2006/diagram" xmlns:c="http://schemas.openxmlformats.org/drawingml/2006/chart" xmlns:mv="urn:schemas-microsoft-com:mac:vml" xmlns="">
       <p:transition spd="med">
         <p:fade/>
       </p:transition>
@@ -28054,7 +26862,7 @@
             <a:spLocks noGrp="1"/>
           </p:cNvSpPr>
           <p:nvPr>
-            <p:ph type="body" idx="1"/>
+            <p:ph idx="1"/>
           </p:nvPr>
         </p:nvSpPr>
         <p:spPr>
@@ -28538,7 +27346,7 @@
             <a:spLocks noGrp="1"/>
           </p:cNvSpPr>
           <p:nvPr>
-            <p:ph type="body" idx="1"/>
+            <p:ph idx="1"/>
           </p:nvPr>
         </p:nvSpPr>
         <p:spPr/>
@@ -28692,7 +27500,7 @@
         <p14:reveal/>
       </p:transition>
     </mc:Choice>
-    <mc:Fallback xmlns="" xmlns:mv="urn:schemas-microsoft-com:mac:vml" xmlns:c="http://schemas.openxmlformats.org/drawingml/2006/chart" xmlns:dgm="http://schemas.openxmlformats.org/drawingml/2006/diagram" xmlns:o="urn:schemas-microsoft-com:office:office" xmlns:v="urn:schemas-microsoft-com:vml" xmlns:pvml="urn:schemas-microsoft-com:office:powerpoint" xmlns:com="http://schemas.openxmlformats.org/drawingml/2006/compatibility" xmlns:p15="http://schemas.microsoft.com/office/powerpoint/2012/main" xmlns:ahyp="http://schemas.microsoft.com/office/drawing/2018/hyperlinkcolor">
+    <mc:Fallback xmlns:ahyp="http://schemas.microsoft.com/office/drawing/2018/hyperlinkcolor" xmlns:p15="http://schemas.microsoft.com/office/powerpoint/2012/main" xmlns:com="http://schemas.openxmlformats.org/drawingml/2006/compatibility" xmlns:pvml="urn:schemas-microsoft-com:office:powerpoint" xmlns:v="urn:schemas-microsoft-com:vml" xmlns:o="urn:schemas-microsoft-com:office:office" xmlns:dgm="http://schemas.openxmlformats.org/drawingml/2006/diagram" xmlns:c="http://schemas.openxmlformats.org/drawingml/2006/chart" xmlns:mv="urn:schemas-microsoft-com:mac:vml" xmlns="">
       <p:transition spd="med">
         <p:fade/>
       </p:transition>
@@ -28759,7 +27567,7 @@
             <a:spLocks noGrp="1"/>
           </p:cNvSpPr>
           <p:nvPr>
-            <p:ph type="body" idx="1"/>
+            <p:ph idx="1"/>
           </p:nvPr>
         </p:nvSpPr>
         <p:spPr/>
@@ -28837,7 +27645,7 @@
         <p14:reveal/>
       </p:transition>
     </mc:Choice>
-    <mc:Fallback xmlns="" xmlns:mv="urn:schemas-microsoft-com:mac:vml" xmlns:c="http://schemas.openxmlformats.org/drawingml/2006/chart" xmlns:dgm="http://schemas.openxmlformats.org/drawingml/2006/diagram" xmlns:o="urn:schemas-microsoft-com:office:office" xmlns:v="urn:schemas-microsoft-com:vml" xmlns:pvml="urn:schemas-microsoft-com:office:powerpoint" xmlns:com="http://schemas.openxmlformats.org/drawingml/2006/compatibility" xmlns:p15="http://schemas.microsoft.com/office/powerpoint/2012/main" xmlns:ahyp="http://schemas.microsoft.com/office/drawing/2018/hyperlinkcolor">
+    <mc:Fallback xmlns:ahyp="http://schemas.microsoft.com/office/drawing/2018/hyperlinkcolor" xmlns:p15="http://schemas.microsoft.com/office/powerpoint/2012/main" xmlns:com="http://schemas.openxmlformats.org/drawingml/2006/compatibility" xmlns:pvml="urn:schemas-microsoft-com:office:powerpoint" xmlns:v="urn:schemas-microsoft-com:vml" xmlns:o="urn:schemas-microsoft-com:office:office" xmlns:dgm="http://schemas.openxmlformats.org/drawingml/2006/diagram" xmlns:c="http://schemas.openxmlformats.org/drawingml/2006/chart" xmlns:mv="urn:schemas-microsoft-com:mac:vml" xmlns="">
       <p:transition spd="med">
         <p:fade/>
       </p:transition>
@@ -28908,13 +27716,13 @@
             <a:spLocks noGrp="1"/>
           </p:cNvSpPr>
           <p:nvPr>
-            <p:ph type="body" idx="1"/>
+            <p:ph idx="1"/>
           </p:nvPr>
         </p:nvSpPr>
         <p:spPr/>
         <p:txBody>
           <a:bodyPr numCol="3">
-            <a:normAutofit fontScale="92500" lnSpcReduction="10000"/>
+            <a:normAutofit fontScale="92500" lnSpcReduction="20000"/>
           </a:bodyPr>
           <a:lstStyle/>
           <a:p>
@@ -29182,7 +27990,7 @@
         <p14:reveal/>
       </p:transition>
     </mc:Choice>
-    <mc:Fallback xmlns="" xmlns:mv="urn:schemas-microsoft-com:mac:vml" xmlns:c="http://schemas.openxmlformats.org/drawingml/2006/chart" xmlns:dgm="http://schemas.openxmlformats.org/drawingml/2006/diagram" xmlns:o="urn:schemas-microsoft-com:office:office" xmlns:v="urn:schemas-microsoft-com:vml" xmlns:pvml="urn:schemas-microsoft-com:office:powerpoint" xmlns:com="http://schemas.openxmlformats.org/drawingml/2006/compatibility" xmlns:p15="http://schemas.microsoft.com/office/powerpoint/2012/main" xmlns:ahyp="http://schemas.microsoft.com/office/drawing/2018/hyperlinkcolor">
+    <mc:Fallback xmlns:ahyp="http://schemas.microsoft.com/office/drawing/2018/hyperlinkcolor" xmlns:p15="http://schemas.microsoft.com/office/powerpoint/2012/main" xmlns:com="http://schemas.openxmlformats.org/drawingml/2006/compatibility" xmlns:pvml="urn:schemas-microsoft-com:office:powerpoint" xmlns:v="urn:schemas-microsoft-com:vml" xmlns:o="urn:schemas-microsoft-com:office:office" xmlns:dgm="http://schemas.openxmlformats.org/drawingml/2006/diagram" xmlns:c="http://schemas.openxmlformats.org/drawingml/2006/chart" xmlns:mv="urn:schemas-microsoft-com:mac:vml" xmlns="">
       <p:transition spd="med">
         <p:fade/>
       </p:transition>
@@ -29252,6 +28060,31 @@
           </a:p>
         </p:txBody>
       </p:sp>
+      <p:sp>
+        <p:nvSpPr>
+          <p:cNvPr id="2" name="Espace réservé pour une image  1">
+            <a:extLst>
+              <a:ext uri="{FF2B5EF4-FFF2-40B4-BE49-F238E27FC236}">
+                <a16:creationId xmlns:a16="http://schemas.microsoft.com/office/drawing/2014/main" id="{E2C01648-8616-82FB-253A-6F34464650D6}"/>
+              </a:ext>
+            </a:extLst>
+          </p:cNvPr>
+          <p:cNvSpPr>
+            <a:spLocks noGrp="1"/>
+          </p:cNvSpPr>
+          <p:nvPr>
+            <p:ph type="pic" sz="quarter" idx="10"/>
+          </p:nvPr>
+        </p:nvSpPr>
+        <p:spPr/>
+        <p:txBody>
+          <a:bodyPr/>
+          <a:lstStyle/>
+          <a:p>
+            <a:endParaRPr lang="fr-BE"/>
+          </a:p>
+        </p:txBody>
+      </p:sp>
     </p:spTree>
   </p:cSld>
   <p:clrMapOvr>
@@ -29263,7 +28096,7 @@
         <p14:reveal/>
       </p:transition>
     </mc:Choice>
-    <mc:Fallback xmlns="" xmlns:mv="urn:schemas-microsoft-com:mac:vml" xmlns:c="http://schemas.openxmlformats.org/drawingml/2006/chart" xmlns:dgm="http://schemas.openxmlformats.org/drawingml/2006/diagram" xmlns:o="urn:schemas-microsoft-com:office:office" xmlns:v="urn:schemas-microsoft-com:vml" xmlns:pvml="urn:schemas-microsoft-com:office:powerpoint" xmlns:com="http://schemas.openxmlformats.org/drawingml/2006/compatibility" xmlns:p15="http://schemas.microsoft.com/office/powerpoint/2012/main" xmlns:ahyp="http://schemas.microsoft.com/office/drawing/2018/hyperlinkcolor">
+    <mc:Fallback xmlns:ahyp="http://schemas.microsoft.com/office/drawing/2018/hyperlinkcolor" xmlns:p15="http://schemas.microsoft.com/office/powerpoint/2012/main" xmlns:com="http://schemas.openxmlformats.org/drawingml/2006/compatibility" xmlns:pvml="urn:schemas-microsoft-com:office:powerpoint" xmlns:v="urn:schemas-microsoft-com:vml" xmlns:o="urn:schemas-microsoft-com:office:office" xmlns:dgm="http://schemas.openxmlformats.org/drawingml/2006/diagram" xmlns:c="http://schemas.openxmlformats.org/drawingml/2006/chart" xmlns:mv="urn:schemas-microsoft-com:mac:vml" xmlns="">
       <p:transition spd="med">
         <p:fade/>
       </p:transition>
@@ -29277,10 +28110,10 @@
   <a:themeElements>
     <a:clrScheme name="Custom 4">
       <a:dk1>
-        <a:srgbClr val="000000"/>
+        <a:sysClr val="windowText" lastClr="000000"/>
       </a:dk1>
       <a:lt1>
-        <a:srgbClr val="FFFFFF"/>
+        <a:sysClr val="window" lastClr="FFFFFF"/>
       </a:lt1>
       <a:dk2>
         <a:srgbClr val="162F33"/>
@@ -29313,22 +28146,22 @@
         <a:srgbClr val="3F3F3F"/>
       </a:folHlink>
     </a:clrScheme>
-    <a:fontScheme name="Office">
+    <a:fontScheme name="Garamond">
       <a:majorFont>
-        <a:latin typeface="Arial"/>
+        <a:latin typeface="Garamond" panose="02020404030301010803"/>
         <a:ea typeface=""/>
         <a:cs typeface=""/>
         <a:font script="Jpan" typeface="ＭＳ Ｐゴシック"/>
-        <a:font script="Hang" typeface="맑은 고딕"/>
-        <a:font script="Hans" typeface="宋体"/>
-        <a:font script="Hant" typeface="新細明體"/>
-        <a:font script="Arab" typeface="Times New Roman"/>
-        <a:font script="Hebr" typeface="Times New Roman"/>
-        <a:font script="Thai" typeface="Angsana New"/>
+        <a:font script="Hang" typeface="돋움"/>
+        <a:font script="Hans" typeface="方正舒体"/>
+        <a:font script="Hant" typeface="微軟正黑體"/>
+        <a:font script="Arab" typeface="Arial"/>
+        <a:font script="Hebr" typeface="Arial"/>
+        <a:font script="Thai" typeface="Cordia New"/>
         <a:font script="Ethi" typeface="Nyala"/>
         <a:font script="Beng" typeface="Vrinda"/>
         <a:font script="Gujr" typeface="Shruti"/>
-        <a:font script="Khmr" typeface="MoolBoran"/>
+        <a:font script="Khmr" typeface="DaunPenh"/>
         <a:font script="Knda" typeface="Tunga"/>
         <a:font script="Guru" typeface="Raavi"/>
         <a:font script="Cans" typeface="Euphemia"/>
@@ -29345,18 +28178,18 @@
         <a:font script="Laoo" typeface="DokChampa"/>
         <a:font script="Sinh" typeface="Iskoola Pota"/>
         <a:font script="Mong" typeface="Mongolian Baiti"/>
-        <a:font script="Viet" typeface="Times New Roman"/>
+        <a:font script="Viet" typeface="Arial"/>
         <a:font script="Uigh" typeface="Microsoft Uighur"/>
         <a:font script="Geor" typeface="Sylfaen"/>
       </a:majorFont>
       <a:minorFont>
-        <a:latin typeface="Arial"/>
+        <a:latin typeface="Garamond" panose="02020404030301010803"/>
         <a:ea typeface=""/>
         <a:cs typeface=""/>
         <a:font script="Jpan" typeface="ＭＳ Ｐゴシック"/>
-        <a:font script="Hang" typeface="맑은 고딕"/>
-        <a:font script="Hans" typeface="宋体"/>
-        <a:font script="Hant" typeface="新細明體"/>
+        <a:font script="Hang" typeface="돋움"/>
+        <a:font script="Hans" typeface="方正舒体"/>
+        <a:font script="Hant" typeface="微軟正黑體"/>
         <a:font script="Arab" typeface="Arial"/>
         <a:font script="Hebr" typeface="Arial"/>
         <a:font script="Thai" typeface="Cordia New"/>
@@ -29385,101 +28218,59 @@
         <a:font script="Geor" typeface="Sylfaen"/>
       </a:minorFont>
     </a:fontScheme>
-    <a:fmtScheme name="Office">
+    <a:fmtScheme name="Solides discrets">
       <a:fillStyleLst>
         <a:solidFill>
           <a:schemeClr val="phClr"/>
         </a:solidFill>
-        <a:gradFill rotWithShape="1">
-          <a:gsLst>
-            <a:gs pos="0">
-              <a:schemeClr val="phClr">
-                <a:tint val="50000"/>
-                <a:satMod val="300000"/>
-              </a:schemeClr>
-            </a:gs>
-            <a:gs pos="35000">
-              <a:schemeClr val="phClr">
-                <a:tint val="37000"/>
-                <a:satMod val="300000"/>
-              </a:schemeClr>
-            </a:gs>
-            <a:gs pos="100000">
-              <a:schemeClr val="phClr">
-                <a:tint val="15000"/>
-                <a:satMod val="350000"/>
-              </a:schemeClr>
-            </a:gs>
-          </a:gsLst>
-          <a:lin ang="16200000" scaled="1"/>
-        </a:gradFill>
-        <a:gradFill rotWithShape="1">
-          <a:gsLst>
-            <a:gs pos="0">
-              <a:schemeClr val="phClr">
-                <a:tint val="100000"/>
-                <a:shade val="100000"/>
-                <a:satMod val="130000"/>
-              </a:schemeClr>
-            </a:gs>
-            <a:gs pos="100000">
-              <a:schemeClr val="phClr">
-                <a:tint val="50000"/>
-                <a:shade val="100000"/>
-                <a:satMod val="350000"/>
-              </a:schemeClr>
-            </a:gs>
-          </a:gsLst>
-          <a:lin ang="16200000" scaled="0"/>
-        </a:gradFill>
+        <a:solidFill>
+          <a:schemeClr val="phClr">
+            <a:tint val="65000"/>
+          </a:schemeClr>
+        </a:solidFill>
+        <a:solidFill>
+          <a:schemeClr val="phClr">
+            <a:shade val="80000"/>
+            <a:satMod val="150000"/>
+          </a:schemeClr>
+        </a:solidFill>
       </a:fillStyleLst>
       <a:lnStyleLst>
         <a:ln w="9525" cap="flat" cmpd="sng" algn="ctr">
-          <a:solidFill>
-            <a:schemeClr val="phClr">
-              <a:shade val="95000"/>
-              <a:satMod val="105000"/>
-            </a:schemeClr>
-          </a:solidFill>
-          <a:prstDash val="solid"/>
-        </a:ln>
-        <a:ln w="25400" cap="flat" cmpd="sng" algn="ctr">
           <a:solidFill>
             <a:schemeClr val="phClr"/>
           </a:solidFill>
           <a:prstDash val="solid"/>
         </a:ln>
-        <a:ln w="38100" cap="flat" cmpd="sng" algn="ctr">
+        <a:ln w="10795" cap="flat" cmpd="sng" algn="ctr">
           <a:solidFill>
             <a:schemeClr val="phClr"/>
+          </a:solidFill>
+          <a:prstDash val="solid"/>
+        </a:ln>
+        <a:ln w="17145" cap="flat" cmpd="sng" algn="ctr">
+          <a:solidFill>
+            <a:schemeClr val="phClr">
+              <a:shade val="95000"/>
+              <a:alpha val="50000"/>
+              <a:satMod val="150000"/>
+            </a:schemeClr>
           </a:solidFill>
           <a:prstDash val="solid"/>
         </a:ln>
       </a:lnStyleLst>
       <a:effectStyleLst>
         <a:effectStyle>
-          <a:effectLst>
-            <a:outerShdw blurRad="40000" dist="20000" dir="5400000" rotWithShape="0">
-              <a:srgbClr val="000000">
-                <a:alpha val="38000"/>
-              </a:srgbClr>
-            </a:outerShdw>
-          </a:effectLst>
+          <a:effectLst/>
+        </a:effectStyle>
+        <a:effectStyle>
+          <a:effectLst/>
         </a:effectStyle>
         <a:effectStyle>
           <a:effectLst>
-            <a:outerShdw blurRad="40000" dist="23000" dir="5400000" rotWithShape="0">
+            <a:outerShdw blurRad="44450" dist="13970" dir="5400000" algn="ctr" rotWithShape="0">
               <a:srgbClr val="000000">
-                <a:alpha val="35000"/>
-              </a:srgbClr>
-            </a:outerShdw>
-          </a:effectLst>
-        </a:effectStyle>
-        <a:effectStyle>
-          <a:effectLst>
-            <a:outerShdw blurRad="40000" dist="23000" dir="5400000" rotWithShape="0">
-              <a:srgbClr val="000000">
-                <a:alpha val="35000"/>
+                <a:alpha val="45000"/>
               </a:srgbClr>
             </a:outerShdw>
           </a:effectLst>
@@ -29487,12 +28278,10 @@
             <a:camera prst="orthographicFront">
               <a:rot lat="0" lon="0" rev="0"/>
             </a:camera>
-            <a:lightRig rig="threePt" dir="t">
-              <a:rot lat="0" lon="0" rev="1200000"/>
-            </a:lightRig>
+            <a:lightRig rig="twoPt" dir="tl"/>
           </a:scene3d>
-          <a:sp3d>
-            <a:bevelT w="63500" h="25400"/>
+          <a:sp3d prstMaterial="flat">
+            <a:bevelT w="12700" h="25400" prst="coolSlant"/>
           </a:sp3d>
         </a:effectStyle>
       </a:effectStyleLst>
@@ -29500,104 +28289,26 @@
         <a:solidFill>
           <a:schemeClr val="phClr"/>
         </a:solidFill>
-        <a:gradFill rotWithShape="1">
-          <a:gsLst>
-            <a:gs pos="0">
-              <a:schemeClr val="phClr">
-                <a:tint val="40000"/>
-                <a:satMod val="350000"/>
-              </a:schemeClr>
-            </a:gs>
-            <a:gs pos="40000">
-              <a:schemeClr val="phClr">
-                <a:tint val="45000"/>
-                <a:shade val="99000"/>
-                <a:satMod val="350000"/>
-              </a:schemeClr>
-            </a:gs>
-            <a:gs pos="100000">
-              <a:schemeClr val="phClr">
-                <a:shade val="20000"/>
-                <a:satMod val="255000"/>
-              </a:schemeClr>
-            </a:gs>
-          </a:gsLst>
-          <a:path path="circle">
-            <a:fillToRect l="50000" t="-80000" r="50000" b="180000"/>
-          </a:path>
-        </a:gradFill>
-        <a:gradFill rotWithShape="1">
-          <a:gsLst>
-            <a:gs pos="0">
-              <a:schemeClr val="phClr">
-                <a:tint val="80000"/>
-                <a:satMod val="300000"/>
-              </a:schemeClr>
-            </a:gs>
-            <a:gs pos="100000">
-              <a:schemeClr val="phClr">
-                <a:shade val="30000"/>
-                <a:satMod val="200000"/>
-              </a:schemeClr>
-            </a:gs>
-          </a:gsLst>
-          <a:path path="circle">
-            <a:fillToRect l="50000" t="50000" r="50000" b="50000"/>
-          </a:path>
-        </a:gradFill>
+        <a:solidFill>
+          <a:schemeClr val="phClr">
+            <a:tint val="95000"/>
+            <a:satMod val="170000"/>
+          </a:schemeClr>
+        </a:solidFill>
+        <a:solidFill>
+          <a:schemeClr val="phClr">
+            <a:shade val="95000"/>
+            <a:satMod val="170000"/>
+          </a:schemeClr>
+        </a:solidFill>
       </a:bgFillStyleLst>
     </a:fmtScheme>
   </a:themeElements>
-  <a:objectDefaults>
-    <a:lnDef>
-      <a:spPr>
-        <a:ln w="9525" cap="flat" cmpd="sng" algn="ctr">
-          <a:solidFill>
-            <a:schemeClr val="dk1"/>
-          </a:solidFill>
-          <a:prstDash val="solid"/>
-          <a:round/>
-          <a:headEnd type="none" w="med" len="med"/>
-          <a:tailEnd type="arrow" w="med" len="med"/>
-        </a:ln>
-      </a:spPr>
-      <a:bodyPr/>
-      <a:lstStyle/>
-      <a:style>
-        <a:lnRef idx="0">
-          <a:scrgbClr r="0" g="0" b="0"/>
-        </a:lnRef>
-        <a:fillRef idx="0">
-          <a:scrgbClr r="0" g="0" b="0"/>
-        </a:fillRef>
-        <a:effectRef idx="0">
-          <a:scrgbClr r="0" g="0" b="0"/>
-        </a:effectRef>
-        <a:fontRef idx="minor">
-          <a:schemeClr val="tx1"/>
-        </a:fontRef>
-      </a:style>
-    </a:lnDef>
-    <a:txDef>
-      <a:spPr>
-        <a:noFill/>
-      </a:spPr>
-      <a:bodyPr wrap="square" rtlCol="0">
-        <a:spAutoFit/>
-      </a:bodyPr>
-      <a:lstStyle>
-        <a:defPPr algn="l">
-          <a:defRPr sz="2400" smtClean="0">
-            <a:latin typeface="Garamond" panose="02020404030301010803" pitchFamily="18" charset="0"/>
-          </a:defRPr>
-        </a:defPPr>
-      </a:lstStyle>
-    </a:txDef>
-  </a:objectDefaults>
+  <a:objectDefaults/>
   <a:extraClrSchemeLst/>
   <a:extLst>
     <a:ext uri="{05A4C25C-085E-4340-85A3-A5531E510DB2}">
-      <thm15:themeFamily xmlns:thm15="http://schemas.microsoft.com/office/thememl/2012/main" name="17_syllabus.pptx" id="{6A909769-9B72-4864-9B3A-F74258F25A7A}" vid="{7C94A352-ECA6-485A-8561-7EF9920ADD82}"/>
+      <thm15:themeFamily xmlns:thm15="http://schemas.microsoft.com/office/thememl/2012/main" name="burotix2022.potm" id="{7A707283-01BA-4932-B574-4A389620091B}" vid="{093B5C4F-DD58-40B6-A0EE-0D8451AE628D}"/>
     </a:ext>
   </a:extLst>
 </a:theme>
